--- a/빅데이터분석기획/빅데이터 분석 기획_실습_김혁민_v1.1.pptx
+++ b/빅데이터분석기획/빅데이터 분석 기획_실습_김혁민_v1.1.pptx
@@ -22,7 +22,7 @@
     <p:sldId id="582" r:id="rId10"/>
     <p:sldId id="595" r:id="rId11"/>
     <p:sldId id="585" r:id="rId12"/>
-    <p:sldId id="586" r:id="rId13"/>
+    <p:sldId id="596" r:id="rId13"/>
     <p:sldId id="587" r:id="rId14"/>
     <p:sldId id="588" r:id="rId15"/>
   </p:sldIdLst>
@@ -1056,7 +1056,7 @@
               <a:t>, </a:t>
             </a:r>
             <a:r>
-              <a:rPr lang="ko-KR" altLang="en-US" smtClean="0">
+              <a:rPr lang="ko-KR" altLang="en-US" dirty="0" smtClean="0">
                 <a:latin typeface="+mn-ea"/>
                 <a:ea typeface="+mn-ea"/>
               </a:rPr>
@@ -1178,12 +1178,24 @@
           </a:bodyPr>
           <a:lstStyle/>
           <a:p>
-            <a:pPr marL="176213" indent="-176213">
+            <a:pPr marL="176213" marR="0" lvl="0" indent="-176213" algn="l" defTabSz="914400" rtl="0" eaLnBrk="1" fontAlgn="auto" latinLnBrk="1" hangingPunct="1">
+              <a:lnSpc>
+                <a:spcPct val="100000"/>
+              </a:lnSpc>
+              <a:spcBef>
+                <a:spcPts val="0"/>
+              </a:spcBef>
+              <a:spcAft>
+                <a:spcPts val="0"/>
+              </a:spcAft>
+              <a:buClrTx/>
+              <a:buSzTx/>
               <a:buFont typeface="Wingdings" pitchFamily="2" charset="2"/>
               <a:buChar char="§"/>
               <a:tabLst>
                 <a:tab pos="176213" algn="l"/>
               </a:tabLst>
+              <a:defRPr/>
             </a:pPr>
             <a:endParaRPr lang="ko-KR" altLang="en-US" dirty="0">
               <a:latin typeface="+mn-ea"/>
@@ -1224,7 +1236,7 @@
     </p:spTree>
     <p:extLst>
       <p:ext uri="{BB962C8B-B14F-4D97-AF65-F5344CB8AC3E}">
-        <p14:creationId xmlns:p14="http://schemas.microsoft.com/office/powerpoint/2010/main" val="3555537384"/>
+        <p14:creationId xmlns:p14="http://schemas.microsoft.com/office/powerpoint/2010/main" val="2821332656"/>
       </p:ext>
     </p:extLst>
   </p:cSld>
@@ -4152,70 +4164,13 @@
       </p:sp>
       <p:sp>
         <p:nvSpPr>
-          <p:cNvPr id="31" name="모서리가 접힌 도형 30"/>
-          <p:cNvSpPr/>
-          <p:nvPr/>
-        </p:nvSpPr>
-        <p:spPr>
-          <a:xfrm>
-            <a:off x="4203389" y="3394629"/>
-            <a:ext cx="676697" cy="522863"/>
-          </a:xfrm>
-          <a:prstGeom prst="foldedCorner">
-            <a:avLst/>
-          </a:prstGeom>
-          <a:effectLst>
-            <a:outerShdw blurRad="50800" dist="38100" dir="2700000" algn="tl" rotWithShape="0">
-              <a:prstClr val="black">
-                <a:alpha val="40000"/>
-              </a:prstClr>
-            </a:outerShdw>
-          </a:effectLst>
-        </p:spPr>
-        <p:style>
-          <a:lnRef idx="2">
-            <a:schemeClr val="dk1"/>
-          </a:lnRef>
-          <a:fillRef idx="1">
-            <a:schemeClr val="lt1"/>
-          </a:fillRef>
-          <a:effectRef idx="0">
-            <a:schemeClr val="dk1"/>
-          </a:effectRef>
-          <a:fontRef idx="minor">
-            <a:schemeClr val="dk1"/>
-          </a:fontRef>
-        </p:style>
-        <p:txBody>
-          <a:bodyPr rtlCol="0" anchor="ctr" anchorCtr="1"/>
-          <a:lstStyle/>
-          <a:p>
-            <a:pPr algn="ctr"/>
-            <a:r>
-              <a:rPr lang="ko-KR" altLang="en-US" sz="900" b="1" dirty="0" smtClean="0"/>
-              <a:t>신규고객</a:t>
-            </a:r>
-            <a:endParaRPr lang="en-US" altLang="ko-KR" sz="900" b="1" dirty="0" smtClean="0"/>
-          </a:p>
-          <a:p>
-            <a:pPr algn="ctr"/>
-            <a:r>
-              <a:rPr lang="ko-KR" altLang="en-US" sz="900" b="1" dirty="0" err="1" smtClean="0"/>
-              <a:t>마케터</a:t>
-            </a:r>
-            <a:endParaRPr lang="ko-KR" altLang="en-US" sz="900" b="1" dirty="0"/>
-          </a:p>
-        </p:txBody>
-      </p:sp>
-      <p:sp>
-        <p:nvSpPr>
           <p:cNvPr id="35" name="모서리가 접힌 도형 34"/>
           <p:cNvSpPr/>
           <p:nvPr/>
         </p:nvSpPr>
         <p:spPr>
           <a:xfrm>
-            <a:off x="5146784" y="2733388"/>
+            <a:off x="5146784" y="2950939"/>
             <a:ext cx="1072212" cy="340453"/>
           </a:xfrm>
           <a:prstGeom prst="foldedCorner">
@@ -4259,55 +4214,6 @@
             <a:r>
               <a:rPr lang="ko-KR" altLang="en-US" sz="900" b="1" dirty="0" smtClean="0"/>
               <a:t>홈페이지</a:t>
-            </a:r>
-            <a:endParaRPr lang="ko-KR" altLang="en-US" sz="900" b="1" dirty="0"/>
-          </a:p>
-        </p:txBody>
-      </p:sp>
-      <p:sp>
-        <p:nvSpPr>
-          <p:cNvPr id="36" name="모서리가 접힌 도형 35"/>
-          <p:cNvSpPr/>
-          <p:nvPr/>
-        </p:nvSpPr>
-        <p:spPr>
-          <a:xfrm>
-            <a:off x="5146784" y="3209065"/>
-            <a:ext cx="1072212" cy="340453"/>
-          </a:xfrm>
-          <a:prstGeom prst="foldedCorner">
-            <a:avLst/>
-          </a:prstGeom>
-          <a:effectLst>
-            <a:outerShdw blurRad="50800" dist="38100" dir="2700000" algn="tl" rotWithShape="0">
-              <a:prstClr val="black">
-                <a:alpha val="40000"/>
-              </a:prstClr>
-            </a:outerShdw>
-          </a:effectLst>
-        </p:spPr>
-        <p:style>
-          <a:lnRef idx="2">
-            <a:schemeClr val="dk1"/>
-          </a:lnRef>
-          <a:fillRef idx="1">
-            <a:schemeClr val="lt1"/>
-          </a:fillRef>
-          <a:effectRef idx="0">
-            <a:schemeClr val="dk1"/>
-          </a:effectRef>
-          <a:fontRef idx="minor">
-            <a:schemeClr val="dk1"/>
-          </a:fontRef>
-        </p:style>
-        <p:txBody>
-          <a:bodyPr rtlCol="0" anchor="ctr" anchorCtr="1"/>
-          <a:lstStyle/>
-          <a:p>
-            <a:pPr algn="ctr"/>
-            <a:r>
-              <a:rPr lang="ko-KR" altLang="en-US" sz="900" b="1" dirty="0" err="1"/>
-              <a:t>ㅇ</a:t>
             </a:r>
             <a:endParaRPr lang="ko-KR" altLang="en-US" sz="900" b="1" dirty="0"/>
           </a:p>
@@ -4370,7 +4276,7 @@
         </p:nvSpPr>
         <p:spPr>
           <a:xfrm>
-            <a:off x="5142065" y="3672110"/>
+            <a:off x="5142065" y="3526634"/>
             <a:ext cx="1072212" cy="412424"/>
           </a:xfrm>
           <a:prstGeom prst="foldedCorner">
@@ -4427,7 +4333,7 @@
         </p:nvGrpSpPr>
         <p:grpSpPr>
           <a:xfrm>
-            <a:off x="3260426" y="4482570"/>
+            <a:off x="2662849" y="3981408"/>
             <a:ext cx="2024124" cy="1910503"/>
             <a:chOff x="3062258" y="736990"/>
             <a:chExt cx="2024124" cy="1910503"/>
@@ -4585,129 +4491,24 @@
           </p:txBody>
         </p:sp>
       </p:grpSp>
-      <p:grpSp>
-        <p:nvGrpSpPr>
-          <p:cNvPr id="41" name="그룹 40"/>
-          <p:cNvGrpSpPr/>
-          <p:nvPr/>
-        </p:nvGrpSpPr>
-        <p:grpSpPr>
-          <a:xfrm>
-            <a:off x="1165272" y="4491513"/>
-            <a:ext cx="2024124" cy="1910503"/>
-            <a:chOff x="3062258" y="736990"/>
-            <a:chExt cx="2024124" cy="1910503"/>
-          </a:xfrm>
-        </p:grpSpPr>
-        <p:pic>
-          <p:nvPicPr>
-            <p:cNvPr id="42" name="Picture 34"/>
-            <p:cNvPicPr>
-              <a:picLocks noChangeAspect="1"/>
-            </p:cNvPicPr>
-            <p:nvPr/>
-          </p:nvPicPr>
-          <p:blipFill>
-            <a:blip r:embed="rId5" cstate="print">
-              <a:clrChange>
-                <a:clrFrom>
-                  <a:srgbClr val="FFFFFF"/>
-                </a:clrFrom>
-                <a:clrTo>
-                  <a:srgbClr val="FFFFFF">
-                    <a:alpha val="0"/>
-                  </a:srgbClr>
-                </a:clrTo>
-              </a:clrChange>
-            </a:blip>
-            <a:srcRect/>
-            <a:stretch>
-              <a:fillRect/>
-            </a:stretch>
-          </p:blipFill>
-          <p:spPr bwMode="auto">
-            <a:xfrm rot="20850399">
-              <a:off x="3062258" y="736990"/>
-              <a:ext cx="2024124" cy="1910503"/>
-            </a:xfrm>
-            <a:prstGeom prst="rect">
-              <a:avLst/>
-            </a:prstGeom>
-            <a:noFill/>
-            <a:ln w="9525">
-              <a:noFill/>
-              <a:miter lim="800000"/>
-              <a:headEnd/>
-              <a:tailEnd/>
-            </a:ln>
-          </p:spPr>
-        </p:pic>
-        <p:sp>
-          <p:nvSpPr>
-            <p:cNvPr id="43" name="TextBox 76"/>
-            <p:cNvSpPr txBox="1">
-              <a:spLocks noChangeArrowheads="1"/>
-            </p:cNvSpPr>
-            <p:nvPr/>
-          </p:nvSpPr>
-          <p:spPr bwMode="auto">
-            <a:xfrm rot="20383412">
-              <a:off x="3181466" y="1634052"/>
-              <a:ext cx="1799460" cy="338554"/>
-            </a:xfrm>
-            <a:prstGeom prst="rect">
-              <a:avLst/>
-            </a:prstGeom>
-            <a:noFill/>
-            <a:ln w="9525">
-              <a:noFill/>
-              <a:miter lim="800000"/>
-              <a:headEnd/>
-              <a:tailEnd/>
-            </a:ln>
-          </p:spPr>
-          <p:txBody>
-            <a:bodyPr wrap="square">
-              <a:spAutoFit/>
-            </a:bodyPr>
-            <a:lstStyle/>
-            <a:p>
-              <a:pPr algn="ctr">
-                <a:buClr>
-                  <a:srgbClr val="927969"/>
-                </a:buClr>
-                <a:tabLst>
-                  <a:tab pos="630238" algn="l"/>
-                </a:tabLst>
-              </a:pPr>
-              <a:r>
-                <a:rPr lang="ko-KR" altLang="en-US" sz="1600" b="1" dirty="0" err="1" smtClean="0">
-                  <a:latin typeface="나눔손글씨 펜" pitchFamily="66" charset="-127"/>
-                  <a:ea typeface="나눔손글씨 펜" pitchFamily="66" charset="-127"/>
-                </a:rPr>
-                <a:t>ㅇ</a:t>
-              </a:r>
-              <a:endParaRPr lang="en-US" altLang="ko-KR" sz="1600" b="1" dirty="0">
-                <a:latin typeface="나눔손글씨 펜" pitchFamily="66" charset="-127"/>
-                <a:ea typeface="나눔손글씨 펜" pitchFamily="66" charset="-127"/>
-              </a:endParaRPr>
-            </a:p>
-          </p:txBody>
-        </p:sp>
-      </p:grpSp>
       <p:cxnSp>
         <p:nvCxnSpPr>
           <p:cNvPr id="40" name="구부러진 연결선 39"/>
-          <p:cNvCxnSpPr/>
+          <p:cNvCxnSpPr>
+            <a:stCxn id="38" idx="1"/>
+            <a:endCxn id="39" idx="3"/>
+          </p:cNvCxnSpPr>
           <p:nvPr/>
         </p:nvCxnSpPr>
         <p:spPr>
-          <a:xfrm rot="5400000">
-            <a:off x="4352821" y="3979377"/>
-            <a:ext cx="792524" cy="785965"/>
+          <a:xfrm rot="10800000" flipV="1">
+            <a:off x="4525763" y="3732845"/>
+            <a:ext cx="616303" cy="1003101"/>
           </a:xfrm>
           <a:prstGeom prst="curvedConnector3">
-            <a:avLst/>
+            <a:avLst>
+              <a:gd name="adj1" fmla="val 50000"/>
+            </a:avLst>
           </a:prstGeom>
           <a:ln w="28575">
             <a:solidFill>
@@ -5295,8 +5096,8 @@
         </p:nvCxnSpPr>
         <p:spPr>
           <a:xfrm rot="5400000" flipH="1" flipV="1">
-            <a:off x="5963290" y="1961346"/>
-            <a:ext cx="491642" cy="1052442"/>
+            <a:off x="5854515" y="2070122"/>
+            <a:ext cx="709193" cy="1052442"/>
           </a:xfrm>
           <a:prstGeom prst="curvedConnector3">
             <a:avLst>
@@ -5333,7 +5134,7 @@
         </p:nvGrpSpPr>
         <p:grpSpPr>
           <a:xfrm rot="2767820">
-            <a:off x="7329803" y="1531135"/>
+            <a:off x="7142508" y="3110656"/>
             <a:ext cx="2024124" cy="1910503"/>
             <a:chOff x="3062258" y="736990"/>
             <a:chExt cx="2024124" cy="1910503"/>
@@ -5470,217 +5271,19 @@
           </p:txBody>
         </p:sp>
       </p:grpSp>
-      <p:sp>
-        <p:nvSpPr>
-          <p:cNvPr id="71" name="모서리가 접힌 도형 70"/>
-          <p:cNvSpPr/>
-          <p:nvPr/>
-        </p:nvSpPr>
-        <p:spPr>
-          <a:xfrm>
-            <a:off x="6443972" y="3486276"/>
-            <a:ext cx="741261" cy="340453"/>
-          </a:xfrm>
-          <a:prstGeom prst="foldedCorner">
-            <a:avLst/>
-          </a:prstGeom>
-          <a:effectLst>
-            <a:outerShdw blurRad="50800" dist="38100" dir="2700000" algn="tl" rotWithShape="0">
-              <a:prstClr val="black">
-                <a:alpha val="40000"/>
-              </a:prstClr>
-            </a:outerShdw>
-          </a:effectLst>
-        </p:spPr>
-        <p:style>
-          <a:lnRef idx="2">
-            <a:schemeClr val="dk1"/>
-          </a:lnRef>
-          <a:fillRef idx="1">
-            <a:schemeClr val="lt1"/>
-          </a:fillRef>
-          <a:effectRef idx="0">
-            <a:schemeClr val="dk1"/>
-          </a:effectRef>
-          <a:fontRef idx="minor">
-            <a:schemeClr val="dk1"/>
-          </a:fontRef>
-        </p:style>
-        <p:txBody>
-          <a:bodyPr rtlCol="0" anchor="ctr" anchorCtr="1"/>
-          <a:lstStyle/>
-          <a:p>
-            <a:pPr algn="ctr"/>
-            <a:r>
-              <a:rPr lang="ko-KR" altLang="en-US" sz="900" b="1" dirty="0" err="1" smtClean="0"/>
-              <a:t>ㅇ</a:t>
-            </a:r>
-            <a:endParaRPr lang="ko-KR" altLang="en-US" sz="900" b="1" dirty="0"/>
-          </a:p>
-        </p:txBody>
-      </p:sp>
-      <p:grpSp>
-        <p:nvGrpSpPr>
-          <p:cNvPr id="72" name="그룹 71"/>
-          <p:cNvGrpSpPr/>
-          <p:nvPr/>
-        </p:nvGrpSpPr>
-        <p:grpSpPr>
-          <a:xfrm rot="1701043">
-            <a:off x="7310660" y="3418368"/>
-            <a:ext cx="2024124" cy="1910503"/>
-            <a:chOff x="3062258" y="736990"/>
-            <a:chExt cx="2024124" cy="1910503"/>
-          </a:xfrm>
-        </p:grpSpPr>
-        <p:pic>
-          <p:nvPicPr>
-            <p:cNvPr id="73" name="Picture 34"/>
-            <p:cNvPicPr>
-              <a:picLocks noChangeAspect="1"/>
-            </p:cNvPicPr>
-            <p:nvPr/>
-          </p:nvPicPr>
-          <p:blipFill>
-            <a:blip r:embed="rId5" cstate="print">
-              <a:clrChange>
-                <a:clrFrom>
-                  <a:srgbClr val="FFFFFF"/>
-                </a:clrFrom>
-                <a:clrTo>
-                  <a:srgbClr val="FFFFFF">
-                    <a:alpha val="0"/>
-                  </a:srgbClr>
-                </a:clrTo>
-              </a:clrChange>
-            </a:blip>
-            <a:srcRect/>
-            <a:stretch>
-              <a:fillRect/>
-            </a:stretch>
-          </p:blipFill>
-          <p:spPr bwMode="auto">
-            <a:xfrm rot="20850399">
-              <a:off x="3062258" y="736990"/>
-              <a:ext cx="2024124" cy="1910503"/>
-            </a:xfrm>
-            <a:prstGeom prst="rect">
-              <a:avLst/>
-            </a:prstGeom>
-            <a:noFill/>
-            <a:ln w="9525">
-              <a:noFill/>
-              <a:miter lim="800000"/>
-              <a:headEnd/>
-              <a:tailEnd/>
-            </a:ln>
-          </p:spPr>
-        </p:pic>
-        <p:sp>
-          <p:nvSpPr>
-            <p:cNvPr id="74" name="TextBox 76"/>
-            <p:cNvSpPr txBox="1">
-              <a:spLocks noChangeArrowheads="1"/>
-            </p:cNvSpPr>
-            <p:nvPr/>
-          </p:nvSpPr>
-          <p:spPr bwMode="auto">
-            <a:xfrm rot="20383412">
-              <a:off x="3181466" y="1634053"/>
-              <a:ext cx="1799460" cy="338554"/>
-            </a:xfrm>
-            <a:prstGeom prst="rect">
-              <a:avLst/>
-            </a:prstGeom>
-            <a:noFill/>
-            <a:ln w="9525">
-              <a:noFill/>
-              <a:miter lim="800000"/>
-              <a:headEnd/>
-              <a:tailEnd/>
-            </a:ln>
-          </p:spPr>
-          <p:txBody>
-            <a:bodyPr wrap="square">
-              <a:spAutoFit/>
-            </a:bodyPr>
-            <a:lstStyle/>
-            <a:p>
-              <a:pPr algn="ctr">
-                <a:buClr>
-                  <a:srgbClr val="927969"/>
-                </a:buClr>
-                <a:tabLst>
-                  <a:tab pos="630238" algn="l"/>
-                </a:tabLst>
-              </a:pPr>
-              <a:r>
-                <a:rPr lang="ko-KR" altLang="en-US" sz="1600" b="1" dirty="0" err="1" smtClean="0">
-                  <a:latin typeface="나눔손글씨 펜" pitchFamily="66" charset="-127"/>
-                  <a:ea typeface="나눔손글씨 펜" pitchFamily="66" charset="-127"/>
-                </a:rPr>
-                <a:t>ㅇ</a:t>
-              </a:r>
-              <a:endParaRPr lang="en-US" altLang="ko-KR" sz="1600" b="1" dirty="0">
-                <a:latin typeface="나눔손글씨 펜" pitchFamily="66" charset="-127"/>
-                <a:ea typeface="나눔손글씨 펜" pitchFamily="66" charset="-127"/>
-              </a:endParaRPr>
-            </a:p>
-          </p:txBody>
-        </p:sp>
-      </p:grpSp>
       <p:cxnSp>
         <p:nvCxnSpPr>
           <p:cNvPr id="75" name="구부러진 연결선 74"/>
           <p:cNvCxnSpPr>
             <a:stCxn id="54" idx="3"/>
-          </p:cNvCxnSpPr>
-          <p:nvPr/>
-        </p:nvCxnSpPr>
-        <p:spPr>
-          <a:xfrm flipV="1">
-            <a:off x="7178355" y="2918816"/>
-            <a:ext cx="449063" cy="253917"/>
-          </a:xfrm>
-          <a:prstGeom prst="curvedConnector3">
-            <a:avLst>
-              <a:gd name="adj1" fmla="val 50000"/>
-            </a:avLst>
-          </a:prstGeom>
-          <a:ln w="28575">
-            <a:solidFill>
-              <a:schemeClr val="tx1"/>
-            </a:solidFill>
-            <a:tailEnd type="triangle"/>
-          </a:ln>
-        </p:spPr>
-        <p:style>
-          <a:lnRef idx="1">
-            <a:schemeClr val="accent1"/>
-          </a:lnRef>
-          <a:fillRef idx="0">
-            <a:schemeClr val="accent1"/>
-          </a:fillRef>
-          <a:effectRef idx="0">
-            <a:schemeClr val="accent1"/>
-          </a:effectRef>
-          <a:fontRef idx="minor">
-            <a:schemeClr val="tx1"/>
-          </a:fontRef>
-        </p:style>
-      </p:cxnSp>
-      <p:cxnSp>
-        <p:nvCxnSpPr>
-          <p:cNvPr id="78" name="구부러진 연결선 77"/>
-          <p:cNvCxnSpPr>
-            <a:stCxn id="71" idx="3"/>
+            <a:endCxn id="70" idx="1"/>
           </p:cNvCxnSpPr>
           <p:nvPr/>
         </p:nvCxnSpPr>
         <p:spPr>
           <a:xfrm>
-            <a:off x="7185233" y="3656503"/>
-            <a:ext cx="442185" cy="319595"/>
+            <a:off x="7178355" y="3172733"/>
+            <a:ext cx="91218" cy="582768"/>
           </a:xfrm>
           <a:prstGeom prst="curvedConnector3">
             <a:avLst>
@@ -5864,191 +5467,6 @@
           </p:txBody>
         </p:sp>
       </p:grpSp>
-      <p:grpSp>
-        <p:nvGrpSpPr>
-          <p:cNvPr id="85" name="그룹 84"/>
-          <p:cNvGrpSpPr/>
-          <p:nvPr/>
-        </p:nvGrpSpPr>
-        <p:grpSpPr>
-          <a:xfrm rot="910286">
-            <a:off x="1885698" y="2584604"/>
-            <a:ext cx="2024124" cy="1910503"/>
-            <a:chOff x="3062258" y="736990"/>
-            <a:chExt cx="2024124" cy="1910503"/>
-          </a:xfrm>
-        </p:grpSpPr>
-        <p:pic>
-          <p:nvPicPr>
-            <p:cNvPr id="86" name="Picture 34"/>
-            <p:cNvPicPr>
-              <a:picLocks noChangeAspect="1"/>
-            </p:cNvPicPr>
-            <p:nvPr/>
-          </p:nvPicPr>
-          <p:blipFill>
-            <a:blip r:embed="rId5" cstate="print">
-              <a:clrChange>
-                <a:clrFrom>
-                  <a:srgbClr val="FFFFFF"/>
-                </a:clrFrom>
-                <a:clrTo>
-                  <a:srgbClr val="FFFFFF">
-                    <a:alpha val="0"/>
-                  </a:srgbClr>
-                </a:clrTo>
-              </a:clrChange>
-            </a:blip>
-            <a:srcRect/>
-            <a:stretch>
-              <a:fillRect/>
-            </a:stretch>
-          </p:blipFill>
-          <p:spPr bwMode="auto">
-            <a:xfrm rot="20850399">
-              <a:off x="3062258" y="736990"/>
-              <a:ext cx="2024124" cy="1910503"/>
-            </a:xfrm>
-            <a:prstGeom prst="rect">
-              <a:avLst/>
-            </a:prstGeom>
-            <a:noFill/>
-            <a:ln w="9525">
-              <a:noFill/>
-              <a:miter lim="800000"/>
-              <a:headEnd/>
-              <a:tailEnd/>
-            </a:ln>
-          </p:spPr>
-        </p:pic>
-        <p:sp>
-          <p:nvSpPr>
-            <p:cNvPr id="87" name="TextBox 76"/>
-            <p:cNvSpPr txBox="1">
-              <a:spLocks noChangeArrowheads="1"/>
-            </p:cNvSpPr>
-            <p:nvPr/>
-          </p:nvSpPr>
-          <p:spPr bwMode="auto">
-            <a:xfrm rot="20383412">
-              <a:off x="3181466" y="1634053"/>
-              <a:ext cx="1799460" cy="338554"/>
-            </a:xfrm>
-            <a:prstGeom prst="rect">
-              <a:avLst/>
-            </a:prstGeom>
-            <a:noFill/>
-            <a:ln w="9525">
-              <a:noFill/>
-              <a:miter lim="800000"/>
-              <a:headEnd/>
-              <a:tailEnd/>
-            </a:ln>
-          </p:spPr>
-          <p:txBody>
-            <a:bodyPr wrap="square">
-              <a:spAutoFit/>
-            </a:bodyPr>
-            <a:lstStyle/>
-            <a:p>
-              <a:pPr algn="ctr">
-                <a:buClr>
-                  <a:srgbClr val="927969"/>
-                </a:buClr>
-                <a:tabLst>
-                  <a:tab pos="630238" algn="l"/>
-                </a:tabLst>
-              </a:pPr>
-              <a:r>
-                <a:rPr lang="ko-KR" altLang="en-US" sz="1600" b="1" dirty="0" err="1" smtClean="0">
-                  <a:latin typeface="나눔손글씨 펜" pitchFamily="66" charset="-127"/>
-                  <a:ea typeface="나눔손글씨 펜" pitchFamily="66" charset="-127"/>
-                </a:rPr>
-                <a:t>ㅇ</a:t>
-              </a:r>
-              <a:endParaRPr lang="en-US" altLang="ko-KR" sz="1600" b="1" dirty="0">
-                <a:latin typeface="나눔손글씨 펜" pitchFamily="66" charset="-127"/>
-                <a:ea typeface="나눔손글씨 펜" pitchFamily="66" charset="-127"/>
-              </a:endParaRPr>
-            </a:p>
-          </p:txBody>
-        </p:sp>
-      </p:grpSp>
-      <p:cxnSp>
-        <p:nvCxnSpPr>
-          <p:cNvPr id="47" name="구부러진 연결선 46"/>
-          <p:cNvCxnSpPr/>
-          <p:nvPr/>
-        </p:nvCxnSpPr>
-        <p:spPr>
-          <a:xfrm rot="10800000" flipV="1">
-            <a:off x="2852773" y="3855825"/>
-            <a:ext cx="1334429" cy="1134612"/>
-          </a:xfrm>
-          <a:prstGeom prst="curvedConnector3">
-            <a:avLst/>
-          </a:prstGeom>
-          <a:ln w="28575">
-            <a:solidFill>
-              <a:schemeClr val="tx1"/>
-            </a:solidFill>
-            <a:tailEnd type="triangle"/>
-          </a:ln>
-        </p:spPr>
-        <p:style>
-          <a:lnRef idx="1">
-            <a:schemeClr val="accent1"/>
-          </a:lnRef>
-          <a:fillRef idx="0">
-            <a:schemeClr val="accent1"/>
-          </a:fillRef>
-          <a:effectRef idx="0">
-            <a:schemeClr val="accent1"/>
-          </a:effectRef>
-          <a:fontRef idx="minor">
-            <a:schemeClr val="tx1"/>
-          </a:fontRef>
-        </p:style>
-      </p:cxnSp>
-      <p:cxnSp>
-        <p:nvCxnSpPr>
-          <p:cNvPr id="14" name="구부러진 연결선 13"/>
-          <p:cNvCxnSpPr>
-            <a:stCxn id="31" idx="1"/>
-            <a:endCxn id="87" idx="3"/>
-          </p:cNvCxnSpPr>
-          <p:nvPr/>
-        </p:nvCxnSpPr>
-        <p:spPr>
-          <a:xfrm rot="10800000">
-            <a:off x="3771485" y="3568813"/>
-            <a:ext cx="431904" cy="87249"/>
-          </a:xfrm>
-          <a:prstGeom prst="curvedConnector3">
-            <a:avLst/>
-          </a:prstGeom>
-          <a:ln w="28575">
-            <a:solidFill>
-              <a:schemeClr val="tx1"/>
-            </a:solidFill>
-            <a:tailEnd type="triangle"/>
-          </a:ln>
-        </p:spPr>
-        <p:style>
-          <a:lnRef idx="1">
-            <a:schemeClr val="accent1"/>
-          </a:lnRef>
-          <a:fillRef idx="0">
-            <a:schemeClr val="accent1"/>
-          </a:fillRef>
-          <a:effectRef idx="0">
-            <a:schemeClr val="accent1"/>
-          </a:effectRef>
-          <a:fontRef idx="minor">
-            <a:schemeClr val="tx1"/>
-          </a:fontRef>
-        </p:style>
-      </p:cxnSp>
     </p:spTree>
     <p:extLst>
       <p:ext uri="{BB962C8B-B14F-4D97-AF65-F5344CB8AC3E}">
@@ -7436,8 +6854,8 @@
         </p:nvSpPr>
         <p:spPr>
           <a:xfrm>
-            <a:off x="4489069" y="3609254"/>
-            <a:ext cx="936000" cy="756000"/>
+            <a:off x="4489069" y="3346034"/>
+            <a:ext cx="991800" cy="801069"/>
           </a:xfrm>
           <a:prstGeom prst="ellipse">
             <a:avLst/>
@@ -7469,6 +6887,28 @@
               </a:lnSpc>
               <a:defRPr/>
             </a:pPr>
+            <a:r>
+              <a:rPr lang="ko-KR" altLang="en-US" sz="1200" b="1" kern="0" dirty="0" err="1" smtClean="0">
+                <a:solidFill>
+                  <a:srgbClr val="000000"/>
+                </a:solidFill>
+                <a:latin typeface="맑은 고딕" pitchFamily="50" charset="-127"/>
+                <a:ea typeface="맑은 고딕" pitchFamily="50" charset="-127"/>
+                <a:cs typeface="Malgun Gothic"/>
+              </a:rPr>
+              <a:t>거리별</a:t>
+            </a:r>
+            <a:r>
+              <a:rPr lang="ko-KR" altLang="en-US" sz="1200" b="1" kern="0" dirty="0" smtClean="0">
+                <a:solidFill>
+                  <a:srgbClr val="000000"/>
+                </a:solidFill>
+                <a:latin typeface="맑은 고딕" pitchFamily="50" charset="-127"/>
+                <a:ea typeface="맑은 고딕" pitchFamily="50" charset="-127"/>
+                <a:cs typeface="Malgun Gothic"/>
+              </a:rPr>
+              <a:t> 특성</a:t>
+            </a:r>
             <a:endParaRPr lang="ko-KR" altLang="en-US" sz="1200" b="1" kern="0" dirty="0">
               <a:solidFill>
                 <a:srgbClr val="000000"/>
@@ -7488,8 +6928,8 @@
         </p:nvSpPr>
         <p:spPr>
           <a:xfrm>
-            <a:off x="4489069" y="1868976"/>
-            <a:ext cx="936000" cy="756000"/>
+            <a:off x="4489069" y="1823907"/>
+            <a:ext cx="991800" cy="801069"/>
           </a:xfrm>
           <a:prstGeom prst="ellipse">
             <a:avLst/>
@@ -7521,6 +6961,17 @@
               </a:lnSpc>
               <a:defRPr/>
             </a:pPr>
+            <a:r>
+              <a:rPr lang="ko-KR" altLang="en-US" sz="1200" b="1" kern="0" dirty="0" smtClean="0">
+                <a:solidFill>
+                  <a:srgbClr val="000000"/>
+                </a:solidFill>
+                <a:latin typeface="맑은 고딕" pitchFamily="50" charset="-127"/>
+                <a:ea typeface="맑은 고딕" pitchFamily="50" charset="-127"/>
+                <a:cs typeface="Malgun Gothic"/>
+              </a:rPr>
+              <a:t>신규고객 특성</a:t>
+            </a:r>
             <a:endParaRPr lang="ko-KR" altLang="en-US" sz="1200" b="1" kern="0" dirty="0">
               <a:solidFill>
                 <a:srgbClr val="000000"/>
@@ -7540,8 +6991,8 @@
         </p:nvSpPr>
         <p:spPr>
           <a:xfrm>
-            <a:off x="4489069" y="4569360"/>
-            <a:ext cx="936000" cy="756000"/>
+            <a:off x="4489069" y="4524291"/>
+            <a:ext cx="991800" cy="801069"/>
           </a:xfrm>
           <a:prstGeom prst="ellipse">
             <a:avLst/>
@@ -7573,6 +7024,28 @@
               </a:lnSpc>
               <a:defRPr/>
             </a:pPr>
+            <a:r>
+              <a:rPr lang="ko-KR" altLang="en-US" sz="1200" b="1" kern="0" dirty="0" smtClean="0">
+                <a:solidFill>
+                  <a:srgbClr val="000000"/>
+                </a:solidFill>
+                <a:latin typeface="맑은 고딕" pitchFamily="50" charset="-127"/>
+                <a:ea typeface="맑은 고딕" pitchFamily="50" charset="-127"/>
+                <a:cs typeface="Malgun Gothic"/>
+              </a:rPr>
+              <a:t>숙소지 </a:t>
+            </a:r>
+            <a:r>
+              <a:rPr lang="ko-KR" altLang="en-US" sz="1200" b="1" kern="0" dirty="0" smtClean="0">
+                <a:solidFill>
+                  <a:srgbClr val="000000"/>
+                </a:solidFill>
+                <a:latin typeface="맑은 고딕" pitchFamily="50" charset="-127"/>
+                <a:ea typeface="맑은 고딕" pitchFamily="50" charset="-127"/>
+                <a:cs typeface="Malgun Gothic"/>
+              </a:rPr>
+              <a:t>특성</a:t>
+            </a:r>
             <a:endParaRPr lang="ko-KR" altLang="en-US" sz="1200" b="1" kern="0" dirty="0">
               <a:solidFill>
                 <a:srgbClr val="000000"/>
@@ -7595,8 +7068,8 @@
         </p:nvCxnSpPr>
         <p:spPr>
           <a:xfrm flipH="1">
-            <a:off x="4003881" y="2246976"/>
-            <a:ext cx="485188" cy="1164160"/>
+            <a:off x="4003881" y="2224442"/>
+            <a:ext cx="485188" cy="1186694"/>
           </a:xfrm>
           <a:prstGeom prst="straightConnector1">
             <a:avLst/>
@@ -7637,7 +7110,7 @@
         <p:spPr>
           <a:xfrm flipH="1" flipV="1">
             <a:off x="4003881" y="3411136"/>
-            <a:ext cx="485188" cy="576118"/>
+            <a:ext cx="485188" cy="335433"/>
           </a:xfrm>
           <a:prstGeom prst="straightConnector1">
             <a:avLst/>
@@ -7678,7 +7151,7 @@
         <p:spPr>
           <a:xfrm flipH="1" flipV="1">
             <a:off x="4003881" y="3411136"/>
-            <a:ext cx="485188" cy="1536224"/>
+            <a:ext cx="485188" cy="1513690"/>
           </a:xfrm>
           <a:prstGeom prst="straightConnector1">
             <a:avLst/>
@@ -7715,8 +7188,8 @@
         </p:nvSpPr>
         <p:spPr>
           <a:xfrm>
-            <a:off x="6516216" y="1434242"/>
-            <a:ext cx="1133263" cy="915328"/>
+            <a:off x="6632328" y="1329822"/>
+            <a:ext cx="1262545" cy="1019748"/>
           </a:xfrm>
           <a:prstGeom prst="ellipse">
             <a:avLst/>
@@ -7757,7 +7230,34 @@
                 <a:ea typeface="맑은 고딕" pitchFamily="50" charset="-127"/>
                 <a:cs typeface="Malgun Gothic"/>
               </a:rPr>
-              <a:t>추천숙소</a:t>
+              <a:t>회원가입</a:t>
+            </a:r>
+            <a:endParaRPr lang="en-US" altLang="ko-KR" sz="1200" b="1" kern="0" dirty="0" smtClean="0">
+              <a:solidFill>
+                <a:srgbClr val="000000"/>
+              </a:solidFill>
+              <a:latin typeface="맑은 고딕" pitchFamily="50" charset="-127"/>
+              <a:ea typeface="맑은 고딕" pitchFamily="50" charset="-127"/>
+              <a:cs typeface="Malgun Gothic"/>
+            </a:endParaRPr>
+          </a:p>
+          <a:p>
+            <a:pPr algn="ctr">
+              <a:lnSpc>
+                <a:spcPct val="120000"/>
+              </a:lnSpc>
+              <a:defRPr/>
+            </a:pPr>
+            <a:r>
+              <a:rPr lang="ko-KR" altLang="en-US" sz="1200" b="1" kern="0" dirty="0" smtClean="0">
+                <a:solidFill>
+                  <a:srgbClr val="000000"/>
+                </a:solidFill>
+                <a:latin typeface="맑은 고딕" pitchFamily="50" charset="-127"/>
+                <a:ea typeface="맑은 고딕" pitchFamily="50" charset="-127"/>
+                <a:cs typeface="Malgun Gothic"/>
+              </a:rPr>
+              <a:t>홈페이지</a:t>
             </a:r>
             <a:endParaRPr lang="ko-KR" altLang="en-US" sz="1200" b="1" kern="0" dirty="0">
               <a:solidFill>
@@ -7778,8 +7278,8 @@
         </p:nvSpPr>
         <p:spPr>
           <a:xfrm>
-            <a:off x="6516216" y="2669023"/>
-            <a:ext cx="1133263" cy="915328"/>
+            <a:off x="6632328" y="2564603"/>
+            <a:ext cx="1262545" cy="1019748"/>
           </a:xfrm>
           <a:prstGeom prst="ellipse">
             <a:avLst/>
@@ -7820,7 +7320,7 @@
                 <a:ea typeface="맑은 고딕" pitchFamily="50" charset="-127"/>
                 <a:cs typeface="Malgun Gothic"/>
               </a:rPr>
-              <a:t>회원 가입</a:t>
+              <a:t>추천숙소</a:t>
             </a:r>
             <a:endParaRPr lang="en-US" altLang="ko-KR" sz="1200" b="1" kern="0" dirty="0" smtClean="0">
               <a:solidFill>
@@ -7847,7 +7347,7 @@
                 <a:ea typeface="맑은 고딕" pitchFamily="50" charset="-127"/>
                 <a:cs typeface="Malgun Gothic"/>
               </a:rPr>
-              <a:t>홈페이지</a:t>
+              <a:t>거리</a:t>
             </a:r>
             <a:endParaRPr lang="ko-KR" altLang="en-US" sz="1200" b="1" kern="0" dirty="0">
               <a:solidFill>
@@ -7868,8 +7368,8 @@
         </p:nvSpPr>
         <p:spPr>
           <a:xfrm>
-            <a:off x="6512315" y="5221614"/>
-            <a:ext cx="1133263" cy="915328"/>
+            <a:off x="6628427" y="5117194"/>
+            <a:ext cx="1262545" cy="1019748"/>
           </a:xfrm>
           <a:prstGeom prst="ellipse">
             <a:avLst/>
@@ -7902,7 +7402,7 @@
               <a:defRPr/>
             </a:pPr>
             <a:r>
-              <a:rPr lang="ko-KR" altLang="en-US" sz="1200" b="1" kern="0" dirty="0" smtClean="0">
+              <a:rPr lang="ko-KR" altLang="en-US" sz="1200" b="1" kern="0" dirty="0" err="1" smtClean="0">
                 <a:solidFill>
                   <a:srgbClr val="000000"/>
                 </a:solidFill>
@@ -7910,7 +7410,7 @@
                 <a:ea typeface="맑은 고딕" pitchFamily="50" charset="-127"/>
                 <a:cs typeface="Malgun Gothic"/>
               </a:rPr>
-              <a:t>첫 여행</a:t>
+              <a:t>첫여행</a:t>
             </a:r>
             <a:endParaRPr lang="en-US" altLang="ko-KR" sz="1200" b="1" kern="0" dirty="0" smtClean="0">
               <a:solidFill>
@@ -7929,7 +7429,7 @@
               <a:defRPr/>
             </a:pPr>
             <a:r>
-              <a:rPr lang="ko-KR" altLang="en-US" sz="1200" b="1" kern="0" smtClean="0">
+              <a:rPr lang="ko-KR" altLang="en-US" sz="1200" b="1" kern="0" dirty="0" smtClean="0">
                 <a:solidFill>
                   <a:srgbClr val="000000"/>
                 </a:solidFill>
@@ -7958,8 +7458,8 @@
         </p:nvSpPr>
         <p:spPr>
           <a:xfrm>
-            <a:off x="6516216" y="3903804"/>
-            <a:ext cx="1133263" cy="915328"/>
+            <a:off x="6632328" y="3799384"/>
+            <a:ext cx="1262545" cy="1019748"/>
           </a:xfrm>
           <a:prstGeom prst="ellipse">
             <a:avLst/>
@@ -8029,55 +7529,14 @@
           <p:cNvPr id="81" name="Straight Arrow Connector 55"/>
           <p:cNvCxnSpPr>
             <a:stCxn id="73" idx="2"/>
-            <a:endCxn id="56" idx="6"/>
+            <a:endCxn id="57" idx="6"/>
           </p:cNvCxnSpPr>
           <p:nvPr/>
         </p:nvCxnSpPr>
         <p:spPr>
           <a:xfrm flipH="1">
-            <a:off x="5425069" y="1891906"/>
-            <a:ext cx="1091147" cy="2095348"/>
-          </a:xfrm>
-          <a:prstGeom prst="straightConnector1">
-            <a:avLst/>
-          </a:prstGeom>
-          <a:ln w="19050" cmpd="sng">
-            <a:solidFill>
-              <a:srgbClr val="808080"/>
-            </a:solidFill>
-            <a:headEnd type="none"/>
-            <a:tailEnd type="triangle"/>
-          </a:ln>
-          <a:effectLst/>
-        </p:spPr>
-        <p:style>
-          <a:lnRef idx="2">
-            <a:schemeClr val="accent1"/>
-          </a:lnRef>
-          <a:fillRef idx="0">
-            <a:schemeClr val="accent1"/>
-          </a:fillRef>
-          <a:effectRef idx="1">
-            <a:schemeClr val="accent1"/>
-          </a:effectRef>
-          <a:fontRef idx="minor">
-            <a:schemeClr val="tx1"/>
-          </a:fontRef>
-        </p:style>
-      </p:cxnSp>
-      <p:cxnSp>
-        <p:nvCxnSpPr>
-          <p:cNvPr id="87" name="Straight Arrow Connector 55"/>
-          <p:cNvCxnSpPr>
-            <a:stCxn id="73" idx="2"/>
-            <a:endCxn id="58" idx="6"/>
-          </p:cNvCxnSpPr>
-          <p:nvPr/>
-        </p:nvCxnSpPr>
-        <p:spPr>
-          <a:xfrm flipH="1">
-            <a:off x="5425069" y="1891906"/>
-            <a:ext cx="1091147" cy="3055454"/>
+            <a:off x="5480869" y="1839696"/>
+            <a:ext cx="1151459" cy="384746"/>
           </a:xfrm>
           <a:prstGeom prst="straightConnector1">
             <a:avLst/>
@@ -8111,96 +7570,14 @@
           <p:cNvPr id="90" name="Straight Arrow Connector 55"/>
           <p:cNvCxnSpPr>
             <a:stCxn id="74" idx="2"/>
-            <a:endCxn id="57" idx="6"/>
-          </p:cNvCxnSpPr>
-          <p:nvPr/>
-        </p:nvCxnSpPr>
-        <p:spPr>
-          <a:xfrm flipH="1" flipV="1">
-            <a:off x="5425069" y="2246976"/>
-            <a:ext cx="1091147" cy="879711"/>
-          </a:xfrm>
-          <a:prstGeom prst="straightConnector1">
-            <a:avLst/>
-          </a:prstGeom>
-          <a:ln w="19050" cmpd="sng">
-            <a:solidFill>
-              <a:srgbClr val="808080"/>
-            </a:solidFill>
-            <a:headEnd type="none"/>
-            <a:tailEnd type="triangle"/>
-          </a:ln>
-          <a:effectLst/>
-        </p:spPr>
-        <p:style>
-          <a:lnRef idx="2">
-            <a:schemeClr val="accent1"/>
-          </a:lnRef>
-          <a:fillRef idx="0">
-            <a:schemeClr val="accent1"/>
-          </a:fillRef>
-          <a:effectRef idx="1">
-            <a:schemeClr val="accent1"/>
-          </a:effectRef>
-          <a:fontRef idx="minor">
-            <a:schemeClr val="tx1"/>
-          </a:fontRef>
-        </p:style>
-      </p:cxnSp>
-      <p:cxnSp>
-        <p:nvCxnSpPr>
-          <p:cNvPr id="97" name="Straight Arrow Connector 55"/>
-          <p:cNvCxnSpPr>
-            <a:stCxn id="74" idx="2"/>
-            <a:endCxn id="58" idx="6"/>
+            <a:endCxn id="56" idx="6"/>
           </p:cNvCxnSpPr>
           <p:nvPr/>
         </p:nvCxnSpPr>
         <p:spPr>
           <a:xfrm flipH="1">
-            <a:off x="5425069" y="3126687"/>
-            <a:ext cx="1091147" cy="1820673"/>
-          </a:xfrm>
-          <a:prstGeom prst="straightConnector1">
-            <a:avLst/>
-          </a:prstGeom>
-          <a:ln w="19050" cmpd="sng">
-            <a:solidFill>
-              <a:srgbClr val="808080"/>
-            </a:solidFill>
-            <a:headEnd type="none"/>
-            <a:tailEnd type="triangle"/>
-          </a:ln>
-          <a:effectLst/>
-        </p:spPr>
-        <p:style>
-          <a:lnRef idx="2">
-            <a:schemeClr val="accent1"/>
-          </a:lnRef>
-          <a:fillRef idx="0">
-            <a:schemeClr val="accent1"/>
-          </a:fillRef>
-          <a:effectRef idx="1">
-            <a:schemeClr val="accent1"/>
-          </a:effectRef>
-          <a:fontRef idx="minor">
-            <a:schemeClr val="tx1"/>
-          </a:fontRef>
-        </p:style>
-      </p:cxnSp>
-      <p:cxnSp>
-        <p:nvCxnSpPr>
-          <p:cNvPr id="106" name="Straight Arrow Connector 55"/>
-          <p:cNvCxnSpPr>
-            <a:stCxn id="77" idx="2"/>
-            <a:endCxn id="56" idx="6"/>
-          </p:cNvCxnSpPr>
-          <p:nvPr/>
-        </p:nvCxnSpPr>
-        <p:spPr>
-          <a:xfrm flipH="1" flipV="1">
-            <a:off x="5425069" y="3987254"/>
-            <a:ext cx="1091147" cy="374214"/>
+            <a:off x="5480869" y="3074477"/>
+            <a:ext cx="1151459" cy="672092"/>
           </a:xfrm>
           <a:prstGeom prst="straightConnector1">
             <a:avLst/>
@@ -8240,8 +7617,8 @@
         </p:nvCxnSpPr>
         <p:spPr>
           <a:xfrm flipH="1">
-            <a:off x="5425069" y="4361468"/>
-            <a:ext cx="1091147" cy="585892"/>
+            <a:off x="5480869" y="4309258"/>
+            <a:ext cx="1151459" cy="615568"/>
           </a:xfrm>
           <a:prstGeom prst="straightConnector1">
             <a:avLst/>
@@ -8477,88 +7854,6 @@
       </p:sp>
       <p:cxnSp>
         <p:nvCxnSpPr>
-          <p:cNvPr id="152" name="Straight Arrow Connector 55"/>
-          <p:cNvCxnSpPr>
-            <a:stCxn id="75" idx="2"/>
-            <a:endCxn id="57" idx="6"/>
-          </p:cNvCxnSpPr>
-          <p:nvPr/>
-        </p:nvCxnSpPr>
-        <p:spPr>
-          <a:xfrm flipH="1" flipV="1">
-            <a:off x="5425069" y="2246976"/>
-            <a:ext cx="1087246" cy="3432302"/>
-          </a:xfrm>
-          <a:prstGeom prst="straightConnector1">
-            <a:avLst/>
-          </a:prstGeom>
-          <a:ln w="19050" cmpd="sng">
-            <a:solidFill>
-              <a:srgbClr val="808080"/>
-            </a:solidFill>
-            <a:headEnd type="none"/>
-            <a:tailEnd type="triangle"/>
-          </a:ln>
-          <a:effectLst/>
-        </p:spPr>
-        <p:style>
-          <a:lnRef idx="2">
-            <a:schemeClr val="accent1"/>
-          </a:lnRef>
-          <a:fillRef idx="0">
-            <a:schemeClr val="accent1"/>
-          </a:fillRef>
-          <a:effectRef idx="1">
-            <a:schemeClr val="accent1"/>
-          </a:effectRef>
-          <a:fontRef idx="minor">
-            <a:schemeClr val="tx1"/>
-          </a:fontRef>
-        </p:style>
-      </p:cxnSp>
-      <p:cxnSp>
-        <p:nvCxnSpPr>
-          <p:cNvPr id="158" name="Straight Arrow Connector 55"/>
-          <p:cNvCxnSpPr>
-            <a:stCxn id="75" idx="2"/>
-            <a:endCxn id="56" idx="6"/>
-          </p:cNvCxnSpPr>
-          <p:nvPr/>
-        </p:nvCxnSpPr>
-        <p:spPr>
-          <a:xfrm flipH="1" flipV="1">
-            <a:off x="5425069" y="3987254"/>
-            <a:ext cx="1087246" cy="1692024"/>
-          </a:xfrm>
-          <a:prstGeom prst="straightConnector1">
-            <a:avLst/>
-          </a:prstGeom>
-          <a:ln w="19050" cmpd="sng">
-            <a:solidFill>
-              <a:srgbClr val="808080"/>
-            </a:solidFill>
-            <a:headEnd type="none"/>
-            <a:tailEnd type="triangle"/>
-          </a:ln>
-          <a:effectLst/>
-        </p:spPr>
-        <p:style>
-          <a:lnRef idx="2">
-            <a:schemeClr val="accent1"/>
-          </a:lnRef>
-          <a:fillRef idx="0">
-            <a:schemeClr val="accent1"/>
-          </a:fillRef>
-          <a:effectRef idx="1">
-            <a:schemeClr val="accent1"/>
-          </a:effectRef>
-          <a:fontRef idx="minor">
-            <a:schemeClr val="tx1"/>
-          </a:fontRef>
-        </p:style>
-      </p:cxnSp>
-      <p:cxnSp>
-        <p:nvCxnSpPr>
           <p:cNvPr id="161" name="Straight Arrow Connector 55"/>
           <p:cNvCxnSpPr>
             <a:stCxn id="75" idx="2"/>
@@ -8568,8 +7863,8 @@
         </p:nvCxnSpPr>
         <p:spPr>
           <a:xfrm flipH="1" flipV="1">
-            <a:off x="5425069" y="4947360"/>
-            <a:ext cx="1087246" cy="731918"/>
+            <a:off x="5480869" y="4924826"/>
+            <a:ext cx="1147558" cy="702242"/>
           </a:xfrm>
           <a:prstGeom prst="straightConnector1">
             <a:avLst/>
@@ -8606,8 +7901,8 @@
         </p:nvGrpSpPr>
         <p:grpSpPr>
           <a:xfrm>
-            <a:off x="7756680" y="5087042"/>
-            <a:ext cx="1243704" cy="1163296"/>
+            <a:off x="7620227" y="4591773"/>
+            <a:ext cx="1682288" cy="1885084"/>
             <a:chOff x="7491414" y="4870047"/>
             <a:chExt cx="1243704" cy="1163296"/>
           </a:xfrm>
@@ -8665,8 +7960,8 @@
           </p:nvSpPr>
           <p:spPr bwMode="auto">
             <a:xfrm rot="20850399">
-              <a:off x="7581555" y="5377474"/>
-              <a:ext cx="1063437" cy="276999"/>
+              <a:off x="7581555" y="5266964"/>
+              <a:ext cx="1063437" cy="498019"/>
             </a:xfrm>
             <a:prstGeom prst="rect">
               <a:avLst/>
@@ -8700,15 +7995,35 @@
                 </a:tabLst>
               </a:pPr>
               <a:r>
-                <a:rPr kumimoji="1" lang="en-US" altLang="ko-KR" sz="1200" dirty="0" smtClean="0">
-                  <a:solidFill>
-                    <a:srgbClr val="000000"/>
-                  </a:solidFill>
-                  <a:latin typeface="맑은 고딕" pitchFamily="50" charset="-127"/>
-                  <a:ea typeface="맑은 고딕" pitchFamily="50" charset="-127"/>
+                <a:rPr lang="ko-KR" altLang="en-US" sz="1200" b="1" dirty="0">
+                  <a:latin typeface="나눔손글씨 펜" pitchFamily="66" charset="-127"/>
+                  <a:ea typeface="나눔손글씨 펜" pitchFamily="66" charset="-127"/>
                 </a:rPr>
-                <a:t>~~~</a:t>
+                <a:t>기존고객의 첫 여행 숙소지가 숙소를 추천하는데 영향이 있는가</a:t>
               </a:r>
+              <a:r>
+                <a:rPr lang="en-US" altLang="ko-KR" sz="1200" b="1" dirty="0">
+                  <a:latin typeface="나눔손글씨 펜" pitchFamily="66" charset="-127"/>
+                  <a:ea typeface="나눔손글씨 펜" pitchFamily="66" charset="-127"/>
+                </a:rPr>
+                <a:t>?</a:t>
+              </a:r>
+            </a:p>
+            <a:p>
+              <a:pPr algn="ctr" fontAlgn="base">
+                <a:spcBef>
+                  <a:spcPct val="0"/>
+                </a:spcBef>
+                <a:spcAft>
+                  <a:spcPct val="0"/>
+                </a:spcAft>
+                <a:buClr>
+                  <a:srgbClr val="927969"/>
+                </a:buClr>
+                <a:tabLst>
+                  <a:tab pos="630238" algn="l"/>
+                </a:tabLst>
+              </a:pPr>
               <a:endParaRPr kumimoji="1" lang="en-US" altLang="ko-KR" sz="1200" dirty="0">
                 <a:solidFill>
                   <a:srgbClr val="000000"/>
@@ -8728,8 +8043,8 @@
         </p:nvGrpSpPr>
         <p:grpSpPr>
           <a:xfrm>
-            <a:off x="4541481" y="2424855"/>
-            <a:ext cx="1243704" cy="903108"/>
+            <a:off x="5219431" y="-84575"/>
+            <a:ext cx="1931189" cy="1978760"/>
             <a:chOff x="4541481" y="2424855"/>
             <a:chExt cx="1243704" cy="903108"/>
           </a:xfrm>
@@ -8787,8 +8102,8 @@
           </p:nvSpPr>
           <p:spPr bwMode="auto">
             <a:xfrm rot="20850399">
-              <a:off x="4603479" y="2819190"/>
-              <a:ext cx="1063437" cy="276999"/>
+              <a:off x="4603479" y="2727235"/>
+              <a:ext cx="1063437" cy="460909"/>
             </a:xfrm>
             <a:prstGeom prst="rect">
               <a:avLst/>
@@ -8807,6 +8122,107 @@
             </a:bodyPr>
             <a:lstStyle/>
             <a:p>
+              <a:pPr algn="ctr">
+                <a:buClr>
+                  <a:srgbClr val="927969"/>
+                </a:buClr>
+                <a:tabLst>
+                  <a:tab pos="630238" algn="l"/>
+                </a:tabLst>
+              </a:pPr>
+              <a:r>
+                <a:rPr lang="ko-KR" altLang="en-US" sz="1200" b="1" dirty="0">
+                  <a:latin typeface="나눔손글씨 펜" pitchFamily="66" charset="-127"/>
+                  <a:ea typeface="나눔손글씨 펜" pitchFamily="66" charset="-127"/>
+                </a:rPr>
+                <a:t>회원가입 시 </a:t>
+              </a:r>
+              <a:endParaRPr lang="en-US" altLang="ko-KR" sz="1200" b="1" dirty="0">
+                <a:latin typeface="나눔손글씨 펜" pitchFamily="66" charset="-127"/>
+                <a:ea typeface="나눔손글씨 펜" pitchFamily="66" charset="-127"/>
+              </a:endParaRPr>
+            </a:p>
+            <a:p>
+              <a:pPr algn="ctr">
+                <a:buClr>
+                  <a:srgbClr val="927969"/>
+                </a:buClr>
+                <a:tabLst>
+                  <a:tab pos="630238" algn="l"/>
+                </a:tabLst>
+              </a:pPr>
+              <a:r>
+                <a:rPr lang="ko-KR" altLang="en-US" sz="1200" b="1" dirty="0">
+                  <a:latin typeface="나눔손글씨 펜" pitchFamily="66" charset="-127"/>
+                  <a:ea typeface="나눔손글씨 펜" pitchFamily="66" charset="-127"/>
+                </a:rPr>
+                <a:t>취미</a:t>
+              </a:r>
+              <a:r>
+                <a:rPr lang="en-US" altLang="ko-KR" sz="1200" b="1" dirty="0">
+                  <a:latin typeface="나눔손글씨 펜" pitchFamily="66" charset="-127"/>
+                  <a:ea typeface="나눔손글씨 펜" pitchFamily="66" charset="-127"/>
+                </a:rPr>
+                <a:t>, </a:t>
+              </a:r>
+              <a:r>
+                <a:rPr lang="ko-KR" altLang="en-US" sz="1200" b="1" dirty="0" err="1">
+                  <a:latin typeface="나눔손글씨 펜" pitchFamily="66" charset="-127"/>
+                  <a:ea typeface="나눔손글씨 펜" pitchFamily="66" charset="-127"/>
+                </a:rPr>
+                <a:t>자녀수</a:t>
+              </a:r>
+              <a:r>
+                <a:rPr lang="en-US" altLang="ko-KR" sz="1200" b="1" dirty="0">
+                  <a:latin typeface="나눔손글씨 펜" pitchFamily="66" charset="-127"/>
+                  <a:ea typeface="나눔손글씨 펜" pitchFamily="66" charset="-127"/>
+                </a:rPr>
+                <a:t>, </a:t>
+              </a:r>
+              <a:r>
+                <a:rPr lang="ko-KR" altLang="en-US" sz="1200" b="1" dirty="0">
+                  <a:latin typeface="나눔손글씨 펜" pitchFamily="66" charset="-127"/>
+                  <a:ea typeface="나눔손글씨 펜" pitchFamily="66" charset="-127"/>
+                </a:rPr>
+                <a:t>직업</a:t>
+              </a:r>
+              <a:r>
+                <a:rPr lang="en-US" altLang="ko-KR" sz="1200" b="1" dirty="0">
+                  <a:latin typeface="나눔손글씨 펜" pitchFamily="66" charset="-127"/>
+                  <a:ea typeface="나눔손글씨 펜" pitchFamily="66" charset="-127"/>
+                </a:rPr>
+                <a:t>, </a:t>
+              </a:r>
+              <a:r>
+                <a:rPr lang="ko-KR" altLang="en-US" sz="1200" b="1" dirty="0">
+                  <a:latin typeface="나눔손글씨 펜" pitchFamily="66" charset="-127"/>
+                  <a:ea typeface="나눔손글씨 펜" pitchFamily="66" charset="-127"/>
+                </a:rPr>
+                <a:t>나이</a:t>
+              </a:r>
+              <a:r>
+                <a:rPr lang="en-US" altLang="ko-KR" sz="1200" b="1" dirty="0">
+                  <a:latin typeface="나눔손글씨 펜" pitchFamily="66" charset="-127"/>
+                  <a:ea typeface="나눔손글씨 펜" pitchFamily="66" charset="-127"/>
+                </a:rPr>
+                <a:t>, </a:t>
+              </a:r>
+              <a:r>
+                <a:rPr lang="ko-KR" altLang="en-US" sz="1200" b="1" dirty="0">
+                  <a:latin typeface="나눔손글씨 펜" pitchFamily="66" charset="-127"/>
+                  <a:ea typeface="나눔손글씨 펜" pitchFamily="66" charset="-127"/>
+                </a:rPr>
+                <a:t>국적 등 어떠한 정보를 통해 신규고객에게 추천이 가능한가</a:t>
+              </a:r>
+              <a:r>
+                <a:rPr lang="en-US" altLang="ko-KR" sz="1200" b="1" dirty="0">
+                  <a:latin typeface="나눔손글씨 펜" pitchFamily="66" charset="-127"/>
+                  <a:ea typeface="나눔손글씨 펜" pitchFamily="66" charset="-127"/>
+                </a:rPr>
+                <a:t>?</a:t>
+              </a:r>
+            </a:p>
+            <a:p>
               <a:pPr algn="ctr" fontAlgn="base">
                 <a:spcBef>
                   <a:spcPct val="0"/>
@@ -8821,16 +8237,6 @@
                   <a:tab pos="630238" algn="l"/>
                 </a:tabLst>
               </a:pPr>
-              <a:r>
-                <a:rPr kumimoji="1" lang="en-US" altLang="ko-KR" sz="1200" dirty="0" smtClean="0">
-                  <a:solidFill>
-                    <a:srgbClr val="000000"/>
-                  </a:solidFill>
-                  <a:latin typeface="맑은 고딕" pitchFamily="50" charset="-127"/>
-                  <a:ea typeface="맑은 고딕" pitchFamily="50" charset="-127"/>
-                </a:rPr>
-                <a:t>~~~</a:t>
-              </a:r>
               <a:endParaRPr kumimoji="1" lang="en-US" altLang="ko-KR" sz="1200" dirty="0">
                 <a:solidFill>
                   <a:srgbClr val="000000"/>
@@ -8850,8 +8256,8 @@
         </p:nvGrpSpPr>
         <p:grpSpPr>
           <a:xfrm>
-            <a:off x="3389353" y="3793007"/>
-            <a:ext cx="1243704" cy="903108"/>
+            <a:off x="5073932" y="2314756"/>
+            <a:ext cx="1493458" cy="1292260"/>
             <a:chOff x="3389353" y="3793007"/>
             <a:chExt cx="1243704" cy="903108"/>
           </a:xfrm>
@@ -8909,8 +8315,8 @@
           </p:nvSpPr>
           <p:spPr bwMode="auto">
             <a:xfrm rot="20850399">
-              <a:off x="3451351" y="4187342"/>
-              <a:ext cx="1063437" cy="276999"/>
+              <a:off x="3451351" y="4099994"/>
+              <a:ext cx="1063437" cy="451694"/>
             </a:xfrm>
             <a:prstGeom prst="rect">
               <a:avLst/>
@@ -8929,13 +8335,7 @@
             </a:bodyPr>
             <a:lstStyle/>
             <a:p>
-              <a:pPr algn="ctr" fontAlgn="base">
-                <a:spcBef>
-                  <a:spcPct val="0"/>
-                </a:spcBef>
-                <a:spcAft>
-                  <a:spcPct val="0"/>
-                </a:spcAft>
+              <a:pPr algn="ctr">
                 <a:buClr>
                   <a:srgbClr val="927969"/>
                 </a:buClr>
@@ -8944,21 +8344,43 @@
                 </a:tabLst>
               </a:pPr>
               <a:r>
-                <a:rPr kumimoji="1" lang="en-US" altLang="ko-KR" sz="1200" dirty="0" smtClean="0">
-                  <a:solidFill>
-                    <a:srgbClr val="000000"/>
-                  </a:solidFill>
-                  <a:latin typeface="맑은 고딕" pitchFamily="50" charset="-127"/>
-                  <a:ea typeface="맑은 고딕" pitchFamily="50" charset="-127"/>
+                <a:rPr lang="ko-KR" altLang="en-US" sz="1200" b="1" dirty="0" smtClean="0">
+                  <a:latin typeface="나눔손글씨 펜" pitchFamily="66" charset="-127"/>
+                  <a:ea typeface="나눔손글씨 펜" pitchFamily="66" charset="-127"/>
                 </a:rPr>
-                <a:t>~~~~</a:t>
+                <a:t>첫 </a:t>
               </a:r>
-              <a:endParaRPr kumimoji="1" lang="en-US" altLang="ko-KR" sz="1200" dirty="0">
-                <a:solidFill>
-                  <a:srgbClr val="000000"/>
-                </a:solidFill>
-                <a:latin typeface="맑은 고딕" pitchFamily="50" charset="-127"/>
-                <a:ea typeface="맑은 고딕" pitchFamily="50" charset="-127"/>
+              <a:r>
+                <a:rPr lang="ko-KR" altLang="en-US" sz="1200" b="1" dirty="0">
+                  <a:latin typeface="나눔손글씨 펜" pitchFamily="66" charset="-127"/>
+                  <a:ea typeface="나눔손글씨 펜" pitchFamily="66" charset="-127"/>
+                </a:rPr>
+                <a:t>여행지의 </a:t>
+              </a:r>
+              <a:r>
+                <a:rPr lang="ko-KR" altLang="en-US" sz="1200" b="1" dirty="0" err="1">
+                  <a:latin typeface="나눔손글씨 펜" pitchFamily="66" charset="-127"/>
+                  <a:ea typeface="나눔손글씨 펜" pitchFamily="66" charset="-127"/>
+                </a:rPr>
+                <a:t>거리별</a:t>
+              </a:r>
+              <a:r>
+                <a:rPr lang="ko-KR" altLang="en-US" sz="1200" b="1" dirty="0">
+                  <a:latin typeface="나눔손글씨 펜" pitchFamily="66" charset="-127"/>
+                  <a:ea typeface="나눔손글씨 펜" pitchFamily="66" charset="-127"/>
+                </a:rPr>
+                <a:t> 만족도가 어떻게 되는가</a:t>
+              </a:r>
+              <a:r>
+                <a:rPr lang="en-US" altLang="ko-KR" sz="1200" b="1" dirty="0">
+                  <a:latin typeface="나눔손글씨 펜" pitchFamily="66" charset="-127"/>
+                  <a:ea typeface="나눔손글씨 펜" pitchFamily="66" charset="-127"/>
+                </a:rPr>
+                <a:t>?</a:t>
+              </a:r>
+              <a:endParaRPr lang="en-US" altLang="ko-KR" sz="1200" b="1" dirty="0">
+                <a:latin typeface="나눔손글씨 펜" pitchFamily="66" charset="-127"/>
+                <a:ea typeface="나눔손글씨 펜" pitchFamily="66" charset="-127"/>
               </a:endParaRPr>
             </a:p>
           </p:txBody>
@@ -8972,8 +8394,8 @@
         </p:nvGrpSpPr>
         <p:grpSpPr>
           <a:xfrm>
-            <a:off x="5017394" y="4870047"/>
-            <a:ext cx="1243704" cy="1163296"/>
+            <a:off x="4528836" y="5076289"/>
+            <a:ext cx="1661808" cy="1611432"/>
             <a:chOff x="5017394" y="4870047"/>
             <a:chExt cx="1243704" cy="1163296"/>
           </a:xfrm>
@@ -9031,8 +8453,8 @@
           </p:nvSpPr>
           <p:spPr bwMode="auto">
             <a:xfrm rot="20850399">
-              <a:off x="5107535" y="5377473"/>
-              <a:ext cx="1063437" cy="276999"/>
+              <a:off x="5107535" y="5294341"/>
+              <a:ext cx="1063437" cy="443262"/>
             </a:xfrm>
             <a:prstGeom prst="rect">
               <a:avLst/>
@@ -9051,13 +8473,7 @@
             </a:bodyPr>
             <a:lstStyle/>
             <a:p>
-              <a:pPr algn="ctr" fontAlgn="base">
-                <a:spcBef>
-                  <a:spcPct val="0"/>
-                </a:spcBef>
-                <a:spcAft>
-                  <a:spcPct val="0"/>
-                </a:spcAft>
+              <a:pPr algn="ctr">
                 <a:buClr>
                   <a:srgbClr val="927969"/>
                 </a:buClr>
@@ -9066,21 +8482,36 @@
                 </a:tabLst>
               </a:pPr>
               <a:r>
-                <a:rPr kumimoji="1" lang="en-US" altLang="ko-KR" sz="1200" dirty="0" smtClean="0">
-                  <a:solidFill>
-                    <a:srgbClr val="000000"/>
-                  </a:solidFill>
-                  <a:latin typeface="맑은 고딕" pitchFamily="50" charset="-127"/>
-                  <a:ea typeface="맑은 고딕" pitchFamily="50" charset="-127"/>
+                <a:rPr lang="ko-KR" altLang="en-US" sz="1200" b="1" dirty="0" smtClean="0">
+                  <a:latin typeface="나눔손글씨 펜" pitchFamily="66" charset="-127"/>
+                  <a:ea typeface="나눔손글씨 펜" pitchFamily="66" charset="-127"/>
                 </a:rPr>
-                <a:t>~~~</a:t>
+                <a:t>주로 어떤 </a:t>
               </a:r>
-              <a:endParaRPr kumimoji="1" lang="en-US" altLang="ko-KR" sz="1200" dirty="0">
-                <a:solidFill>
-                  <a:srgbClr val="000000"/>
-                </a:solidFill>
-                <a:latin typeface="맑은 고딕" pitchFamily="50" charset="-127"/>
-                <a:ea typeface="맑은 고딕" pitchFamily="50" charset="-127"/>
+              <a:r>
+                <a:rPr lang="ko-KR" altLang="en-US" sz="1200" b="1" dirty="0" err="1" smtClean="0">
+                  <a:latin typeface="나눔손글씨 펜" pitchFamily="66" charset="-127"/>
+                  <a:ea typeface="나눔손글씨 펜" pitchFamily="66" charset="-127"/>
+                </a:rPr>
+                <a:t>숙소지를</a:t>
+              </a:r>
+              <a:r>
+                <a:rPr lang="ko-KR" altLang="en-US" sz="1200" b="1" dirty="0" smtClean="0">
+                  <a:latin typeface="나눔손글씨 펜" pitchFamily="66" charset="-127"/>
+                  <a:ea typeface="나눔손글씨 펜" pitchFamily="66" charset="-127"/>
+                </a:rPr>
+                <a:t> 추천해야 만족도가 높은가</a:t>
+              </a:r>
+              <a:r>
+                <a:rPr lang="en-US" altLang="ko-KR" sz="1200" b="1" dirty="0" smtClean="0">
+                  <a:latin typeface="나눔손글씨 펜" pitchFamily="66" charset="-127"/>
+                  <a:ea typeface="나눔손글씨 펜" pitchFamily="66" charset="-127"/>
+                </a:rPr>
+                <a:t>?</a:t>
+              </a:r>
+              <a:endParaRPr lang="en-US" altLang="ko-KR" sz="1200" b="1" dirty="0">
+                <a:latin typeface="나눔손글씨 펜" pitchFamily="66" charset="-127"/>
+                <a:ea typeface="나눔손글씨 펜" pitchFamily="66" charset="-127"/>
               </a:endParaRPr>
             </a:p>
           </p:txBody>
@@ -9293,30 +8724,2283 @@
           <a:p>
             <a:r>
               <a:rPr lang="ko-KR" altLang="en-US" dirty="0" smtClean="0"/>
-              <a:t>분석 체계</a:t>
-            </a:r>
-            <a:r>
-              <a:rPr lang="en-US" altLang="ko-KR" dirty="0" smtClean="0"/>
-              <a:t>(</a:t>
-            </a:r>
-            <a:r>
-              <a:rPr lang="ko-KR" altLang="en-US" dirty="0" smtClean="0"/>
-              <a:t>시그널 허브</a:t>
-            </a:r>
-            <a:r>
-              <a:rPr lang="en-US" altLang="ko-KR" dirty="0" smtClean="0"/>
-              <a:t>)</a:t>
-            </a:r>
-            <a:r>
-              <a:rPr lang="ko-KR" altLang="en-US" dirty="0" smtClean="0"/>
-              <a:t> 도출</a:t>
+              <a:t>의사결정 요소 모형화</a:t>
             </a:r>
           </a:p>
         </p:txBody>
       </p:sp>
+      <p:sp>
+        <p:nvSpPr>
+          <p:cNvPr id="52" name="Hexagon 3"/>
+          <p:cNvSpPr/>
+          <p:nvPr/>
+        </p:nvSpPr>
+        <p:spPr>
+          <a:xfrm>
+            <a:off x="66260" y="3022490"/>
+            <a:ext cx="1259640" cy="820738"/>
+          </a:xfrm>
+          <a:prstGeom prst="hexagon">
+            <a:avLst/>
+          </a:prstGeom>
+          <a:solidFill>
+            <a:schemeClr val="bg1"/>
+          </a:solidFill>
+          <a:ln w="19050" cmpd="sng">
+            <a:solidFill>
+              <a:schemeClr val="tx1"/>
+            </a:solidFill>
+          </a:ln>
+          <a:effectLst>
+            <a:outerShdw blurRad="50800" dist="38100" dir="2700000" algn="tl" rotWithShape="0">
+              <a:prstClr val="black">
+                <a:alpha val="40000"/>
+              </a:prstClr>
+            </a:outerShdw>
+          </a:effectLst>
+        </p:spPr>
+        <p:style>
+          <a:lnRef idx="1">
+            <a:schemeClr val="accent1"/>
+          </a:lnRef>
+          <a:fillRef idx="3">
+            <a:schemeClr val="accent1"/>
+          </a:fillRef>
+          <a:effectRef idx="2">
+            <a:schemeClr val="accent1"/>
+          </a:effectRef>
+          <a:fontRef idx="minor">
+            <a:schemeClr val="lt1"/>
+          </a:fontRef>
+        </p:style>
+        <p:txBody>
+          <a:bodyPr lIns="0" rIns="0" anchor="ctr"/>
+          <a:lstStyle>
+            <a:lvl1pPr eaLnBrk="0" hangingPunct="0">
+              <a:defRPr kumimoji="1" sz="1200" b="1">
+                <a:solidFill>
+                  <a:schemeClr val="tx1"/>
+                </a:solidFill>
+                <a:latin typeface="-2002" pitchFamily="18" charset="-127"/>
+                <a:ea typeface="-2002" pitchFamily="18" charset="-127"/>
+              </a:defRPr>
+            </a:lvl1pPr>
+            <a:lvl2pPr marL="742950" indent="-285750" eaLnBrk="0" hangingPunct="0">
+              <a:defRPr kumimoji="1" sz="1200" b="1">
+                <a:solidFill>
+                  <a:schemeClr val="tx1"/>
+                </a:solidFill>
+                <a:latin typeface="-2002" pitchFamily="18" charset="-127"/>
+                <a:ea typeface="-2002" pitchFamily="18" charset="-127"/>
+              </a:defRPr>
+            </a:lvl2pPr>
+            <a:lvl3pPr marL="1143000" indent="-228600" eaLnBrk="0" hangingPunct="0">
+              <a:defRPr kumimoji="1" sz="1200" b="1">
+                <a:solidFill>
+                  <a:schemeClr val="tx1"/>
+                </a:solidFill>
+                <a:latin typeface="-2002" pitchFamily="18" charset="-127"/>
+                <a:ea typeface="-2002" pitchFamily="18" charset="-127"/>
+              </a:defRPr>
+            </a:lvl3pPr>
+            <a:lvl4pPr marL="1600200" indent="-228600" eaLnBrk="0" hangingPunct="0">
+              <a:defRPr kumimoji="1" sz="1200" b="1">
+                <a:solidFill>
+                  <a:schemeClr val="tx1"/>
+                </a:solidFill>
+                <a:latin typeface="-2002" pitchFamily="18" charset="-127"/>
+                <a:ea typeface="-2002" pitchFamily="18" charset="-127"/>
+              </a:defRPr>
+            </a:lvl4pPr>
+            <a:lvl5pPr marL="2057400" indent="-228600" eaLnBrk="0" hangingPunct="0">
+              <a:defRPr kumimoji="1" sz="1200" b="1">
+                <a:solidFill>
+                  <a:schemeClr val="tx1"/>
+                </a:solidFill>
+                <a:latin typeface="-2002" pitchFamily="18" charset="-127"/>
+                <a:ea typeface="-2002" pitchFamily="18" charset="-127"/>
+              </a:defRPr>
+            </a:lvl5pPr>
+            <a:lvl6pPr marL="2514600" indent="-228600" algn="ctr" eaLnBrk="0" fontAlgn="base" hangingPunct="0">
+              <a:spcBef>
+                <a:spcPct val="0"/>
+              </a:spcBef>
+              <a:spcAft>
+                <a:spcPct val="0"/>
+              </a:spcAft>
+              <a:defRPr kumimoji="1" sz="1200" b="1">
+                <a:solidFill>
+                  <a:schemeClr val="tx1"/>
+                </a:solidFill>
+                <a:latin typeface="-2002" pitchFamily="18" charset="-127"/>
+                <a:ea typeface="-2002" pitchFamily="18" charset="-127"/>
+              </a:defRPr>
+            </a:lvl6pPr>
+            <a:lvl7pPr marL="2971800" indent="-228600" algn="ctr" eaLnBrk="0" fontAlgn="base" hangingPunct="0">
+              <a:spcBef>
+                <a:spcPct val="0"/>
+              </a:spcBef>
+              <a:spcAft>
+                <a:spcPct val="0"/>
+              </a:spcAft>
+              <a:defRPr kumimoji="1" sz="1200" b="1">
+                <a:solidFill>
+                  <a:schemeClr val="tx1"/>
+                </a:solidFill>
+                <a:latin typeface="-2002" pitchFamily="18" charset="-127"/>
+                <a:ea typeface="-2002" pitchFamily="18" charset="-127"/>
+              </a:defRPr>
+            </a:lvl7pPr>
+            <a:lvl8pPr marL="3429000" indent="-228600" algn="ctr" eaLnBrk="0" fontAlgn="base" hangingPunct="0">
+              <a:spcBef>
+                <a:spcPct val="0"/>
+              </a:spcBef>
+              <a:spcAft>
+                <a:spcPct val="0"/>
+              </a:spcAft>
+              <a:defRPr kumimoji="1" sz="1200" b="1">
+                <a:solidFill>
+                  <a:schemeClr val="tx1"/>
+                </a:solidFill>
+                <a:latin typeface="-2002" pitchFamily="18" charset="-127"/>
+                <a:ea typeface="-2002" pitchFamily="18" charset="-127"/>
+              </a:defRPr>
+            </a:lvl8pPr>
+            <a:lvl9pPr marL="3886200" indent="-228600" algn="ctr" eaLnBrk="0" fontAlgn="base" hangingPunct="0">
+              <a:spcBef>
+                <a:spcPct val="0"/>
+              </a:spcBef>
+              <a:spcAft>
+                <a:spcPct val="0"/>
+              </a:spcAft>
+              <a:defRPr kumimoji="1" sz="1200" b="1">
+                <a:solidFill>
+                  <a:schemeClr val="tx1"/>
+                </a:solidFill>
+                <a:latin typeface="-2002" pitchFamily="18" charset="-127"/>
+                <a:ea typeface="-2002" pitchFamily="18" charset="-127"/>
+              </a:defRPr>
+            </a:lvl9pPr>
+          </a:lstStyle>
+          <a:p>
+            <a:pPr algn="ctr" eaLnBrk="1" hangingPunct="1">
+              <a:lnSpc>
+                <a:spcPct val="120000"/>
+              </a:lnSpc>
+              <a:defRPr/>
+            </a:pPr>
+            <a:r>
+              <a:rPr lang="ko-KR" altLang="en-US" dirty="0">
+                <a:solidFill>
+                  <a:srgbClr val="000000"/>
+                </a:solidFill>
+                <a:latin typeface="맑은 고딕" pitchFamily="50" charset="-127"/>
+                <a:ea typeface="맑은 고딕" pitchFamily="50" charset="-127"/>
+              </a:rPr>
+              <a:t>신규 고객 </a:t>
+            </a:r>
+            <a:r>
+              <a:rPr lang="ko-KR" altLang="en-US" dirty="0" smtClean="0">
+                <a:solidFill>
+                  <a:srgbClr val="000000"/>
+                </a:solidFill>
+                <a:latin typeface="맑은 고딕" pitchFamily="50" charset="-127"/>
+                <a:ea typeface="맑은 고딕" pitchFamily="50" charset="-127"/>
+              </a:rPr>
+              <a:t>가입자 증가 및 </a:t>
+            </a:r>
+            <a:r>
+              <a:rPr lang="ko-KR" altLang="en-US" dirty="0" err="1" smtClean="0">
+                <a:solidFill>
+                  <a:srgbClr val="000000"/>
+                </a:solidFill>
+                <a:latin typeface="맑은 고딕" pitchFamily="50" charset="-127"/>
+                <a:ea typeface="맑은 고딕" pitchFamily="50" charset="-127"/>
+              </a:rPr>
+              <a:t>이탈율</a:t>
+            </a:r>
+            <a:r>
+              <a:rPr lang="ko-KR" altLang="en-US" dirty="0" smtClean="0">
+                <a:solidFill>
+                  <a:srgbClr val="000000"/>
+                </a:solidFill>
+                <a:latin typeface="맑은 고딕" pitchFamily="50" charset="-127"/>
+                <a:ea typeface="맑은 고딕" pitchFamily="50" charset="-127"/>
+              </a:rPr>
+              <a:t> 감소</a:t>
+            </a:r>
+            <a:endParaRPr lang="ko-KR" altLang="en-US" dirty="0" smtClean="0">
+              <a:latin typeface="맑은 고딕" pitchFamily="50" charset="-127"/>
+              <a:ea typeface="맑은 고딕" pitchFamily="50" charset="-127"/>
+            </a:endParaRPr>
+          </a:p>
+        </p:txBody>
+      </p:sp>
+      <p:sp>
+        <p:nvSpPr>
+          <p:cNvPr id="53" name="Rectangle 1"/>
+          <p:cNvSpPr/>
+          <p:nvPr/>
+        </p:nvSpPr>
+        <p:spPr>
+          <a:xfrm>
+            <a:off x="1500685" y="3022490"/>
+            <a:ext cx="1122362" cy="820738"/>
+          </a:xfrm>
+          <a:prstGeom prst="rect">
+            <a:avLst/>
+          </a:prstGeom>
+          <a:solidFill>
+            <a:schemeClr val="bg1"/>
+          </a:solidFill>
+          <a:ln w="19050" cmpd="sng">
+            <a:solidFill>
+              <a:schemeClr val="tx1"/>
+            </a:solidFill>
+          </a:ln>
+          <a:effectLst>
+            <a:outerShdw blurRad="50800" dist="38100" dir="2700000" algn="tl" rotWithShape="0">
+              <a:prstClr val="black">
+                <a:alpha val="40000"/>
+              </a:prstClr>
+            </a:outerShdw>
+          </a:effectLst>
+        </p:spPr>
+        <p:style>
+          <a:lnRef idx="1">
+            <a:schemeClr val="accent1"/>
+          </a:lnRef>
+          <a:fillRef idx="3">
+            <a:schemeClr val="accent1"/>
+          </a:fillRef>
+          <a:effectRef idx="2">
+            <a:schemeClr val="accent1"/>
+          </a:effectRef>
+          <a:fontRef idx="minor">
+            <a:schemeClr val="lt1"/>
+          </a:fontRef>
+        </p:style>
+        <p:txBody>
+          <a:bodyPr anchor="ctr"/>
+          <a:lstStyle>
+            <a:lvl1pPr eaLnBrk="0" hangingPunct="0">
+              <a:defRPr kumimoji="1" sz="1200" b="1">
+                <a:solidFill>
+                  <a:schemeClr val="tx1"/>
+                </a:solidFill>
+                <a:latin typeface="-2002" pitchFamily="18" charset="-127"/>
+                <a:ea typeface="-2002" pitchFamily="18" charset="-127"/>
+              </a:defRPr>
+            </a:lvl1pPr>
+            <a:lvl2pPr marL="742950" indent="-285750" eaLnBrk="0" hangingPunct="0">
+              <a:defRPr kumimoji="1" sz="1200" b="1">
+                <a:solidFill>
+                  <a:schemeClr val="tx1"/>
+                </a:solidFill>
+                <a:latin typeface="-2002" pitchFamily="18" charset="-127"/>
+                <a:ea typeface="-2002" pitchFamily="18" charset="-127"/>
+              </a:defRPr>
+            </a:lvl2pPr>
+            <a:lvl3pPr marL="1143000" indent="-228600" eaLnBrk="0" hangingPunct="0">
+              <a:defRPr kumimoji="1" sz="1200" b="1">
+                <a:solidFill>
+                  <a:schemeClr val="tx1"/>
+                </a:solidFill>
+                <a:latin typeface="-2002" pitchFamily="18" charset="-127"/>
+                <a:ea typeface="-2002" pitchFamily="18" charset="-127"/>
+              </a:defRPr>
+            </a:lvl3pPr>
+            <a:lvl4pPr marL="1600200" indent="-228600" eaLnBrk="0" hangingPunct="0">
+              <a:defRPr kumimoji="1" sz="1200" b="1">
+                <a:solidFill>
+                  <a:schemeClr val="tx1"/>
+                </a:solidFill>
+                <a:latin typeface="-2002" pitchFamily="18" charset="-127"/>
+                <a:ea typeface="-2002" pitchFamily="18" charset="-127"/>
+              </a:defRPr>
+            </a:lvl4pPr>
+            <a:lvl5pPr marL="2057400" indent="-228600" eaLnBrk="0" hangingPunct="0">
+              <a:defRPr kumimoji="1" sz="1200" b="1">
+                <a:solidFill>
+                  <a:schemeClr val="tx1"/>
+                </a:solidFill>
+                <a:latin typeface="-2002" pitchFamily="18" charset="-127"/>
+                <a:ea typeface="-2002" pitchFamily="18" charset="-127"/>
+              </a:defRPr>
+            </a:lvl5pPr>
+            <a:lvl6pPr marL="2514600" indent="-228600" algn="ctr" eaLnBrk="0" fontAlgn="base" hangingPunct="0">
+              <a:spcBef>
+                <a:spcPct val="0"/>
+              </a:spcBef>
+              <a:spcAft>
+                <a:spcPct val="0"/>
+              </a:spcAft>
+              <a:defRPr kumimoji="1" sz="1200" b="1">
+                <a:solidFill>
+                  <a:schemeClr val="tx1"/>
+                </a:solidFill>
+                <a:latin typeface="-2002" pitchFamily="18" charset="-127"/>
+                <a:ea typeface="-2002" pitchFamily="18" charset="-127"/>
+              </a:defRPr>
+            </a:lvl6pPr>
+            <a:lvl7pPr marL="2971800" indent="-228600" algn="ctr" eaLnBrk="0" fontAlgn="base" hangingPunct="0">
+              <a:spcBef>
+                <a:spcPct val="0"/>
+              </a:spcBef>
+              <a:spcAft>
+                <a:spcPct val="0"/>
+              </a:spcAft>
+              <a:defRPr kumimoji="1" sz="1200" b="1">
+                <a:solidFill>
+                  <a:schemeClr val="tx1"/>
+                </a:solidFill>
+                <a:latin typeface="-2002" pitchFamily="18" charset="-127"/>
+                <a:ea typeface="-2002" pitchFamily="18" charset="-127"/>
+              </a:defRPr>
+            </a:lvl7pPr>
+            <a:lvl8pPr marL="3429000" indent="-228600" algn="ctr" eaLnBrk="0" fontAlgn="base" hangingPunct="0">
+              <a:spcBef>
+                <a:spcPct val="0"/>
+              </a:spcBef>
+              <a:spcAft>
+                <a:spcPct val="0"/>
+              </a:spcAft>
+              <a:defRPr kumimoji="1" sz="1200" b="1">
+                <a:solidFill>
+                  <a:schemeClr val="tx1"/>
+                </a:solidFill>
+                <a:latin typeface="-2002" pitchFamily="18" charset="-127"/>
+                <a:ea typeface="-2002" pitchFamily="18" charset="-127"/>
+              </a:defRPr>
+            </a:lvl8pPr>
+            <a:lvl9pPr marL="3886200" indent="-228600" algn="ctr" eaLnBrk="0" fontAlgn="base" hangingPunct="0">
+              <a:spcBef>
+                <a:spcPct val="0"/>
+              </a:spcBef>
+              <a:spcAft>
+                <a:spcPct val="0"/>
+              </a:spcAft>
+              <a:defRPr kumimoji="1" sz="1200" b="1">
+                <a:solidFill>
+                  <a:schemeClr val="tx1"/>
+                </a:solidFill>
+                <a:latin typeface="-2002" pitchFamily="18" charset="-127"/>
+                <a:ea typeface="-2002" pitchFamily="18" charset="-127"/>
+              </a:defRPr>
+            </a:lvl9pPr>
+          </a:lstStyle>
+          <a:p>
+            <a:pPr lvl="0" algn="ctr">
+              <a:lnSpc>
+                <a:spcPct val="120000"/>
+              </a:lnSpc>
+              <a:defRPr/>
+            </a:pPr>
+            <a:r>
+              <a:rPr lang="ko-KR" altLang="en-US" dirty="0" smtClean="0">
+                <a:latin typeface="맑은 고딕" pitchFamily="50" charset="-127"/>
+                <a:ea typeface="맑은 고딕" pitchFamily="50" charset="-127"/>
+              </a:rPr>
+              <a:t>신규 고객 </a:t>
+            </a:r>
+            <a:r>
+              <a:rPr lang="en-US" altLang="ko-KR" dirty="0" smtClean="0">
+                <a:latin typeface="맑은 고딕" pitchFamily="50" charset="-127"/>
+                <a:ea typeface="맑은 고딕" pitchFamily="50" charset="-127"/>
+              </a:rPr>
+              <a:t/>
+            </a:r>
+            <a:br>
+              <a:rPr lang="en-US" altLang="ko-KR" dirty="0" smtClean="0">
+                <a:latin typeface="맑은 고딕" pitchFamily="50" charset="-127"/>
+                <a:ea typeface="맑은 고딕" pitchFamily="50" charset="-127"/>
+              </a:rPr>
+            </a:br>
+            <a:r>
+              <a:rPr lang="ko-KR" altLang="en-US" dirty="0" smtClean="0">
+                <a:latin typeface="맑은 고딕" pitchFamily="50" charset="-127"/>
+                <a:ea typeface="맑은 고딕" pitchFamily="50" charset="-127"/>
+              </a:rPr>
+              <a:t>만족도 증가</a:t>
+            </a:r>
+            <a:endParaRPr lang="en-US" altLang="ko-KR" dirty="0" smtClean="0">
+              <a:latin typeface="맑은 고딕" pitchFamily="50" charset="-127"/>
+              <a:ea typeface="맑은 고딕" pitchFamily="50" charset="-127"/>
+            </a:endParaRPr>
+          </a:p>
+        </p:txBody>
+      </p:sp>
+      <p:sp>
+        <p:nvSpPr>
+          <p:cNvPr id="54" name="Oval 2"/>
+          <p:cNvSpPr/>
+          <p:nvPr/>
+        </p:nvSpPr>
+        <p:spPr>
+          <a:xfrm>
+            <a:off x="2817069" y="2941738"/>
+            <a:ext cx="1186812" cy="938796"/>
+          </a:xfrm>
+          <a:prstGeom prst="ellipse">
+            <a:avLst/>
+          </a:prstGeom>
+          <a:solidFill>
+            <a:schemeClr val="bg1"/>
+          </a:solidFill>
+          <a:ln w="19050" cmpd="sng">
+            <a:solidFill>
+              <a:schemeClr val="tx1"/>
+            </a:solidFill>
+          </a:ln>
+          <a:effectLst>
+            <a:outerShdw blurRad="50800" dist="38100" dir="2700000" algn="tl" rotWithShape="0">
+              <a:prstClr val="black">
+                <a:alpha val="40000"/>
+              </a:prstClr>
+            </a:outerShdw>
+          </a:effectLst>
+        </p:spPr>
+        <p:style>
+          <a:lnRef idx="1">
+            <a:schemeClr val="accent1"/>
+          </a:lnRef>
+          <a:fillRef idx="3">
+            <a:schemeClr val="accent1"/>
+          </a:fillRef>
+          <a:effectRef idx="2">
+            <a:schemeClr val="accent1"/>
+          </a:effectRef>
+          <a:fontRef idx="minor">
+            <a:schemeClr val="lt1"/>
+          </a:fontRef>
+        </p:style>
+        <p:txBody>
+          <a:bodyPr lIns="0" rIns="0" anchor="ctr"/>
+          <a:lstStyle/>
+          <a:p>
+            <a:pPr algn="ctr">
+              <a:lnSpc>
+                <a:spcPct val="120000"/>
+              </a:lnSpc>
+              <a:defRPr/>
+            </a:pPr>
+            <a:r>
+              <a:rPr lang="ko-KR" altLang="en-US" sz="1200" b="1" dirty="0" smtClean="0">
+                <a:solidFill>
+                  <a:schemeClr val="tx1"/>
+                </a:solidFill>
+                <a:latin typeface="맑은 고딕" pitchFamily="50" charset="-127"/>
+                <a:ea typeface="맑은 고딕" pitchFamily="50" charset="-127"/>
+                <a:cs typeface="Malgun Gothic"/>
+              </a:rPr>
+              <a:t>추천 여행지 숙소 만족도 </a:t>
+            </a:r>
+            <a:r>
+              <a:rPr lang="en-US" altLang="ko-KR" sz="1200" b="1" dirty="0" smtClean="0">
+                <a:solidFill>
+                  <a:schemeClr val="tx1"/>
+                </a:solidFill>
+                <a:latin typeface="맑은 고딕" pitchFamily="50" charset="-127"/>
+                <a:ea typeface="맑은 고딕" pitchFamily="50" charset="-127"/>
+                <a:cs typeface="Malgun Gothic"/>
+              </a:rPr>
+              <a:t/>
+            </a:r>
+            <a:br>
+              <a:rPr lang="en-US" altLang="ko-KR" sz="1200" b="1" dirty="0" smtClean="0">
+                <a:solidFill>
+                  <a:schemeClr val="tx1"/>
+                </a:solidFill>
+                <a:latin typeface="맑은 고딕" pitchFamily="50" charset="-127"/>
+                <a:ea typeface="맑은 고딕" pitchFamily="50" charset="-127"/>
+                <a:cs typeface="Malgun Gothic"/>
+              </a:rPr>
+            </a:br>
+            <a:r>
+              <a:rPr lang="ko-KR" altLang="en-US" sz="1200" b="1" dirty="0" smtClean="0">
+                <a:solidFill>
+                  <a:schemeClr val="tx1"/>
+                </a:solidFill>
+                <a:latin typeface="맑은 고딕" pitchFamily="50" charset="-127"/>
+                <a:ea typeface="맑은 고딕" pitchFamily="50" charset="-127"/>
+                <a:cs typeface="Malgun Gothic"/>
+              </a:rPr>
+              <a:t>지수화</a:t>
+            </a:r>
+            <a:endParaRPr lang="ko-KR" altLang="en-US" sz="1200" b="1" dirty="0">
+              <a:solidFill>
+                <a:schemeClr val="tx1"/>
+              </a:solidFill>
+              <a:latin typeface="맑은 고딕" pitchFamily="50" charset="-127"/>
+              <a:ea typeface="맑은 고딕" pitchFamily="50" charset="-127"/>
+              <a:cs typeface="Malgun Gothic"/>
+            </a:endParaRPr>
+          </a:p>
+        </p:txBody>
+      </p:sp>
+      <p:sp>
+        <p:nvSpPr>
+          <p:cNvPr id="56" name="Oval 2"/>
+          <p:cNvSpPr/>
+          <p:nvPr/>
+        </p:nvSpPr>
+        <p:spPr>
+          <a:xfrm>
+            <a:off x="4489069" y="3346034"/>
+            <a:ext cx="991800" cy="801069"/>
+          </a:xfrm>
+          <a:prstGeom prst="ellipse">
+            <a:avLst/>
+          </a:prstGeom>
+          <a:solidFill>
+            <a:srgbClr val="FFFFFF"/>
+          </a:solidFill>
+          <a:ln w="19050" cap="flat" cmpd="sng" algn="ctr">
+            <a:solidFill>
+              <a:srgbClr val="000000"/>
+            </a:solidFill>
+            <a:prstDash val="dot"/>
+          </a:ln>
+          <a:effectLst>
+            <a:outerShdw blurRad="50800" dist="38100" dir="2700000" algn="tl" rotWithShape="0">
+              <a:prstClr val="black">
+                <a:alpha val="40000"/>
+              </a:prstClr>
+            </a:outerShdw>
+          </a:effectLst>
+        </p:spPr>
+        <p:txBody>
+          <a:bodyPr lIns="36000" rIns="36000" anchor="ctr"/>
+          <a:lstStyle/>
+          <a:p>
+            <a:pPr algn="ctr">
+              <a:lnSpc>
+                <a:spcPct val="120000"/>
+              </a:lnSpc>
+              <a:defRPr/>
+            </a:pPr>
+            <a:r>
+              <a:rPr lang="ko-KR" altLang="en-US" sz="1200" b="1" kern="0" dirty="0" err="1" smtClean="0">
+                <a:solidFill>
+                  <a:srgbClr val="000000"/>
+                </a:solidFill>
+                <a:latin typeface="맑은 고딕" pitchFamily="50" charset="-127"/>
+                <a:ea typeface="맑은 고딕" pitchFamily="50" charset="-127"/>
+                <a:cs typeface="Malgun Gothic"/>
+              </a:rPr>
+              <a:t>거리별</a:t>
+            </a:r>
+            <a:r>
+              <a:rPr lang="ko-KR" altLang="en-US" sz="1200" b="1" kern="0" dirty="0" smtClean="0">
+                <a:solidFill>
+                  <a:srgbClr val="000000"/>
+                </a:solidFill>
+                <a:latin typeface="맑은 고딕" pitchFamily="50" charset="-127"/>
+                <a:ea typeface="맑은 고딕" pitchFamily="50" charset="-127"/>
+                <a:cs typeface="Malgun Gothic"/>
+              </a:rPr>
+              <a:t> 특성</a:t>
+            </a:r>
+            <a:endParaRPr lang="ko-KR" altLang="en-US" sz="1200" b="1" kern="0" dirty="0">
+              <a:solidFill>
+                <a:srgbClr val="000000"/>
+              </a:solidFill>
+              <a:latin typeface="맑은 고딕" pitchFamily="50" charset="-127"/>
+              <a:ea typeface="맑은 고딕" pitchFamily="50" charset="-127"/>
+              <a:cs typeface="Malgun Gothic"/>
+            </a:endParaRPr>
+          </a:p>
+        </p:txBody>
+      </p:sp>
+      <p:sp>
+        <p:nvSpPr>
+          <p:cNvPr id="57" name="Oval 2"/>
+          <p:cNvSpPr/>
+          <p:nvPr/>
+        </p:nvSpPr>
+        <p:spPr>
+          <a:xfrm>
+            <a:off x="4489069" y="1823907"/>
+            <a:ext cx="991800" cy="801069"/>
+          </a:xfrm>
+          <a:prstGeom prst="ellipse">
+            <a:avLst/>
+          </a:prstGeom>
+          <a:solidFill>
+            <a:srgbClr val="FFFFFF"/>
+          </a:solidFill>
+          <a:ln w="19050" cap="flat" cmpd="sng" algn="ctr">
+            <a:solidFill>
+              <a:srgbClr val="000000"/>
+            </a:solidFill>
+            <a:prstDash val="dot"/>
+          </a:ln>
+          <a:effectLst>
+            <a:outerShdw blurRad="50800" dist="38100" dir="2700000" algn="tl" rotWithShape="0">
+              <a:prstClr val="black">
+                <a:alpha val="40000"/>
+              </a:prstClr>
+            </a:outerShdw>
+          </a:effectLst>
+        </p:spPr>
+        <p:txBody>
+          <a:bodyPr lIns="36000" rIns="36000" anchor="ctr"/>
+          <a:lstStyle/>
+          <a:p>
+            <a:pPr algn="ctr">
+              <a:lnSpc>
+                <a:spcPct val="120000"/>
+              </a:lnSpc>
+              <a:defRPr/>
+            </a:pPr>
+            <a:r>
+              <a:rPr lang="ko-KR" altLang="en-US" sz="1200" b="1" kern="0" dirty="0" smtClean="0">
+                <a:solidFill>
+                  <a:srgbClr val="000000"/>
+                </a:solidFill>
+                <a:latin typeface="맑은 고딕" pitchFamily="50" charset="-127"/>
+                <a:ea typeface="맑은 고딕" pitchFamily="50" charset="-127"/>
+                <a:cs typeface="Malgun Gothic"/>
+              </a:rPr>
+              <a:t>신규고객 특성</a:t>
+            </a:r>
+            <a:endParaRPr lang="ko-KR" altLang="en-US" sz="1200" b="1" kern="0" dirty="0">
+              <a:solidFill>
+                <a:srgbClr val="000000"/>
+              </a:solidFill>
+              <a:latin typeface="맑은 고딕" pitchFamily="50" charset="-127"/>
+              <a:ea typeface="맑은 고딕" pitchFamily="50" charset="-127"/>
+              <a:cs typeface="Malgun Gothic"/>
+            </a:endParaRPr>
+          </a:p>
+        </p:txBody>
+      </p:sp>
+      <p:sp>
+        <p:nvSpPr>
+          <p:cNvPr id="58" name="Oval 2"/>
+          <p:cNvSpPr/>
+          <p:nvPr/>
+        </p:nvSpPr>
+        <p:spPr>
+          <a:xfrm>
+            <a:off x="4489069" y="4524291"/>
+            <a:ext cx="991800" cy="801069"/>
+          </a:xfrm>
+          <a:prstGeom prst="ellipse">
+            <a:avLst/>
+          </a:prstGeom>
+          <a:solidFill>
+            <a:srgbClr val="FFFFFF"/>
+          </a:solidFill>
+          <a:ln w="19050" cap="flat" cmpd="sng" algn="ctr">
+            <a:solidFill>
+              <a:srgbClr val="000000"/>
+            </a:solidFill>
+            <a:prstDash val="dot"/>
+          </a:ln>
+          <a:effectLst>
+            <a:outerShdw blurRad="50800" dist="38100" dir="2700000" algn="tl" rotWithShape="0">
+              <a:prstClr val="black">
+                <a:alpha val="40000"/>
+              </a:prstClr>
+            </a:outerShdw>
+          </a:effectLst>
+        </p:spPr>
+        <p:txBody>
+          <a:bodyPr lIns="36000" rIns="36000" anchor="ctr"/>
+          <a:lstStyle/>
+          <a:p>
+            <a:pPr algn="ctr">
+              <a:lnSpc>
+                <a:spcPct val="120000"/>
+              </a:lnSpc>
+              <a:defRPr/>
+            </a:pPr>
+            <a:r>
+              <a:rPr lang="ko-KR" altLang="en-US" sz="1200" b="1" kern="0" dirty="0" smtClean="0">
+                <a:solidFill>
+                  <a:srgbClr val="000000"/>
+                </a:solidFill>
+                <a:latin typeface="맑은 고딕" pitchFamily="50" charset="-127"/>
+                <a:ea typeface="맑은 고딕" pitchFamily="50" charset="-127"/>
+                <a:cs typeface="Malgun Gothic"/>
+              </a:rPr>
+              <a:t>숙소지 </a:t>
+            </a:r>
+            <a:r>
+              <a:rPr lang="ko-KR" altLang="en-US" sz="1200" b="1" kern="0" dirty="0" smtClean="0">
+                <a:solidFill>
+                  <a:srgbClr val="000000"/>
+                </a:solidFill>
+                <a:latin typeface="맑은 고딕" pitchFamily="50" charset="-127"/>
+                <a:ea typeface="맑은 고딕" pitchFamily="50" charset="-127"/>
+                <a:cs typeface="Malgun Gothic"/>
+              </a:rPr>
+              <a:t>특성</a:t>
+            </a:r>
+            <a:endParaRPr lang="ko-KR" altLang="en-US" sz="1200" b="1" kern="0" dirty="0">
+              <a:solidFill>
+                <a:srgbClr val="000000"/>
+              </a:solidFill>
+              <a:latin typeface="맑은 고딕" pitchFamily="50" charset="-127"/>
+              <a:ea typeface="맑은 고딕" pitchFamily="50" charset="-127"/>
+              <a:cs typeface="Malgun Gothic"/>
+            </a:endParaRPr>
+          </a:p>
+        </p:txBody>
+      </p:sp>
+      <p:cxnSp>
+        <p:nvCxnSpPr>
+          <p:cNvPr id="59" name="Straight Arrow Connector 55"/>
+          <p:cNvCxnSpPr>
+            <a:stCxn id="57" idx="2"/>
+            <a:endCxn id="54" idx="6"/>
+          </p:cNvCxnSpPr>
+          <p:nvPr/>
+        </p:nvCxnSpPr>
+        <p:spPr>
+          <a:xfrm flipH="1">
+            <a:off x="4003881" y="2224442"/>
+            <a:ext cx="485188" cy="1186694"/>
+          </a:xfrm>
+          <a:prstGeom prst="straightConnector1">
+            <a:avLst/>
+          </a:prstGeom>
+          <a:ln w="19050" cmpd="sng">
+            <a:solidFill>
+              <a:srgbClr val="808080"/>
+            </a:solidFill>
+            <a:headEnd type="none"/>
+            <a:tailEnd type="triangle"/>
+          </a:ln>
+          <a:effectLst/>
+        </p:spPr>
+        <p:style>
+          <a:lnRef idx="2">
+            <a:schemeClr val="accent1"/>
+          </a:lnRef>
+          <a:fillRef idx="0">
+            <a:schemeClr val="accent1"/>
+          </a:fillRef>
+          <a:effectRef idx="1">
+            <a:schemeClr val="accent1"/>
+          </a:effectRef>
+          <a:fontRef idx="minor">
+            <a:schemeClr val="tx1"/>
+          </a:fontRef>
+        </p:style>
+      </p:cxnSp>
+      <p:cxnSp>
+        <p:nvCxnSpPr>
+          <p:cNvPr id="65" name="Straight Arrow Connector 55"/>
+          <p:cNvCxnSpPr>
+            <a:stCxn id="56" idx="2"/>
+            <a:endCxn id="54" idx="6"/>
+          </p:cNvCxnSpPr>
+          <p:nvPr/>
+        </p:nvCxnSpPr>
+        <p:spPr>
+          <a:xfrm flipH="1" flipV="1">
+            <a:off x="4003881" y="3411136"/>
+            <a:ext cx="485188" cy="335433"/>
+          </a:xfrm>
+          <a:prstGeom prst="straightConnector1">
+            <a:avLst/>
+          </a:prstGeom>
+          <a:ln w="19050" cmpd="sng">
+            <a:solidFill>
+              <a:srgbClr val="808080"/>
+            </a:solidFill>
+            <a:headEnd type="none"/>
+            <a:tailEnd type="triangle"/>
+          </a:ln>
+          <a:effectLst/>
+        </p:spPr>
+        <p:style>
+          <a:lnRef idx="2">
+            <a:schemeClr val="accent1"/>
+          </a:lnRef>
+          <a:fillRef idx="0">
+            <a:schemeClr val="accent1"/>
+          </a:fillRef>
+          <a:effectRef idx="1">
+            <a:schemeClr val="accent1"/>
+          </a:effectRef>
+          <a:fontRef idx="minor">
+            <a:schemeClr val="tx1"/>
+          </a:fontRef>
+        </p:style>
+      </p:cxnSp>
+      <p:cxnSp>
+        <p:nvCxnSpPr>
+          <p:cNvPr id="68" name="Straight Arrow Connector 55"/>
+          <p:cNvCxnSpPr>
+            <a:stCxn id="58" idx="2"/>
+            <a:endCxn id="54" idx="6"/>
+          </p:cNvCxnSpPr>
+          <p:nvPr/>
+        </p:nvCxnSpPr>
+        <p:spPr>
+          <a:xfrm flipH="1" flipV="1">
+            <a:off x="4003881" y="3411136"/>
+            <a:ext cx="485188" cy="1513690"/>
+          </a:xfrm>
+          <a:prstGeom prst="straightConnector1">
+            <a:avLst/>
+          </a:prstGeom>
+          <a:ln w="19050" cmpd="sng">
+            <a:solidFill>
+              <a:srgbClr val="808080"/>
+            </a:solidFill>
+            <a:headEnd type="none"/>
+            <a:tailEnd type="triangle"/>
+          </a:ln>
+          <a:effectLst/>
+        </p:spPr>
+        <p:style>
+          <a:lnRef idx="2">
+            <a:schemeClr val="accent1"/>
+          </a:lnRef>
+          <a:fillRef idx="0">
+            <a:schemeClr val="accent1"/>
+          </a:fillRef>
+          <a:effectRef idx="1">
+            <a:schemeClr val="accent1"/>
+          </a:effectRef>
+          <a:fontRef idx="minor">
+            <a:schemeClr val="tx1"/>
+          </a:fontRef>
+        </p:style>
+      </p:cxnSp>
+      <p:sp>
+        <p:nvSpPr>
+          <p:cNvPr id="73" name="Oval 2"/>
+          <p:cNvSpPr/>
+          <p:nvPr/>
+        </p:nvSpPr>
+        <p:spPr>
+          <a:xfrm>
+            <a:off x="6632328" y="1387878"/>
+            <a:ext cx="1262545" cy="1019748"/>
+          </a:xfrm>
+          <a:prstGeom prst="ellipse">
+            <a:avLst/>
+          </a:prstGeom>
+          <a:solidFill>
+            <a:srgbClr val="FFFFFF"/>
+          </a:solidFill>
+          <a:ln w="19050" cap="flat" cmpd="sng" algn="ctr">
+            <a:solidFill>
+              <a:srgbClr val="000000"/>
+            </a:solidFill>
+            <a:prstDash val="dot"/>
+          </a:ln>
+          <a:effectLst>
+            <a:outerShdw blurRad="50800" dist="38100" dir="2700000" algn="tl" rotWithShape="0">
+              <a:prstClr val="black">
+                <a:alpha val="40000"/>
+              </a:prstClr>
+            </a:outerShdw>
+          </a:effectLst>
+        </p:spPr>
+        <p:txBody>
+          <a:bodyPr lIns="36000" rIns="36000" anchor="ctr"/>
+          <a:lstStyle/>
+          <a:p>
+            <a:pPr algn="ctr">
+              <a:lnSpc>
+                <a:spcPct val="120000"/>
+              </a:lnSpc>
+              <a:defRPr/>
+            </a:pPr>
+            <a:r>
+              <a:rPr lang="ko-KR" altLang="en-US" sz="1200" b="1" kern="0" dirty="0" smtClean="0">
+                <a:solidFill>
+                  <a:srgbClr val="000000"/>
+                </a:solidFill>
+                <a:latin typeface="맑은 고딕" pitchFamily="50" charset="-127"/>
+                <a:ea typeface="맑은 고딕" pitchFamily="50" charset="-127"/>
+                <a:cs typeface="Malgun Gothic"/>
+              </a:rPr>
+              <a:t>회원가입</a:t>
+            </a:r>
+            <a:endParaRPr lang="en-US" altLang="ko-KR" sz="1200" b="1" kern="0" dirty="0" smtClean="0">
+              <a:solidFill>
+                <a:srgbClr val="000000"/>
+              </a:solidFill>
+              <a:latin typeface="맑은 고딕" pitchFamily="50" charset="-127"/>
+              <a:ea typeface="맑은 고딕" pitchFamily="50" charset="-127"/>
+              <a:cs typeface="Malgun Gothic"/>
+            </a:endParaRPr>
+          </a:p>
+          <a:p>
+            <a:pPr algn="ctr">
+              <a:lnSpc>
+                <a:spcPct val="120000"/>
+              </a:lnSpc>
+              <a:defRPr/>
+            </a:pPr>
+            <a:r>
+              <a:rPr lang="ko-KR" altLang="en-US" sz="1200" b="1" kern="0" dirty="0" smtClean="0">
+                <a:solidFill>
+                  <a:srgbClr val="000000"/>
+                </a:solidFill>
+                <a:latin typeface="맑은 고딕" pitchFamily="50" charset="-127"/>
+                <a:ea typeface="맑은 고딕" pitchFamily="50" charset="-127"/>
+                <a:cs typeface="Malgun Gothic"/>
+              </a:rPr>
+              <a:t>홈페이지</a:t>
+            </a:r>
+            <a:endParaRPr lang="en-US" altLang="ko-KR" sz="1200" b="1" kern="0" dirty="0" smtClean="0">
+              <a:solidFill>
+                <a:srgbClr val="000000"/>
+              </a:solidFill>
+              <a:latin typeface="맑은 고딕" pitchFamily="50" charset="-127"/>
+              <a:ea typeface="맑은 고딕" pitchFamily="50" charset="-127"/>
+              <a:cs typeface="Malgun Gothic"/>
+            </a:endParaRPr>
+          </a:p>
+          <a:p>
+            <a:pPr algn="ctr">
+              <a:lnSpc>
+                <a:spcPct val="120000"/>
+              </a:lnSpc>
+              <a:defRPr/>
+            </a:pPr>
+            <a:r>
+              <a:rPr lang="ko-KR" altLang="en-US" sz="1200" b="1" kern="0" dirty="0" smtClean="0">
+                <a:solidFill>
+                  <a:srgbClr val="000000"/>
+                </a:solidFill>
+                <a:latin typeface="맑은 고딕" pitchFamily="50" charset="-127"/>
+                <a:ea typeface="맑은 고딕" pitchFamily="50" charset="-127"/>
+                <a:cs typeface="Malgun Gothic"/>
+              </a:rPr>
+              <a:t>특성</a:t>
+            </a:r>
+            <a:endParaRPr lang="ko-KR" altLang="en-US" sz="1200" b="1" kern="0" dirty="0">
+              <a:solidFill>
+                <a:srgbClr val="000000"/>
+              </a:solidFill>
+              <a:latin typeface="맑은 고딕" pitchFamily="50" charset="-127"/>
+              <a:ea typeface="맑은 고딕" pitchFamily="50" charset="-127"/>
+              <a:cs typeface="Malgun Gothic"/>
+            </a:endParaRPr>
+          </a:p>
+        </p:txBody>
+      </p:sp>
+      <p:sp>
+        <p:nvSpPr>
+          <p:cNvPr id="74" name="Oval 2"/>
+          <p:cNvSpPr/>
+          <p:nvPr/>
+        </p:nvSpPr>
+        <p:spPr>
+          <a:xfrm>
+            <a:off x="7357562" y="2433799"/>
+            <a:ext cx="1262545" cy="1019748"/>
+          </a:xfrm>
+          <a:prstGeom prst="ellipse">
+            <a:avLst/>
+          </a:prstGeom>
+          <a:solidFill>
+            <a:srgbClr val="FFFFFF"/>
+          </a:solidFill>
+          <a:ln w="19050" cap="flat" cmpd="sng" algn="ctr">
+            <a:solidFill>
+              <a:srgbClr val="000000"/>
+            </a:solidFill>
+            <a:prstDash val="dot"/>
+          </a:ln>
+          <a:effectLst>
+            <a:outerShdw blurRad="50800" dist="38100" dir="2700000" algn="tl" rotWithShape="0">
+              <a:prstClr val="black">
+                <a:alpha val="40000"/>
+              </a:prstClr>
+            </a:outerShdw>
+          </a:effectLst>
+        </p:spPr>
+        <p:txBody>
+          <a:bodyPr lIns="36000" rIns="36000" anchor="ctr"/>
+          <a:lstStyle/>
+          <a:p>
+            <a:pPr algn="ctr">
+              <a:lnSpc>
+                <a:spcPct val="120000"/>
+              </a:lnSpc>
+              <a:defRPr/>
+            </a:pPr>
+            <a:r>
+              <a:rPr lang="ko-KR" altLang="en-US" sz="1200" b="1" kern="0" dirty="0" smtClean="0">
+                <a:solidFill>
+                  <a:srgbClr val="000000"/>
+                </a:solidFill>
+                <a:latin typeface="맑은 고딕" pitchFamily="50" charset="-127"/>
+                <a:ea typeface="맑은 고딕" pitchFamily="50" charset="-127"/>
+                <a:cs typeface="Malgun Gothic"/>
+              </a:rPr>
+              <a:t>추천숙소</a:t>
+            </a:r>
+            <a:endParaRPr lang="en-US" altLang="ko-KR" sz="1200" b="1" kern="0" dirty="0" smtClean="0">
+              <a:solidFill>
+                <a:srgbClr val="000000"/>
+              </a:solidFill>
+              <a:latin typeface="맑은 고딕" pitchFamily="50" charset="-127"/>
+              <a:ea typeface="맑은 고딕" pitchFamily="50" charset="-127"/>
+              <a:cs typeface="Malgun Gothic"/>
+            </a:endParaRPr>
+          </a:p>
+          <a:p>
+            <a:pPr algn="ctr">
+              <a:lnSpc>
+                <a:spcPct val="120000"/>
+              </a:lnSpc>
+              <a:defRPr/>
+            </a:pPr>
+            <a:r>
+              <a:rPr lang="ko-KR" altLang="en-US" sz="1200" b="1" kern="0" dirty="0" smtClean="0">
+                <a:solidFill>
+                  <a:srgbClr val="000000"/>
+                </a:solidFill>
+                <a:latin typeface="맑은 고딕" pitchFamily="50" charset="-127"/>
+                <a:ea typeface="맑은 고딕" pitchFamily="50" charset="-127"/>
+                <a:cs typeface="Malgun Gothic"/>
+              </a:rPr>
+              <a:t>거리 특성</a:t>
+            </a:r>
+            <a:endParaRPr lang="ko-KR" altLang="en-US" sz="1200" b="1" kern="0" dirty="0">
+              <a:solidFill>
+                <a:srgbClr val="000000"/>
+              </a:solidFill>
+              <a:latin typeface="맑은 고딕" pitchFamily="50" charset="-127"/>
+              <a:ea typeface="맑은 고딕" pitchFamily="50" charset="-127"/>
+              <a:cs typeface="Malgun Gothic"/>
+            </a:endParaRPr>
+          </a:p>
+        </p:txBody>
+      </p:sp>
+      <p:sp>
+        <p:nvSpPr>
+          <p:cNvPr id="75" name="Oval 2"/>
+          <p:cNvSpPr/>
+          <p:nvPr/>
+        </p:nvSpPr>
+        <p:spPr>
+          <a:xfrm>
+            <a:off x="6628427" y="5117194"/>
+            <a:ext cx="1262545" cy="1019748"/>
+          </a:xfrm>
+          <a:prstGeom prst="ellipse">
+            <a:avLst/>
+          </a:prstGeom>
+          <a:solidFill>
+            <a:srgbClr val="FFFFFF"/>
+          </a:solidFill>
+          <a:ln w="19050" cap="flat" cmpd="sng" algn="ctr">
+            <a:solidFill>
+              <a:srgbClr val="000000"/>
+            </a:solidFill>
+            <a:prstDash val="dot"/>
+          </a:ln>
+          <a:effectLst>
+            <a:outerShdw blurRad="50800" dist="38100" dir="2700000" algn="tl" rotWithShape="0">
+              <a:prstClr val="black">
+                <a:alpha val="40000"/>
+              </a:prstClr>
+            </a:outerShdw>
+          </a:effectLst>
+        </p:spPr>
+        <p:txBody>
+          <a:bodyPr lIns="36000" rIns="36000" anchor="ctr"/>
+          <a:lstStyle/>
+          <a:p>
+            <a:pPr algn="ctr">
+              <a:lnSpc>
+                <a:spcPct val="120000"/>
+              </a:lnSpc>
+              <a:defRPr/>
+            </a:pPr>
+            <a:r>
+              <a:rPr lang="ko-KR" altLang="en-US" sz="1200" b="1" kern="0" dirty="0" err="1" smtClean="0">
+                <a:solidFill>
+                  <a:srgbClr val="000000"/>
+                </a:solidFill>
+                <a:latin typeface="맑은 고딕" pitchFamily="50" charset="-127"/>
+                <a:ea typeface="맑은 고딕" pitchFamily="50" charset="-127"/>
+                <a:cs typeface="Malgun Gothic"/>
+              </a:rPr>
+              <a:t>첫여행</a:t>
+            </a:r>
+            <a:endParaRPr lang="en-US" altLang="ko-KR" sz="1200" b="1" kern="0" dirty="0" smtClean="0">
+              <a:solidFill>
+                <a:srgbClr val="000000"/>
+              </a:solidFill>
+              <a:latin typeface="맑은 고딕" pitchFamily="50" charset="-127"/>
+              <a:ea typeface="맑은 고딕" pitchFamily="50" charset="-127"/>
+              <a:cs typeface="Malgun Gothic"/>
+            </a:endParaRPr>
+          </a:p>
+          <a:p>
+            <a:pPr algn="ctr">
+              <a:lnSpc>
+                <a:spcPct val="120000"/>
+              </a:lnSpc>
+              <a:defRPr/>
+            </a:pPr>
+            <a:r>
+              <a:rPr lang="ko-KR" altLang="en-US" sz="1200" b="1" kern="0" dirty="0" smtClean="0">
+                <a:solidFill>
+                  <a:srgbClr val="000000"/>
+                </a:solidFill>
+                <a:latin typeface="맑은 고딕" pitchFamily="50" charset="-127"/>
+                <a:ea typeface="맑은 고딕" pitchFamily="50" charset="-127"/>
+                <a:cs typeface="Malgun Gothic"/>
+              </a:rPr>
+              <a:t>숙소지</a:t>
+            </a:r>
+            <a:endParaRPr lang="en-US" altLang="ko-KR" sz="1200" b="1" kern="0" dirty="0" smtClean="0">
+              <a:solidFill>
+                <a:srgbClr val="000000"/>
+              </a:solidFill>
+              <a:latin typeface="맑은 고딕" pitchFamily="50" charset="-127"/>
+              <a:ea typeface="맑은 고딕" pitchFamily="50" charset="-127"/>
+              <a:cs typeface="Malgun Gothic"/>
+            </a:endParaRPr>
+          </a:p>
+          <a:p>
+            <a:pPr algn="ctr">
+              <a:lnSpc>
+                <a:spcPct val="120000"/>
+              </a:lnSpc>
+              <a:defRPr/>
+            </a:pPr>
+            <a:r>
+              <a:rPr lang="ko-KR" altLang="en-US" sz="1200" b="1" kern="0" dirty="0" smtClean="0">
+                <a:solidFill>
+                  <a:srgbClr val="000000"/>
+                </a:solidFill>
+                <a:latin typeface="맑은 고딕" pitchFamily="50" charset="-127"/>
+                <a:ea typeface="맑은 고딕" pitchFamily="50" charset="-127"/>
+                <a:cs typeface="Malgun Gothic"/>
+              </a:rPr>
+              <a:t>특성</a:t>
+            </a:r>
+            <a:endParaRPr lang="ko-KR" altLang="en-US" sz="1200" b="1" kern="0" dirty="0">
+              <a:solidFill>
+                <a:srgbClr val="000000"/>
+              </a:solidFill>
+              <a:latin typeface="맑은 고딕" pitchFamily="50" charset="-127"/>
+              <a:ea typeface="맑은 고딕" pitchFamily="50" charset="-127"/>
+              <a:cs typeface="Malgun Gothic"/>
+            </a:endParaRPr>
+          </a:p>
+        </p:txBody>
+      </p:sp>
+      <p:sp>
+        <p:nvSpPr>
+          <p:cNvPr id="77" name="Oval 2"/>
+          <p:cNvSpPr/>
+          <p:nvPr/>
+        </p:nvSpPr>
+        <p:spPr>
+          <a:xfrm>
+            <a:off x="6632328" y="3799384"/>
+            <a:ext cx="1262545" cy="1019748"/>
+          </a:xfrm>
+          <a:prstGeom prst="ellipse">
+            <a:avLst/>
+          </a:prstGeom>
+          <a:solidFill>
+            <a:srgbClr val="FFFFFF"/>
+          </a:solidFill>
+          <a:ln w="19050" cap="flat" cmpd="sng" algn="ctr">
+            <a:solidFill>
+              <a:srgbClr val="000000"/>
+            </a:solidFill>
+            <a:prstDash val="dot"/>
+          </a:ln>
+          <a:effectLst>
+            <a:outerShdw blurRad="50800" dist="38100" dir="2700000" algn="tl" rotWithShape="0">
+              <a:prstClr val="black">
+                <a:alpha val="40000"/>
+              </a:prstClr>
+            </a:outerShdw>
+          </a:effectLst>
+        </p:spPr>
+        <p:txBody>
+          <a:bodyPr lIns="36000" rIns="36000" anchor="ctr"/>
+          <a:lstStyle/>
+          <a:p>
+            <a:pPr algn="ctr">
+              <a:lnSpc>
+                <a:spcPct val="120000"/>
+              </a:lnSpc>
+              <a:defRPr/>
+            </a:pPr>
+            <a:r>
+              <a:rPr lang="ko-KR" altLang="en-US" sz="1200" b="1" kern="0" dirty="0" err="1" smtClean="0">
+                <a:solidFill>
+                  <a:srgbClr val="000000"/>
+                </a:solidFill>
+                <a:latin typeface="맑은 고딕" pitchFamily="50" charset="-127"/>
+                <a:ea typeface="맑은 고딕" pitchFamily="50" charset="-127"/>
+                <a:cs typeface="Malgun Gothic"/>
+              </a:rPr>
+              <a:t>카테고리별</a:t>
+            </a:r>
+            <a:r>
+              <a:rPr lang="ko-KR" altLang="en-US" sz="1200" b="1" kern="0" dirty="0" smtClean="0">
+                <a:solidFill>
+                  <a:srgbClr val="000000"/>
+                </a:solidFill>
+                <a:latin typeface="맑은 고딕" pitchFamily="50" charset="-127"/>
+                <a:ea typeface="맑은 고딕" pitchFamily="50" charset="-127"/>
+                <a:cs typeface="Malgun Gothic"/>
+              </a:rPr>
+              <a:t> 숙소지 특성</a:t>
+            </a:r>
+            <a:endParaRPr lang="ko-KR" altLang="en-US" sz="1200" b="1" kern="0" dirty="0">
+              <a:solidFill>
+                <a:srgbClr val="000000"/>
+              </a:solidFill>
+              <a:latin typeface="맑은 고딕" pitchFamily="50" charset="-127"/>
+              <a:ea typeface="맑은 고딕" pitchFamily="50" charset="-127"/>
+              <a:cs typeface="Malgun Gothic"/>
+            </a:endParaRPr>
+          </a:p>
+        </p:txBody>
+      </p:sp>
+      <p:cxnSp>
+        <p:nvCxnSpPr>
+          <p:cNvPr id="81" name="Straight Arrow Connector 55"/>
+          <p:cNvCxnSpPr>
+            <a:stCxn id="73" idx="2"/>
+            <a:endCxn id="57" idx="6"/>
+          </p:cNvCxnSpPr>
+          <p:nvPr/>
+        </p:nvCxnSpPr>
+        <p:spPr>
+          <a:xfrm flipH="1">
+            <a:off x="5480869" y="1897752"/>
+            <a:ext cx="1151459" cy="326690"/>
+          </a:xfrm>
+          <a:prstGeom prst="straightConnector1">
+            <a:avLst/>
+          </a:prstGeom>
+          <a:ln w="19050" cmpd="sng">
+            <a:solidFill>
+              <a:srgbClr val="808080"/>
+            </a:solidFill>
+            <a:headEnd type="none"/>
+            <a:tailEnd type="triangle"/>
+          </a:ln>
+          <a:effectLst/>
+        </p:spPr>
+        <p:style>
+          <a:lnRef idx="2">
+            <a:schemeClr val="accent1"/>
+          </a:lnRef>
+          <a:fillRef idx="0">
+            <a:schemeClr val="accent1"/>
+          </a:fillRef>
+          <a:effectRef idx="1">
+            <a:schemeClr val="accent1"/>
+          </a:effectRef>
+          <a:fontRef idx="minor">
+            <a:schemeClr val="tx1"/>
+          </a:fontRef>
+        </p:style>
+      </p:cxnSp>
+      <p:cxnSp>
+        <p:nvCxnSpPr>
+          <p:cNvPr id="90" name="Straight Arrow Connector 55"/>
+          <p:cNvCxnSpPr>
+            <a:stCxn id="74" idx="2"/>
+            <a:endCxn id="56" idx="6"/>
+          </p:cNvCxnSpPr>
+          <p:nvPr/>
+        </p:nvCxnSpPr>
+        <p:spPr>
+          <a:xfrm flipH="1">
+            <a:off x="5480869" y="2943673"/>
+            <a:ext cx="1876693" cy="802896"/>
+          </a:xfrm>
+          <a:prstGeom prst="straightConnector1">
+            <a:avLst/>
+          </a:prstGeom>
+          <a:ln w="19050" cmpd="sng">
+            <a:solidFill>
+              <a:srgbClr val="808080"/>
+            </a:solidFill>
+            <a:headEnd type="none"/>
+            <a:tailEnd type="triangle"/>
+          </a:ln>
+          <a:effectLst/>
+        </p:spPr>
+        <p:style>
+          <a:lnRef idx="2">
+            <a:schemeClr val="accent1"/>
+          </a:lnRef>
+          <a:fillRef idx="0">
+            <a:schemeClr val="accent1"/>
+          </a:fillRef>
+          <a:effectRef idx="1">
+            <a:schemeClr val="accent1"/>
+          </a:effectRef>
+          <a:fontRef idx="minor">
+            <a:schemeClr val="tx1"/>
+          </a:fontRef>
+        </p:style>
+      </p:cxnSp>
+      <p:cxnSp>
+        <p:nvCxnSpPr>
+          <p:cNvPr id="110" name="Straight Arrow Connector 55"/>
+          <p:cNvCxnSpPr>
+            <a:stCxn id="77" idx="2"/>
+            <a:endCxn id="58" idx="6"/>
+          </p:cNvCxnSpPr>
+          <p:nvPr/>
+        </p:nvCxnSpPr>
+        <p:spPr>
+          <a:xfrm flipH="1">
+            <a:off x="5480869" y="4309258"/>
+            <a:ext cx="1151459" cy="615568"/>
+          </a:xfrm>
+          <a:prstGeom prst="straightConnector1">
+            <a:avLst/>
+          </a:prstGeom>
+          <a:ln w="19050" cmpd="sng">
+            <a:solidFill>
+              <a:srgbClr val="808080"/>
+            </a:solidFill>
+            <a:headEnd type="none"/>
+            <a:tailEnd type="triangle"/>
+          </a:ln>
+          <a:effectLst/>
+        </p:spPr>
+        <p:style>
+          <a:lnRef idx="2">
+            <a:schemeClr val="accent1"/>
+          </a:lnRef>
+          <a:fillRef idx="0">
+            <a:schemeClr val="accent1"/>
+          </a:fillRef>
+          <a:effectRef idx="1">
+            <a:schemeClr val="accent1"/>
+          </a:effectRef>
+          <a:fontRef idx="minor">
+            <a:schemeClr val="tx1"/>
+          </a:fontRef>
+        </p:style>
+      </p:cxnSp>
+      <p:cxnSp>
+        <p:nvCxnSpPr>
+          <p:cNvPr id="132" name="Straight Arrow Connector 55"/>
+          <p:cNvCxnSpPr>
+            <a:stCxn id="54" idx="2"/>
+            <a:endCxn id="53" idx="3"/>
+          </p:cNvCxnSpPr>
+          <p:nvPr/>
+        </p:nvCxnSpPr>
+        <p:spPr>
+          <a:xfrm flipH="1">
+            <a:off x="2623047" y="3411136"/>
+            <a:ext cx="194022" cy="21723"/>
+          </a:xfrm>
+          <a:prstGeom prst="straightConnector1">
+            <a:avLst/>
+          </a:prstGeom>
+          <a:ln w="19050" cmpd="sng">
+            <a:solidFill>
+              <a:srgbClr val="808080"/>
+            </a:solidFill>
+            <a:headEnd type="none"/>
+            <a:tailEnd type="triangle"/>
+          </a:ln>
+          <a:effectLst/>
+        </p:spPr>
+        <p:style>
+          <a:lnRef idx="2">
+            <a:schemeClr val="accent1"/>
+          </a:lnRef>
+          <a:fillRef idx="0">
+            <a:schemeClr val="accent1"/>
+          </a:fillRef>
+          <a:effectRef idx="1">
+            <a:schemeClr val="accent1"/>
+          </a:effectRef>
+          <a:fontRef idx="minor">
+            <a:schemeClr val="tx1"/>
+          </a:fontRef>
+        </p:style>
+      </p:cxnSp>
+      <p:cxnSp>
+        <p:nvCxnSpPr>
+          <p:cNvPr id="135" name="Straight Arrow Connector 55"/>
+          <p:cNvCxnSpPr>
+            <a:stCxn id="53" idx="1"/>
+            <a:endCxn id="52" idx="0"/>
+          </p:cNvCxnSpPr>
+          <p:nvPr/>
+        </p:nvCxnSpPr>
+        <p:spPr>
+          <a:xfrm flipH="1">
+            <a:off x="1325900" y="3432859"/>
+            <a:ext cx="174785" cy="0"/>
+          </a:xfrm>
+          <a:prstGeom prst="straightConnector1">
+            <a:avLst/>
+          </a:prstGeom>
+          <a:ln w="19050" cmpd="sng">
+            <a:solidFill>
+              <a:srgbClr val="808080"/>
+            </a:solidFill>
+            <a:headEnd type="none"/>
+            <a:tailEnd type="triangle"/>
+          </a:ln>
+          <a:effectLst/>
+        </p:spPr>
+        <p:style>
+          <a:lnRef idx="2">
+            <a:schemeClr val="accent1"/>
+          </a:lnRef>
+          <a:fillRef idx="0">
+            <a:schemeClr val="accent1"/>
+          </a:fillRef>
+          <a:effectRef idx="1">
+            <a:schemeClr val="accent1"/>
+          </a:effectRef>
+          <a:fontRef idx="minor">
+            <a:schemeClr val="tx1"/>
+          </a:fontRef>
+        </p:style>
+      </p:cxnSp>
+      <p:cxnSp>
+        <p:nvCxnSpPr>
+          <p:cNvPr id="161" name="Straight Arrow Connector 55"/>
+          <p:cNvCxnSpPr>
+            <a:stCxn id="75" idx="2"/>
+            <a:endCxn id="58" idx="6"/>
+          </p:cNvCxnSpPr>
+          <p:nvPr/>
+        </p:nvCxnSpPr>
+        <p:spPr>
+          <a:xfrm flipH="1" flipV="1">
+            <a:off x="5480869" y="4924826"/>
+            <a:ext cx="1147558" cy="702242"/>
+          </a:xfrm>
+          <a:prstGeom prst="straightConnector1">
+            <a:avLst/>
+          </a:prstGeom>
+          <a:ln w="19050" cmpd="sng">
+            <a:solidFill>
+              <a:srgbClr val="808080"/>
+            </a:solidFill>
+            <a:headEnd type="none"/>
+            <a:tailEnd type="triangle"/>
+          </a:ln>
+          <a:effectLst/>
+        </p:spPr>
+        <p:style>
+          <a:lnRef idx="2">
+            <a:schemeClr val="accent1"/>
+          </a:lnRef>
+          <a:fillRef idx="0">
+            <a:schemeClr val="accent1"/>
+          </a:fillRef>
+          <a:effectRef idx="1">
+            <a:schemeClr val="accent1"/>
+          </a:effectRef>
+          <a:fontRef idx="minor">
+            <a:schemeClr val="tx1"/>
+          </a:fontRef>
+        </p:style>
+      </p:cxnSp>
       <p:grpSp>
         <p:nvGrpSpPr>
-          <p:cNvPr id="2" name="Group 7"/>
+          <p:cNvPr id="7" name="그룹 6"/>
+          <p:cNvGrpSpPr/>
+          <p:nvPr/>
+        </p:nvGrpSpPr>
+        <p:grpSpPr>
+          <a:xfrm>
+            <a:off x="7620227" y="4591773"/>
+            <a:ext cx="1682288" cy="1885084"/>
+            <a:chOff x="7491414" y="4870047"/>
+            <a:chExt cx="1243704" cy="1163296"/>
+          </a:xfrm>
+        </p:grpSpPr>
+        <p:pic>
+          <p:nvPicPr>
+            <p:cNvPr id="164" name="Picture 34"/>
+            <p:cNvPicPr>
+              <a:picLocks noChangeAspect="1"/>
+            </p:cNvPicPr>
+            <p:nvPr/>
+          </p:nvPicPr>
+          <p:blipFill>
+            <a:blip r:embed="rId3" cstate="print">
+              <a:clrChange>
+                <a:clrFrom>
+                  <a:srgbClr val="FFFFFF"/>
+                </a:clrFrom>
+                <a:clrTo>
+                  <a:srgbClr val="FFFFFF">
+                    <a:alpha val="0"/>
+                  </a:srgbClr>
+                </a:clrTo>
+              </a:clrChange>
+            </a:blip>
+            <a:srcRect/>
+            <a:stretch>
+              <a:fillRect/>
+            </a:stretch>
+          </p:blipFill>
+          <p:spPr bwMode="auto">
+            <a:xfrm rot="20850399">
+              <a:off x="7491414" y="4870047"/>
+              <a:ext cx="1243704" cy="1163296"/>
+            </a:xfrm>
+            <a:prstGeom prst="rect">
+              <a:avLst/>
+            </a:prstGeom>
+            <a:noFill/>
+            <a:ln w="9525">
+              <a:noFill/>
+              <a:miter lim="800000"/>
+              <a:headEnd/>
+              <a:tailEnd/>
+            </a:ln>
+          </p:spPr>
+        </p:pic>
+        <p:sp>
+          <p:nvSpPr>
+            <p:cNvPr id="165" name="TextBox 67"/>
+            <p:cNvSpPr txBox="1">
+              <a:spLocks noChangeArrowheads="1"/>
+            </p:cNvSpPr>
+            <p:nvPr/>
+          </p:nvSpPr>
+          <p:spPr bwMode="auto">
+            <a:xfrm rot="20850399">
+              <a:off x="7581555" y="5266964"/>
+              <a:ext cx="1063437" cy="498019"/>
+            </a:xfrm>
+            <a:prstGeom prst="rect">
+              <a:avLst/>
+            </a:prstGeom>
+            <a:noFill/>
+            <a:ln w="9525">
+              <a:noFill/>
+              <a:miter lim="800000"/>
+              <a:headEnd/>
+              <a:tailEnd/>
+            </a:ln>
+          </p:spPr>
+          <p:txBody>
+            <a:bodyPr>
+              <a:spAutoFit/>
+            </a:bodyPr>
+            <a:lstStyle/>
+            <a:p>
+              <a:pPr algn="ctr" fontAlgn="base">
+                <a:spcBef>
+                  <a:spcPct val="0"/>
+                </a:spcBef>
+                <a:spcAft>
+                  <a:spcPct val="0"/>
+                </a:spcAft>
+                <a:buClr>
+                  <a:srgbClr val="927969"/>
+                </a:buClr>
+                <a:tabLst>
+                  <a:tab pos="630238" algn="l"/>
+                </a:tabLst>
+              </a:pPr>
+              <a:r>
+                <a:rPr lang="ko-KR" altLang="en-US" sz="1200" b="1" dirty="0">
+                  <a:latin typeface="나눔손글씨 펜" pitchFamily="66" charset="-127"/>
+                  <a:ea typeface="나눔손글씨 펜" pitchFamily="66" charset="-127"/>
+                </a:rPr>
+                <a:t>기존고객의 첫 여행 숙소지가 숙소를 추천하는데 영향이 있는가</a:t>
+              </a:r>
+              <a:r>
+                <a:rPr lang="en-US" altLang="ko-KR" sz="1200" b="1" dirty="0">
+                  <a:latin typeface="나눔손글씨 펜" pitchFamily="66" charset="-127"/>
+                  <a:ea typeface="나눔손글씨 펜" pitchFamily="66" charset="-127"/>
+                </a:rPr>
+                <a:t>?</a:t>
+              </a:r>
+            </a:p>
+            <a:p>
+              <a:pPr algn="ctr" fontAlgn="base">
+                <a:spcBef>
+                  <a:spcPct val="0"/>
+                </a:spcBef>
+                <a:spcAft>
+                  <a:spcPct val="0"/>
+                </a:spcAft>
+                <a:buClr>
+                  <a:srgbClr val="927969"/>
+                </a:buClr>
+                <a:tabLst>
+                  <a:tab pos="630238" algn="l"/>
+                </a:tabLst>
+              </a:pPr>
+              <a:endParaRPr kumimoji="1" lang="en-US" altLang="ko-KR" sz="1200" dirty="0">
+                <a:solidFill>
+                  <a:srgbClr val="000000"/>
+                </a:solidFill>
+                <a:latin typeface="맑은 고딕" pitchFamily="50" charset="-127"/>
+                <a:ea typeface="맑은 고딕" pitchFamily="50" charset="-127"/>
+              </a:endParaRPr>
+            </a:p>
+          </p:txBody>
+        </p:sp>
+      </p:grpSp>
+      <p:grpSp>
+        <p:nvGrpSpPr>
+          <p:cNvPr id="79" name="그룹 78"/>
+          <p:cNvGrpSpPr/>
+          <p:nvPr/>
+        </p:nvGrpSpPr>
+        <p:grpSpPr>
+          <a:xfrm>
+            <a:off x="5219431" y="-84575"/>
+            <a:ext cx="1931189" cy="1978760"/>
+            <a:chOff x="4541481" y="2424855"/>
+            <a:chExt cx="1243704" cy="903108"/>
+          </a:xfrm>
+        </p:grpSpPr>
+        <p:pic>
+          <p:nvPicPr>
+            <p:cNvPr id="172" name="Picture 34"/>
+            <p:cNvPicPr>
+              <a:picLocks noChangeAspect="1"/>
+            </p:cNvPicPr>
+            <p:nvPr/>
+          </p:nvPicPr>
+          <p:blipFill>
+            <a:blip r:embed="rId4" cstate="print">
+              <a:clrChange>
+                <a:clrFrom>
+                  <a:srgbClr val="FFFFFF"/>
+                </a:clrFrom>
+                <a:clrTo>
+                  <a:srgbClr val="FFFFFF">
+                    <a:alpha val="0"/>
+                  </a:srgbClr>
+                </a:clrTo>
+              </a:clrChange>
+            </a:blip>
+            <a:srcRect/>
+            <a:stretch>
+              <a:fillRect/>
+            </a:stretch>
+          </p:blipFill>
+          <p:spPr bwMode="auto">
+            <a:xfrm rot="20850399">
+              <a:off x="4541481" y="2424855"/>
+              <a:ext cx="1243704" cy="903108"/>
+            </a:xfrm>
+            <a:prstGeom prst="rect">
+              <a:avLst/>
+            </a:prstGeom>
+            <a:noFill/>
+            <a:ln w="9525">
+              <a:noFill/>
+              <a:miter lim="800000"/>
+              <a:headEnd/>
+              <a:tailEnd/>
+            </a:ln>
+          </p:spPr>
+        </p:pic>
+        <p:sp>
+          <p:nvSpPr>
+            <p:cNvPr id="173" name="TextBox 67"/>
+            <p:cNvSpPr txBox="1">
+              <a:spLocks noChangeArrowheads="1"/>
+            </p:cNvSpPr>
+            <p:nvPr/>
+          </p:nvSpPr>
+          <p:spPr bwMode="auto">
+            <a:xfrm rot="20850399">
+              <a:off x="4603479" y="2727235"/>
+              <a:ext cx="1063437" cy="460909"/>
+            </a:xfrm>
+            <a:prstGeom prst="rect">
+              <a:avLst/>
+            </a:prstGeom>
+            <a:noFill/>
+            <a:ln w="9525">
+              <a:noFill/>
+              <a:miter lim="800000"/>
+              <a:headEnd/>
+              <a:tailEnd/>
+            </a:ln>
+          </p:spPr>
+          <p:txBody>
+            <a:bodyPr>
+              <a:spAutoFit/>
+            </a:bodyPr>
+            <a:lstStyle/>
+            <a:p>
+              <a:pPr algn="ctr">
+                <a:buClr>
+                  <a:srgbClr val="927969"/>
+                </a:buClr>
+                <a:tabLst>
+                  <a:tab pos="630238" algn="l"/>
+                </a:tabLst>
+              </a:pPr>
+              <a:r>
+                <a:rPr lang="ko-KR" altLang="en-US" sz="1200" b="1" dirty="0">
+                  <a:latin typeface="나눔손글씨 펜" pitchFamily="66" charset="-127"/>
+                  <a:ea typeface="나눔손글씨 펜" pitchFamily="66" charset="-127"/>
+                </a:rPr>
+                <a:t>회원가입 시 </a:t>
+              </a:r>
+              <a:endParaRPr lang="en-US" altLang="ko-KR" sz="1200" b="1" dirty="0">
+                <a:latin typeface="나눔손글씨 펜" pitchFamily="66" charset="-127"/>
+                <a:ea typeface="나눔손글씨 펜" pitchFamily="66" charset="-127"/>
+              </a:endParaRPr>
+            </a:p>
+            <a:p>
+              <a:pPr algn="ctr">
+                <a:buClr>
+                  <a:srgbClr val="927969"/>
+                </a:buClr>
+                <a:tabLst>
+                  <a:tab pos="630238" algn="l"/>
+                </a:tabLst>
+              </a:pPr>
+              <a:r>
+                <a:rPr lang="ko-KR" altLang="en-US" sz="1200" b="1" dirty="0">
+                  <a:latin typeface="나눔손글씨 펜" pitchFamily="66" charset="-127"/>
+                  <a:ea typeface="나눔손글씨 펜" pitchFamily="66" charset="-127"/>
+                </a:rPr>
+                <a:t>취미</a:t>
+              </a:r>
+              <a:r>
+                <a:rPr lang="en-US" altLang="ko-KR" sz="1200" b="1" dirty="0">
+                  <a:latin typeface="나눔손글씨 펜" pitchFamily="66" charset="-127"/>
+                  <a:ea typeface="나눔손글씨 펜" pitchFamily="66" charset="-127"/>
+                </a:rPr>
+                <a:t>, </a:t>
+              </a:r>
+              <a:r>
+                <a:rPr lang="ko-KR" altLang="en-US" sz="1200" b="1" dirty="0" err="1">
+                  <a:latin typeface="나눔손글씨 펜" pitchFamily="66" charset="-127"/>
+                  <a:ea typeface="나눔손글씨 펜" pitchFamily="66" charset="-127"/>
+                </a:rPr>
+                <a:t>자녀수</a:t>
+              </a:r>
+              <a:r>
+                <a:rPr lang="en-US" altLang="ko-KR" sz="1200" b="1" dirty="0">
+                  <a:latin typeface="나눔손글씨 펜" pitchFamily="66" charset="-127"/>
+                  <a:ea typeface="나눔손글씨 펜" pitchFamily="66" charset="-127"/>
+                </a:rPr>
+                <a:t>, </a:t>
+              </a:r>
+              <a:r>
+                <a:rPr lang="ko-KR" altLang="en-US" sz="1200" b="1" dirty="0">
+                  <a:latin typeface="나눔손글씨 펜" pitchFamily="66" charset="-127"/>
+                  <a:ea typeface="나눔손글씨 펜" pitchFamily="66" charset="-127"/>
+                </a:rPr>
+                <a:t>직업</a:t>
+              </a:r>
+              <a:r>
+                <a:rPr lang="en-US" altLang="ko-KR" sz="1200" b="1" dirty="0">
+                  <a:latin typeface="나눔손글씨 펜" pitchFamily="66" charset="-127"/>
+                  <a:ea typeface="나눔손글씨 펜" pitchFamily="66" charset="-127"/>
+                </a:rPr>
+                <a:t>, </a:t>
+              </a:r>
+              <a:r>
+                <a:rPr lang="ko-KR" altLang="en-US" sz="1200" b="1" dirty="0">
+                  <a:latin typeface="나눔손글씨 펜" pitchFamily="66" charset="-127"/>
+                  <a:ea typeface="나눔손글씨 펜" pitchFamily="66" charset="-127"/>
+                </a:rPr>
+                <a:t>나이</a:t>
+              </a:r>
+              <a:r>
+                <a:rPr lang="en-US" altLang="ko-KR" sz="1200" b="1" dirty="0">
+                  <a:latin typeface="나눔손글씨 펜" pitchFamily="66" charset="-127"/>
+                  <a:ea typeface="나눔손글씨 펜" pitchFamily="66" charset="-127"/>
+                </a:rPr>
+                <a:t>, </a:t>
+              </a:r>
+              <a:r>
+                <a:rPr lang="ko-KR" altLang="en-US" sz="1200" b="1" dirty="0">
+                  <a:latin typeface="나눔손글씨 펜" pitchFamily="66" charset="-127"/>
+                  <a:ea typeface="나눔손글씨 펜" pitchFamily="66" charset="-127"/>
+                </a:rPr>
+                <a:t>국적 등 어떠한 정보를 통해 신규고객에게 추천이 가능한가</a:t>
+              </a:r>
+              <a:r>
+                <a:rPr lang="en-US" altLang="ko-KR" sz="1200" b="1" dirty="0">
+                  <a:latin typeface="나눔손글씨 펜" pitchFamily="66" charset="-127"/>
+                  <a:ea typeface="나눔손글씨 펜" pitchFamily="66" charset="-127"/>
+                </a:rPr>
+                <a:t>?</a:t>
+              </a:r>
+            </a:p>
+            <a:p>
+              <a:pPr algn="ctr" fontAlgn="base">
+                <a:spcBef>
+                  <a:spcPct val="0"/>
+                </a:spcBef>
+                <a:spcAft>
+                  <a:spcPct val="0"/>
+                </a:spcAft>
+                <a:buClr>
+                  <a:srgbClr val="927969"/>
+                </a:buClr>
+                <a:tabLst>
+                  <a:tab pos="630238" algn="l"/>
+                </a:tabLst>
+              </a:pPr>
+              <a:endParaRPr kumimoji="1" lang="en-US" altLang="ko-KR" sz="1200" dirty="0">
+                <a:solidFill>
+                  <a:srgbClr val="000000"/>
+                </a:solidFill>
+                <a:latin typeface="맑은 고딕" pitchFamily="50" charset="-127"/>
+                <a:ea typeface="맑은 고딕" pitchFamily="50" charset="-127"/>
+              </a:endParaRPr>
+            </a:p>
+          </p:txBody>
+        </p:sp>
+      </p:grpSp>
+      <p:grpSp>
+        <p:nvGrpSpPr>
+          <p:cNvPr id="80" name="그룹 79"/>
+          <p:cNvGrpSpPr/>
+          <p:nvPr/>
+        </p:nvGrpSpPr>
+        <p:grpSpPr>
+          <a:xfrm>
+            <a:off x="5073932" y="2314756"/>
+            <a:ext cx="1493458" cy="1292260"/>
+            <a:chOff x="3389353" y="3793007"/>
+            <a:chExt cx="1243704" cy="903108"/>
+          </a:xfrm>
+        </p:grpSpPr>
+        <p:pic>
+          <p:nvPicPr>
+            <p:cNvPr id="174" name="Picture 34"/>
+            <p:cNvPicPr>
+              <a:picLocks noChangeAspect="1"/>
+            </p:cNvPicPr>
+            <p:nvPr/>
+          </p:nvPicPr>
+          <p:blipFill>
+            <a:blip r:embed="rId4" cstate="print">
+              <a:clrChange>
+                <a:clrFrom>
+                  <a:srgbClr val="FFFFFF"/>
+                </a:clrFrom>
+                <a:clrTo>
+                  <a:srgbClr val="FFFFFF">
+                    <a:alpha val="0"/>
+                  </a:srgbClr>
+                </a:clrTo>
+              </a:clrChange>
+            </a:blip>
+            <a:srcRect/>
+            <a:stretch>
+              <a:fillRect/>
+            </a:stretch>
+          </p:blipFill>
+          <p:spPr bwMode="auto">
+            <a:xfrm rot="20850399">
+              <a:off x="3389353" y="3793007"/>
+              <a:ext cx="1243704" cy="903108"/>
+            </a:xfrm>
+            <a:prstGeom prst="rect">
+              <a:avLst/>
+            </a:prstGeom>
+            <a:noFill/>
+            <a:ln w="9525">
+              <a:noFill/>
+              <a:miter lim="800000"/>
+              <a:headEnd/>
+              <a:tailEnd/>
+            </a:ln>
+          </p:spPr>
+        </p:pic>
+        <p:sp>
+          <p:nvSpPr>
+            <p:cNvPr id="175" name="TextBox 67"/>
+            <p:cNvSpPr txBox="1">
+              <a:spLocks noChangeArrowheads="1"/>
+            </p:cNvSpPr>
+            <p:nvPr/>
+          </p:nvSpPr>
+          <p:spPr bwMode="auto">
+            <a:xfrm rot="20850399">
+              <a:off x="3451351" y="4099994"/>
+              <a:ext cx="1063437" cy="451694"/>
+            </a:xfrm>
+            <a:prstGeom prst="rect">
+              <a:avLst/>
+            </a:prstGeom>
+            <a:noFill/>
+            <a:ln w="9525">
+              <a:noFill/>
+              <a:miter lim="800000"/>
+              <a:headEnd/>
+              <a:tailEnd/>
+            </a:ln>
+          </p:spPr>
+          <p:txBody>
+            <a:bodyPr>
+              <a:spAutoFit/>
+            </a:bodyPr>
+            <a:lstStyle/>
+            <a:p>
+              <a:pPr algn="ctr">
+                <a:buClr>
+                  <a:srgbClr val="927969"/>
+                </a:buClr>
+                <a:tabLst>
+                  <a:tab pos="630238" algn="l"/>
+                </a:tabLst>
+              </a:pPr>
+              <a:r>
+                <a:rPr lang="ko-KR" altLang="en-US" sz="1200" b="1" dirty="0" smtClean="0">
+                  <a:latin typeface="나눔손글씨 펜" pitchFamily="66" charset="-127"/>
+                  <a:ea typeface="나눔손글씨 펜" pitchFamily="66" charset="-127"/>
+                </a:rPr>
+                <a:t>첫 </a:t>
+              </a:r>
+              <a:r>
+                <a:rPr lang="ko-KR" altLang="en-US" sz="1200" b="1" dirty="0">
+                  <a:latin typeface="나눔손글씨 펜" pitchFamily="66" charset="-127"/>
+                  <a:ea typeface="나눔손글씨 펜" pitchFamily="66" charset="-127"/>
+                </a:rPr>
+                <a:t>여행지의 </a:t>
+              </a:r>
+              <a:r>
+                <a:rPr lang="ko-KR" altLang="en-US" sz="1200" b="1" dirty="0" err="1">
+                  <a:latin typeface="나눔손글씨 펜" pitchFamily="66" charset="-127"/>
+                  <a:ea typeface="나눔손글씨 펜" pitchFamily="66" charset="-127"/>
+                </a:rPr>
+                <a:t>거리별</a:t>
+              </a:r>
+              <a:r>
+                <a:rPr lang="ko-KR" altLang="en-US" sz="1200" b="1" dirty="0">
+                  <a:latin typeface="나눔손글씨 펜" pitchFamily="66" charset="-127"/>
+                  <a:ea typeface="나눔손글씨 펜" pitchFamily="66" charset="-127"/>
+                </a:rPr>
+                <a:t> 만족도가 어떻게 되는가</a:t>
+              </a:r>
+              <a:r>
+                <a:rPr lang="en-US" altLang="ko-KR" sz="1200" b="1" dirty="0">
+                  <a:latin typeface="나눔손글씨 펜" pitchFamily="66" charset="-127"/>
+                  <a:ea typeface="나눔손글씨 펜" pitchFamily="66" charset="-127"/>
+                </a:rPr>
+                <a:t>?</a:t>
+              </a:r>
+              <a:endParaRPr lang="en-US" altLang="ko-KR" sz="1200" b="1" dirty="0">
+                <a:latin typeface="나눔손글씨 펜" pitchFamily="66" charset="-127"/>
+                <a:ea typeface="나눔손글씨 펜" pitchFamily="66" charset="-127"/>
+              </a:endParaRPr>
+            </a:p>
+          </p:txBody>
+        </p:sp>
+      </p:grpSp>
+      <p:grpSp>
+        <p:nvGrpSpPr>
+          <p:cNvPr id="82" name="그룹 81"/>
+          <p:cNvGrpSpPr/>
+          <p:nvPr/>
+        </p:nvGrpSpPr>
+        <p:grpSpPr>
+          <a:xfrm>
+            <a:off x="4528836" y="5076289"/>
+            <a:ext cx="1661808" cy="1611432"/>
+            <a:chOff x="5017394" y="4870047"/>
+            <a:chExt cx="1243704" cy="1163296"/>
+          </a:xfrm>
+        </p:grpSpPr>
+        <p:pic>
+          <p:nvPicPr>
+            <p:cNvPr id="178" name="Picture 34"/>
+            <p:cNvPicPr>
+              <a:picLocks noChangeAspect="1"/>
+            </p:cNvPicPr>
+            <p:nvPr/>
+          </p:nvPicPr>
+          <p:blipFill>
+            <a:blip r:embed="rId3" cstate="print">
+              <a:clrChange>
+                <a:clrFrom>
+                  <a:srgbClr val="FFFFFF"/>
+                </a:clrFrom>
+                <a:clrTo>
+                  <a:srgbClr val="FFFFFF">
+                    <a:alpha val="0"/>
+                  </a:srgbClr>
+                </a:clrTo>
+              </a:clrChange>
+            </a:blip>
+            <a:srcRect/>
+            <a:stretch>
+              <a:fillRect/>
+            </a:stretch>
+          </p:blipFill>
+          <p:spPr bwMode="auto">
+            <a:xfrm rot="20850399">
+              <a:off x="5017394" y="4870047"/>
+              <a:ext cx="1243704" cy="1163296"/>
+            </a:xfrm>
+            <a:prstGeom prst="rect">
+              <a:avLst/>
+            </a:prstGeom>
+            <a:noFill/>
+            <a:ln w="9525">
+              <a:noFill/>
+              <a:miter lim="800000"/>
+              <a:headEnd/>
+              <a:tailEnd/>
+            </a:ln>
+          </p:spPr>
+        </p:pic>
+        <p:sp>
+          <p:nvSpPr>
+            <p:cNvPr id="179" name="TextBox 67"/>
+            <p:cNvSpPr txBox="1">
+              <a:spLocks noChangeArrowheads="1"/>
+            </p:cNvSpPr>
+            <p:nvPr/>
+          </p:nvSpPr>
+          <p:spPr bwMode="auto">
+            <a:xfrm rot="20850399">
+              <a:off x="5107535" y="5294341"/>
+              <a:ext cx="1063437" cy="443262"/>
+            </a:xfrm>
+            <a:prstGeom prst="rect">
+              <a:avLst/>
+            </a:prstGeom>
+            <a:noFill/>
+            <a:ln w="9525">
+              <a:noFill/>
+              <a:miter lim="800000"/>
+              <a:headEnd/>
+              <a:tailEnd/>
+            </a:ln>
+          </p:spPr>
+          <p:txBody>
+            <a:bodyPr>
+              <a:spAutoFit/>
+            </a:bodyPr>
+            <a:lstStyle/>
+            <a:p>
+              <a:pPr algn="ctr">
+                <a:buClr>
+                  <a:srgbClr val="927969"/>
+                </a:buClr>
+                <a:tabLst>
+                  <a:tab pos="630238" algn="l"/>
+                </a:tabLst>
+              </a:pPr>
+              <a:r>
+                <a:rPr lang="ko-KR" altLang="en-US" sz="1200" b="1" dirty="0" smtClean="0">
+                  <a:latin typeface="나눔손글씨 펜" pitchFamily="66" charset="-127"/>
+                  <a:ea typeface="나눔손글씨 펜" pitchFamily="66" charset="-127"/>
+                </a:rPr>
+                <a:t>주로 어떤 </a:t>
+              </a:r>
+              <a:r>
+                <a:rPr lang="ko-KR" altLang="en-US" sz="1200" b="1" dirty="0" err="1" smtClean="0">
+                  <a:latin typeface="나눔손글씨 펜" pitchFamily="66" charset="-127"/>
+                  <a:ea typeface="나눔손글씨 펜" pitchFamily="66" charset="-127"/>
+                </a:rPr>
+                <a:t>숙소지를</a:t>
+              </a:r>
+              <a:r>
+                <a:rPr lang="ko-KR" altLang="en-US" sz="1200" b="1" dirty="0" smtClean="0">
+                  <a:latin typeface="나눔손글씨 펜" pitchFamily="66" charset="-127"/>
+                  <a:ea typeface="나눔손글씨 펜" pitchFamily="66" charset="-127"/>
+                </a:rPr>
+                <a:t> 추천해야 만족도가 높은가</a:t>
+              </a:r>
+              <a:r>
+                <a:rPr lang="en-US" altLang="ko-KR" sz="1200" b="1" dirty="0" smtClean="0">
+                  <a:latin typeface="나눔손글씨 펜" pitchFamily="66" charset="-127"/>
+                  <a:ea typeface="나눔손글씨 펜" pitchFamily="66" charset="-127"/>
+                </a:rPr>
+                <a:t>?</a:t>
+              </a:r>
+              <a:endParaRPr lang="en-US" altLang="ko-KR" sz="1200" b="1" dirty="0">
+                <a:latin typeface="나눔손글씨 펜" pitchFamily="66" charset="-127"/>
+                <a:ea typeface="나눔손글씨 펜" pitchFamily="66" charset="-127"/>
+              </a:endParaRPr>
+            </a:p>
+          </p:txBody>
+        </p:sp>
+      </p:grpSp>
+      <p:grpSp>
+        <p:nvGrpSpPr>
+          <p:cNvPr id="5" name="그룹 4"/>
+          <p:cNvGrpSpPr/>
+          <p:nvPr/>
+        </p:nvGrpSpPr>
+        <p:grpSpPr>
+          <a:xfrm>
+            <a:off x="2593614" y="1939249"/>
+            <a:ext cx="1619541" cy="1142704"/>
+            <a:chOff x="1681151" y="3544260"/>
+            <a:chExt cx="1619541" cy="1142704"/>
+          </a:xfrm>
+        </p:grpSpPr>
+        <p:pic>
+          <p:nvPicPr>
+            <p:cNvPr id="182" name="Picture 7"/>
+            <p:cNvPicPr>
+              <a:picLocks noChangeAspect="1"/>
+            </p:cNvPicPr>
+            <p:nvPr/>
+          </p:nvPicPr>
+          <p:blipFill>
+            <a:blip r:embed="rId5" cstate="print"/>
+            <a:srcRect/>
+            <a:stretch>
+              <a:fillRect/>
+            </a:stretch>
+          </p:blipFill>
+          <p:spPr bwMode="auto">
+            <a:xfrm rot="21195515">
+              <a:off x="1681151" y="3544260"/>
+              <a:ext cx="1619541" cy="1142704"/>
+            </a:xfrm>
+            <a:prstGeom prst="rect">
+              <a:avLst/>
+            </a:prstGeom>
+            <a:noFill/>
+            <a:ln w="9525">
+              <a:noFill/>
+              <a:miter lim="800000"/>
+              <a:headEnd/>
+              <a:tailEnd/>
+            </a:ln>
+          </p:spPr>
+        </p:pic>
+        <p:sp>
+          <p:nvSpPr>
+            <p:cNvPr id="183" name="TextBox 76"/>
+            <p:cNvSpPr txBox="1">
+              <a:spLocks noChangeArrowheads="1"/>
+            </p:cNvSpPr>
+            <p:nvPr/>
+          </p:nvSpPr>
+          <p:spPr bwMode="auto">
+            <a:xfrm rot="21195515">
+              <a:off x="1840043" y="3685724"/>
+              <a:ext cx="1287862" cy="830997"/>
+            </a:xfrm>
+            <a:prstGeom prst="rect">
+              <a:avLst/>
+            </a:prstGeom>
+            <a:noFill/>
+            <a:ln w="9525">
+              <a:noFill/>
+              <a:miter lim="800000"/>
+              <a:headEnd/>
+              <a:tailEnd/>
+            </a:ln>
+          </p:spPr>
+          <p:txBody>
+            <a:bodyPr>
+              <a:spAutoFit/>
+            </a:bodyPr>
+            <a:lstStyle/>
+            <a:p>
+              <a:pPr algn="ctr">
+                <a:buClr>
+                  <a:srgbClr val="927969"/>
+                </a:buClr>
+                <a:tabLst>
+                  <a:tab pos="630238" algn="l"/>
+                </a:tabLst>
+              </a:pPr>
+              <a:r>
+                <a:rPr lang="ko-KR" altLang="en-US" sz="1200" b="1" dirty="0">
+                  <a:latin typeface="나눔손글씨 펜" pitchFamily="66" charset="-127"/>
+                  <a:ea typeface="나눔손글씨 펜" pitchFamily="66" charset="-127"/>
+                </a:rPr>
+                <a:t>신규 고객의 </a:t>
+              </a:r>
+              <a:endParaRPr lang="en-US" altLang="ko-KR" sz="1200" b="1" dirty="0" smtClean="0">
+                <a:latin typeface="나눔손글씨 펜" pitchFamily="66" charset="-127"/>
+                <a:ea typeface="나눔손글씨 펜" pitchFamily="66" charset="-127"/>
+              </a:endParaRPr>
+            </a:p>
+            <a:p>
+              <a:pPr algn="ctr">
+                <a:buClr>
+                  <a:srgbClr val="927969"/>
+                </a:buClr>
+                <a:tabLst>
+                  <a:tab pos="630238" algn="l"/>
+                </a:tabLst>
+              </a:pPr>
+              <a:r>
+                <a:rPr lang="ko-KR" altLang="en-US" sz="1200" b="1" dirty="0" err="1" smtClean="0">
+                  <a:latin typeface="나눔손글씨 펜" pitchFamily="66" charset="-127"/>
+                  <a:ea typeface="나눔손글씨 펜" pitchFamily="66" charset="-127"/>
+                </a:rPr>
+                <a:t>첫여행지</a:t>
+              </a:r>
+              <a:r>
+                <a:rPr lang="ko-KR" altLang="en-US" sz="1200" b="1" dirty="0" smtClean="0">
+                  <a:latin typeface="나눔손글씨 펜" pitchFamily="66" charset="-127"/>
+                  <a:ea typeface="나눔손글씨 펜" pitchFamily="66" charset="-127"/>
+                </a:rPr>
+                <a:t> </a:t>
+              </a:r>
+              <a:r>
+                <a:rPr lang="ko-KR" altLang="en-US" sz="1200" b="1" dirty="0">
+                  <a:latin typeface="나눔손글씨 펜" pitchFamily="66" charset="-127"/>
+                  <a:ea typeface="나눔손글씨 펜" pitchFamily="66" charset="-127"/>
+                </a:rPr>
+                <a:t>숙소에 대한 만족도 </a:t>
+              </a:r>
+              <a:endParaRPr lang="en-US" altLang="ko-KR" sz="1200" b="1" dirty="0" smtClean="0">
+                <a:latin typeface="나눔손글씨 펜" pitchFamily="66" charset="-127"/>
+                <a:ea typeface="나눔손글씨 펜" pitchFamily="66" charset="-127"/>
+              </a:endParaRPr>
+            </a:p>
+            <a:p>
+              <a:pPr algn="ctr">
+                <a:buClr>
+                  <a:srgbClr val="927969"/>
+                </a:buClr>
+                <a:tabLst>
+                  <a:tab pos="630238" algn="l"/>
+                </a:tabLst>
+              </a:pPr>
+              <a:r>
+                <a:rPr lang="ko-KR" altLang="en-US" sz="1200" b="1" dirty="0" smtClean="0">
+                  <a:latin typeface="나눔손글씨 펜" pitchFamily="66" charset="-127"/>
+                  <a:ea typeface="나눔손글씨 펜" pitchFamily="66" charset="-127"/>
+                </a:rPr>
+                <a:t>점수는</a:t>
+              </a:r>
+              <a:r>
+                <a:rPr lang="en-US" altLang="ko-KR" sz="1200" b="1" dirty="0">
+                  <a:latin typeface="나눔손글씨 펜" pitchFamily="66" charset="-127"/>
+                  <a:ea typeface="나눔손글씨 펜" pitchFamily="66" charset="-127"/>
+                </a:rPr>
+                <a:t>?</a:t>
+              </a:r>
+            </a:p>
+          </p:txBody>
+        </p:sp>
+      </p:grpSp>
+      <p:grpSp>
+        <p:nvGrpSpPr>
+          <p:cNvPr id="44" name="Group 7"/>
           <p:cNvGrpSpPr>
             <a:grpSpLocks/>
           </p:cNvGrpSpPr>
@@ -9324,22 +11008,22 @@
         </p:nvGrpSpPr>
         <p:grpSpPr bwMode="auto">
           <a:xfrm>
-            <a:off x="2590795" y="2393629"/>
-            <a:ext cx="1173310" cy="416155"/>
-            <a:chOff x="2813224" y="4859603"/>
-            <a:chExt cx="1272015" cy="415886"/>
+            <a:off x="2038493" y="4184305"/>
+            <a:ext cx="1764815" cy="362956"/>
+            <a:chOff x="2813224" y="4912769"/>
+            <a:chExt cx="1913281" cy="362720"/>
           </a:xfrm>
         </p:grpSpPr>
         <p:pic>
           <p:nvPicPr>
-            <p:cNvPr id="66" name="Picture 33"/>
+            <p:cNvPr id="45" name="Picture 33"/>
             <p:cNvPicPr>
               <a:picLocks noChangeAspect="1"/>
             </p:cNvPicPr>
             <p:nvPr/>
           </p:nvPicPr>
           <p:blipFill>
-            <a:blip r:embed="rId3" cstate="print"/>
+            <a:blip r:embed="rId6" cstate="print"/>
             <a:srcRect/>
             <a:stretch>
               <a:fillRect/>
@@ -9364,7 +11048,7 @@
         </p:pic>
         <p:sp>
           <p:nvSpPr>
-            <p:cNvPr id="67" name="TextBox 166"/>
+            <p:cNvPr id="46" name="TextBox 166"/>
             <p:cNvSpPr txBox="1">
               <a:spLocks noChangeArrowheads="1"/>
             </p:cNvSpPr>
@@ -9372,7 +11056,7 @@
           </p:nvSpPr>
           <p:spPr bwMode="auto">
             <a:xfrm>
-              <a:off x="2868443" y="4945881"/>
+              <a:off x="2852708" y="4945881"/>
               <a:ext cx="318375" cy="276820"/>
             </a:xfrm>
             <a:prstGeom prst="rect">
@@ -9421,7 +11105,7 @@
         </p:sp>
         <p:sp>
           <p:nvSpPr>
-            <p:cNvPr id="68" name="TextBox 167"/>
+            <p:cNvPr id="47" name="TextBox 167"/>
             <p:cNvSpPr txBox="1">
               <a:spLocks noChangeArrowheads="1"/>
             </p:cNvSpPr>
@@ -9429,8 +11113,8 @@
           </p:nvSpPr>
           <p:spPr bwMode="auto">
             <a:xfrm>
-              <a:off x="3132546" y="4859603"/>
-              <a:ext cx="952693" cy="276820"/>
+              <a:off x="3132545" y="4932127"/>
+              <a:ext cx="1593960" cy="276820"/>
             </a:xfrm>
             <a:prstGeom prst="rect">
               <a:avLst/>
@@ -9464,6 +11148,16 @@
                 </a:tabLst>
               </a:pPr>
               <a:r>
+                <a:rPr kumimoji="1" lang="ko-KR" altLang="en-US" sz="1200" b="1" dirty="0" smtClean="0">
+                  <a:solidFill>
+                    <a:srgbClr val="000000"/>
+                  </a:solidFill>
+                  <a:latin typeface="맑은 고딕" pitchFamily="50" charset="-127"/>
+                  <a:ea typeface="맑은 고딕" pitchFamily="50" charset="-127"/>
+                </a:rPr>
+                <a:t>숙소만족확률</a:t>
+              </a:r>
+              <a:r>
                 <a:rPr kumimoji="1" lang="en-US" altLang="ko-KR" sz="1200" b="1" dirty="0" smtClean="0">
                   <a:solidFill>
                     <a:srgbClr val="000000"/>
@@ -9471,7 +11165,7 @@
                   <a:latin typeface="맑은 고딕" pitchFamily="50" charset="-127"/>
                   <a:ea typeface="맑은 고딕" pitchFamily="50" charset="-127"/>
                 </a:rPr>
-                <a:t>~~~ </a:t>
+                <a:t> </a:t>
               </a:r>
               <a:r>
                 <a:rPr kumimoji="1" lang="ko-KR" altLang="en-US" sz="1200" b="1" dirty="0" smtClean="0">
@@ -9494,9 +11188,51 @@
           </p:txBody>
         </p:sp>
       </p:grpSp>
+      <p:cxnSp>
+        <p:nvCxnSpPr>
+          <p:cNvPr id="48" name="Straight Arrow Connector 38"/>
+          <p:cNvCxnSpPr>
+            <a:stCxn id="61" idx="2"/>
+            <a:endCxn id="57" idx="0"/>
+          </p:cNvCxnSpPr>
+          <p:nvPr/>
+        </p:nvCxnSpPr>
+        <p:spPr>
+          <a:xfrm>
+            <a:off x="4339447" y="1496162"/>
+            <a:ext cx="645522" cy="327745"/>
+          </a:xfrm>
+          <a:prstGeom prst="straightConnector1">
+            <a:avLst/>
+          </a:prstGeom>
+          <a:ln w="19050" cmpd="sng">
+            <a:solidFill>
+              <a:srgbClr val="0000FF"/>
+            </a:solidFill>
+            <a:prstDash val="dot"/>
+            <a:headEnd type="oval"/>
+            <a:tailEnd type="oval"/>
+          </a:ln>
+          <a:effectLst/>
+        </p:spPr>
+        <p:style>
+          <a:lnRef idx="2">
+            <a:schemeClr val="accent1"/>
+          </a:lnRef>
+          <a:fillRef idx="0">
+            <a:schemeClr val="accent1"/>
+          </a:fillRef>
+          <a:effectRef idx="1">
+            <a:schemeClr val="accent1"/>
+          </a:effectRef>
+          <a:fontRef idx="minor">
+            <a:schemeClr val="tx1"/>
+          </a:fontRef>
+        </p:style>
+      </p:cxnSp>
       <p:grpSp>
         <p:nvGrpSpPr>
-          <p:cNvPr id="3" name="Group 5"/>
+          <p:cNvPr id="51" name="Group 7"/>
           <p:cNvGrpSpPr>
             <a:grpSpLocks/>
           </p:cNvGrpSpPr>
@@ -9504,202 +11240,22 @@
         </p:nvGrpSpPr>
         <p:grpSpPr bwMode="auto">
           <a:xfrm>
-            <a:off x="3254683" y="4728808"/>
-            <a:ext cx="360485" cy="361950"/>
-            <a:chOff x="2951914" y="4964708"/>
-            <a:chExt cx="390624" cy="362720"/>
+            <a:off x="3282516" y="1199792"/>
+            <a:ext cx="1819319" cy="362956"/>
+            <a:chOff x="2813224" y="4912769"/>
+            <a:chExt cx="1972370" cy="362720"/>
           </a:xfrm>
         </p:grpSpPr>
         <p:pic>
           <p:nvPicPr>
-            <p:cNvPr id="71" name="Picture 45"/>
+            <p:cNvPr id="55" name="Picture 33"/>
             <p:cNvPicPr>
               <a:picLocks noChangeAspect="1"/>
             </p:cNvPicPr>
             <p:nvPr/>
           </p:nvPicPr>
           <p:blipFill>
-            <a:blip r:embed="rId3" cstate="print"/>
-            <a:srcRect/>
-            <a:stretch>
-              <a:fillRect/>
-            </a:stretch>
-          </p:blipFill>
-          <p:spPr bwMode="auto">
-            <a:xfrm>
-              <a:off x="2951914" y="4964708"/>
-              <a:ext cx="390624" cy="362720"/>
-            </a:xfrm>
-            <a:prstGeom prst="rect">
-              <a:avLst/>
-            </a:prstGeom>
-            <a:noFill/>
-            <a:ln w="9525">
-              <a:noFill/>
-              <a:miter lim="800000"/>
-              <a:headEnd/>
-              <a:tailEnd/>
-            </a:ln>
-          </p:spPr>
-        </p:pic>
-        <p:sp>
-          <p:nvSpPr>
-            <p:cNvPr id="72" name="TextBox 171"/>
-            <p:cNvSpPr txBox="1">
-              <a:spLocks noChangeArrowheads="1"/>
-            </p:cNvSpPr>
-            <p:nvPr/>
-          </p:nvSpPr>
-          <p:spPr bwMode="auto">
-            <a:xfrm>
-              <a:off x="3010679" y="5009253"/>
-              <a:ext cx="318223" cy="277588"/>
-            </a:xfrm>
-            <a:prstGeom prst="rect">
-              <a:avLst/>
-            </a:prstGeom>
-            <a:noFill/>
-            <a:ln w="9525">
-              <a:noFill/>
-              <a:miter lim="800000"/>
-              <a:headEnd/>
-              <a:tailEnd/>
-            </a:ln>
-          </p:spPr>
-          <p:txBody>
-            <a:bodyPr wrap="none">
-              <a:spAutoFit/>
-            </a:bodyPr>
-            <a:lstStyle/>
-            <a:p>
-              <a:pPr algn="ctr" fontAlgn="base">
-                <a:spcBef>
-                  <a:spcPct val="20000"/>
-                </a:spcBef>
-                <a:spcAft>
-                  <a:spcPct val="0"/>
-                </a:spcAft>
-                <a:buClr>
-                  <a:srgbClr val="927969"/>
-                </a:buClr>
-                <a:tabLst>
-                  <a:tab pos="630238" algn="l"/>
-                </a:tabLst>
-              </a:pPr>
-              <a:r>
-                <a:rPr kumimoji="1" lang="en-US" altLang="ko-KR" sz="1200" b="1" dirty="0">
-                  <a:solidFill>
-                    <a:srgbClr val="000000"/>
-                  </a:solidFill>
-                  <a:latin typeface="맑은 고딕" pitchFamily="50" charset="-127"/>
-                  <a:ea typeface="맑은 고딕" pitchFamily="50" charset="-127"/>
-                </a:rPr>
-                <a:t>A</a:t>
-              </a:r>
-            </a:p>
-          </p:txBody>
-        </p:sp>
-      </p:grpSp>
-      <p:sp>
-        <p:nvSpPr>
-          <p:cNvPr id="73" name="TextBox 172"/>
-          <p:cNvSpPr txBox="1">
-            <a:spLocks noChangeArrowheads="1"/>
-          </p:cNvSpPr>
-          <p:nvPr/>
-        </p:nvSpPr>
-        <p:spPr bwMode="auto">
-          <a:xfrm>
-            <a:off x="3549224" y="4674850"/>
-            <a:ext cx="878767" cy="276999"/>
-          </a:xfrm>
-          <a:prstGeom prst="rect">
-            <a:avLst/>
-          </a:prstGeom>
-          <a:noFill/>
-          <a:ln w="9525">
-            <a:noFill/>
-            <a:miter lim="800000"/>
-            <a:headEnd/>
-            <a:tailEnd/>
-          </a:ln>
-        </p:spPr>
-        <p:txBody>
-          <a:bodyPr wrap="none">
-            <a:spAutoFit/>
-          </a:bodyPr>
-          <a:lstStyle/>
-          <a:p>
-            <a:pPr fontAlgn="base">
-              <a:spcBef>
-                <a:spcPct val="20000"/>
-              </a:spcBef>
-              <a:spcAft>
-                <a:spcPct val="0"/>
-              </a:spcAft>
-              <a:buClr>
-                <a:srgbClr val="927969"/>
-              </a:buClr>
-              <a:tabLst>
-                <a:tab pos="630238" algn="l"/>
-              </a:tabLst>
-            </a:pPr>
-            <a:r>
-              <a:rPr kumimoji="1" lang="en-US" altLang="ko-KR" sz="1200" b="1" dirty="0" smtClean="0">
-                <a:solidFill>
-                  <a:srgbClr val="000000"/>
-                </a:solidFill>
-                <a:latin typeface="맑은 고딕" pitchFamily="50" charset="-127"/>
-                <a:ea typeface="맑은 고딕" pitchFamily="50" charset="-127"/>
-              </a:rPr>
-              <a:t>~~~ </a:t>
-            </a:r>
-            <a:r>
-              <a:rPr kumimoji="1" lang="ko-KR" altLang="en-US" sz="1200" b="1" dirty="0" smtClean="0">
-                <a:solidFill>
-                  <a:srgbClr val="000000"/>
-                </a:solidFill>
-                <a:latin typeface="맑은 고딕" pitchFamily="50" charset="-127"/>
-                <a:ea typeface="맑은 고딕" pitchFamily="50" charset="-127"/>
-              </a:rPr>
-              <a:t>분석</a:t>
-            </a:r>
-            <a:endParaRPr kumimoji="1" lang="en-US" sz="1200" b="1" dirty="0">
-              <a:solidFill>
-                <a:srgbClr val="000000"/>
-              </a:solidFill>
-              <a:latin typeface="맑은 고딕" pitchFamily="50" charset="-127"/>
-              <a:ea typeface="맑은 고딕" pitchFamily="50" charset="-127"/>
-            </a:endParaRPr>
-          </a:p>
-        </p:txBody>
-      </p:sp>
-      <p:grpSp>
-        <p:nvGrpSpPr>
-          <p:cNvPr id="4" name="Group 49"/>
-          <p:cNvGrpSpPr>
-            <a:grpSpLocks/>
-          </p:cNvGrpSpPr>
-          <p:nvPr/>
-        </p:nvGrpSpPr>
-        <p:grpSpPr bwMode="auto">
-          <a:xfrm>
-            <a:off x="3254684" y="5084423"/>
-            <a:ext cx="1173303" cy="461665"/>
-            <a:chOff x="2813224" y="4859612"/>
-            <a:chExt cx="1270587" cy="461821"/>
-          </a:xfrm>
-        </p:grpSpPr>
-        <p:pic>
-          <p:nvPicPr>
-            <p:cNvPr id="75" name="Picture 50"/>
-            <p:cNvPicPr>
-              <a:picLocks noChangeAspect="1"/>
-            </p:cNvPicPr>
-            <p:nvPr/>
-          </p:nvPicPr>
-          <p:blipFill>
-            <a:blip r:embed="rId3" cstate="print"/>
+            <a:blip r:embed="rId6" cstate="print"/>
             <a:srcRect/>
             <a:stretch>
               <a:fillRect/>
@@ -9724,7 +11280,7 @@
         </p:pic>
         <p:sp>
           <p:nvSpPr>
-            <p:cNvPr id="76" name="TextBox 175"/>
+            <p:cNvPr id="60" name="TextBox 166"/>
             <p:cNvSpPr txBox="1">
               <a:spLocks noChangeArrowheads="1"/>
             </p:cNvSpPr>
@@ -9732,8 +11288,8 @@
           </p:nvSpPr>
           <p:spPr bwMode="auto">
             <a:xfrm>
-              <a:off x="2868381" y="4956490"/>
-              <a:ext cx="318019" cy="277093"/>
+              <a:off x="2852708" y="4945881"/>
+              <a:ext cx="318375" cy="276820"/>
             </a:xfrm>
             <a:prstGeom prst="rect">
               <a:avLst/>
@@ -9781,7 +11337,7 @@
         </p:sp>
         <p:sp>
           <p:nvSpPr>
-            <p:cNvPr id="77" name="TextBox 176"/>
+            <p:cNvPr id="61" name="TextBox 167"/>
             <p:cNvSpPr txBox="1">
               <a:spLocks noChangeArrowheads="1"/>
             </p:cNvSpPr>
@@ -9789,8 +11345,8 @@
           </p:nvSpPr>
           <p:spPr bwMode="auto">
             <a:xfrm>
-              <a:off x="3132182" y="4859612"/>
-              <a:ext cx="951629" cy="461821"/>
+              <a:off x="3132546" y="4932127"/>
+              <a:ext cx="1653048" cy="276819"/>
             </a:xfrm>
             <a:prstGeom prst="rect">
               <a:avLst/>
@@ -9824,6 +11380,16 @@
                 </a:tabLst>
               </a:pPr>
               <a:r>
+                <a:rPr kumimoji="1" lang="ko-KR" altLang="en-US" sz="1200" b="1" dirty="0" smtClean="0">
+                  <a:solidFill>
+                    <a:srgbClr val="000000"/>
+                  </a:solidFill>
+                  <a:latin typeface="맑은 고딕" pitchFamily="50" charset="-127"/>
+                  <a:ea typeface="맑은 고딕" pitchFamily="50" charset="-127"/>
+                </a:rPr>
+                <a:t>신규고객 특성</a:t>
+              </a:r>
+              <a:r>
                 <a:rPr kumimoji="1" lang="en-US" altLang="ko-KR" sz="1200" b="1" dirty="0" smtClean="0">
                   <a:solidFill>
                     <a:srgbClr val="000000"/>
@@ -9831,7 +11397,7 @@
                   <a:latin typeface="맑은 고딕" pitchFamily="50" charset="-127"/>
                   <a:ea typeface="맑은 고딕" pitchFamily="50" charset="-127"/>
                 </a:rPr>
-                <a:t>~~~ </a:t>
+                <a:t> </a:t>
               </a:r>
               <a:r>
                 <a:rPr kumimoji="1" lang="ko-KR" altLang="en-US" sz="1200" b="1" dirty="0" smtClean="0">
@@ -9843,25 +11409,6 @@
                 </a:rPr>
                 <a:t>분석</a:t>
               </a:r>
-              <a:r>
-                <a:rPr kumimoji="1" lang="en-US" altLang="ko-KR" sz="1200" b="1" dirty="0">
-                  <a:solidFill>
-                    <a:srgbClr val="000000"/>
-                  </a:solidFill>
-                  <a:latin typeface="맑은 고딕" pitchFamily="50" charset="-127"/>
-                  <a:ea typeface="맑은 고딕" pitchFamily="50" charset="-127"/>
-                </a:rPr>
-                <a:t/>
-              </a:r>
-              <a:br>
-                <a:rPr kumimoji="1" lang="en-US" altLang="ko-KR" sz="1200" b="1" dirty="0">
-                  <a:solidFill>
-                    <a:srgbClr val="000000"/>
-                  </a:solidFill>
-                  <a:latin typeface="맑은 고딕" pitchFamily="50" charset="-127"/>
-                  <a:ea typeface="맑은 고딕" pitchFamily="50" charset="-127"/>
-                </a:rPr>
-              </a:br>
               <a:endParaRPr kumimoji="1" lang="en-US" sz="1200" b="1" dirty="0">
                 <a:solidFill>
                   <a:srgbClr val="000000"/>
@@ -9875,7 +11422,7 @@
       </p:grpSp>
       <p:grpSp>
         <p:nvGrpSpPr>
-          <p:cNvPr id="5" name="Group 64"/>
+          <p:cNvPr id="62" name="Group 7"/>
           <p:cNvGrpSpPr>
             <a:grpSpLocks/>
           </p:cNvGrpSpPr>
@@ -9883,22 +11430,22 @@
         </p:nvGrpSpPr>
         <p:grpSpPr bwMode="auto">
           <a:xfrm>
-            <a:off x="4848959" y="5618082"/>
-            <a:ext cx="1173310" cy="416154"/>
-            <a:chOff x="2813224" y="4859603"/>
-            <a:chExt cx="1271772" cy="415886"/>
+            <a:off x="2854719" y="5448453"/>
+            <a:ext cx="1457040" cy="739568"/>
+            <a:chOff x="2813224" y="4912769"/>
+            <a:chExt cx="1579614" cy="739087"/>
           </a:xfrm>
         </p:grpSpPr>
         <p:pic>
           <p:nvPicPr>
-            <p:cNvPr id="80" name="Picture 65"/>
+            <p:cNvPr id="63" name="Picture 33"/>
             <p:cNvPicPr>
               <a:picLocks noChangeAspect="1"/>
             </p:cNvPicPr>
             <p:nvPr/>
           </p:nvPicPr>
           <p:blipFill>
-            <a:blip r:embed="rId3" cstate="print"/>
+            <a:blip r:embed="rId6" cstate="print"/>
             <a:srcRect/>
             <a:stretch>
               <a:fillRect/>
@@ -9923,7 +11470,7 @@
         </p:pic>
         <p:sp>
           <p:nvSpPr>
-            <p:cNvPr id="81" name="TextBox 180"/>
+            <p:cNvPr id="64" name="TextBox 166"/>
             <p:cNvSpPr txBox="1">
               <a:spLocks noChangeArrowheads="1"/>
             </p:cNvSpPr>
@@ -9931,8 +11478,8 @@
           </p:nvSpPr>
           <p:spPr bwMode="auto">
             <a:xfrm>
-              <a:off x="2868434" y="4956385"/>
-              <a:ext cx="318314" cy="276821"/>
+              <a:off x="2852708" y="4945881"/>
+              <a:ext cx="318375" cy="276820"/>
             </a:xfrm>
             <a:prstGeom prst="rect">
               <a:avLst/>
@@ -9980,7 +11527,7 @@
         </p:sp>
         <p:sp>
           <p:nvSpPr>
-            <p:cNvPr id="82" name="TextBox 181"/>
+            <p:cNvPr id="66" name="TextBox 167"/>
             <p:cNvSpPr txBox="1">
               <a:spLocks noChangeArrowheads="1"/>
             </p:cNvSpPr>
@@ -9988,8 +11535,8 @@
           </p:nvSpPr>
           <p:spPr bwMode="auto">
             <a:xfrm>
-              <a:off x="3132485" y="4859603"/>
-              <a:ext cx="952511" cy="276821"/>
+              <a:off x="3132545" y="4932127"/>
+              <a:ext cx="1260293" cy="719729"/>
             </a:xfrm>
             <a:prstGeom prst="rect">
               <a:avLst/>
@@ -10023,17 +11570,93 @@
                 </a:tabLst>
               </a:pPr>
               <a:r>
-                <a:rPr kumimoji="1" lang="en-US" altLang="ko-KR" sz="1200" b="1" dirty="0" smtClean="0">
+                <a:rPr kumimoji="1" lang="ko-KR" altLang="en-US" sz="1200" b="1" dirty="0">
                   <a:solidFill>
                     <a:srgbClr val="000000"/>
                   </a:solidFill>
                   <a:latin typeface="맑은 고딕" pitchFamily="50" charset="-127"/>
                   <a:ea typeface="맑은 고딕" pitchFamily="50" charset="-127"/>
                 </a:rPr>
-                <a:t>~~~ </a:t>
+                <a:t>기존고객</a:t>
+              </a:r>
+              <a:endParaRPr kumimoji="1" lang="en-US" altLang="ko-KR" sz="1200" b="1" dirty="0">
+                <a:solidFill>
+                  <a:srgbClr val="000000"/>
+                </a:solidFill>
+                <a:latin typeface="맑은 고딕" pitchFamily="50" charset="-127"/>
+                <a:ea typeface="맑은 고딕" pitchFamily="50" charset="-127"/>
+              </a:endParaRPr>
+            </a:p>
+            <a:p>
+              <a:pPr fontAlgn="base">
+                <a:spcBef>
+                  <a:spcPct val="20000"/>
+                </a:spcBef>
+                <a:spcAft>
+                  <a:spcPct val="0"/>
+                </a:spcAft>
+                <a:buClr>
+                  <a:srgbClr val="927969"/>
+                </a:buClr>
+                <a:tabLst>
+                  <a:tab pos="630238" algn="l"/>
+                </a:tabLst>
+              </a:pPr>
+              <a:r>
+                <a:rPr kumimoji="1" lang="ko-KR" altLang="en-US" sz="1200" b="1" dirty="0">
+                  <a:solidFill>
+                    <a:srgbClr val="000000"/>
+                  </a:solidFill>
+                  <a:latin typeface="맑은 고딕" pitchFamily="50" charset="-127"/>
+                  <a:ea typeface="맑은 고딕" pitchFamily="50" charset="-127"/>
+                </a:rPr>
+                <a:t>유형별 숙소지</a:t>
+              </a:r>
+              <a:endParaRPr kumimoji="1" lang="en-US" altLang="ko-KR" sz="1200" b="1" dirty="0">
+                <a:solidFill>
+                  <a:srgbClr val="000000"/>
+                </a:solidFill>
+                <a:latin typeface="맑은 고딕" pitchFamily="50" charset="-127"/>
+                <a:ea typeface="맑은 고딕" pitchFamily="50" charset="-127"/>
+              </a:endParaRPr>
+            </a:p>
+            <a:p>
+              <a:pPr fontAlgn="base">
+                <a:spcBef>
+                  <a:spcPct val="20000"/>
+                </a:spcBef>
+                <a:spcAft>
+                  <a:spcPct val="0"/>
+                </a:spcAft>
+                <a:buClr>
+                  <a:srgbClr val="927969"/>
+                </a:buClr>
+                <a:tabLst>
+                  <a:tab pos="630238" algn="l"/>
+                </a:tabLst>
+              </a:pPr>
+              <a:r>
+                <a:rPr kumimoji="1" lang="ko-KR" altLang="en-US" sz="1200" b="1" dirty="0">
+                  <a:solidFill>
+                    <a:srgbClr val="000000"/>
+                  </a:solidFill>
+                  <a:latin typeface="맑은 고딕" pitchFamily="50" charset="-127"/>
+                  <a:ea typeface="맑은 고딕" pitchFamily="50" charset="-127"/>
+                </a:rPr>
+                <a:t>특성</a:t>
               </a:r>
               <a:r>
-                <a:rPr kumimoji="1" lang="ko-KR" altLang="en-US" sz="1200" b="1" dirty="0" smtClean="0">
+                <a:rPr kumimoji="1" lang="en-US" altLang="ko-KR" sz="1200" b="1" dirty="0">
+                  <a:solidFill>
+                    <a:srgbClr val="000000"/>
+                  </a:solidFill>
+                  <a:latin typeface="맑은 고딕" pitchFamily="50" charset="-127"/>
+                  <a:ea typeface="맑은 고딕" pitchFamily="50" charset="-127"/>
+                </a:rPr>
+                <a:t> </a:t>
+              </a:r>
+              <a:r>
+                <a:rPr kumimoji="1" lang="ko-KR" altLang="en-US" sz="1200" b="1" dirty="0">
                   <a:solidFill>
                     <a:srgbClr val="000000"/>
                   </a:solidFill>
@@ -10042,7 +11665,7 @@
                 </a:rPr>
                 <a:t>분석</a:t>
               </a:r>
-              <a:endParaRPr kumimoji="1" lang="en-US" sz="1200" b="1" dirty="0">
+              <a:endParaRPr kumimoji="1" lang="en-US" altLang="ko-KR" sz="1200" b="1" dirty="0">
                 <a:solidFill>
                   <a:srgbClr val="000000"/>
                 </a:solidFill>
@@ -10053,9 +11676,51 @@
           </p:txBody>
         </p:sp>
       </p:grpSp>
+      <p:cxnSp>
+        <p:nvCxnSpPr>
+          <p:cNvPr id="67" name="Straight Arrow Connector 38"/>
+          <p:cNvCxnSpPr>
+            <a:stCxn id="66" idx="0"/>
+            <a:endCxn id="58" idx="3"/>
+          </p:cNvCxnSpPr>
+          <p:nvPr/>
+        </p:nvCxnSpPr>
+        <p:spPr>
+          <a:xfrm flipV="1">
+            <a:off x="3730511" y="5208046"/>
+            <a:ext cx="903804" cy="259778"/>
+          </a:xfrm>
+          <a:prstGeom prst="straightConnector1">
+            <a:avLst/>
+          </a:prstGeom>
+          <a:ln w="19050" cmpd="sng">
+            <a:solidFill>
+              <a:srgbClr val="0000FF"/>
+            </a:solidFill>
+            <a:prstDash val="dot"/>
+            <a:headEnd type="oval"/>
+            <a:tailEnd type="oval"/>
+          </a:ln>
+          <a:effectLst/>
+        </p:spPr>
+        <p:style>
+          <a:lnRef idx="2">
+            <a:schemeClr val="accent1"/>
+          </a:lnRef>
+          <a:fillRef idx="0">
+            <a:schemeClr val="accent1"/>
+          </a:fillRef>
+          <a:effectRef idx="1">
+            <a:schemeClr val="accent1"/>
+          </a:effectRef>
+          <a:fontRef idx="minor">
+            <a:schemeClr val="tx1"/>
+          </a:fontRef>
+        </p:style>
+      </p:cxnSp>
       <p:grpSp>
         <p:nvGrpSpPr>
-          <p:cNvPr id="6" name="Group 69"/>
+          <p:cNvPr id="69" name="Group 7"/>
           <p:cNvGrpSpPr>
             <a:grpSpLocks/>
           </p:cNvGrpSpPr>
@@ -10063,22 +11728,22 @@
         </p:nvGrpSpPr>
         <p:grpSpPr bwMode="auto">
           <a:xfrm>
-            <a:off x="4848959" y="1427870"/>
-            <a:ext cx="1304057" cy="416154"/>
-            <a:chOff x="2813224" y="4859603"/>
-            <a:chExt cx="1412323" cy="415886"/>
+            <a:off x="5553734" y="3537641"/>
+            <a:ext cx="1303151" cy="739567"/>
+            <a:chOff x="2813224" y="4912769"/>
+            <a:chExt cx="1412779" cy="739086"/>
           </a:xfrm>
         </p:grpSpPr>
         <p:pic>
           <p:nvPicPr>
-            <p:cNvPr id="85" name="Picture 71"/>
+            <p:cNvPr id="70" name="Picture 33"/>
             <p:cNvPicPr>
               <a:picLocks noChangeAspect="1"/>
             </p:cNvPicPr>
             <p:nvPr/>
           </p:nvPicPr>
           <p:blipFill>
-            <a:blip r:embed="rId3" cstate="print"/>
+            <a:blip r:embed="rId6" cstate="print"/>
             <a:srcRect/>
             <a:stretch>
               <a:fillRect/>
@@ -10103,7 +11768,7 @@
         </p:pic>
         <p:sp>
           <p:nvSpPr>
-            <p:cNvPr id="86" name="TextBox 184"/>
+            <p:cNvPr id="71" name="TextBox 166"/>
             <p:cNvSpPr txBox="1">
               <a:spLocks noChangeArrowheads="1"/>
             </p:cNvSpPr>
@@ -10111,368 +11776,8 @@
           </p:nvSpPr>
           <p:spPr bwMode="auto">
             <a:xfrm>
-              <a:off x="2871945" y="4956381"/>
-              <a:ext cx="318051" cy="276821"/>
-            </a:xfrm>
-            <a:prstGeom prst="rect">
-              <a:avLst/>
-            </a:prstGeom>
-            <a:noFill/>
-            <a:ln w="9525">
-              <a:noFill/>
-              <a:miter lim="800000"/>
-              <a:headEnd/>
-              <a:tailEnd/>
-            </a:ln>
-          </p:spPr>
-          <p:txBody>
-            <a:bodyPr wrap="none">
-              <a:spAutoFit/>
-            </a:bodyPr>
-            <a:lstStyle/>
-            <a:p>
-              <a:pPr algn="ctr" fontAlgn="base">
-                <a:spcBef>
-                  <a:spcPct val="20000"/>
-                </a:spcBef>
-                <a:spcAft>
-                  <a:spcPct val="0"/>
-                </a:spcAft>
-                <a:buClr>
-                  <a:srgbClr val="927969"/>
-                </a:buClr>
-                <a:tabLst>
-                  <a:tab pos="630238" algn="l"/>
-                </a:tabLst>
-              </a:pPr>
-              <a:r>
-                <a:rPr kumimoji="1" lang="en-US" altLang="ko-KR" sz="1200" b="1">
-                  <a:solidFill>
-                    <a:srgbClr val="000000"/>
-                  </a:solidFill>
-                  <a:latin typeface="맑은 고딕" pitchFamily="50" charset="-127"/>
-                  <a:ea typeface="맑은 고딕" pitchFamily="50" charset="-127"/>
-                </a:rPr>
-                <a:t>A</a:t>
-              </a:r>
-            </a:p>
-          </p:txBody>
-        </p:sp>
-        <p:sp>
-          <p:nvSpPr>
-            <p:cNvPr id="87" name="TextBox 185"/>
-            <p:cNvSpPr txBox="1">
-              <a:spLocks noChangeArrowheads="1"/>
-            </p:cNvSpPr>
-            <p:nvPr/>
-          </p:nvSpPr>
-          <p:spPr bwMode="auto">
-            <a:xfrm>
-              <a:off x="3273823" y="4859603"/>
-              <a:ext cx="951724" cy="276821"/>
-            </a:xfrm>
-            <a:prstGeom prst="rect">
-              <a:avLst/>
-            </a:prstGeom>
-            <a:noFill/>
-            <a:ln w="9525">
-              <a:noFill/>
-              <a:miter lim="800000"/>
-              <a:headEnd/>
-              <a:tailEnd/>
-            </a:ln>
-          </p:spPr>
-          <p:txBody>
-            <a:bodyPr wrap="none">
-              <a:spAutoFit/>
-            </a:bodyPr>
-            <a:lstStyle/>
-            <a:p>
-              <a:pPr algn="ctr" fontAlgn="base">
-                <a:spcBef>
-                  <a:spcPct val="20000"/>
-                </a:spcBef>
-                <a:spcAft>
-                  <a:spcPct val="0"/>
-                </a:spcAft>
-                <a:buClr>
-                  <a:srgbClr val="927969"/>
-                </a:buClr>
-                <a:tabLst>
-                  <a:tab pos="630238" algn="l"/>
-                </a:tabLst>
-              </a:pPr>
-              <a:r>
-                <a:rPr kumimoji="1" lang="en-US" altLang="ko-KR" sz="1200" b="1" dirty="0" smtClean="0">
-                  <a:solidFill>
-                    <a:srgbClr val="000000"/>
-                  </a:solidFill>
-                  <a:latin typeface="맑은 고딕" pitchFamily="50" charset="-127"/>
-                  <a:ea typeface="맑은 고딕" pitchFamily="50" charset="-127"/>
-                </a:rPr>
-                <a:t>~~~ </a:t>
-              </a:r>
-              <a:r>
-                <a:rPr kumimoji="1" lang="ko-KR" altLang="en-US" sz="1200" b="1" dirty="0" smtClean="0">
-                  <a:solidFill>
-                    <a:srgbClr val="000000"/>
-                  </a:solidFill>
-                  <a:latin typeface="맑은 고딕" pitchFamily="50" charset="-127"/>
-                  <a:ea typeface="맑은 고딕" pitchFamily="50" charset="-127"/>
-                </a:rPr>
-                <a:t>분석</a:t>
-              </a:r>
-              <a:endParaRPr kumimoji="1" lang="en-US" sz="1200" b="1" dirty="0">
-                <a:solidFill>
-                  <a:srgbClr val="000000"/>
-                </a:solidFill>
-                <a:latin typeface="맑은 고딕" pitchFamily="50" charset="-127"/>
-                <a:ea typeface="맑은 고딕" pitchFamily="50" charset="-127"/>
-              </a:endParaRPr>
-            </a:p>
-          </p:txBody>
-        </p:sp>
-      </p:grpSp>
-      <p:grpSp>
-        <p:nvGrpSpPr>
-          <p:cNvPr id="7" name="Group 74"/>
-          <p:cNvGrpSpPr>
-            <a:grpSpLocks/>
-          </p:cNvGrpSpPr>
-          <p:nvPr/>
-        </p:nvGrpSpPr>
-        <p:grpSpPr bwMode="auto">
-          <a:xfrm>
-            <a:off x="6207009" y="4553866"/>
-            <a:ext cx="1173309" cy="416144"/>
-            <a:chOff x="2813224" y="4859613"/>
-            <a:chExt cx="1270721" cy="415876"/>
-          </a:xfrm>
-        </p:grpSpPr>
-        <p:pic>
-          <p:nvPicPr>
-            <p:cNvPr id="89" name="Picture 75"/>
-            <p:cNvPicPr>
-              <a:picLocks noChangeAspect="1"/>
-            </p:cNvPicPr>
-            <p:nvPr/>
-          </p:nvPicPr>
-          <p:blipFill>
-            <a:blip r:embed="rId3" cstate="print"/>
-            <a:srcRect/>
-            <a:stretch>
-              <a:fillRect/>
-            </a:stretch>
-          </p:blipFill>
-          <p:spPr bwMode="auto">
-            <a:xfrm>
-              <a:off x="2813224" y="4912769"/>
-              <a:ext cx="390624" cy="362720"/>
-            </a:xfrm>
-            <a:prstGeom prst="rect">
-              <a:avLst/>
-            </a:prstGeom>
-            <a:noFill/>
-            <a:ln w="9525">
-              <a:noFill/>
-              <a:miter lim="800000"/>
-              <a:headEnd/>
-              <a:tailEnd/>
-            </a:ln>
-          </p:spPr>
-        </p:pic>
-        <p:sp>
-          <p:nvSpPr>
-            <p:cNvPr id="90" name="TextBox 188"/>
-            <p:cNvSpPr txBox="1">
-              <a:spLocks noChangeArrowheads="1"/>
-            </p:cNvSpPr>
-            <p:nvPr/>
-          </p:nvSpPr>
-          <p:spPr bwMode="auto">
-            <a:xfrm>
-              <a:off x="2889402" y="4956388"/>
-              <a:ext cx="309372" cy="276821"/>
-            </a:xfrm>
-            <a:prstGeom prst="rect">
-              <a:avLst/>
-            </a:prstGeom>
-            <a:noFill/>
-            <a:ln w="9525">
-              <a:noFill/>
-              <a:miter lim="800000"/>
-              <a:headEnd/>
-              <a:tailEnd/>
-            </a:ln>
-          </p:spPr>
-          <p:txBody>
-            <a:bodyPr wrap="none">
-              <a:spAutoFit/>
-            </a:bodyPr>
-            <a:lstStyle/>
-            <a:p>
-              <a:pPr fontAlgn="base">
-                <a:spcBef>
-                  <a:spcPct val="20000"/>
-                </a:spcBef>
-                <a:spcAft>
-                  <a:spcPct val="0"/>
-                </a:spcAft>
-                <a:buClr>
-                  <a:srgbClr val="927969"/>
-                </a:buClr>
-                <a:tabLst>
-                  <a:tab pos="630238" algn="l"/>
-                </a:tabLst>
-              </a:pPr>
-              <a:r>
-                <a:rPr kumimoji="1" lang="en-US" altLang="ko-KR" sz="1200">
-                  <a:solidFill>
-                    <a:srgbClr val="000000"/>
-                  </a:solidFill>
-                  <a:latin typeface="맑은 고딕" pitchFamily="50" charset="-127"/>
-                  <a:ea typeface="맑은 고딕" pitchFamily="50" charset="-127"/>
-                </a:rPr>
-                <a:t>A</a:t>
-              </a:r>
-            </a:p>
-          </p:txBody>
-        </p:sp>
-        <p:sp>
-          <p:nvSpPr>
-            <p:cNvPr id="91" name="TextBox 189"/>
-            <p:cNvSpPr txBox="1">
-              <a:spLocks noChangeArrowheads="1"/>
-            </p:cNvSpPr>
-            <p:nvPr/>
-          </p:nvSpPr>
-          <p:spPr bwMode="auto">
-            <a:xfrm>
-              <a:off x="3132220" y="4859613"/>
-              <a:ext cx="951725" cy="276821"/>
-            </a:xfrm>
-            <a:prstGeom prst="rect">
-              <a:avLst/>
-            </a:prstGeom>
-            <a:noFill/>
-            <a:ln w="9525">
-              <a:noFill/>
-              <a:miter lim="800000"/>
-              <a:headEnd/>
-              <a:tailEnd/>
-            </a:ln>
-          </p:spPr>
-          <p:txBody>
-            <a:bodyPr wrap="none">
-              <a:spAutoFit/>
-            </a:bodyPr>
-            <a:lstStyle/>
-            <a:p>
-              <a:pPr fontAlgn="base">
-                <a:spcBef>
-                  <a:spcPct val="20000"/>
-                </a:spcBef>
-                <a:spcAft>
-                  <a:spcPct val="0"/>
-                </a:spcAft>
-                <a:buClr>
-                  <a:srgbClr val="927969"/>
-                </a:buClr>
-                <a:tabLst>
-                  <a:tab pos="630238" algn="l"/>
-                </a:tabLst>
-              </a:pPr>
-              <a:r>
-                <a:rPr kumimoji="1" lang="en-US" altLang="ko-KR" sz="1200" b="1" dirty="0" smtClean="0">
-                  <a:solidFill>
-                    <a:srgbClr val="000000"/>
-                  </a:solidFill>
-                  <a:latin typeface="맑은 고딕" pitchFamily="50" charset="-127"/>
-                  <a:ea typeface="맑은 고딕" pitchFamily="50" charset="-127"/>
-                </a:rPr>
-                <a:t>~~~ </a:t>
-              </a:r>
-              <a:r>
-                <a:rPr kumimoji="1" lang="ko-KR" altLang="en-US" sz="1200" b="1" dirty="0" smtClean="0">
-                  <a:solidFill>
-                    <a:srgbClr val="000000"/>
-                  </a:solidFill>
-                  <a:latin typeface="맑은 고딕" pitchFamily="50" charset="-127"/>
-                  <a:ea typeface="맑은 고딕" pitchFamily="50" charset="-127"/>
-                </a:rPr>
-                <a:t>분석</a:t>
-              </a:r>
-              <a:endParaRPr kumimoji="1" lang="en-US" sz="1200" b="1" dirty="0">
-                <a:solidFill>
-                  <a:srgbClr val="000000"/>
-                </a:solidFill>
-                <a:latin typeface="맑은 고딕" pitchFamily="50" charset="-127"/>
-                <a:ea typeface="맑은 고딕" pitchFamily="50" charset="-127"/>
-              </a:endParaRPr>
-            </a:p>
-          </p:txBody>
-        </p:sp>
-      </p:grpSp>
-      <p:grpSp>
-        <p:nvGrpSpPr>
-          <p:cNvPr id="8" name="Group 78"/>
-          <p:cNvGrpSpPr>
-            <a:grpSpLocks/>
-          </p:cNvGrpSpPr>
-          <p:nvPr/>
-        </p:nvGrpSpPr>
-        <p:grpSpPr bwMode="auto">
-          <a:xfrm>
-            <a:off x="6859468" y="1313570"/>
-            <a:ext cx="1173308" cy="416154"/>
-            <a:chOff x="2813224" y="4859603"/>
-            <a:chExt cx="1270741" cy="415886"/>
-          </a:xfrm>
-        </p:grpSpPr>
-        <p:pic>
-          <p:nvPicPr>
-            <p:cNvPr id="93" name="Picture 79"/>
-            <p:cNvPicPr>
-              <a:picLocks noChangeAspect="1"/>
-            </p:cNvPicPr>
-            <p:nvPr/>
-          </p:nvPicPr>
-          <p:blipFill>
-            <a:blip r:embed="rId3" cstate="print"/>
-            <a:srcRect/>
-            <a:stretch>
-              <a:fillRect/>
-            </a:stretch>
-          </p:blipFill>
-          <p:spPr bwMode="auto">
-            <a:xfrm>
-              <a:off x="2813224" y="4912769"/>
-              <a:ext cx="390624" cy="362720"/>
-            </a:xfrm>
-            <a:prstGeom prst="rect">
-              <a:avLst/>
-            </a:prstGeom>
-            <a:noFill/>
-            <a:ln w="9525">
-              <a:noFill/>
-              <a:miter lim="800000"/>
-              <a:headEnd/>
-              <a:tailEnd/>
-            </a:ln>
-          </p:spPr>
-        </p:pic>
-        <p:sp>
-          <p:nvSpPr>
-            <p:cNvPr id="94" name="TextBox 192"/>
-            <p:cNvSpPr txBox="1">
-              <a:spLocks noChangeArrowheads="1"/>
-            </p:cNvSpPr>
-            <p:nvPr/>
-          </p:nvSpPr>
-          <p:spPr bwMode="auto">
-            <a:xfrm>
-              <a:off x="2857881" y="4945881"/>
-              <a:ext cx="318057" cy="276821"/>
+              <a:off x="2852708" y="4945881"/>
+              <a:ext cx="318375" cy="276820"/>
             </a:xfrm>
             <a:prstGeom prst="rect">
               <a:avLst/>
@@ -10520,7 +11825,7 @@
         </p:sp>
         <p:sp>
           <p:nvSpPr>
-            <p:cNvPr id="95" name="TextBox 193"/>
+            <p:cNvPr id="72" name="TextBox 167"/>
             <p:cNvSpPr txBox="1">
               <a:spLocks noChangeArrowheads="1"/>
             </p:cNvSpPr>
@@ -10528,8 +11833,8 @@
           </p:nvSpPr>
           <p:spPr bwMode="auto">
             <a:xfrm>
-              <a:off x="3132224" y="4859603"/>
-              <a:ext cx="951741" cy="276821"/>
+              <a:off x="3132544" y="4932127"/>
+              <a:ext cx="1093459" cy="719728"/>
             </a:xfrm>
             <a:prstGeom prst="rect">
               <a:avLst/>
@@ -10563,6 +11868,92 @@
                 </a:tabLst>
               </a:pPr>
               <a:r>
+                <a:rPr kumimoji="1" lang="ko-KR" altLang="en-US" sz="1200" b="1" dirty="0" smtClean="0">
+                  <a:solidFill>
+                    <a:srgbClr val="000000"/>
+                  </a:solidFill>
+                  <a:latin typeface="맑은 고딕" pitchFamily="50" charset="-127"/>
+                  <a:ea typeface="맑은 고딕" pitchFamily="50" charset="-127"/>
+                </a:rPr>
+                <a:t>기존고객</a:t>
+              </a:r>
+              <a:endParaRPr kumimoji="1" lang="en-US" altLang="ko-KR" sz="1200" b="1" dirty="0" smtClean="0">
+                <a:solidFill>
+                  <a:srgbClr val="000000"/>
+                </a:solidFill>
+                <a:latin typeface="맑은 고딕" pitchFamily="50" charset="-127"/>
+                <a:ea typeface="맑은 고딕" pitchFamily="50" charset="-127"/>
+              </a:endParaRPr>
+            </a:p>
+            <a:p>
+              <a:pPr fontAlgn="base">
+                <a:spcBef>
+                  <a:spcPct val="20000"/>
+                </a:spcBef>
+                <a:spcAft>
+                  <a:spcPct val="0"/>
+                </a:spcAft>
+                <a:buClr>
+                  <a:srgbClr val="927969"/>
+                </a:buClr>
+                <a:tabLst>
+                  <a:tab pos="630238" algn="l"/>
+                </a:tabLst>
+              </a:pPr>
+              <a:r>
+                <a:rPr kumimoji="1" lang="ko-KR" altLang="en-US" sz="1200" b="1" dirty="0" err="1" smtClean="0">
+                  <a:solidFill>
+                    <a:srgbClr val="000000"/>
+                  </a:solidFill>
+                  <a:latin typeface="맑은 고딕" pitchFamily="50" charset="-127"/>
+                  <a:ea typeface="맑은 고딕" pitchFamily="50" charset="-127"/>
+                </a:rPr>
+                <a:t>거리별</a:t>
+              </a:r>
+              <a:r>
+                <a:rPr kumimoji="1" lang="ko-KR" altLang="en-US" sz="1200" b="1" dirty="0" smtClean="0">
+                  <a:solidFill>
+                    <a:srgbClr val="000000"/>
+                  </a:solidFill>
+                  <a:latin typeface="맑은 고딕" pitchFamily="50" charset="-127"/>
+                  <a:ea typeface="맑은 고딕" pitchFamily="50" charset="-127"/>
+                </a:rPr>
+                <a:t> </a:t>
+              </a:r>
+              <a:endParaRPr kumimoji="1" lang="en-US" altLang="ko-KR" sz="1200" b="1" dirty="0" smtClean="0">
+                <a:solidFill>
+                  <a:srgbClr val="000000"/>
+                </a:solidFill>
+                <a:latin typeface="맑은 고딕" pitchFamily="50" charset="-127"/>
+                <a:ea typeface="맑은 고딕" pitchFamily="50" charset="-127"/>
+              </a:endParaRPr>
+            </a:p>
+            <a:p>
+              <a:pPr fontAlgn="base">
+                <a:spcBef>
+                  <a:spcPct val="20000"/>
+                </a:spcBef>
+                <a:spcAft>
+                  <a:spcPct val="0"/>
+                </a:spcAft>
+                <a:buClr>
+                  <a:srgbClr val="927969"/>
+                </a:buClr>
+                <a:tabLst>
+                  <a:tab pos="630238" algn="l"/>
+                </a:tabLst>
+              </a:pPr>
+              <a:r>
+                <a:rPr kumimoji="1" lang="ko-KR" altLang="en-US" sz="1200" b="1" dirty="0" smtClean="0">
+                  <a:solidFill>
+                    <a:srgbClr val="000000"/>
+                  </a:solidFill>
+                  <a:latin typeface="맑은 고딕" pitchFamily="50" charset="-127"/>
+                  <a:ea typeface="맑은 고딕" pitchFamily="50" charset="-127"/>
+                </a:rPr>
+                <a:t>만족도</a:t>
+              </a:r>
+              <a:r>
                 <a:rPr kumimoji="1" lang="en-US" altLang="ko-KR" sz="1200" b="1" dirty="0" smtClean="0">
                   <a:solidFill>
                     <a:srgbClr val="000000"/>
@@ -10570,7 +11961,7 @@
                   <a:latin typeface="맑은 고딕" pitchFamily="50" charset="-127"/>
                   <a:ea typeface="맑은 고딕" pitchFamily="50" charset="-127"/>
                 </a:rPr>
-                <a:t>~~~ </a:t>
+                <a:t> </a:t>
               </a:r>
               <a:r>
                 <a:rPr kumimoji="1" lang="ko-KR" altLang="en-US" sz="1200" b="1" dirty="0" smtClean="0">
@@ -10593,9 +11984,50 @@
           </p:txBody>
         </p:sp>
       </p:grpSp>
+      <p:cxnSp>
+        <p:nvCxnSpPr>
+          <p:cNvPr id="76" name="Straight Arrow Connector 38"/>
+          <p:cNvCxnSpPr>
+            <a:endCxn id="56" idx="4"/>
+          </p:cNvCxnSpPr>
+          <p:nvPr/>
+        </p:nvCxnSpPr>
+        <p:spPr>
+          <a:xfrm flipH="1">
+            <a:off x="4984969" y="4055611"/>
+            <a:ext cx="801906" cy="91492"/>
+          </a:xfrm>
+          <a:prstGeom prst="straightConnector1">
+            <a:avLst/>
+          </a:prstGeom>
+          <a:ln w="19050" cmpd="sng">
+            <a:solidFill>
+              <a:srgbClr val="0000FF"/>
+            </a:solidFill>
+            <a:prstDash val="dot"/>
+            <a:headEnd type="oval"/>
+            <a:tailEnd type="oval"/>
+          </a:ln>
+          <a:effectLst/>
+        </p:spPr>
+        <p:style>
+          <a:lnRef idx="2">
+            <a:schemeClr val="accent1"/>
+          </a:lnRef>
+          <a:fillRef idx="0">
+            <a:schemeClr val="accent1"/>
+          </a:fillRef>
+          <a:effectRef idx="1">
+            <a:schemeClr val="accent1"/>
+          </a:effectRef>
+          <a:fontRef idx="minor">
+            <a:schemeClr val="tx1"/>
+          </a:fontRef>
+        </p:style>
+      </p:cxnSp>
       <p:grpSp>
         <p:nvGrpSpPr>
-          <p:cNvPr id="9" name="Group 82"/>
+          <p:cNvPr id="78" name="Group 7"/>
           <p:cNvGrpSpPr>
             <a:grpSpLocks/>
           </p:cNvGrpSpPr>
@@ -10603,22 +12035,22 @@
         </p:nvGrpSpPr>
         <p:grpSpPr bwMode="auto">
           <a:xfrm>
-            <a:off x="6764222" y="5690090"/>
-            <a:ext cx="1118804" cy="416154"/>
-            <a:chOff x="2813224" y="4859603"/>
-            <a:chExt cx="1212575" cy="415886"/>
+            <a:off x="7414923" y="411307"/>
+            <a:ext cx="1457042" cy="517969"/>
+            <a:chOff x="2813224" y="4912769"/>
+            <a:chExt cx="1579616" cy="517632"/>
           </a:xfrm>
         </p:grpSpPr>
         <p:pic>
           <p:nvPicPr>
-            <p:cNvPr id="97" name="Picture 84"/>
+            <p:cNvPr id="83" name="Picture 33"/>
             <p:cNvPicPr>
               <a:picLocks noChangeAspect="1"/>
             </p:cNvPicPr>
             <p:nvPr/>
           </p:nvPicPr>
           <p:blipFill>
-            <a:blip r:embed="rId3" cstate="print"/>
+            <a:blip r:embed="rId6" cstate="print"/>
             <a:srcRect/>
             <a:stretch>
               <a:fillRect/>
@@ -10643,7 +12075,7 @@
         </p:pic>
         <p:sp>
           <p:nvSpPr>
-            <p:cNvPr id="98" name="TextBox 196"/>
+            <p:cNvPr id="84" name="TextBox 166"/>
             <p:cNvSpPr txBox="1">
               <a:spLocks noChangeArrowheads="1"/>
             </p:cNvSpPr>
@@ -10651,8 +12083,8 @@
           </p:nvSpPr>
           <p:spPr bwMode="auto">
             <a:xfrm>
-              <a:off x="2868427" y="4956385"/>
-              <a:ext cx="318284" cy="276821"/>
+              <a:off x="2852708" y="4945881"/>
+              <a:ext cx="318375" cy="276820"/>
             </a:xfrm>
             <a:prstGeom prst="rect">
               <a:avLst/>
@@ -10700,7 +12132,7 @@
         </p:sp>
         <p:sp>
           <p:nvSpPr>
-            <p:cNvPr id="99" name="TextBox 197"/>
+            <p:cNvPr id="85" name="TextBox 167"/>
             <p:cNvSpPr txBox="1">
               <a:spLocks noChangeArrowheads="1"/>
             </p:cNvSpPr>
@@ -10708,8 +12140,8 @@
           </p:nvSpPr>
           <p:spPr bwMode="auto">
             <a:xfrm>
-              <a:off x="3132449" y="4859603"/>
-              <a:ext cx="893350" cy="276821"/>
+              <a:off x="3132546" y="4932127"/>
+              <a:ext cx="1260294" cy="498274"/>
             </a:xfrm>
             <a:prstGeom prst="rect">
               <a:avLst/>
@@ -10743,6 +12175,49 @@
                 </a:tabLst>
               </a:pPr>
               <a:r>
+                <a:rPr kumimoji="1" lang="ko-KR" altLang="en-US" sz="1200" b="1" dirty="0" smtClean="0">
+                  <a:solidFill>
+                    <a:srgbClr val="000000"/>
+                  </a:solidFill>
+                  <a:latin typeface="맑은 고딕" pitchFamily="50" charset="-127"/>
+                  <a:ea typeface="맑은 고딕" pitchFamily="50" charset="-127"/>
+                </a:rPr>
+                <a:t>회원가입</a:t>
+              </a:r>
+              <a:endParaRPr kumimoji="1" lang="en-US" altLang="ko-KR" sz="1200" b="1" dirty="0" smtClean="0">
+                <a:solidFill>
+                  <a:srgbClr val="000000"/>
+                </a:solidFill>
+                <a:latin typeface="맑은 고딕" pitchFamily="50" charset="-127"/>
+                <a:ea typeface="맑은 고딕" pitchFamily="50" charset="-127"/>
+              </a:endParaRPr>
+            </a:p>
+            <a:p>
+              <a:pPr fontAlgn="base">
+                <a:spcBef>
+                  <a:spcPct val="20000"/>
+                </a:spcBef>
+                <a:spcAft>
+                  <a:spcPct val="0"/>
+                </a:spcAft>
+                <a:buClr>
+                  <a:srgbClr val="927969"/>
+                </a:buClr>
+                <a:tabLst>
+                  <a:tab pos="630238" algn="l"/>
+                </a:tabLst>
+              </a:pPr>
+              <a:r>
+                <a:rPr kumimoji="1" lang="ko-KR" altLang="en-US" sz="1200" b="1" dirty="0" smtClean="0">
+                  <a:solidFill>
+                    <a:srgbClr val="000000"/>
+                  </a:solidFill>
+                  <a:latin typeface="맑은 고딕" pitchFamily="50" charset="-127"/>
+                  <a:ea typeface="맑은 고딕" pitchFamily="50" charset="-127"/>
+                </a:rPr>
+                <a:t>카테고리</a:t>
+              </a:r>
+              <a:r>
                 <a:rPr kumimoji="1" lang="en-US" altLang="ko-KR" sz="1200" b="1" dirty="0" smtClean="0">
                   <a:solidFill>
                     <a:srgbClr val="000000"/>
@@ -10750,7 +12225,7 @@
                   <a:latin typeface="맑은 고딕" pitchFamily="50" charset="-127"/>
                   <a:ea typeface="맑은 고딕" pitchFamily="50" charset="-127"/>
                 </a:rPr>
-                <a:t>~~~</a:t>
+                <a:t> </a:t>
               </a:r>
               <a:r>
                 <a:rPr kumimoji="1" lang="ko-KR" altLang="en-US" sz="1200" b="1" dirty="0" smtClean="0">
@@ -10773,9 +12248,51 @@
           </p:txBody>
         </p:sp>
       </p:grpSp>
+      <p:cxnSp>
+        <p:nvCxnSpPr>
+          <p:cNvPr id="86" name="Straight Arrow Connector 38"/>
+          <p:cNvCxnSpPr>
+            <a:stCxn id="73" idx="7"/>
+            <a:endCxn id="85" idx="2"/>
+          </p:cNvCxnSpPr>
+          <p:nvPr/>
+        </p:nvCxnSpPr>
+        <p:spPr>
+          <a:xfrm flipV="1">
+            <a:off x="7709978" y="929276"/>
+            <a:ext cx="580738" cy="607941"/>
+          </a:xfrm>
+          <a:prstGeom prst="straightConnector1">
+            <a:avLst/>
+          </a:prstGeom>
+          <a:ln w="19050" cmpd="sng">
+            <a:solidFill>
+              <a:srgbClr val="0000FF"/>
+            </a:solidFill>
+            <a:prstDash val="dot"/>
+            <a:headEnd type="oval"/>
+            <a:tailEnd type="oval"/>
+          </a:ln>
+          <a:effectLst/>
+        </p:spPr>
+        <p:style>
+          <a:lnRef idx="2">
+            <a:schemeClr val="accent1"/>
+          </a:lnRef>
+          <a:fillRef idx="0">
+            <a:schemeClr val="accent1"/>
+          </a:fillRef>
+          <a:effectRef idx="1">
+            <a:schemeClr val="accent1"/>
+          </a:effectRef>
+          <a:fontRef idx="minor">
+            <a:schemeClr val="tx1"/>
+          </a:fontRef>
+        </p:style>
+      </p:cxnSp>
       <p:grpSp>
         <p:nvGrpSpPr>
-          <p:cNvPr id="10" name="Group 100"/>
+          <p:cNvPr id="98" name="Group 7"/>
           <p:cNvGrpSpPr>
             <a:grpSpLocks/>
           </p:cNvGrpSpPr>
@@ -10783,22 +12300,22 @@
         </p:nvGrpSpPr>
         <p:grpSpPr bwMode="auto">
           <a:xfrm>
-            <a:off x="7740351" y="2826103"/>
-            <a:ext cx="1173308" cy="415729"/>
-            <a:chOff x="2813224" y="4859619"/>
-            <a:chExt cx="1270772" cy="415870"/>
+            <a:off x="7658745" y="3544867"/>
+            <a:ext cx="1457042" cy="517969"/>
+            <a:chOff x="2813224" y="4912769"/>
+            <a:chExt cx="1579616" cy="517632"/>
           </a:xfrm>
         </p:grpSpPr>
         <p:pic>
           <p:nvPicPr>
-            <p:cNvPr id="106" name="Picture 101"/>
+            <p:cNvPr id="99" name="Picture 33"/>
             <p:cNvPicPr>
               <a:picLocks noChangeAspect="1"/>
             </p:cNvPicPr>
             <p:nvPr/>
           </p:nvPicPr>
           <p:blipFill>
-            <a:blip r:embed="rId3" cstate="print"/>
+            <a:blip r:embed="rId6" cstate="print"/>
             <a:srcRect/>
             <a:stretch>
               <a:fillRect/>
@@ -10823,7 +12340,7 @@
         </p:pic>
         <p:sp>
           <p:nvSpPr>
-            <p:cNvPr id="107" name="TextBox 205"/>
+            <p:cNvPr id="100" name="TextBox 166"/>
             <p:cNvSpPr txBox="1">
               <a:spLocks noChangeArrowheads="1"/>
             </p:cNvSpPr>
@@ -10831,8 +12348,8 @@
           </p:nvSpPr>
           <p:spPr bwMode="auto">
             <a:xfrm>
-              <a:off x="2868390" y="4956490"/>
-              <a:ext cx="318065" cy="277093"/>
+              <a:off x="2852708" y="4945881"/>
+              <a:ext cx="318375" cy="276820"/>
             </a:xfrm>
             <a:prstGeom prst="rect">
               <a:avLst/>
@@ -10880,7 +12397,7 @@
         </p:sp>
         <p:sp>
           <p:nvSpPr>
-            <p:cNvPr id="108" name="TextBox 206"/>
+            <p:cNvPr id="101" name="TextBox 167"/>
             <p:cNvSpPr txBox="1">
               <a:spLocks noChangeArrowheads="1"/>
             </p:cNvSpPr>
@@ -10888,8 +12405,8 @@
           </p:nvSpPr>
           <p:spPr bwMode="auto">
             <a:xfrm>
-              <a:off x="3132232" y="4859619"/>
-              <a:ext cx="951764" cy="277093"/>
+              <a:off x="3132547" y="4932127"/>
+              <a:ext cx="1260293" cy="498274"/>
             </a:xfrm>
             <a:prstGeom prst="rect">
               <a:avLst/>
@@ -10923,6 +12440,49 @@
                 </a:tabLst>
               </a:pPr>
               <a:r>
+                <a:rPr kumimoji="1" lang="ko-KR" altLang="en-US" sz="1200" b="1" dirty="0" smtClean="0">
+                  <a:solidFill>
+                    <a:srgbClr val="000000"/>
+                  </a:solidFill>
+                  <a:latin typeface="맑은 고딕" pitchFamily="50" charset="-127"/>
+                  <a:ea typeface="맑은 고딕" pitchFamily="50" charset="-127"/>
+                </a:rPr>
+                <a:t>숙소지</a:t>
+              </a:r>
+              <a:endParaRPr kumimoji="1" lang="en-US" altLang="ko-KR" sz="1200" b="1" dirty="0" smtClean="0">
+                <a:solidFill>
+                  <a:srgbClr val="000000"/>
+                </a:solidFill>
+                <a:latin typeface="맑은 고딕" pitchFamily="50" charset="-127"/>
+                <a:ea typeface="맑은 고딕" pitchFamily="50" charset="-127"/>
+              </a:endParaRPr>
+            </a:p>
+            <a:p>
+              <a:pPr fontAlgn="base">
+                <a:spcBef>
+                  <a:spcPct val="20000"/>
+                </a:spcBef>
+                <a:spcAft>
+                  <a:spcPct val="0"/>
+                </a:spcAft>
+                <a:buClr>
+                  <a:srgbClr val="927969"/>
+                </a:buClr>
+                <a:tabLst>
+                  <a:tab pos="630238" algn="l"/>
+                </a:tabLst>
+              </a:pPr>
+              <a:r>
+                <a:rPr kumimoji="1" lang="ko-KR" altLang="en-US" sz="1200" b="1" dirty="0" smtClean="0">
+                  <a:solidFill>
+                    <a:srgbClr val="000000"/>
+                  </a:solidFill>
+                  <a:latin typeface="맑은 고딕" pitchFamily="50" charset="-127"/>
+                  <a:ea typeface="맑은 고딕" pitchFamily="50" charset="-127"/>
+                </a:rPr>
+                <a:t>카테고리</a:t>
+              </a:r>
+              <a:r>
                 <a:rPr kumimoji="1" lang="en-US" altLang="ko-KR" sz="1200" b="1" dirty="0" smtClean="0">
                   <a:solidFill>
                     <a:srgbClr val="000000"/>
@@ -10930,7 +12490,7 @@
                   <a:latin typeface="맑은 고딕" pitchFamily="50" charset="-127"/>
                   <a:ea typeface="맑은 고딕" pitchFamily="50" charset="-127"/>
                 </a:rPr>
-                <a:t>~~~ </a:t>
+                <a:t> </a:t>
               </a:r>
               <a:r>
                 <a:rPr kumimoji="1" lang="ko-KR" altLang="en-US" sz="1200" b="1" dirty="0" smtClean="0">
@@ -10953,2232 +12513,19 @@
           </p:txBody>
         </p:sp>
       </p:grpSp>
-      <p:sp>
-        <p:nvSpPr>
-          <p:cNvPr id="44" name="Oval 8"/>
-          <p:cNvSpPr/>
-          <p:nvPr/>
-        </p:nvSpPr>
-        <p:spPr>
-          <a:xfrm>
-            <a:off x="5065149" y="2107815"/>
-            <a:ext cx="1065847" cy="1082367"/>
-          </a:xfrm>
-          <a:prstGeom prst="ellipse">
-            <a:avLst/>
-          </a:prstGeom>
-          <a:solidFill>
-            <a:schemeClr val="bg1"/>
-          </a:solidFill>
-          <a:ln w="19050" cmpd="sng">
-            <a:solidFill>
-              <a:schemeClr val="tx1"/>
-            </a:solidFill>
-            <a:prstDash val="dot"/>
-          </a:ln>
-          <a:effectLst>
-            <a:outerShdw blurRad="50800" dist="38100" dir="2700000" algn="tl" rotWithShape="0">
-              <a:prstClr val="black">
-                <a:alpha val="40000"/>
-              </a:prstClr>
-            </a:outerShdw>
-          </a:effectLst>
-        </p:spPr>
-        <p:style>
-          <a:lnRef idx="1">
-            <a:schemeClr val="accent1"/>
-          </a:lnRef>
-          <a:fillRef idx="3">
-            <a:schemeClr val="accent1"/>
-          </a:fillRef>
-          <a:effectRef idx="2">
-            <a:schemeClr val="accent1"/>
-          </a:effectRef>
-          <a:fontRef idx="minor">
-            <a:schemeClr val="lt1"/>
-          </a:fontRef>
-        </p:style>
-        <p:txBody>
-          <a:bodyPr anchor="ctr"/>
-          <a:lstStyle>
-            <a:lvl1pPr eaLnBrk="0" hangingPunct="0">
-              <a:defRPr kumimoji="1" sz="1200" b="1">
-                <a:solidFill>
-                  <a:schemeClr val="tx1"/>
-                </a:solidFill>
-                <a:latin typeface="-2002" pitchFamily="18" charset="-127"/>
-                <a:ea typeface="-2002" pitchFamily="18" charset="-127"/>
-              </a:defRPr>
-            </a:lvl1pPr>
-            <a:lvl2pPr marL="742950" indent="-285750" eaLnBrk="0" hangingPunct="0">
-              <a:defRPr kumimoji="1" sz="1200" b="1">
-                <a:solidFill>
-                  <a:schemeClr val="tx1"/>
-                </a:solidFill>
-                <a:latin typeface="-2002" pitchFamily="18" charset="-127"/>
-                <a:ea typeface="-2002" pitchFamily="18" charset="-127"/>
-              </a:defRPr>
-            </a:lvl2pPr>
-            <a:lvl3pPr marL="1143000" indent="-228600" eaLnBrk="0" hangingPunct="0">
-              <a:defRPr kumimoji="1" sz="1200" b="1">
-                <a:solidFill>
-                  <a:schemeClr val="tx1"/>
-                </a:solidFill>
-                <a:latin typeface="-2002" pitchFamily="18" charset="-127"/>
-                <a:ea typeface="-2002" pitchFamily="18" charset="-127"/>
-              </a:defRPr>
-            </a:lvl3pPr>
-            <a:lvl4pPr marL="1600200" indent="-228600" eaLnBrk="0" hangingPunct="0">
-              <a:defRPr kumimoji="1" sz="1200" b="1">
-                <a:solidFill>
-                  <a:schemeClr val="tx1"/>
-                </a:solidFill>
-                <a:latin typeface="-2002" pitchFamily="18" charset="-127"/>
-                <a:ea typeface="-2002" pitchFamily="18" charset="-127"/>
-              </a:defRPr>
-            </a:lvl4pPr>
-            <a:lvl5pPr marL="2057400" indent="-228600" eaLnBrk="0" hangingPunct="0">
-              <a:defRPr kumimoji="1" sz="1200" b="1">
-                <a:solidFill>
-                  <a:schemeClr val="tx1"/>
-                </a:solidFill>
-                <a:latin typeface="-2002" pitchFamily="18" charset="-127"/>
-                <a:ea typeface="-2002" pitchFamily="18" charset="-127"/>
-              </a:defRPr>
-            </a:lvl5pPr>
-            <a:lvl6pPr marL="2514600" indent="-228600" algn="ctr" eaLnBrk="0" fontAlgn="base" hangingPunct="0">
-              <a:spcBef>
-                <a:spcPct val="0"/>
-              </a:spcBef>
-              <a:spcAft>
-                <a:spcPct val="0"/>
-              </a:spcAft>
-              <a:defRPr kumimoji="1" sz="1200" b="1">
-                <a:solidFill>
-                  <a:schemeClr val="tx1"/>
-                </a:solidFill>
-                <a:latin typeface="-2002" pitchFamily="18" charset="-127"/>
-                <a:ea typeface="-2002" pitchFamily="18" charset="-127"/>
-              </a:defRPr>
-            </a:lvl6pPr>
-            <a:lvl7pPr marL="2971800" indent="-228600" algn="ctr" eaLnBrk="0" fontAlgn="base" hangingPunct="0">
-              <a:spcBef>
-                <a:spcPct val="0"/>
-              </a:spcBef>
-              <a:spcAft>
-                <a:spcPct val="0"/>
-              </a:spcAft>
-              <a:defRPr kumimoji="1" sz="1200" b="1">
-                <a:solidFill>
-                  <a:schemeClr val="tx1"/>
-                </a:solidFill>
-                <a:latin typeface="-2002" pitchFamily="18" charset="-127"/>
-                <a:ea typeface="-2002" pitchFamily="18" charset="-127"/>
-              </a:defRPr>
-            </a:lvl7pPr>
-            <a:lvl8pPr marL="3429000" indent="-228600" algn="ctr" eaLnBrk="0" fontAlgn="base" hangingPunct="0">
-              <a:spcBef>
-                <a:spcPct val="0"/>
-              </a:spcBef>
-              <a:spcAft>
-                <a:spcPct val="0"/>
-              </a:spcAft>
-              <a:defRPr kumimoji="1" sz="1200" b="1">
-                <a:solidFill>
-                  <a:schemeClr val="tx1"/>
-                </a:solidFill>
-                <a:latin typeface="-2002" pitchFamily="18" charset="-127"/>
-                <a:ea typeface="-2002" pitchFamily="18" charset="-127"/>
-              </a:defRPr>
-            </a:lvl8pPr>
-            <a:lvl9pPr marL="3886200" indent="-228600" algn="ctr" eaLnBrk="0" fontAlgn="base" hangingPunct="0">
-              <a:spcBef>
-                <a:spcPct val="0"/>
-              </a:spcBef>
-              <a:spcAft>
-                <a:spcPct val="0"/>
-              </a:spcAft>
-              <a:defRPr kumimoji="1" sz="1200" b="1">
-                <a:solidFill>
-                  <a:schemeClr val="tx1"/>
-                </a:solidFill>
-                <a:latin typeface="-2002" pitchFamily="18" charset="-127"/>
-                <a:ea typeface="-2002" pitchFamily="18" charset="-127"/>
-              </a:defRPr>
-            </a:lvl9pPr>
-          </a:lstStyle>
-          <a:p>
-            <a:pPr algn="ctr" eaLnBrk="1" fontAlgn="base" hangingPunct="1">
-              <a:lnSpc>
-                <a:spcPct val="120000"/>
-              </a:lnSpc>
-              <a:spcBef>
-                <a:spcPct val="0"/>
-              </a:spcBef>
-              <a:spcAft>
-                <a:spcPct val="0"/>
-              </a:spcAft>
-              <a:defRPr/>
-            </a:pPr>
-            <a:r>
-              <a:rPr lang="en-US" altLang="ko-KR" dirty="0" smtClean="0">
-                <a:solidFill>
-                  <a:srgbClr val="000000"/>
-                </a:solidFill>
-                <a:latin typeface="맑은 고딕" pitchFamily="50" charset="-127"/>
-                <a:ea typeface="맑은 고딕" pitchFamily="50" charset="-127"/>
-              </a:rPr>
-              <a:t>~~~</a:t>
-            </a:r>
-            <a:endParaRPr lang="en-US" dirty="0" smtClean="0">
-              <a:solidFill>
-                <a:srgbClr val="000000"/>
-              </a:solidFill>
-              <a:latin typeface="맑은 고딕" pitchFamily="50" charset="-127"/>
-              <a:ea typeface="맑은 고딕" pitchFamily="50" charset="-127"/>
-            </a:endParaRPr>
-          </a:p>
-        </p:txBody>
-      </p:sp>
-      <p:sp>
-        <p:nvSpPr>
-          <p:cNvPr id="45" name="Rectangle 1"/>
-          <p:cNvSpPr/>
-          <p:nvPr/>
-        </p:nvSpPr>
-        <p:spPr>
-          <a:xfrm>
-            <a:off x="1416609" y="3198191"/>
-            <a:ext cx="1103300" cy="1036267"/>
-          </a:xfrm>
-          <a:prstGeom prst="rect">
-            <a:avLst/>
-          </a:prstGeom>
-          <a:solidFill>
-            <a:schemeClr val="bg1"/>
-          </a:solidFill>
-          <a:ln w="19050" cmpd="sng">
-            <a:solidFill>
-              <a:schemeClr val="tx1"/>
-            </a:solidFill>
-          </a:ln>
-          <a:effectLst>
-            <a:outerShdw blurRad="50800" dist="38100" dir="2700000" algn="tl" rotWithShape="0">
-              <a:prstClr val="black">
-                <a:alpha val="40000"/>
-              </a:prstClr>
-            </a:outerShdw>
-          </a:effectLst>
-        </p:spPr>
-        <p:style>
-          <a:lnRef idx="1">
-            <a:schemeClr val="accent1"/>
-          </a:lnRef>
-          <a:fillRef idx="3">
-            <a:schemeClr val="accent1"/>
-          </a:fillRef>
-          <a:effectRef idx="2">
-            <a:schemeClr val="accent1"/>
-          </a:effectRef>
-          <a:fontRef idx="minor">
-            <a:schemeClr val="lt1"/>
-          </a:fontRef>
-        </p:style>
-        <p:txBody>
-          <a:bodyPr anchor="ctr"/>
-          <a:lstStyle>
-            <a:lvl1pPr eaLnBrk="0" hangingPunct="0">
-              <a:defRPr kumimoji="1" sz="1200" b="1">
-                <a:solidFill>
-                  <a:schemeClr val="tx1"/>
-                </a:solidFill>
-                <a:latin typeface="-2002" pitchFamily="18" charset="-127"/>
-                <a:ea typeface="-2002" pitchFamily="18" charset="-127"/>
-              </a:defRPr>
-            </a:lvl1pPr>
-            <a:lvl2pPr marL="742950" indent="-285750" eaLnBrk="0" hangingPunct="0">
-              <a:defRPr kumimoji="1" sz="1200" b="1">
-                <a:solidFill>
-                  <a:schemeClr val="tx1"/>
-                </a:solidFill>
-                <a:latin typeface="-2002" pitchFamily="18" charset="-127"/>
-                <a:ea typeface="-2002" pitchFamily="18" charset="-127"/>
-              </a:defRPr>
-            </a:lvl2pPr>
-            <a:lvl3pPr marL="1143000" indent="-228600" eaLnBrk="0" hangingPunct="0">
-              <a:defRPr kumimoji="1" sz="1200" b="1">
-                <a:solidFill>
-                  <a:schemeClr val="tx1"/>
-                </a:solidFill>
-                <a:latin typeface="-2002" pitchFamily="18" charset="-127"/>
-                <a:ea typeface="-2002" pitchFamily="18" charset="-127"/>
-              </a:defRPr>
-            </a:lvl3pPr>
-            <a:lvl4pPr marL="1600200" indent="-228600" eaLnBrk="0" hangingPunct="0">
-              <a:defRPr kumimoji="1" sz="1200" b="1">
-                <a:solidFill>
-                  <a:schemeClr val="tx1"/>
-                </a:solidFill>
-                <a:latin typeface="-2002" pitchFamily="18" charset="-127"/>
-                <a:ea typeface="-2002" pitchFamily="18" charset="-127"/>
-              </a:defRPr>
-            </a:lvl4pPr>
-            <a:lvl5pPr marL="2057400" indent="-228600" eaLnBrk="0" hangingPunct="0">
-              <a:defRPr kumimoji="1" sz="1200" b="1">
-                <a:solidFill>
-                  <a:schemeClr val="tx1"/>
-                </a:solidFill>
-                <a:latin typeface="-2002" pitchFamily="18" charset="-127"/>
-                <a:ea typeface="-2002" pitchFamily="18" charset="-127"/>
-              </a:defRPr>
-            </a:lvl5pPr>
-            <a:lvl6pPr marL="2514600" indent="-228600" algn="ctr" eaLnBrk="0" fontAlgn="base" hangingPunct="0">
-              <a:spcBef>
-                <a:spcPct val="0"/>
-              </a:spcBef>
-              <a:spcAft>
-                <a:spcPct val="0"/>
-              </a:spcAft>
-              <a:defRPr kumimoji="1" sz="1200" b="1">
-                <a:solidFill>
-                  <a:schemeClr val="tx1"/>
-                </a:solidFill>
-                <a:latin typeface="-2002" pitchFamily="18" charset="-127"/>
-                <a:ea typeface="-2002" pitchFamily="18" charset="-127"/>
-              </a:defRPr>
-            </a:lvl6pPr>
-            <a:lvl7pPr marL="2971800" indent="-228600" algn="ctr" eaLnBrk="0" fontAlgn="base" hangingPunct="0">
-              <a:spcBef>
-                <a:spcPct val="0"/>
-              </a:spcBef>
-              <a:spcAft>
-                <a:spcPct val="0"/>
-              </a:spcAft>
-              <a:defRPr kumimoji="1" sz="1200" b="1">
-                <a:solidFill>
-                  <a:schemeClr val="tx1"/>
-                </a:solidFill>
-                <a:latin typeface="-2002" pitchFamily="18" charset="-127"/>
-                <a:ea typeface="-2002" pitchFamily="18" charset="-127"/>
-              </a:defRPr>
-            </a:lvl7pPr>
-            <a:lvl8pPr marL="3429000" indent="-228600" algn="ctr" eaLnBrk="0" fontAlgn="base" hangingPunct="0">
-              <a:spcBef>
-                <a:spcPct val="0"/>
-              </a:spcBef>
-              <a:spcAft>
-                <a:spcPct val="0"/>
-              </a:spcAft>
-              <a:defRPr kumimoji="1" sz="1200" b="1">
-                <a:solidFill>
-                  <a:schemeClr val="tx1"/>
-                </a:solidFill>
-                <a:latin typeface="-2002" pitchFamily="18" charset="-127"/>
-                <a:ea typeface="-2002" pitchFamily="18" charset="-127"/>
-              </a:defRPr>
-            </a:lvl8pPr>
-            <a:lvl9pPr marL="3886200" indent="-228600" algn="ctr" eaLnBrk="0" fontAlgn="base" hangingPunct="0">
-              <a:spcBef>
-                <a:spcPct val="0"/>
-              </a:spcBef>
-              <a:spcAft>
-                <a:spcPct val="0"/>
-              </a:spcAft>
-              <a:defRPr kumimoji="1" sz="1200" b="1">
-                <a:solidFill>
-                  <a:schemeClr val="tx1"/>
-                </a:solidFill>
-                <a:latin typeface="-2002" pitchFamily="18" charset="-127"/>
-                <a:ea typeface="-2002" pitchFamily="18" charset="-127"/>
-              </a:defRPr>
-            </a:lvl9pPr>
-          </a:lstStyle>
-          <a:p>
-            <a:pPr algn="ctr" eaLnBrk="1" fontAlgn="base" hangingPunct="1">
-              <a:lnSpc>
-                <a:spcPct val="120000"/>
-              </a:lnSpc>
-              <a:spcBef>
-                <a:spcPct val="0"/>
-              </a:spcBef>
-              <a:spcAft>
-                <a:spcPct val="0"/>
-              </a:spcAft>
-              <a:defRPr/>
-            </a:pPr>
-            <a:r>
-              <a:rPr lang="en-US" altLang="ko-KR" dirty="0" smtClean="0">
-                <a:solidFill>
-                  <a:srgbClr val="000000"/>
-                </a:solidFill>
-                <a:latin typeface="맑은 고딕" pitchFamily="50" charset="-127"/>
-                <a:ea typeface="맑은 고딕" pitchFamily="50" charset="-127"/>
-              </a:rPr>
-              <a:t>~~~</a:t>
-            </a:r>
-            <a:endParaRPr lang="en-US" dirty="0" smtClean="0">
-              <a:solidFill>
-                <a:srgbClr val="000000"/>
-              </a:solidFill>
-              <a:latin typeface="맑은 고딕" pitchFamily="50" charset="-127"/>
-              <a:ea typeface="맑은 고딕" pitchFamily="50" charset="-127"/>
-            </a:endParaRPr>
-          </a:p>
-        </p:txBody>
-      </p:sp>
-      <p:sp>
-        <p:nvSpPr>
-          <p:cNvPr id="46" name="Oval 2"/>
-          <p:cNvSpPr/>
-          <p:nvPr/>
-        </p:nvSpPr>
-        <p:spPr>
-          <a:xfrm>
-            <a:off x="2679090" y="3148077"/>
-            <a:ext cx="1112665" cy="1130472"/>
-          </a:xfrm>
-          <a:prstGeom prst="ellipse">
-            <a:avLst/>
-          </a:prstGeom>
-          <a:solidFill>
-            <a:schemeClr val="bg1"/>
-          </a:solidFill>
-          <a:ln w="19050" cmpd="sng">
-            <a:solidFill>
-              <a:schemeClr val="tx1"/>
-            </a:solidFill>
-          </a:ln>
-          <a:effectLst>
-            <a:outerShdw blurRad="50800" dist="38100" dir="2700000" algn="tl" rotWithShape="0">
-              <a:prstClr val="black">
-                <a:alpha val="40000"/>
-              </a:prstClr>
-            </a:outerShdw>
-          </a:effectLst>
-        </p:spPr>
-        <p:style>
-          <a:lnRef idx="1">
-            <a:schemeClr val="accent1"/>
-          </a:lnRef>
-          <a:fillRef idx="3">
-            <a:schemeClr val="accent1"/>
-          </a:fillRef>
-          <a:effectRef idx="2">
-            <a:schemeClr val="accent1"/>
-          </a:effectRef>
-          <a:fontRef idx="minor">
-            <a:schemeClr val="lt1"/>
-          </a:fontRef>
-        </p:style>
-        <p:txBody>
-          <a:bodyPr anchor="ctr"/>
-          <a:lstStyle/>
-          <a:p>
-            <a:pPr algn="ctr" fontAlgn="base">
-              <a:lnSpc>
-                <a:spcPct val="120000"/>
-              </a:lnSpc>
-              <a:spcBef>
-                <a:spcPct val="0"/>
-              </a:spcBef>
-              <a:spcAft>
-                <a:spcPct val="0"/>
-              </a:spcAft>
-              <a:defRPr/>
-            </a:pPr>
-            <a:r>
-              <a:rPr kumimoji="1" lang="en-US" altLang="ko-KR" sz="1200" b="1" dirty="0" smtClean="0">
-                <a:solidFill>
-                  <a:srgbClr val="000000"/>
-                </a:solidFill>
-                <a:latin typeface="맑은 고딕" pitchFamily="50" charset="-127"/>
-                <a:ea typeface="맑은 고딕" pitchFamily="50" charset="-127"/>
-                <a:cs typeface="Malgun Gothic"/>
-              </a:rPr>
-              <a:t>~~~</a:t>
-            </a:r>
-            <a:endParaRPr kumimoji="1" lang="ko-KR" altLang="en-US" sz="1200" b="1" dirty="0">
-              <a:solidFill>
-                <a:srgbClr val="000000"/>
-              </a:solidFill>
-              <a:latin typeface="맑은 고딕" pitchFamily="50" charset="-127"/>
-              <a:ea typeface="맑은 고딕" pitchFamily="50" charset="-127"/>
-              <a:cs typeface="Malgun Gothic"/>
-            </a:endParaRPr>
-          </a:p>
-        </p:txBody>
-      </p:sp>
-      <p:sp>
-        <p:nvSpPr>
-          <p:cNvPr id="47" name="Hexagon 3"/>
-          <p:cNvSpPr/>
-          <p:nvPr/>
-        </p:nvSpPr>
-        <p:spPr>
-          <a:xfrm>
-            <a:off x="252448" y="3198191"/>
-            <a:ext cx="1014350" cy="1036267"/>
-          </a:xfrm>
-          <a:prstGeom prst="hexagon">
-            <a:avLst/>
-          </a:prstGeom>
-          <a:solidFill>
-            <a:schemeClr val="bg1"/>
-          </a:solidFill>
-          <a:ln w="19050" cmpd="sng">
-            <a:solidFill>
-              <a:schemeClr val="tx1"/>
-            </a:solidFill>
-          </a:ln>
-          <a:effectLst>
-            <a:outerShdw blurRad="50800" dist="38100" dir="2700000" algn="tl" rotWithShape="0">
-              <a:prstClr val="black">
-                <a:alpha val="40000"/>
-              </a:prstClr>
-            </a:outerShdw>
-          </a:effectLst>
-        </p:spPr>
-        <p:style>
-          <a:lnRef idx="1">
-            <a:schemeClr val="accent1"/>
-          </a:lnRef>
-          <a:fillRef idx="3">
-            <a:schemeClr val="accent1"/>
-          </a:fillRef>
-          <a:effectRef idx="2">
-            <a:schemeClr val="accent1"/>
-          </a:effectRef>
-          <a:fontRef idx="minor">
-            <a:schemeClr val="lt1"/>
-          </a:fontRef>
-        </p:style>
-        <p:txBody>
-          <a:bodyPr anchor="ctr"/>
-          <a:lstStyle>
-            <a:lvl1pPr eaLnBrk="0" hangingPunct="0">
-              <a:defRPr kumimoji="1" sz="1200" b="1">
-                <a:solidFill>
-                  <a:schemeClr val="tx1"/>
-                </a:solidFill>
-                <a:latin typeface="-2002" pitchFamily="18" charset="-127"/>
-                <a:ea typeface="-2002" pitchFamily="18" charset="-127"/>
-              </a:defRPr>
-            </a:lvl1pPr>
-            <a:lvl2pPr marL="742950" indent="-285750" eaLnBrk="0" hangingPunct="0">
-              <a:defRPr kumimoji="1" sz="1200" b="1">
-                <a:solidFill>
-                  <a:schemeClr val="tx1"/>
-                </a:solidFill>
-                <a:latin typeface="-2002" pitchFamily="18" charset="-127"/>
-                <a:ea typeface="-2002" pitchFamily="18" charset="-127"/>
-              </a:defRPr>
-            </a:lvl2pPr>
-            <a:lvl3pPr marL="1143000" indent="-228600" eaLnBrk="0" hangingPunct="0">
-              <a:defRPr kumimoji="1" sz="1200" b="1">
-                <a:solidFill>
-                  <a:schemeClr val="tx1"/>
-                </a:solidFill>
-                <a:latin typeface="-2002" pitchFamily="18" charset="-127"/>
-                <a:ea typeface="-2002" pitchFamily="18" charset="-127"/>
-              </a:defRPr>
-            </a:lvl3pPr>
-            <a:lvl4pPr marL="1600200" indent="-228600" eaLnBrk="0" hangingPunct="0">
-              <a:defRPr kumimoji="1" sz="1200" b="1">
-                <a:solidFill>
-                  <a:schemeClr val="tx1"/>
-                </a:solidFill>
-                <a:latin typeface="-2002" pitchFamily="18" charset="-127"/>
-                <a:ea typeface="-2002" pitchFamily="18" charset="-127"/>
-              </a:defRPr>
-            </a:lvl4pPr>
-            <a:lvl5pPr marL="2057400" indent="-228600" eaLnBrk="0" hangingPunct="0">
-              <a:defRPr kumimoji="1" sz="1200" b="1">
-                <a:solidFill>
-                  <a:schemeClr val="tx1"/>
-                </a:solidFill>
-                <a:latin typeface="-2002" pitchFamily="18" charset="-127"/>
-                <a:ea typeface="-2002" pitchFamily="18" charset="-127"/>
-              </a:defRPr>
-            </a:lvl5pPr>
-            <a:lvl6pPr marL="2514600" indent="-228600" algn="ctr" eaLnBrk="0" fontAlgn="base" hangingPunct="0">
-              <a:spcBef>
-                <a:spcPct val="0"/>
-              </a:spcBef>
-              <a:spcAft>
-                <a:spcPct val="0"/>
-              </a:spcAft>
-              <a:defRPr kumimoji="1" sz="1200" b="1">
-                <a:solidFill>
-                  <a:schemeClr val="tx1"/>
-                </a:solidFill>
-                <a:latin typeface="-2002" pitchFamily="18" charset="-127"/>
-                <a:ea typeface="-2002" pitchFamily="18" charset="-127"/>
-              </a:defRPr>
-            </a:lvl6pPr>
-            <a:lvl7pPr marL="2971800" indent="-228600" algn="ctr" eaLnBrk="0" fontAlgn="base" hangingPunct="0">
-              <a:spcBef>
-                <a:spcPct val="0"/>
-              </a:spcBef>
-              <a:spcAft>
-                <a:spcPct val="0"/>
-              </a:spcAft>
-              <a:defRPr kumimoji="1" sz="1200" b="1">
-                <a:solidFill>
-                  <a:schemeClr val="tx1"/>
-                </a:solidFill>
-                <a:latin typeface="-2002" pitchFamily="18" charset="-127"/>
-                <a:ea typeface="-2002" pitchFamily="18" charset="-127"/>
-              </a:defRPr>
-            </a:lvl7pPr>
-            <a:lvl8pPr marL="3429000" indent="-228600" algn="ctr" eaLnBrk="0" fontAlgn="base" hangingPunct="0">
-              <a:spcBef>
-                <a:spcPct val="0"/>
-              </a:spcBef>
-              <a:spcAft>
-                <a:spcPct val="0"/>
-              </a:spcAft>
-              <a:defRPr kumimoji="1" sz="1200" b="1">
-                <a:solidFill>
-                  <a:schemeClr val="tx1"/>
-                </a:solidFill>
-                <a:latin typeface="-2002" pitchFamily="18" charset="-127"/>
-                <a:ea typeface="-2002" pitchFamily="18" charset="-127"/>
-              </a:defRPr>
-            </a:lvl8pPr>
-            <a:lvl9pPr marL="3886200" indent="-228600" algn="ctr" eaLnBrk="0" fontAlgn="base" hangingPunct="0">
-              <a:spcBef>
-                <a:spcPct val="0"/>
-              </a:spcBef>
-              <a:spcAft>
-                <a:spcPct val="0"/>
-              </a:spcAft>
-              <a:defRPr kumimoji="1" sz="1200" b="1">
-                <a:solidFill>
-                  <a:schemeClr val="tx1"/>
-                </a:solidFill>
-                <a:latin typeface="-2002" pitchFamily="18" charset="-127"/>
-                <a:ea typeface="-2002" pitchFamily="18" charset="-127"/>
-              </a:defRPr>
-            </a:lvl9pPr>
-          </a:lstStyle>
-          <a:p>
-            <a:pPr algn="ctr" eaLnBrk="1" fontAlgn="base" hangingPunct="1">
-              <a:lnSpc>
-                <a:spcPct val="120000"/>
-              </a:lnSpc>
-              <a:spcBef>
-                <a:spcPct val="0"/>
-              </a:spcBef>
-              <a:spcAft>
-                <a:spcPct val="0"/>
-              </a:spcAft>
-              <a:defRPr/>
-            </a:pPr>
-            <a:r>
-              <a:rPr lang="en-US" altLang="ko-KR" dirty="0" smtClean="0">
-                <a:solidFill>
-                  <a:srgbClr val="000000"/>
-                </a:solidFill>
-                <a:latin typeface="맑은 고딕" pitchFamily="50" charset="-127"/>
-                <a:ea typeface="맑은 고딕" pitchFamily="50" charset="-127"/>
-              </a:rPr>
-              <a:t>~~~</a:t>
-            </a:r>
-            <a:endParaRPr lang="en-US" dirty="0" smtClean="0">
-              <a:solidFill>
-                <a:srgbClr val="000000"/>
-              </a:solidFill>
-              <a:latin typeface="맑은 고딕" pitchFamily="50" charset="-127"/>
-              <a:ea typeface="맑은 고딕" pitchFamily="50" charset="-127"/>
-            </a:endParaRPr>
-          </a:p>
-        </p:txBody>
-      </p:sp>
       <p:cxnSp>
         <p:nvCxnSpPr>
-          <p:cNvPr id="48" name="Straight Arrow Connector 6"/>
+          <p:cNvPr id="102" name="Straight Arrow Connector 38"/>
           <p:cNvCxnSpPr>
-            <a:stCxn id="45" idx="1"/>
-            <a:endCxn id="47" idx="2"/>
-          </p:cNvCxnSpPr>
-          <p:nvPr/>
-        </p:nvCxnSpPr>
-        <p:spPr>
-          <a:xfrm flipH="1">
-            <a:off x="1266797" y="3715317"/>
-            <a:ext cx="149812" cy="0"/>
-          </a:xfrm>
-          <a:prstGeom prst="straightConnector1">
-            <a:avLst/>
-          </a:prstGeom>
-          <a:ln w="19050" cmpd="sng">
-            <a:solidFill>
-              <a:srgbClr val="808080"/>
-            </a:solidFill>
-            <a:headEnd type="none"/>
-            <a:tailEnd type="triangle"/>
-          </a:ln>
-          <a:effectLst/>
-        </p:spPr>
-        <p:style>
-          <a:lnRef idx="2">
-            <a:schemeClr val="accent1"/>
-          </a:lnRef>
-          <a:fillRef idx="0">
-            <a:schemeClr val="accent1"/>
-          </a:fillRef>
-          <a:effectRef idx="1">
-            <a:schemeClr val="accent1"/>
-          </a:effectRef>
-          <a:fontRef idx="minor">
-            <a:schemeClr val="tx1"/>
-          </a:fontRef>
-        </p:style>
-      </p:cxnSp>
-      <p:cxnSp>
-        <p:nvCxnSpPr>
-          <p:cNvPr id="49" name="Straight Arrow Connector 14"/>
-          <p:cNvCxnSpPr>
-            <a:stCxn id="46" idx="2"/>
-            <a:endCxn id="45" idx="3"/>
-          </p:cNvCxnSpPr>
-          <p:nvPr/>
-        </p:nvCxnSpPr>
-        <p:spPr>
-          <a:xfrm flipH="1">
-            <a:off x="2519913" y="3713313"/>
-            <a:ext cx="159175" cy="2004"/>
-          </a:xfrm>
-          <a:prstGeom prst="straightConnector1">
-            <a:avLst/>
-          </a:prstGeom>
-          <a:ln w="19050" cmpd="sng">
-            <a:solidFill>
-              <a:srgbClr val="808080"/>
-            </a:solidFill>
-            <a:headEnd type="none"/>
-            <a:tailEnd type="triangle"/>
-          </a:ln>
-          <a:effectLst/>
-        </p:spPr>
-        <p:style>
-          <a:lnRef idx="2">
-            <a:schemeClr val="accent1"/>
-          </a:lnRef>
-          <a:fillRef idx="0">
-            <a:schemeClr val="accent1"/>
-          </a:fillRef>
-          <a:effectRef idx="1">
-            <a:schemeClr val="accent1"/>
-          </a:effectRef>
-          <a:fontRef idx="minor">
-            <a:schemeClr val="tx1"/>
-          </a:fontRef>
-        </p:style>
-      </p:cxnSp>
-      <p:sp>
-        <p:nvSpPr>
-          <p:cNvPr id="50" name="Oval 24"/>
-          <p:cNvSpPr/>
-          <p:nvPr/>
-        </p:nvSpPr>
-        <p:spPr>
-          <a:xfrm>
-            <a:off x="5065149" y="4386804"/>
-            <a:ext cx="1065847" cy="1084371"/>
-          </a:xfrm>
-          <a:prstGeom prst="ellipse">
-            <a:avLst/>
-          </a:prstGeom>
-          <a:solidFill>
-            <a:schemeClr val="bg1"/>
-          </a:solidFill>
-          <a:ln w="19050" cmpd="sng">
-            <a:solidFill>
-              <a:schemeClr val="tx1"/>
-            </a:solidFill>
-            <a:prstDash val="dot"/>
-          </a:ln>
-          <a:effectLst>
-            <a:outerShdw blurRad="50800" dist="38100" dir="2700000" algn="tl" rotWithShape="0">
-              <a:prstClr val="black">
-                <a:alpha val="40000"/>
-              </a:prstClr>
-            </a:outerShdw>
-          </a:effectLst>
-        </p:spPr>
-        <p:style>
-          <a:lnRef idx="1">
-            <a:schemeClr val="accent1"/>
-          </a:lnRef>
-          <a:fillRef idx="3">
-            <a:schemeClr val="accent1"/>
-          </a:fillRef>
-          <a:effectRef idx="2">
-            <a:schemeClr val="accent1"/>
-          </a:effectRef>
-          <a:fontRef idx="minor">
-            <a:schemeClr val="lt1"/>
-          </a:fontRef>
-        </p:style>
-        <p:txBody>
-          <a:bodyPr anchor="ctr"/>
-          <a:lstStyle>
-            <a:lvl1pPr eaLnBrk="0" hangingPunct="0">
-              <a:defRPr kumimoji="1" sz="1200" b="1">
-                <a:solidFill>
-                  <a:schemeClr val="tx1"/>
-                </a:solidFill>
-                <a:latin typeface="-2002" pitchFamily="18" charset="-127"/>
-                <a:ea typeface="-2002" pitchFamily="18" charset="-127"/>
-              </a:defRPr>
-            </a:lvl1pPr>
-            <a:lvl2pPr marL="742950" indent="-285750" eaLnBrk="0" hangingPunct="0">
-              <a:defRPr kumimoji="1" sz="1200" b="1">
-                <a:solidFill>
-                  <a:schemeClr val="tx1"/>
-                </a:solidFill>
-                <a:latin typeface="-2002" pitchFamily="18" charset="-127"/>
-                <a:ea typeface="-2002" pitchFamily="18" charset="-127"/>
-              </a:defRPr>
-            </a:lvl2pPr>
-            <a:lvl3pPr marL="1143000" indent="-228600" eaLnBrk="0" hangingPunct="0">
-              <a:defRPr kumimoji="1" sz="1200" b="1">
-                <a:solidFill>
-                  <a:schemeClr val="tx1"/>
-                </a:solidFill>
-                <a:latin typeface="-2002" pitchFamily="18" charset="-127"/>
-                <a:ea typeface="-2002" pitchFamily="18" charset="-127"/>
-              </a:defRPr>
-            </a:lvl3pPr>
-            <a:lvl4pPr marL="1600200" indent="-228600" eaLnBrk="0" hangingPunct="0">
-              <a:defRPr kumimoji="1" sz="1200" b="1">
-                <a:solidFill>
-                  <a:schemeClr val="tx1"/>
-                </a:solidFill>
-                <a:latin typeface="-2002" pitchFamily="18" charset="-127"/>
-                <a:ea typeface="-2002" pitchFamily="18" charset="-127"/>
-              </a:defRPr>
-            </a:lvl4pPr>
-            <a:lvl5pPr marL="2057400" indent="-228600" eaLnBrk="0" hangingPunct="0">
-              <a:defRPr kumimoji="1" sz="1200" b="1">
-                <a:solidFill>
-                  <a:schemeClr val="tx1"/>
-                </a:solidFill>
-                <a:latin typeface="-2002" pitchFamily="18" charset="-127"/>
-                <a:ea typeface="-2002" pitchFamily="18" charset="-127"/>
-              </a:defRPr>
-            </a:lvl5pPr>
-            <a:lvl6pPr marL="2514600" indent="-228600" algn="ctr" eaLnBrk="0" fontAlgn="base" hangingPunct="0">
-              <a:spcBef>
-                <a:spcPct val="0"/>
-              </a:spcBef>
-              <a:spcAft>
-                <a:spcPct val="0"/>
-              </a:spcAft>
-              <a:defRPr kumimoji="1" sz="1200" b="1">
-                <a:solidFill>
-                  <a:schemeClr val="tx1"/>
-                </a:solidFill>
-                <a:latin typeface="-2002" pitchFamily="18" charset="-127"/>
-                <a:ea typeface="-2002" pitchFamily="18" charset="-127"/>
-              </a:defRPr>
-            </a:lvl6pPr>
-            <a:lvl7pPr marL="2971800" indent="-228600" algn="ctr" eaLnBrk="0" fontAlgn="base" hangingPunct="0">
-              <a:spcBef>
-                <a:spcPct val="0"/>
-              </a:spcBef>
-              <a:spcAft>
-                <a:spcPct val="0"/>
-              </a:spcAft>
-              <a:defRPr kumimoji="1" sz="1200" b="1">
-                <a:solidFill>
-                  <a:schemeClr val="tx1"/>
-                </a:solidFill>
-                <a:latin typeface="-2002" pitchFamily="18" charset="-127"/>
-                <a:ea typeface="-2002" pitchFamily="18" charset="-127"/>
-              </a:defRPr>
-            </a:lvl7pPr>
-            <a:lvl8pPr marL="3429000" indent="-228600" algn="ctr" eaLnBrk="0" fontAlgn="base" hangingPunct="0">
-              <a:spcBef>
-                <a:spcPct val="0"/>
-              </a:spcBef>
-              <a:spcAft>
-                <a:spcPct val="0"/>
-              </a:spcAft>
-              <a:defRPr kumimoji="1" sz="1200" b="1">
-                <a:solidFill>
-                  <a:schemeClr val="tx1"/>
-                </a:solidFill>
-                <a:latin typeface="-2002" pitchFamily="18" charset="-127"/>
-                <a:ea typeface="-2002" pitchFamily="18" charset="-127"/>
-              </a:defRPr>
-            </a:lvl8pPr>
-            <a:lvl9pPr marL="3886200" indent="-228600" algn="ctr" eaLnBrk="0" fontAlgn="base" hangingPunct="0">
-              <a:spcBef>
-                <a:spcPct val="0"/>
-              </a:spcBef>
-              <a:spcAft>
-                <a:spcPct val="0"/>
-              </a:spcAft>
-              <a:defRPr kumimoji="1" sz="1200" b="1">
-                <a:solidFill>
-                  <a:schemeClr val="tx1"/>
-                </a:solidFill>
-                <a:latin typeface="-2002" pitchFamily="18" charset="-127"/>
-                <a:ea typeface="-2002" pitchFamily="18" charset="-127"/>
-              </a:defRPr>
-            </a:lvl9pPr>
-          </a:lstStyle>
-          <a:p>
-            <a:pPr algn="ctr" eaLnBrk="1" fontAlgn="base" hangingPunct="1">
-              <a:lnSpc>
-                <a:spcPct val="120000"/>
-              </a:lnSpc>
-              <a:spcBef>
-                <a:spcPct val="0"/>
-              </a:spcBef>
-              <a:spcAft>
-                <a:spcPct val="0"/>
-              </a:spcAft>
-              <a:defRPr/>
-            </a:pPr>
-            <a:r>
-              <a:rPr lang="en-US" altLang="ko-KR" dirty="0" smtClean="0">
-                <a:solidFill>
-                  <a:srgbClr val="000000"/>
-                </a:solidFill>
-                <a:latin typeface="맑은 고딕" pitchFamily="50" charset="-127"/>
-                <a:ea typeface="맑은 고딕" pitchFamily="50" charset="-127"/>
-              </a:rPr>
-              <a:t>~~~</a:t>
-            </a:r>
-            <a:endParaRPr lang="en-US" dirty="0" smtClean="0">
-              <a:solidFill>
-                <a:srgbClr val="000000"/>
-              </a:solidFill>
-              <a:latin typeface="맑은 고딕" pitchFamily="50" charset="-127"/>
-              <a:ea typeface="맑은 고딕" pitchFamily="50" charset="-127"/>
-            </a:endParaRPr>
-          </a:p>
-        </p:txBody>
-      </p:sp>
-      <p:sp>
-        <p:nvSpPr>
-          <p:cNvPr id="51" name="Oval 15"/>
-          <p:cNvSpPr/>
-          <p:nvPr/>
-        </p:nvSpPr>
-        <p:spPr>
-          <a:xfrm>
-            <a:off x="3994619" y="3176146"/>
-            <a:ext cx="1065847" cy="1084371"/>
-          </a:xfrm>
-          <a:prstGeom prst="ellipse">
-            <a:avLst/>
-          </a:prstGeom>
-          <a:solidFill>
-            <a:schemeClr val="bg1"/>
-          </a:solidFill>
-          <a:ln w="19050" cmpd="sng">
-            <a:solidFill>
-              <a:schemeClr val="tx1"/>
-            </a:solidFill>
-            <a:prstDash val="dot"/>
-          </a:ln>
-          <a:effectLst>
-            <a:outerShdw blurRad="50800" dist="38100" dir="2700000" algn="tl" rotWithShape="0">
-              <a:prstClr val="black">
-                <a:alpha val="40000"/>
-              </a:prstClr>
-            </a:outerShdw>
-          </a:effectLst>
-        </p:spPr>
-        <p:style>
-          <a:lnRef idx="1">
-            <a:schemeClr val="accent1"/>
-          </a:lnRef>
-          <a:fillRef idx="3">
-            <a:schemeClr val="accent1"/>
-          </a:fillRef>
-          <a:effectRef idx="2">
-            <a:schemeClr val="accent1"/>
-          </a:effectRef>
-          <a:fontRef idx="minor">
-            <a:schemeClr val="lt1"/>
-          </a:fontRef>
-        </p:style>
-        <p:txBody>
-          <a:bodyPr anchor="ctr"/>
-          <a:lstStyle>
-            <a:lvl1pPr eaLnBrk="0" hangingPunct="0">
-              <a:defRPr kumimoji="1" sz="1200" b="1">
-                <a:solidFill>
-                  <a:schemeClr val="tx1"/>
-                </a:solidFill>
-                <a:latin typeface="-2002" pitchFamily="18" charset="-127"/>
-                <a:ea typeface="-2002" pitchFamily="18" charset="-127"/>
-              </a:defRPr>
-            </a:lvl1pPr>
-            <a:lvl2pPr marL="742950" indent="-285750" eaLnBrk="0" hangingPunct="0">
-              <a:defRPr kumimoji="1" sz="1200" b="1">
-                <a:solidFill>
-                  <a:schemeClr val="tx1"/>
-                </a:solidFill>
-                <a:latin typeface="-2002" pitchFamily="18" charset="-127"/>
-                <a:ea typeface="-2002" pitchFamily="18" charset="-127"/>
-              </a:defRPr>
-            </a:lvl2pPr>
-            <a:lvl3pPr marL="1143000" indent="-228600" eaLnBrk="0" hangingPunct="0">
-              <a:defRPr kumimoji="1" sz="1200" b="1">
-                <a:solidFill>
-                  <a:schemeClr val="tx1"/>
-                </a:solidFill>
-                <a:latin typeface="-2002" pitchFamily="18" charset="-127"/>
-                <a:ea typeface="-2002" pitchFamily="18" charset="-127"/>
-              </a:defRPr>
-            </a:lvl3pPr>
-            <a:lvl4pPr marL="1600200" indent="-228600" eaLnBrk="0" hangingPunct="0">
-              <a:defRPr kumimoji="1" sz="1200" b="1">
-                <a:solidFill>
-                  <a:schemeClr val="tx1"/>
-                </a:solidFill>
-                <a:latin typeface="-2002" pitchFamily="18" charset="-127"/>
-                <a:ea typeface="-2002" pitchFamily="18" charset="-127"/>
-              </a:defRPr>
-            </a:lvl4pPr>
-            <a:lvl5pPr marL="2057400" indent="-228600" eaLnBrk="0" hangingPunct="0">
-              <a:defRPr kumimoji="1" sz="1200" b="1">
-                <a:solidFill>
-                  <a:schemeClr val="tx1"/>
-                </a:solidFill>
-                <a:latin typeface="-2002" pitchFamily="18" charset="-127"/>
-                <a:ea typeface="-2002" pitchFamily="18" charset="-127"/>
-              </a:defRPr>
-            </a:lvl5pPr>
-            <a:lvl6pPr marL="2514600" indent="-228600" algn="ctr" eaLnBrk="0" fontAlgn="base" hangingPunct="0">
-              <a:spcBef>
-                <a:spcPct val="0"/>
-              </a:spcBef>
-              <a:spcAft>
-                <a:spcPct val="0"/>
-              </a:spcAft>
-              <a:defRPr kumimoji="1" sz="1200" b="1">
-                <a:solidFill>
-                  <a:schemeClr val="tx1"/>
-                </a:solidFill>
-                <a:latin typeface="-2002" pitchFamily="18" charset="-127"/>
-                <a:ea typeface="-2002" pitchFamily="18" charset="-127"/>
-              </a:defRPr>
-            </a:lvl6pPr>
-            <a:lvl7pPr marL="2971800" indent="-228600" algn="ctr" eaLnBrk="0" fontAlgn="base" hangingPunct="0">
-              <a:spcBef>
-                <a:spcPct val="0"/>
-              </a:spcBef>
-              <a:spcAft>
-                <a:spcPct val="0"/>
-              </a:spcAft>
-              <a:defRPr kumimoji="1" sz="1200" b="1">
-                <a:solidFill>
-                  <a:schemeClr val="tx1"/>
-                </a:solidFill>
-                <a:latin typeface="-2002" pitchFamily="18" charset="-127"/>
-                <a:ea typeface="-2002" pitchFamily="18" charset="-127"/>
-              </a:defRPr>
-            </a:lvl7pPr>
-            <a:lvl8pPr marL="3429000" indent="-228600" algn="ctr" eaLnBrk="0" fontAlgn="base" hangingPunct="0">
-              <a:spcBef>
-                <a:spcPct val="0"/>
-              </a:spcBef>
-              <a:spcAft>
-                <a:spcPct val="0"/>
-              </a:spcAft>
-              <a:defRPr kumimoji="1" sz="1200" b="1">
-                <a:solidFill>
-                  <a:schemeClr val="tx1"/>
-                </a:solidFill>
-                <a:latin typeface="-2002" pitchFamily="18" charset="-127"/>
-                <a:ea typeface="-2002" pitchFamily="18" charset="-127"/>
-              </a:defRPr>
-            </a:lvl8pPr>
-            <a:lvl9pPr marL="3886200" indent="-228600" algn="ctr" eaLnBrk="0" fontAlgn="base" hangingPunct="0">
-              <a:spcBef>
-                <a:spcPct val="0"/>
-              </a:spcBef>
-              <a:spcAft>
-                <a:spcPct val="0"/>
-              </a:spcAft>
-              <a:defRPr kumimoji="1" sz="1200" b="1">
-                <a:solidFill>
-                  <a:schemeClr val="tx1"/>
-                </a:solidFill>
-                <a:latin typeface="-2002" pitchFamily="18" charset="-127"/>
-                <a:ea typeface="-2002" pitchFamily="18" charset="-127"/>
-              </a:defRPr>
-            </a:lvl9pPr>
-          </a:lstStyle>
-          <a:p>
-            <a:pPr algn="ctr" eaLnBrk="1" fontAlgn="base" hangingPunct="1">
-              <a:lnSpc>
-                <a:spcPct val="120000"/>
-              </a:lnSpc>
-              <a:spcBef>
-                <a:spcPct val="0"/>
-              </a:spcBef>
-              <a:spcAft>
-                <a:spcPct val="0"/>
-              </a:spcAft>
-              <a:defRPr/>
-            </a:pPr>
-            <a:r>
-              <a:rPr lang="en-US" altLang="ko-KR" dirty="0" smtClean="0">
-                <a:solidFill>
-                  <a:srgbClr val="000000"/>
-                </a:solidFill>
-                <a:latin typeface="맑은 고딕" pitchFamily="50" charset="-127"/>
-                <a:ea typeface="맑은 고딕" pitchFamily="50" charset="-127"/>
-              </a:rPr>
-              <a:t>~~~~</a:t>
-            </a:r>
-            <a:endParaRPr lang="en-US" dirty="0" smtClean="0">
-              <a:solidFill>
-                <a:srgbClr val="000000"/>
-              </a:solidFill>
-              <a:latin typeface="맑은 고딕" pitchFamily="50" charset="-127"/>
-              <a:ea typeface="맑은 고딕" pitchFamily="50" charset="-127"/>
-            </a:endParaRPr>
-          </a:p>
-        </p:txBody>
-      </p:sp>
-      <p:sp>
-        <p:nvSpPr>
-          <p:cNvPr id="52" name="Oval 58"/>
-          <p:cNvSpPr/>
-          <p:nvPr/>
-        </p:nvSpPr>
-        <p:spPr>
-          <a:xfrm>
-            <a:off x="6166893" y="3190168"/>
-            <a:ext cx="1065847" cy="1084372"/>
-          </a:xfrm>
-          <a:prstGeom prst="ellipse">
-            <a:avLst/>
-          </a:prstGeom>
-          <a:solidFill>
-            <a:schemeClr val="bg1"/>
-          </a:solidFill>
-          <a:ln w="19050" cmpd="sng">
-            <a:solidFill>
-              <a:schemeClr val="tx1"/>
-            </a:solidFill>
-            <a:prstDash val="dot"/>
-          </a:ln>
-          <a:effectLst>
-            <a:outerShdw blurRad="50800" dist="38100" dir="2700000" algn="tl" rotWithShape="0">
-              <a:prstClr val="black">
-                <a:alpha val="40000"/>
-              </a:prstClr>
-            </a:outerShdw>
-          </a:effectLst>
-        </p:spPr>
-        <p:style>
-          <a:lnRef idx="1">
-            <a:schemeClr val="accent1"/>
-          </a:lnRef>
-          <a:fillRef idx="3">
-            <a:schemeClr val="accent1"/>
-          </a:fillRef>
-          <a:effectRef idx="2">
-            <a:schemeClr val="accent1"/>
-          </a:effectRef>
-          <a:fontRef idx="minor">
-            <a:schemeClr val="lt1"/>
-          </a:fontRef>
-        </p:style>
-        <p:txBody>
-          <a:bodyPr anchor="ctr"/>
-          <a:lstStyle>
-            <a:lvl1pPr eaLnBrk="0" hangingPunct="0">
-              <a:defRPr kumimoji="1" sz="1200" b="1">
-                <a:solidFill>
-                  <a:schemeClr val="tx1"/>
-                </a:solidFill>
-                <a:latin typeface="-2002" pitchFamily="18" charset="-127"/>
-                <a:ea typeface="-2002" pitchFamily="18" charset="-127"/>
-              </a:defRPr>
-            </a:lvl1pPr>
-            <a:lvl2pPr marL="742950" indent="-285750" eaLnBrk="0" hangingPunct="0">
-              <a:defRPr kumimoji="1" sz="1200" b="1">
-                <a:solidFill>
-                  <a:schemeClr val="tx1"/>
-                </a:solidFill>
-                <a:latin typeface="-2002" pitchFamily="18" charset="-127"/>
-                <a:ea typeface="-2002" pitchFamily="18" charset="-127"/>
-              </a:defRPr>
-            </a:lvl2pPr>
-            <a:lvl3pPr marL="1143000" indent="-228600" eaLnBrk="0" hangingPunct="0">
-              <a:defRPr kumimoji="1" sz="1200" b="1">
-                <a:solidFill>
-                  <a:schemeClr val="tx1"/>
-                </a:solidFill>
-                <a:latin typeface="-2002" pitchFamily="18" charset="-127"/>
-                <a:ea typeface="-2002" pitchFamily="18" charset="-127"/>
-              </a:defRPr>
-            </a:lvl3pPr>
-            <a:lvl4pPr marL="1600200" indent="-228600" eaLnBrk="0" hangingPunct="0">
-              <a:defRPr kumimoji="1" sz="1200" b="1">
-                <a:solidFill>
-                  <a:schemeClr val="tx1"/>
-                </a:solidFill>
-                <a:latin typeface="-2002" pitchFamily="18" charset="-127"/>
-                <a:ea typeface="-2002" pitchFamily="18" charset="-127"/>
-              </a:defRPr>
-            </a:lvl4pPr>
-            <a:lvl5pPr marL="2057400" indent="-228600" eaLnBrk="0" hangingPunct="0">
-              <a:defRPr kumimoji="1" sz="1200" b="1">
-                <a:solidFill>
-                  <a:schemeClr val="tx1"/>
-                </a:solidFill>
-                <a:latin typeface="-2002" pitchFamily="18" charset="-127"/>
-                <a:ea typeface="-2002" pitchFamily="18" charset="-127"/>
-              </a:defRPr>
-            </a:lvl5pPr>
-            <a:lvl6pPr marL="2514600" indent="-228600" algn="ctr" eaLnBrk="0" fontAlgn="base" hangingPunct="0">
-              <a:spcBef>
-                <a:spcPct val="0"/>
-              </a:spcBef>
-              <a:spcAft>
-                <a:spcPct val="0"/>
-              </a:spcAft>
-              <a:defRPr kumimoji="1" sz="1200" b="1">
-                <a:solidFill>
-                  <a:schemeClr val="tx1"/>
-                </a:solidFill>
-                <a:latin typeface="-2002" pitchFamily="18" charset="-127"/>
-                <a:ea typeface="-2002" pitchFamily="18" charset="-127"/>
-              </a:defRPr>
-            </a:lvl6pPr>
-            <a:lvl7pPr marL="2971800" indent="-228600" algn="ctr" eaLnBrk="0" fontAlgn="base" hangingPunct="0">
-              <a:spcBef>
-                <a:spcPct val="0"/>
-              </a:spcBef>
-              <a:spcAft>
-                <a:spcPct val="0"/>
-              </a:spcAft>
-              <a:defRPr kumimoji="1" sz="1200" b="1">
-                <a:solidFill>
-                  <a:schemeClr val="tx1"/>
-                </a:solidFill>
-                <a:latin typeface="-2002" pitchFamily="18" charset="-127"/>
-                <a:ea typeface="-2002" pitchFamily="18" charset="-127"/>
-              </a:defRPr>
-            </a:lvl7pPr>
-            <a:lvl8pPr marL="3429000" indent="-228600" algn="ctr" eaLnBrk="0" fontAlgn="base" hangingPunct="0">
-              <a:spcBef>
-                <a:spcPct val="0"/>
-              </a:spcBef>
-              <a:spcAft>
-                <a:spcPct val="0"/>
-              </a:spcAft>
-              <a:defRPr kumimoji="1" sz="1200" b="1">
-                <a:solidFill>
-                  <a:schemeClr val="tx1"/>
-                </a:solidFill>
-                <a:latin typeface="-2002" pitchFamily="18" charset="-127"/>
-                <a:ea typeface="-2002" pitchFamily="18" charset="-127"/>
-              </a:defRPr>
-            </a:lvl8pPr>
-            <a:lvl9pPr marL="3886200" indent="-228600" algn="ctr" eaLnBrk="0" fontAlgn="base" hangingPunct="0">
-              <a:spcBef>
-                <a:spcPct val="0"/>
-              </a:spcBef>
-              <a:spcAft>
-                <a:spcPct val="0"/>
-              </a:spcAft>
-              <a:defRPr kumimoji="1" sz="1200" b="1">
-                <a:solidFill>
-                  <a:schemeClr val="tx1"/>
-                </a:solidFill>
-                <a:latin typeface="-2002" pitchFamily="18" charset="-127"/>
-                <a:ea typeface="-2002" pitchFamily="18" charset="-127"/>
-              </a:defRPr>
-            </a:lvl9pPr>
-          </a:lstStyle>
-          <a:p>
-            <a:pPr algn="ctr" eaLnBrk="1" fontAlgn="base" hangingPunct="1">
-              <a:lnSpc>
-                <a:spcPct val="120000"/>
-              </a:lnSpc>
-              <a:spcBef>
-                <a:spcPct val="0"/>
-              </a:spcBef>
-              <a:spcAft>
-                <a:spcPct val="0"/>
-              </a:spcAft>
-              <a:defRPr/>
-            </a:pPr>
-            <a:r>
-              <a:rPr lang="en-US" altLang="ko-KR" dirty="0" smtClean="0">
-                <a:solidFill>
-                  <a:srgbClr val="000000"/>
-                </a:solidFill>
-                <a:latin typeface="맑은 고딕" pitchFamily="50" charset="-127"/>
-                <a:ea typeface="맑은 고딕" pitchFamily="50" charset="-127"/>
-              </a:rPr>
-              <a:t>~~~</a:t>
-            </a:r>
-            <a:endParaRPr lang="en-US" dirty="0" smtClean="0">
-              <a:solidFill>
-                <a:srgbClr val="000000"/>
-              </a:solidFill>
-              <a:latin typeface="맑은 고딕" pitchFamily="50" charset="-127"/>
-              <a:ea typeface="맑은 고딕" pitchFamily="50" charset="-127"/>
-            </a:endParaRPr>
-          </a:p>
-        </p:txBody>
-      </p:sp>
-      <p:sp>
-        <p:nvSpPr>
-          <p:cNvPr id="53" name="Oval 61"/>
-          <p:cNvSpPr/>
-          <p:nvPr/>
-        </p:nvSpPr>
-        <p:spPr>
-          <a:xfrm>
-            <a:off x="6962536" y="1801672"/>
-            <a:ext cx="1065848" cy="1084371"/>
-          </a:xfrm>
-          <a:prstGeom prst="ellipse">
-            <a:avLst/>
-          </a:prstGeom>
-          <a:solidFill>
-            <a:schemeClr val="bg1"/>
-          </a:solidFill>
-          <a:ln w="19050" cmpd="sng">
-            <a:solidFill>
-              <a:schemeClr val="tx1"/>
-            </a:solidFill>
-            <a:prstDash val="dot"/>
-          </a:ln>
-          <a:effectLst>
-            <a:outerShdw blurRad="50800" dist="38100" dir="2700000" algn="tl" rotWithShape="0">
-              <a:prstClr val="black">
-                <a:alpha val="40000"/>
-              </a:prstClr>
-            </a:outerShdw>
-          </a:effectLst>
-        </p:spPr>
-        <p:style>
-          <a:lnRef idx="1">
-            <a:schemeClr val="accent1"/>
-          </a:lnRef>
-          <a:fillRef idx="3">
-            <a:schemeClr val="accent1"/>
-          </a:fillRef>
-          <a:effectRef idx="2">
-            <a:schemeClr val="accent1"/>
-          </a:effectRef>
-          <a:fontRef idx="minor">
-            <a:schemeClr val="lt1"/>
-          </a:fontRef>
-        </p:style>
-        <p:txBody>
-          <a:bodyPr anchor="ctr"/>
-          <a:lstStyle>
-            <a:lvl1pPr eaLnBrk="0" hangingPunct="0">
-              <a:defRPr kumimoji="1" sz="1200" b="1">
-                <a:solidFill>
-                  <a:schemeClr val="tx1"/>
-                </a:solidFill>
-                <a:latin typeface="-2002" pitchFamily="18" charset="-127"/>
-                <a:ea typeface="-2002" pitchFamily="18" charset="-127"/>
-              </a:defRPr>
-            </a:lvl1pPr>
-            <a:lvl2pPr marL="742950" indent="-285750" eaLnBrk="0" hangingPunct="0">
-              <a:defRPr kumimoji="1" sz="1200" b="1">
-                <a:solidFill>
-                  <a:schemeClr val="tx1"/>
-                </a:solidFill>
-                <a:latin typeface="-2002" pitchFamily="18" charset="-127"/>
-                <a:ea typeface="-2002" pitchFamily="18" charset="-127"/>
-              </a:defRPr>
-            </a:lvl2pPr>
-            <a:lvl3pPr marL="1143000" indent="-228600" eaLnBrk="0" hangingPunct="0">
-              <a:defRPr kumimoji="1" sz="1200" b="1">
-                <a:solidFill>
-                  <a:schemeClr val="tx1"/>
-                </a:solidFill>
-                <a:latin typeface="-2002" pitchFamily="18" charset="-127"/>
-                <a:ea typeface="-2002" pitchFamily="18" charset="-127"/>
-              </a:defRPr>
-            </a:lvl3pPr>
-            <a:lvl4pPr marL="1600200" indent="-228600" eaLnBrk="0" hangingPunct="0">
-              <a:defRPr kumimoji="1" sz="1200" b="1">
-                <a:solidFill>
-                  <a:schemeClr val="tx1"/>
-                </a:solidFill>
-                <a:latin typeface="-2002" pitchFamily="18" charset="-127"/>
-                <a:ea typeface="-2002" pitchFamily="18" charset="-127"/>
-              </a:defRPr>
-            </a:lvl4pPr>
-            <a:lvl5pPr marL="2057400" indent="-228600" eaLnBrk="0" hangingPunct="0">
-              <a:defRPr kumimoji="1" sz="1200" b="1">
-                <a:solidFill>
-                  <a:schemeClr val="tx1"/>
-                </a:solidFill>
-                <a:latin typeface="-2002" pitchFamily="18" charset="-127"/>
-                <a:ea typeface="-2002" pitchFamily="18" charset="-127"/>
-              </a:defRPr>
-            </a:lvl5pPr>
-            <a:lvl6pPr marL="2514600" indent="-228600" algn="ctr" eaLnBrk="0" fontAlgn="base" hangingPunct="0">
-              <a:spcBef>
-                <a:spcPct val="0"/>
-              </a:spcBef>
-              <a:spcAft>
-                <a:spcPct val="0"/>
-              </a:spcAft>
-              <a:defRPr kumimoji="1" sz="1200" b="1">
-                <a:solidFill>
-                  <a:schemeClr val="tx1"/>
-                </a:solidFill>
-                <a:latin typeface="-2002" pitchFamily="18" charset="-127"/>
-                <a:ea typeface="-2002" pitchFamily="18" charset="-127"/>
-              </a:defRPr>
-            </a:lvl6pPr>
-            <a:lvl7pPr marL="2971800" indent="-228600" algn="ctr" eaLnBrk="0" fontAlgn="base" hangingPunct="0">
-              <a:spcBef>
-                <a:spcPct val="0"/>
-              </a:spcBef>
-              <a:spcAft>
-                <a:spcPct val="0"/>
-              </a:spcAft>
-              <a:defRPr kumimoji="1" sz="1200" b="1">
-                <a:solidFill>
-                  <a:schemeClr val="tx1"/>
-                </a:solidFill>
-                <a:latin typeface="-2002" pitchFamily="18" charset="-127"/>
-                <a:ea typeface="-2002" pitchFamily="18" charset="-127"/>
-              </a:defRPr>
-            </a:lvl7pPr>
-            <a:lvl8pPr marL="3429000" indent="-228600" algn="ctr" eaLnBrk="0" fontAlgn="base" hangingPunct="0">
-              <a:spcBef>
-                <a:spcPct val="0"/>
-              </a:spcBef>
-              <a:spcAft>
-                <a:spcPct val="0"/>
-              </a:spcAft>
-              <a:defRPr kumimoji="1" sz="1200" b="1">
-                <a:solidFill>
-                  <a:schemeClr val="tx1"/>
-                </a:solidFill>
-                <a:latin typeface="-2002" pitchFamily="18" charset="-127"/>
-                <a:ea typeface="-2002" pitchFamily="18" charset="-127"/>
-              </a:defRPr>
-            </a:lvl8pPr>
-            <a:lvl9pPr marL="3886200" indent="-228600" algn="ctr" eaLnBrk="0" fontAlgn="base" hangingPunct="0">
-              <a:spcBef>
-                <a:spcPct val="0"/>
-              </a:spcBef>
-              <a:spcAft>
-                <a:spcPct val="0"/>
-              </a:spcAft>
-              <a:defRPr kumimoji="1" sz="1200" b="1">
-                <a:solidFill>
-                  <a:schemeClr val="tx1"/>
-                </a:solidFill>
-                <a:latin typeface="-2002" pitchFamily="18" charset="-127"/>
-                <a:ea typeface="-2002" pitchFamily="18" charset="-127"/>
-              </a:defRPr>
-            </a:lvl9pPr>
-          </a:lstStyle>
-          <a:p>
-            <a:pPr algn="ctr" eaLnBrk="1" fontAlgn="base" hangingPunct="1">
-              <a:lnSpc>
-                <a:spcPct val="120000"/>
-              </a:lnSpc>
-              <a:spcBef>
-                <a:spcPct val="0"/>
-              </a:spcBef>
-              <a:spcAft>
-                <a:spcPct val="0"/>
-              </a:spcAft>
-              <a:defRPr/>
-            </a:pPr>
-            <a:r>
-              <a:rPr lang="en-US" altLang="ko-KR" dirty="0" smtClean="0">
-                <a:solidFill>
-                  <a:srgbClr val="000000"/>
-                </a:solidFill>
-                <a:latin typeface="맑은 고딕" pitchFamily="50" charset="-127"/>
-                <a:ea typeface="맑은 고딕" pitchFamily="50" charset="-127"/>
-              </a:rPr>
-              <a:t>~~~</a:t>
-            </a:r>
-            <a:endParaRPr lang="en-US" dirty="0" smtClean="0">
-              <a:solidFill>
-                <a:srgbClr val="000000"/>
-              </a:solidFill>
-              <a:latin typeface="맑은 고딕" pitchFamily="50" charset="-127"/>
-              <a:ea typeface="맑은 고딕" pitchFamily="50" charset="-127"/>
-            </a:endParaRPr>
-          </a:p>
-        </p:txBody>
-      </p:sp>
-      <p:cxnSp>
-        <p:nvCxnSpPr>
-          <p:cNvPr id="54" name="Straight Arrow Connector 21"/>
-          <p:cNvCxnSpPr>
-            <a:stCxn id="53" idx="2"/>
-            <a:endCxn id="52" idx="6"/>
-          </p:cNvCxnSpPr>
-          <p:nvPr/>
-        </p:nvCxnSpPr>
-        <p:spPr>
-          <a:xfrm>
-            <a:off x="6962536" y="2343844"/>
-            <a:ext cx="270198" cy="1388510"/>
-          </a:xfrm>
-          <a:prstGeom prst="straightConnector1">
-            <a:avLst/>
-          </a:prstGeom>
-          <a:ln w="19050" cmpd="sng">
-            <a:solidFill>
-              <a:srgbClr val="808080"/>
-            </a:solidFill>
-            <a:headEnd type="none"/>
-            <a:tailEnd type="triangle"/>
-          </a:ln>
-          <a:effectLst/>
-        </p:spPr>
-        <p:style>
-          <a:lnRef idx="2">
-            <a:schemeClr val="accent1"/>
-          </a:lnRef>
-          <a:fillRef idx="0">
-            <a:schemeClr val="accent1"/>
-          </a:fillRef>
-          <a:effectRef idx="1">
-            <a:schemeClr val="accent1"/>
-          </a:effectRef>
-          <a:fontRef idx="minor">
-            <a:schemeClr val="tx1"/>
-          </a:fontRef>
-        </p:style>
-      </p:cxnSp>
-      <p:cxnSp>
-        <p:nvCxnSpPr>
-          <p:cNvPr id="55" name="Straight Arrow Connector 47"/>
-          <p:cNvCxnSpPr>
-            <a:stCxn id="52" idx="2"/>
-            <a:endCxn id="44" idx="5"/>
-          </p:cNvCxnSpPr>
-          <p:nvPr/>
-        </p:nvCxnSpPr>
-        <p:spPr>
-          <a:xfrm flipH="1" flipV="1">
-            <a:off x="5974949" y="3031841"/>
-            <a:ext cx="191947" cy="699529"/>
-          </a:xfrm>
-          <a:prstGeom prst="straightConnector1">
-            <a:avLst/>
-          </a:prstGeom>
-          <a:ln w="19050" cmpd="sng">
-            <a:solidFill>
-              <a:srgbClr val="808080"/>
-            </a:solidFill>
-            <a:headEnd type="none"/>
-            <a:tailEnd type="triangle"/>
-          </a:ln>
-          <a:effectLst/>
-        </p:spPr>
-        <p:style>
-          <a:lnRef idx="2">
-            <a:schemeClr val="accent1"/>
-          </a:lnRef>
-          <a:fillRef idx="0">
-            <a:schemeClr val="accent1"/>
-          </a:fillRef>
-          <a:effectRef idx="1">
-            <a:schemeClr val="accent1"/>
-          </a:effectRef>
-          <a:fontRef idx="minor">
-            <a:schemeClr val="tx1"/>
-          </a:fontRef>
-        </p:style>
-      </p:cxnSp>
-      <p:cxnSp>
-        <p:nvCxnSpPr>
-          <p:cNvPr id="56" name="Straight Arrow Connector 53"/>
-          <p:cNvCxnSpPr>
-            <a:stCxn id="52" idx="2"/>
-            <a:endCxn id="50" idx="7"/>
-          </p:cNvCxnSpPr>
-          <p:nvPr/>
-        </p:nvCxnSpPr>
-        <p:spPr>
-          <a:xfrm flipH="1">
-            <a:off x="5974949" y="3731360"/>
-            <a:ext cx="191947" cy="815785"/>
-          </a:xfrm>
-          <a:prstGeom prst="straightConnector1">
-            <a:avLst/>
-          </a:prstGeom>
-          <a:ln w="19050" cmpd="sng">
-            <a:solidFill>
-              <a:srgbClr val="808080"/>
-            </a:solidFill>
-            <a:headEnd type="none"/>
-            <a:tailEnd type="triangle"/>
-          </a:ln>
-          <a:effectLst/>
-        </p:spPr>
-        <p:style>
-          <a:lnRef idx="2">
-            <a:schemeClr val="accent1"/>
-          </a:lnRef>
-          <a:fillRef idx="0">
-            <a:schemeClr val="accent1"/>
-          </a:fillRef>
-          <a:effectRef idx="1">
-            <a:schemeClr val="accent1"/>
-          </a:effectRef>
-          <a:fontRef idx="minor">
-            <a:schemeClr val="tx1"/>
-          </a:fontRef>
-        </p:style>
-      </p:cxnSp>
-      <p:cxnSp>
-        <p:nvCxnSpPr>
-          <p:cNvPr id="57" name="Straight Arrow Connector 55"/>
-          <p:cNvCxnSpPr>
-            <a:stCxn id="44" idx="4"/>
-            <a:endCxn id="50" idx="0"/>
-          </p:cNvCxnSpPr>
-          <p:nvPr/>
-        </p:nvCxnSpPr>
-        <p:spPr>
-          <a:xfrm>
-            <a:off x="5598851" y="3190168"/>
-            <a:ext cx="0" cy="1196618"/>
-          </a:xfrm>
-          <a:prstGeom prst="straightConnector1">
-            <a:avLst/>
-          </a:prstGeom>
-          <a:ln w="19050" cmpd="sng">
-            <a:solidFill>
-              <a:srgbClr val="808080"/>
-            </a:solidFill>
-            <a:headEnd type="none"/>
-            <a:tailEnd type="triangle"/>
-          </a:ln>
-          <a:effectLst/>
-        </p:spPr>
-        <p:style>
-          <a:lnRef idx="2">
-            <a:schemeClr val="accent1"/>
-          </a:lnRef>
-          <a:fillRef idx="0">
-            <a:schemeClr val="accent1"/>
-          </a:fillRef>
-          <a:effectRef idx="1">
-            <a:schemeClr val="accent1"/>
-          </a:effectRef>
-          <a:fontRef idx="minor">
-            <a:schemeClr val="tx1"/>
-          </a:fontRef>
-        </p:style>
-      </p:cxnSp>
-      <p:cxnSp>
-        <p:nvCxnSpPr>
-          <p:cNvPr id="58" name="Straight Arrow Connector 57"/>
-          <p:cNvCxnSpPr>
-            <a:stCxn id="50" idx="2"/>
-            <a:endCxn id="51" idx="5"/>
-          </p:cNvCxnSpPr>
-          <p:nvPr/>
-        </p:nvCxnSpPr>
-        <p:spPr>
-          <a:xfrm flipH="1" flipV="1">
-            <a:off x="4904414" y="4100176"/>
-            <a:ext cx="160736" cy="829815"/>
-          </a:xfrm>
-          <a:prstGeom prst="straightConnector1">
-            <a:avLst/>
-          </a:prstGeom>
-          <a:ln w="19050" cmpd="sng">
-            <a:solidFill>
-              <a:srgbClr val="808080"/>
-            </a:solidFill>
-            <a:headEnd type="none"/>
-            <a:tailEnd type="triangle"/>
-          </a:ln>
-          <a:effectLst/>
-        </p:spPr>
-        <p:style>
-          <a:lnRef idx="2">
-            <a:schemeClr val="accent1"/>
-          </a:lnRef>
-          <a:fillRef idx="0">
-            <a:schemeClr val="accent1"/>
-          </a:fillRef>
-          <a:effectRef idx="1">
-            <a:schemeClr val="accent1"/>
-          </a:effectRef>
-          <a:fontRef idx="minor">
-            <a:schemeClr val="tx1"/>
-          </a:fontRef>
-        </p:style>
-      </p:cxnSp>
-      <p:cxnSp>
-        <p:nvCxnSpPr>
-          <p:cNvPr id="59" name="Straight Arrow Connector 67"/>
-          <p:cNvCxnSpPr>
-            <a:stCxn id="51" idx="2"/>
-            <a:endCxn id="46" idx="6"/>
-          </p:cNvCxnSpPr>
-          <p:nvPr/>
-        </p:nvCxnSpPr>
-        <p:spPr>
-          <a:xfrm flipH="1" flipV="1">
-            <a:off x="3791748" y="3713326"/>
-            <a:ext cx="202870" cy="4009"/>
-          </a:xfrm>
-          <a:prstGeom prst="straightConnector1">
-            <a:avLst/>
-          </a:prstGeom>
-          <a:ln w="19050" cmpd="sng">
-            <a:solidFill>
-              <a:srgbClr val="808080"/>
-            </a:solidFill>
-            <a:headEnd type="none"/>
-            <a:tailEnd type="triangle"/>
-          </a:ln>
-          <a:effectLst/>
-        </p:spPr>
-        <p:style>
-          <a:lnRef idx="2">
-            <a:schemeClr val="accent1"/>
-          </a:lnRef>
-          <a:fillRef idx="0">
-            <a:schemeClr val="accent1"/>
-          </a:fillRef>
-          <a:effectRef idx="1">
-            <a:schemeClr val="accent1"/>
-          </a:effectRef>
-          <a:fontRef idx="minor">
-            <a:schemeClr val="tx1"/>
-          </a:fontRef>
-        </p:style>
-      </p:cxnSp>
-      <p:cxnSp>
-        <p:nvCxnSpPr>
-          <p:cNvPr id="60" name="Straight Arrow Connector 70"/>
-          <p:cNvCxnSpPr>
-            <a:stCxn id="50" idx="2"/>
-            <a:endCxn id="46" idx="5"/>
-          </p:cNvCxnSpPr>
-          <p:nvPr/>
-        </p:nvCxnSpPr>
-        <p:spPr>
-          <a:xfrm flipH="1" flipV="1">
-            <a:off x="3627892" y="4114204"/>
-            <a:ext cx="1437257" cy="815783"/>
-          </a:xfrm>
-          <a:prstGeom prst="straightConnector1">
-            <a:avLst/>
-          </a:prstGeom>
-          <a:ln w="19050" cmpd="sng">
-            <a:solidFill>
-              <a:srgbClr val="808080"/>
-            </a:solidFill>
-            <a:headEnd type="none"/>
-            <a:tailEnd type="triangle"/>
-          </a:ln>
-          <a:effectLst/>
-        </p:spPr>
-        <p:style>
-          <a:lnRef idx="2">
-            <a:schemeClr val="accent1"/>
-          </a:lnRef>
-          <a:fillRef idx="0">
-            <a:schemeClr val="accent1"/>
-          </a:fillRef>
-          <a:effectRef idx="1">
-            <a:schemeClr val="accent1"/>
-          </a:effectRef>
-          <a:fontRef idx="minor">
-            <a:schemeClr val="tx1"/>
-          </a:fontRef>
-        </p:style>
-      </p:cxnSp>
-      <p:sp>
-        <p:nvSpPr>
-          <p:cNvPr id="61" name="Oval 83"/>
-          <p:cNvSpPr/>
-          <p:nvPr/>
-        </p:nvSpPr>
-        <p:spPr>
-          <a:xfrm>
-            <a:off x="7610608" y="3239579"/>
-            <a:ext cx="1065848" cy="1082367"/>
-          </a:xfrm>
-          <a:prstGeom prst="ellipse">
-            <a:avLst/>
-          </a:prstGeom>
-          <a:solidFill>
-            <a:schemeClr val="bg1"/>
-          </a:solidFill>
-          <a:ln w="19050" cmpd="sng">
-            <a:solidFill>
-              <a:schemeClr val="tx1"/>
-            </a:solidFill>
-            <a:prstDash val="dot"/>
-          </a:ln>
-          <a:effectLst>
-            <a:outerShdw blurRad="50800" dist="38100" dir="2700000" algn="tl" rotWithShape="0">
-              <a:prstClr val="black">
-                <a:alpha val="40000"/>
-              </a:prstClr>
-            </a:outerShdw>
-          </a:effectLst>
-        </p:spPr>
-        <p:style>
-          <a:lnRef idx="1">
-            <a:schemeClr val="accent1"/>
-          </a:lnRef>
-          <a:fillRef idx="3">
-            <a:schemeClr val="accent1"/>
-          </a:fillRef>
-          <a:effectRef idx="2">
-            <a:schemeClr val="accent1"/>
-          </a:effectRef>
-          <a:fontRef idx="minor">
-            <a:schemeClr val="lt1"/>
-          </a:fontRef>
-        </p:style>
-        <p:txBody>
-          <a:bodyPr anchor="ctr"/>
-          <a:lstStyle>
-            <a:lvl1pPr eaLnBrk="0" hangingPunct="0">
-              <a:defRPr kumimoji="1" sz="1200" b="1">
-                <a:solidFill>
-                  <a:schemeClr val="tx1"/>
-                </a:solidFill>
-                <a:latin typeface="-2002" pitchFamily="18" charset="-127"/>
-                <a:ea typeface="-2002" pitchFamily="18" charset="-127"/>
-              </a:defRPr>
-            </a:lvl1pPr>
-            <a:lvl2pPr marL="742950" indent="-285750" eaLnBrk="0" hangingPunct="0">
-              <a:defRPr kumimoji="1" sz="1200" b="1">
-                <a:solidFill>
-                  <a:schemeClr val="tx1"/>
-                </a:solidFill>
-                <a:latin typeface="-2002" pitchFamily="18" charset="-127"/>
-                <a:ea typeface="-2002" pitchFamily="18" charset="-127"/>
-              </a:defRPr>
-            </a:lvl2pPr>
-            <a:lvl3pPr marL="1143000" indent="-228600" eaLnBrk="0" hangingPunct="0">
-              <a:defRPr kumimoji="1" sz="1200" b="1">
-                <a:solidFill>
-                  <a:schemeClr val="tx1"/>
-                </a:solidFill>
-                <a:latin typeface="-2002" pitchFamily="18" charset="-127"/>
-                <a:ea typeface="-2002" pitchFamily="18" charset="-127"/>
-              </a:defRPr>
-            </a:lvl3pPr>
-            <a:lvl4pPr marL="1600200" indent="-228600" eaLnBrk="0" hangingPunct="0">
-              <a:defRPr kumimoji="1" sz="1200" b="1">
-                <a:solidFill>
-                  <a:schemeClr val="tx1"/>
-                </a:solidFill>
-                <a:latin typeface="-2002" pitchFamily="18" charset="-127"/>
-                <a:ea typeface="-2002" pitchFamily="18" charset="-127"/>
-              </a:defRPr>
-            </a:lvl4pPr>
-            <a:lvl5pPr marL="2057400" indent="-228600" eaLnBrk="0" hangingPunct="0">
-              <a:defRPr kumimoji="1" sz="1200" b="1">
-                <a:solidFill>
-                  <a:schemeClr val="tx1"/>
-                </a:solidFill>
-                <a:latin typeface="-2002" pitchFamily="18" charset="-127"/>
-                <a:ea typeface="-2002" pitchFamily="18" charset="-127"/>
-              </a:defRPr>
-            </a:lvl5pPr>
-            <a:lvl6pPr marL="2514600" indent="-228600" algn="ctr" eaLnBrk="0" fontAlgn="base" hangingPunct="0">
-              <a:spcBef>
-                <a:spcPct val="0"/>
-              </a:spcBef>
-              <a:spcAft>
-                <a:spcPct val="0"/>
-              </a:spcAft>
-              <a:defRPr kumimoji="1" sz="1200" b="1">
-                <a:solidFill>
-                  <a:schemeClr val="tx1"/>
-                </a:solidFill>
-                <a:latin typeface="-2002" pitchFamily="18" charset="-127"/>
-                <a:ea typeface="-2002" pitchFamily="18" charset="-127"/>
-              </a:defRPr>
-            </a:lvl6pPr>
-            <a:lvl7pPr marL="2971800" indent="-228600" algn="ctr" eaLnBrk="0" fontAlgn="base" hangingPunct="0">
-              <a:spcBef>
-                <a:spcPct val="0"/>
-              </a:spcBef>
-              <a:spcAft>
-                <a:spcPct val="0"/>
-              </a:spcAft>
-              <a:defRPr kumimoji="1" sz="1200" b="1">
-                <a:solidFill>
-                  <a:schemeClr val="tx1"/>
-                </a:solidFill>
-                <a:latin typeface="-2002" pitchFamily="18" charset="-127"/>
-                <a:ea typeface="-2002" pitchFamily="18" charset="-127"/>
-              </a:defRPr>
-            </a:lvl7pPr>
-            <a:lvl8pPr marL="3429000" indent="-228600" algn="ctr" eaLnBrk="0" fontAlgn="base" hangingPunct="0">
-              <a:spcBef>
-                <a:spcPct val="0"/>
-              </a:spcBef>
-              <a:spcAft>
-                <a:spcPct val="0"/>
-              </a:spcAft>
-              <a:defRPr kumimoji="1" sz="1200" b="1">
-                <a:solidFill>
-                  <a:schemeClr val="tx1"/>
-                </a:solidFill>
-                <a:latin typeface="-2002" pitchFamily="18" charset="-127"/>
-                <a:ea typeface="-2002" pitchFamily="18" charset="-127"/>
-              </a:defRPr>
-            </a:lvl8pPr>
-            <a:lvl9pPr marL="3886200" indent="-228600" algn="ctr" eaLnBrk="0" fontAlgn="base" hangingPunct="0">
-              <a:spcBef>
-                <a:spcPct val="0"/>
-              </a:spcBef>
-              <a:spcAft>
-                <a:spcPct val="0"/>
-              </a:spcAft>
-              <a:defRPr kumimoji="1" sz="1200" b="1">
-                <a:solidFill>
-                  <a:schemeClr val="tx1"/>
-                </a:solidFill>
-                <a:latin typeface="-2002" pitchFamily="18" charset="-127"/>
-                <a:ea typeface="-2002" pitchFamily="18" charset="-127"/>
-              </a:defRPr>
-            </a:lvl9pPr>
-          </a:lstStyle>
-          <a:p>
-            <a:pPr algn="ctr" eaLnBrk="1" fontAlgn="base" hangingPunct="1">
-              <a:lnSpc>
-                <a:spcPct val="120000"/>
-              </a:lnSpc>
-              <a:spcBef>
-                <a:spcPct val="0"/>
-              </a:spcBef>
-              <a:spcAft>
-                <a:spcPct val="0"/>
-              </a:spcAft>
-              <a:defRPr/>
-            </a:pPr>
-            <a:r>
-              <a:rPr lang="en-US" altLang="ko-KR" dirty="0" smtClean="0">
-                <a:solidFill>
-                  <a:srgbClr val="000000"/>
-                </a:solidFill>
-                <a:latin typeface="맑은 고딕" pitchFamily="50" charset="-127"/>
-                <a:ea typeface="맑은 고딕" pitchFamily="50" charset="-127"/>
-              </a:rPr>
-              <a:t>~~~</a:t>
-            </a:r>
-            <a:endParaRPr lang="en-US" dirty="0" smtClean="0">
-              <a:solidFill>
-                <a:srgbClr val="000000"/>
-              </a:solidFill>
-              <a:latin typeface="맑은 고딕" pitchFamily="50" charset="-127"/>
-              <a:ea typeface="맑은 고딕" pitchFamily="50" charset="-127"/>
-            </a:endParaRPr>
-          </a:p>
-        </p:txBody>
-      </p:sp>
-      <p:cxnSp>
-        <p:nvCxnSpPr>
-          <p:cNvPr id="62" name="Straight Arrow Connector 92"/>
-          <p:cNvCxnSpPr>
-            <a:stCxn id="61" idx="2"/>
-            <a:endCxn id="52" idx="6"/>
-          </p:cNvCxnSpPr>
-          <p:nvPr/>
-        </p:nvCxnSpPr>
-        <p:spPr>
-          <a:xfrm flipH="1" flipV="1">
-            <a:off x="7232734" y="3732357"/>
-            <a:ext cx="377874" cy="48401"/>
-          </a:xfrm>
-          <a:prstGeom prst="straightConnector1">
-            <a:avLst/>
-          </a:prstGeom>
-          <a:ln w="19050" cmpd="sng">
-            <a:solidFill>
-              <a:srgbClr val="808080"/>
-            </a:solidFill>
-            <a:headEnd type="none"/>
-            <a:tailEnd type="triangle"/>
-          </a:ln>
-          <a:effectLst/>
-        </p:spPr>
-        <p:style>
-          <a:lnRef idx="2">
-            <a:schemeClr val="accent1"/>
-          </a:lnRef>
-          <a:fillRef idx="0">
-            <a:schemeClr val="accent1"/>
-          </a:fillRef>
-          <a:effectRef idx="1">
-            <a:schemeClr val="accent1"/>
-          </a:effectRef>
-          <a:fontRef idx="minor">
-            <a:schemeClr val="tx1"/>
-          </a:fontRef>
-        </p:style>
-      </p:cxnSp>
-      <p:sp>
-        <p:nvSpPr>
-          <p:cNvPr id="63" name="Oval 98"/>
-          <p:cNvSpPr/>
-          <p:nvPr/>
-        </p:nvSpPr>
-        <p:spPr>
-          <a:xfrm>
-            <a:off x="7538606" y="4416851"/>
-            <a:ext cx="1065848" cy="1084372"/>
-          </a:xfrm>
-          <a:prstGeom prst="ellipse">
-            <a:avLst/>
-          </a:prstGeom>
-          <a:solidFill>
-            <a:schemeClr val="bg1"/>
-          </a:solidFill>
-          <a:ln w="19050" cmpd="sng">
-            <a:solidFill>
-              <a:schemeClr val="tx1"/>
-            </a:solidFill>
-            <a:prstDash val="dot"/>
-          </a:ln>
-          <a:effectLst>
-            <a:outerShdw blurRad="50800" dist="38100" dir="2700000" algn="tl" rotWithShape="0">
-              <a:prstClr val="black">
-                <a:alpha val="40000"/>
-              </a:prstClr>
-            </a:outerShdw>
-          </a:effectLst>
-        </p:spPr>
-        <p:style>
-          <a:lnRef idx="1">
-            <a:schemeClr val="accent1"/>
-          </a:lnRef>
-          <a:fillRef idx="3">
-            <a:schemeClr val="accent1"/>
-          </a:fillRef>
-          <a:effectRef idx="2">
-            <a:schemeClr val="accent1"/>
-          </a:effectRef>
-          <a:fontRef idx="minor">
-            <a:schemeClr val="lt1"/>
-          </a:fontRef>
-        </p:style>
-        <p:txBody>
-          <a:bodyPr anchor="ctr"/>
-          <a:lstStyle>
-            <a:lvl1pPr eaLnBrk="0" hangingPunct="0">
-              <a:defRPr kumimoji="1" sz="1200" b="1">
-                <a:solidFill>
-                  <a:schemeClr val="tx1"/>
-                </a:solidFill>
-                <a:latin typeface="-2002" pitchFamily="18" charset="-127"/>
-                <a:ea typeface="-2002" pitchFamily="18" charset="-127"/>
-              </a:defRPr>
-            </a:lvl1pPr>
-            <a:lvl2pPr marL="742950" indent="-285750" eaLnBrk="0" hangingPunct="0">
-              <a:defRPr kumimoji="1" sz="1200" b="1">
-                <a:solidFill>
-                  <a:schemeClr val="tx1"/>
-                </a:solidFill>
-                <a:latin typeface="-2002" pitchFamily="18" charset="-127"/>
-                <a:ea typeface="-2002" pitchFamily="18" charset="-127"/>
-              </a:defRPr>
-            </a:lvl2pPr>
-            <a:lvl3pPr marL="1143000" indent="-228600" eaLnBrk="0" hangingPunct="0">
-              <a:defRPr kumimoji="1" sz="1200" b="1">
-                <a:solidFill>
-                  <a:schemeClr val="tx1"/>
-                </a:solidFill>
-                <a:latin typeface="-2002" pitchFamily="18" charset="-127"/>
-                <a:ea typeface="-2002" pitchFamily="18" charset="-127"/>
-              </a:defRPr>
-            </a:lvl3pPr>
-            <a:lvl4pPr marL="1600200" indent="-228600" eaLnBrk="0" hangingPunct="0">
-              <a:defRPr kumimoji="1" sz="1200" b="1">
-                <a:solidFill>
-                  <a:schemeClr val="tx1"/>
-                </a:solidFill>
-                <a:latin typeface="-2002" pitchFamily="18" charset="-127"/>
-                <a:ea typeface="-2002" pitchFamily="18" charset="-127"/>
-              </a:defRPr>
-            </a:lvl4pPr>
-            <a:lvl5pPr marL="2057400" indent="-228600" eaLnBrk="0" hangingPunct="0">
-              <a:defRPr kumimoji="1" sz="1200" b="1">
-                <a:solidFill>
-                  <a:schemeClr val="tx1"/>
-                </a:solidFill>
-                <a:latin typeface="-2002" pitchFamily="18" charset="-127"/>
-                <a:ea typeface="-2002" pitchFamily="18" charset="-127"/>
-              </a:defRPr>
-            </a:lvl5pPr>
-            <a:lvl6pPr marL="2514600" indent="-228600" algn="ctr" eaLnBrk="0" fontAlgn="base" hangingPunct="0">
-              <a:spcBef>
-                <a:spcPct val="0"/>
-              </a:spcBef>
-              <a:spcAft>
-                <a:spcPct val="0"/>
-              </a:spcAft>
-              <a:defRPr kumimoji="1" sz="1200" b="1">
-                <a:solidFill>
-                  <a:schemeClr val="tx1"/>
-                </a:solidFill>
-                <a:latin typeface="-2002" pitchFamily="18" charset="-127"/>
-                <a:ea typeface="-2002" pitchFamily="18" charset="-127"/>
-              </a:defRPr>
-            </a:lvl6pPr>
-            <a:lvl7pPr marL="2971800" indent="-228600" algn="ctr" eaLnBrk="0" fontAlgn="base" hangingPunct="0">
-              <a:spcBef>
-                <a:spcPct val="0"/>
-              </a:spcBef>
-              <a:spcAft>
-                <a:spcPct val="0"/>
-              </a:spcAft>
-              <a:defRPr kumimoji="1" sz="1200" b="1">
-                <a:solidFill>
-                  <a:schemeClr val="tx1"/>
-                </a:solidFill>
-                <a:latin typeface="-2002" pitchFamily="18" charset="-127"/>
-                <a:ea typeface="-2002" pitchFamily="18" charset="-127"/>
-              </a:defRPr>
-            </a:lvl7pPr>
-            <a:lvl8pPr marL="3429000" indent="-228600" algn="ctr" eaLnBrk="0" fontAlgn="base" hangingPunct="0">
-              <a:spcBef>
-                <a:spcPct val="0"/>
-              </a:spcBef>
-              <a:spcAft>
-                <a:spcPct val="0"/>
-              </a:spcAft>
-              <a:defRPr kumimoji="1" sz="1200" b="1">
-                <a:solidFill>
-                  <a:schemeClr val="tx1"/>
-                </a:solidFill>
-                <a:latin typeface="-2002" pitchFamily="18" charset="-127"/>
-                <a:ea typeface="-2002" pitchFamily="18" charset="-127"/>
-              </a:defRPr>
-            </a:lvl8pPr>
-            <a:lvl9pPr marL="3886200" indent="-228600" algn="ctr" eaLnBrk="0" fontAlgn="base" hangingPunct="0">
-              <a:spcBef>
-                <a:spcPct val="0"/>
-              </a:spcBef>
-              <a:spcAft>
-                <a:spcPct val="0"/>
-              </a:spcAft>
-              <a:defRPr kumimoji="1" sz="1200" b="1">
-                <a:solidFill>
-                  <a:schemeClr val="tx1"/>
-                </a:solidFill>
-                <a:latin typeface="-2002" pitchFamily="18" charset="-127"/>
-                <a:ea typeface="-2002" pitchFamily="18" charset="-127"/>
-              </a:defRPr>
-            </a:lvl9pPr>
-          </a:lstStyle>
-          <a:p>
-            <a:pPr algn="ctr" eaLnBrk="1" fontAlgn="base" hangingPunct="1">
-              <a:lnSpc>
-                <a:spcPct val="120000"/>
-              </a:lnSpc>
-              <a:spcBef>
-                <a:spcPct val="0"/>
-              </a:spcBef>
-              <a:spcAft>
-                <a:spcPct val="0"/>
-              </a:spcAft>
-              <a:defRPr/>
-            </a:pPr>
-            <a:r>
-              <a:rPr lang="en-US" altLang="ko-KR" dirty="0" smtClean="0">
-                <a:solidFill>
-                  <a:srgbClr val="000000"/>
-                </a:solidFill>
-                <a:latin typeface="맑은 고딕" pitchFamily="50" charset="-127"/>
-                <a:ea typeface="맑은 고딕" pitchFamily="50" charset="-127"/>
-              </a:rPr>
-              <a:t>~~~</a:t>
-            </a:r>
-            <a:endParaRPr lang="en-US" dirty="0" smtClean="0">
-              <a:solidFill>
-                <a:srgbClr val="000000"/>
-              </a:solidFill>
-              <a:latin typeface="맑은 고딕" pitchFamily="50" charset="-127"/>
-              <a:ea typeface="맑은 고딕" pitchFamily="50" charset="-127"/>
-            </a:endParaRPr>
-          </a:p>
-        </p:txBody>
-      </p:sp>
-      <p:cxnSp>
-        <p:nvCxnSpPr>
-          <p:cNvPr id="64" name="Straight Arrow Connector 99"/>
-          <p:cNvCxnSpPr>
-            <a:stCxn id="63" idx="1"/>
-            <a:endCxn id="52" idx="6"/>
-          </p:cNvCxnSpPr>
-          <p:nvPr/>
-        </p:nvCxnSpPr>
-        <p:spPr>
-          <a:xfrm flipH="1" flipV="1">
-            <a:off x="7232734" y="3731356"/>
-            <a:ext cx="461920" cy="845850"/>
-          </a:xfrm>
-          <a:prstGeom prst="straightConnector1">
-            <a:avLst/>
-          </a:prstGeom>
-          <a:ln w="19050" cmpd="sng">
-            <a:solidFill>
-              <a:srgbClr val="808080"/>
-            </a:solidFill>
-            <a:headEnd type="none"/>
-            <a:tailEnd type="triangle"/>
-          </a:ln>
-          <a:effectLst/>
-        </p:spPr>
-        <p:style>
-          <a:lnRef idx="2">
-            <a:schemeClr val="accent1"/>
-          </a:lnRef>
-          <a:fillRef idx="0">
-            <a:schemeClr val="accent1"/>
-          </a:fillRef>
-          <a:effectRef idx="1">
-            <a:schemeClr val="accent1"/>
-          </a:effectRef>
-          <a:fontRef idx="minor">
-            <a:schemeClr val="tx1"/>
-          </a:fontRef>
-        </p:style>
-      </p:cxnSp>
-      <p:cxnSp>
-        <p:nvCxnSpPr>
-          <p:cNvPr id="69" name="Straight Arrow Connector 38"/>
-          <p:cNvCxnSpPr>
-            <a:stCxn id="46" idx="0"/>
+            <a:stCxn id="77" idx="6"/>
+            <a:endCxn id="101" idx="2"/>
           </p:cNvCxnSpPr>
           <p:nvPr/>
         </p:nvCxnSpPr>
         <p:spPr>
           <a:xfrm flipV="1">
-            <a:off x="3234644" y="2835393"/>
-            <a:ext cx="60861" cy="312684"/>
+            <a:off x="7894873" y="4062836"/>
+            <a:ext cx="639665" cy="246422"/>
           </a:xfrm>
           <a:prstGeom prst="straightConnector1">
             <a:avLst/>
@@ -13210,17 +12557,17 @@
       </p:cxnSp>
       <p:cxnSp>
         <p:nvCxnSpPr>
-          <p:cNvPr id="78" name="Straight Arrow Connector 60"/>
+          <p:cNvPr id="108" name="Straight Arrow Connector 38"/>
           <p:cNvCxnSpPr>
-            <a:stCxn id="73" idx="0"/>
-            <a:endCxn id="51" idx="4"/>
+            <a:stCxn id="47" idx="0"/>
+            <a:endCxn id="54" idx="4"/>
           </p:cNvCxnSpPr>
           <p:nvPr/>
         </p:nvCxnSpPr>
         <p:spPr>
-          <a:xfrm rot="5400000" flipH="1" flipV="1">
-            <a:off x="4050909" y="4198217"/>
-            <a:ext cx="414333" cy="538935"/>
+          <a:xfrm flipV="1">
+            <a:off x="3068172" y="3880534"/>
+            <a:ext cx="342303" cy="323142"/>
           </a:xfrm>
           <a:prstGeom prst="straightConnector1">
             <a:avLst/>
@@ -13250,479 +12597,12 @@
           </a:fontRef>
         </p:style>
       </p:cxnSp>
-      <p:cxnSp>
-        <p:nvCxnSpPr>
-          <p:cNvPr id="100" name="Straight Arrow Connector 87"/>
-          <p:cNvCxnSpPr>
-            <a:stCxn id="82" idx="0"/>
-            <a:endCxn id="50" idx="5"/>
-          </p:cNvCxnSpPr>
-          <p:nvPr/>
-        </p:nvCxnSpPr>
-        <p:spPr>
-          <a:xfrm rot="5400000" flipH="1" flipV="1">
-            <a:off x="5626043" y="5269219"/>
-            <a:ext cx="305709" cy="392018"/>
-          </a:xfrm>
-          <a:prstGeom prst="straightConnector1">
-            <a:avLst/>
-          </a:prstGeom>
-          <a:ln w="19050" cmpd="sng">
-            <a:solidFill>
-              <a:srgbClr val="0000FF"/>
-            </a:solidFill>
-            <a:prstDash val="dot"/>
-            <a:headEnd type="oval"/>
-            <a:tailEnd type="oval"/>
-          </a:ln>
-          <a:effectLst/>
-        </p:spPr>
-        <p:style>
-          <a:lnRef idx="2">
-            <a:schemeClr val="accent1"/>
-          </a:lnRef>
-          <a:fillRef idx="0">
-            <a:schemeClr val="accent1"/>
-          </a:fillRef>
-          <a:effectRef idx="1">
-            <a:schemeClr val="accent1"/>
-          </a:effectRef>
-          <a:fontRef idx="minor">
-            <a:schemeClr val="tx1"/>
-          </a:fontRef>
-        </p:style>
-      </p:cxnSp>
-      <p:cxnSp>
-        <p:nvCxnSpPr>
-          <p:cNvPr id="101" name="Straight Arrow Connector 88"/>
-          <p:cNvCxnSpPr>
-            <a:stCxn id="44" idx="0"/>
-            <a:endCxn id="87" idx="2"/>
-          </p:cNvCxnSpPr>
-          <p:nvPr/>
-        </p:nvCxnSpPr>
-        <p:spPr>
-          <a:xfrm rot="5400000" flipH="1" flipV="1">
-            <a:off x="5454380" y="1848562"/>
-            <a:ext cx="402946" cy="115560"/>
-          </a:xfrm>
-          <a:prstGeom prst="straightConnector1">
-            <a:avLst/>
-          </a:prstGeom>
-          <a:ln w="19050" cmpd="sng">
-            <a:solidFill>
-              <a:srgbClr val="0000FF"/>
-            </a:solidFill>
-            <a:prstDash val="dot"/>
-            <a:headEnd type="oval"/>
-            <a:tailEnd type="oval"/>
-          </a:ln>
-          <a:effectLst/>
-        </p:spPr>
-        <p:style>
-          <a:lnRef idx="2">
-            <a:schemeClr val="accent1"/>
-          </a:lnRef>
-          <a:fillRef idx="0">
-            <a:schemeClr val="accent1"/>
-          </a:fillRef>
-          <a:effectRef idx="1">
-            <a:schemeClr val="accent1"/>
-          </a:effectRef>
-          <a:fontRef idx="minor">
-            <a:schemeClr val="tx1"/>
-          </a:fontRef>
-        </p:style>
-      </p:cxnSp>
-      <p:cxnSp>
-        <p:nvCxnSpPr>
-          <p:cNvPr id="102" name="Straight Arrow Connector 91"/>
-          <p:cNvCxnSpPr>
-            <a:stCxn id="91" idx="0"/>
-            <a:endCxn id="52" idx="4"/>
-          </p:cNvCxnSpPr>
-          <p:nvPr/>
-        </p:nvCxnSpPr>
-        <p:spPr>
-          <a:xfrm rot="16200000" flipV="1">
-            <a:off x="6680713" y="4293644"/>
-            <a:ext cx="279326" cy="241118"/>
-          </a:xfrm>
-          <a:prstGeom prst="straightConnector1">
-            <a:avLst/>
-          </a:prstGeom>
-          <a:ln w="19050" cmpd="sng">
-            <a:solidFill>
-              <a:srgbClr val="0000FF"/>
-            </a:solidFill>
-            <a:prstDash val="dot"/>
-            <a:headEnd type="oval"/>
-            <a:tailEnd type="oval"/>
-          </a:ln>
-          <a:effectLst/>
-        </p:spPr>
-        <p:style>
-          <a:lnRef idx="2">
-            <a:schemeClr val="accent1"/>
-          </a:lnRef>
-          <a:fillRef idx="0">
-            <a:schemeClr val="accent1"/>
-          </a:fillRef>
-          <a:effectRef idx="1">
-            <a:schemeClr val="accent1"/>
-          </a:effectRef>
-          <a:fontRef idx="minor">
-            <a:schemeClr val="tx1"/>
-          </a:fontRef>
-        </p:style>
-      </p:cxnSp>
-      <p:cxnSp>
-        <p:nvCxnSpPr>
-          <p:cNvPr id="103" name="Straight Arrow Connector 94"/>
-          <p:cNvCxnSpPr>
-            <a:stCxn id="99" idx="0"/>
-            <a:endCxn id="63" idx="4"/>
-          </p:cNvCxnSpPr>
-          <p:nvPr/>
-        </p:nvCxnSpPr>
-        <p:spPr>
-          <a:xfrm rot="5400000" flipH="1" flipV="1">
-            <a:off x="7676778" y="5295339"/>
-            <a:ext cx="188867" cy="600637"/>
-          </a:xfrm>
-          <a:prstGeom prst="straightConnector1">
-            <a:avLst/>
-          </a:prstGeom>
-          <a:ln w="19050" cmpd="sng">
-            <a:solidFill>
-              <a:srgbClr val="0000FF"/>
-            </a:solidFill>
-            <a:prstDash val="dot"/>
-            <a:headEnd type="oval"/>
-            <a:tailEnd type="oval"/>
-          </a:ln>
-          <a:effectLst/>
-        </p:spPr>
-        <p:style>
-          <a:lnRef idx="2">
-            <a:schemeClr val="accent1"/>
-          </a:lnRef>
-          <a:fillRef idx="0">
-            <a:schemeClr val="accent1"/>
-          </a:fillRef>
-          <a:effectRef idx="1">
-            <a:schemeClr val="accent1"/>
-          </a:effectRef>
-          <a:fontRef idx="minor">
-            <a:schemeClr val="tx1"/>
-          </a:fontRef>
-        </p:style>
-      </p:cxnSp>
-      <p:cxnSp>
-        <p:nvCxnSpPr>
-          <p:cNvPr id="104" name="Straight Arrow Connector 97"/>
-          <p:cNvCxnSpPr>
-            <a:stCxn id="53" idx="0"/>
-            <a:endCxn id="95" idx="2"/>
-          </p:cNvCxnSpPr>
-          <p:nvPr/>
-        </p:nvCxnSpPr>
-        <p:spPr>
-          <a:xfrm rot="5400000" flipH="1" flipV="1">
-            <a:off x="7438875" y="1647155"/>
-            <a:ext cx="211103" cy="97932"/>
-          </a:xfrm>
-          <a:prstGeom prst="straightConnector1">
-            <a:avLst/>
-          </a:prstGeom>
-          <a:ln w="19050" cmpd="sng">
-            <a:solidFill>
-              <a:srgbClr val="0000FF"/>
-            </a:solidFill>
-            <a:prstDash val="dot"/>
-            <a:headEnd type="oval"/>
-            <a:tailEnd type="oval"/>
-          </a:ln>
-          <a:effectLst/>
-        </p:spPr>
-        <p:style>
-          <a:lnRef idx="2">
-            <a:schemeClr val="accent1"/>
-          </a:lnRef>
-          <a:fillRef idx="0">
-            <a:schemeClr val="accent1"/>
-          </a:fillRef>
-          <a:effectRef idx="1">
-            <a:schemeClr val="accent1"/>
-          </a:effectRef>
-          <a:fontRef idx="minor">
-            <a:schemeClr val="tx1"/>
-          </a:fontRef>
-        </p:style>
-      </p:cxnSp>
-      <p:cxnSp>
-        <p:nvCxnSpPr>
-          <p:cNvPr id="109" name="Straight Arrow Connector 104"/>
-          <p:cNvCxnSpPr>
-            <a:stCxn id="61" idx="6"/>
-          </p:cNvCxnSpPr>
-          <p:nvPr/>
-        </p:nvCxnSpPr>
-        <p:spPr>
-          <a:xfrm flipH="1" flipV="1">
-            <a:off x="8604448" y="3097809"/>
-            <a:ext cx="72008" cy="682953"/>
-          </a:xfrm>
-          <a:prstGeom prst="straightConnector1">
-            <a:avLst/>
-          </a:prstGeom>
-          <a:ln w="19050" cmpd="sng">
-            <a:solidFill>
-              <a:srgbClr val="0000FF"/>
-            </a:solidFill>
-            <a:prstDash val="dot"/>
-            <a:headEnd type="oval"/>
-            <a:tailEnd type="oval"/>
-          </a:ln>
-          <a:effectLst/>
-        </p:spPr>
-        <p:style>
-          <a:lnRef idx="2">
-            <a:schemeClr val="accent1"/>
-          </a:lnRef>
-          <a:fillRef idx="0">
-            <a:schemeClr val="accent1"/>
-          </a:fillRef>
-          <a:effectRef idx="1">
-            <a:schemeClr val="accent1"/>
-          </a:effectRef>
-          <a:fontRef idx="minor">
-            <a:schemeClr val="tx1"/>
-          </a:fontRef>
-        </p:style>
-      </p:cxnSp>
-      <p:cxnSp>
-        <p:nvCxnSpPr>
-          <p:cNvPr id="110" name="Straight Arrow Connector 112"/>
-          <p:cNvCxnSpPr>
-            <a:stCxn id="44" idx="2"/>
-            <a:endCxn id="46" idx="7"/>
-          </p:cNvCxnSpPr>
-          <p:nvPr/>
-        </p:nvCxnSpPr>
-        <p:spPr>
-          <a:xfrm flipH="1">
-            <a:off x="3627892" y="2648999"/>
-            <a:ext cx="1437257" cy="665455"/>
-          </a:xfrm>
-          <a:prstGeom prst="straightConnector1">
-            <a:avLst/>
-          </a:prstGeom>
-          <a:ln w="19050" cmpd="sng">
-            <a:solidFill>
-              <a:srgbClr val="808080"/>
-            </a:solidFill>
-            <a:headEnd type="none"/>
-            <a:tailEnd type="triangle"/>
-          </a:ln>
-          <a:effectLst/>
-        </p:spPr>
-        <p:style>
-          <a:lnRef idx="2">
-            <a:schemeClr val="accent1"/>
-          </a:lnRef>
-          <a:fillRef idx="0">
-            <a:schemeClr val="accent1"/>
-          </a:fillRef>
-          <a:effectRef idx="1">
-            <a:schemeClr val="accent1"/>
-          </a:effectRef>
-          <a:fontRef idx="minor">
-            <a:schemeClr val="tx1"/>
-          </a:fontRef>
-        </p:style>
-      </p:cxnSp>
-      <p:grpSp>
-        <p:nvGrpSpPr>
-          <p:cNvPr id="11" name="Group 89"/>
-          <p:cNvGrpSpPr>
-            <a:grpSpLocks/>
-          </p:cNvGrpSpPr>
-          <p:nvPr/>
-        </p:nvGrpSpPr>
-        <p:grpSpPr bwMode="auto">
-          <a:xfrm>
-            <a:off x="4848982" y="6037182"/>
-            <a:ext cx="1173303" cy="416154"/>
-            <a:chOff x="2813224" y="4859603"/>
-            <a:chExt cx="1271689" cy="415886"/>
-          </a:xfrm>
-        </p:grpSpPr>
-        <p:pic>
-          <p:nvPicPr>
-            <p:cNvPr id="112" name="Picture 90"/>
-            <p:cNvPicPr>
-              <a:picLocks noChangeAspect="1"/>
-            </p:cNvPicPr>
-            <p:nvPr/>
-          </p:nvPicPr>
-          <p:blipFill>
-            <a:blip r:embed="rId3" cstate="print"/>
-            <a:srcRect/>
-            <a:stretch>
-              <a:fillRect/>
-            </a:stretch>
-          </p:blipFill>
-          <p:spPr bwMode="auto">
-            <a:xfrm>
-              <a:off x="2813224" y="4912769"/>
-              <a:ext cx="390624" cy="362720"/>
-            </a:xfrm>
-            <a:prstGeom prst="rect">
-              <a:avLst/>
-            </a:prstGeom>
-            <a:noFill/>
-            <a:ln w="9525">
-              <a:noFill/>
-              <a:miter lim="800000"/>
-              <a:headEnd/>
-              <a:tailEnd/>
-            </a:ln>
-          </p:spPr>
-        </p:pic>
-        <p:sp>
-          <p:nvSpPr>
-            <p:cNvPr id="113" name="TextBox 211"/>
-            <p:cNvSpPr txBox="1">
-              <a:spLocks noChangeArrowheads="1"/>
-            </p:cNvSpPr>
-            <p:nvPr/>
-          </p:nvSpPr>
-          <p:spPr bwMode="auto">
-            <a:xfrm>
-              <a:off x="2868428" y="4956385"/>
-              <a:ext cx="318295" cy="276821"/>
-            </a:xfrm>
-            <a:prstGeom prst="rect">
-              <a:avLst/>
-            </a:prstGeom>
-            <a:noFill/>
-            <a:ln w="9525">
-              <a:noFill/>
-              <a:miter lim="800000"/>
-              <a:headEnd/>
-              <a:tailEnd/>
-            </a:ln>
-          </p:spPr>
-          <p:txBody>
-            <a:bodyPr wrap="none">
-              <a:spAutoFit/>
-            </a:bodyPr>
-            <a:lstStyle/>
-            <a:p>
-              <a:pPr fontAlgn="base">
-                <a:spcBef>
-                  <a:spcPct val="20000"/>
-                </a:spcBef>
-                <a:spcAft>
-                  <a:spcPct val="0"/>
-                </a:spcAft>
-                <a:buClr>
-                  <a:srgbClr val="927969"/>
-                </a:buClr>
-                <a:tabLst>
-                  <a:tab pos="630238" algn="l"/>
-                </a:tabLst>
-              </a:pPr>
-              <a:r>
-                <a:rPr kumimoji="1" lang="en-US" altLang="ko-KR" sz="1200" b="1" dirty="0">
-                  <a:solidFill>
-                    <a:srgbClr val="000000"/>
-                  </a:solidFill>
-                  <a:latin typeface="맑은 고딕" pitchFamily="50" charset="-127"/>
-                  <a:ea typeface="맑은 고딕" pitchFamily="50" charset="-127"/>
-                </a:rPr>
-                <a:t>A</a:t>
-              </a:r>
-            </a:p>
-          </p:txBody>
-        </p:sp>
-        <p:sp>
-          <p:nvSpPr>
-            <p:cNvPr id="114" name="TextBox 212"/>
-            <p:cNvSpPr txBox="1">
-              <a:spLocks noChangeArrowheads="1"/>
-            </p:cNvSpPr>
-            <p:nvPr/>
-          </p:nvSpPr>
-          <p:spPr bwMode="auto">
-            <a:xfrm>
-              <a:off x="3132458" y="4859603"/>
-              <a:ext cx="952455" cy="276821"/>
-            </a:xfrm>
-            <a:prstGeom prst="rect">
-              <a:avLst/>
-            </a:prstGeom>
-            <a:noFill/>
-            <a:ln w="9525">
-              <a:noFill/>
-              <a:miter lim="800000"/>
-              <a:headEnd/>
-              <a:tailEnd/>
-            </a:ln>
-          </p:spPr>
-          <p:txBody>
-            <a:bodyPr wrap="none">
-              <a:spAutoFit/>
-            </a:bodyPr>
-            <a:lstStyle/>
-            <a:p>
-              <a:pPr fontAlgn="base">
-                <a:spcBef>
-                  <a:spcPct val="20000"/>
-                </a:spcBef>
-                <a:spcAft>
-                  <a:spcPct val="0"/>
-                </a:spcAft>
-                <a:buClr>
-                  <a:srgbClr val="927969"/>
-                </a:buClr>
-                <a:tabLst>
-                  <a:tab pos="630238" algn="l"/>
-                </a:tabLst>
-              </a:pPr>
-              <a:r>
-                <a:rPr kumimoji="1" lang="en-US" sz="1200" b="1" smtClean="0">
-                  <a:solidFill>
-                    <a:srgbClr val="000000"/>
-                  </a:solidFill>
-                  <a:latin typeface="맑은 고딕" pitchFamily="50" charset="-127"/>
-                  <a:ea typeface="맑은 고딕" pitchFamily="50" charset="-127"/>
-                </a:rPr>
-                <a:t>~~~ </a:t>
-              </a:r>
-              <a:r>
-                <a:rPr kumimoji="1" lang="ko-KR" altLang="en-US" sz="1200" b="1" dirty="0" smtClean="0">
-                  <a:solidFill>
-                    <a:srgbClr val="000000"/>
-                  </a:solidFill>
-                  <a:latin typeface="맑은 고딕" pitchFamily="50" charset="-127"/>
-                  <a:ea typeface="맑은 고딕" pitchFamily="50" charset="-127"/>
-                </a:rPr>
-                <a:t>분석</a:t>
-              </a:r>
-              <a:endParaRPr kumimoji="1" lang="en-US" sz="1200" b="1" dirty="0">
-                <a:solidFill>
-                  <a:srgbClr val="000000"/>
-                </a:solidFill>
-                <a:latin typeface="맑은 고딕" pitchFamily="50" charset="-127"/>
-                <a:ea typeface="맑은 고딕" pitchFamily="50" charset="-127"/>
-              </a:endParaRPr>
-            </a:p>
-          </p:txBody>
-        </p:sp>
-      </p:grpSp>
     </p:spTree>
+    <p:extLst>
+      <p:ext uri="{BB962C8B-B14F-4D97-AF65-F5344CB8AC3E}">
+        <p14:creationId xmlns:p14="http://schemas.microsoft.com/office/powerpoint/2010/main" val="2648147103"/>
+      </p:ext>
+    </p:extLst>
   </p:cSld>
   <p:clrMapOvr>
     <a:masterClrMapping/>
@@ -13782,11 +12662,17 @@
           <p:cNvGraphicFramePr>
             <a:graphicFrameLocks noGrp="1"/>
           </p:cNvGraphicFramePr>
-          <p:nvPr/>
+          <p:nvPr>
+            <p:extLst>
+              <p:ext uri="{D42A27DB-BD31-4B8C-83A1-F6EECF244321}">
+                <p14:modId xmlns:p14="http://schemas.microsoft.com/office/powerpoint/2010/main" val="2673350093"/>
+              </p:ext>
+            </p:extLst>
+          </p:nvPr>
         </p:nvGraphicFramePr>
         <p:xfrm>
           <a:off x="170772" y="1340774"/>
-          <a:ext cx="8649699" cy="4896547"/>
+          <a:ext cx="8649699" cy="4896550"/>
         </p:xfrm>
         <a:graphic>
           <a:graphicData uri="http://schemas.openxmlformats.org/drawingml/2006/table">
@@ -14148,13 +13034,13 @@
                   </a:tcPr>
                 </a:tc>
               </a:tr>
-              <a:tr h="1419571">
+              <a:tr h="709786">
                 <a:tc>
                   <a:txBody>
                     <a:bodyPr/>
                     <a:lstStyle/>
                     <a:p>
-                      <a:pPr marL="87313" marR="0" lvl="0" indent="-87313" algn="l" defTabSz="914400" rtl="0" eaLnBrk="1" fontAlgn="auto" latinLnBrk="1" hangingPunct="1">
+                      <a:pPr marL="0" marR="0" lvl="0" indent="0" algn="ctr" defTabSz="914400" rtl="0" eaLnBrk="1" fontAlgn="auto" latinLnBrk="1" hangingPunct="1">
                         <a:lnSpc>
                           <a:spcPct val="100000"/>
                         </a:lnSpc>
@@ -14167,10 +13053,47 @@
                         <a:buClrTx/>
                         <a:buSzTx/>
                         <a:buFont typeface="Wingdings" pitchFamily="2" charset="2"/>
-                        <a:buChar char="§"/>
+                        <a:buNone/>
                         <a:tabLst/>
                         <a:defRPr/>
                       </a:pPr>
+                      <a:r>
+                        <a:rPr lang="ko-KR" altLang="en-US" sz="1600" b="1" dirty="0" smtClean="0">
+                          <a:latin typeface="맑은 고딕" pitchFamily="50" charset="-127"/>
+                          <a:ea typeface="맑은 고딕" pitchFamily="50" charset="-127"/>
+                        </a:rPr>
+                        <a:t>신규고객</a:t>
+                      </a:r>
+                      <a:endParaRPr lang="en-US" altLang="ko-KR" sz="1600" b="1" dirty="0" smtClean="0">
+                        <a:latin typeface="맑은 고딕" pitchFamily="50" charset="-127"/>
+                        <a:ea typeface="맑은 고딕" pitchFamily="50" charset="-127"/>
+                      </a:endParaRPr>
+                    </a:p>
+                    <a:p>
+                      <a:pPr marL="0" marR="0" lvl="0" indent="0" algn="ctr" defTabSz="914400" rtl="0" eaLnBrk="1" fontAlgn="auto" latinLnBrk="1" hangingPunct="1">
+                        <a:lnSpc>
+                          <a:spcPct val="100000"/>
+                        </a:lnSpc>
+                        <a:spcBef>
+                          <a:spcPts val="0"/>
+                        </a:spcBef>
+                        <a:spcAft>
+                          <a:spcPts val="0"/>
+                        </a:spcAft>
+                        <a:buClrTx/>
+                        <a:buSzTx/>
+                        <a:buFont typeface="Wingdings" pitchFamily="2" charset="2"/>
+                        <a:buNone/>
+                        <a:tabLst/>
+                        <a:defRPr/>
+                      </a:pPr>
+                      <a:r>
+                        <a:rPr lang="ko-KR" altLang="en-US" sz="1600" b="1" dirty="0" smtClean="0">
+                          <a:latin typeface="맑은 고딕" pitchFamily="50" charset="-127"/>
+                          <a:ea typeface="맑은 고딕" pitchFamily="50" charset="-127"/>
+                        </a:rPr>
+                        <a:t>특성분석</a:t>
+                      </a:r>
                       <a:endParaRPr lang="ko-KR" altLang="en-US" sz="1600" b="1" dirty="0">
                         <a:latin typeface="맑은 고딕" pitchFamily="50" charset="-127"/>
                         <a:ea typeface="맑은 고딕" pitchFamily="50" charset="-127"/>
@@ -14490,13 +13413,13 @@
                   </a:tcPr>
                 </a:tc>
               </a:tr>
-              <a:tr h="1419571">
+              <a:tr h="709786">
                 <a:tc>
                   <a:txBody>
                     <a:bodyPr/>
                     <a:lstStyle/>
                     <a:p>
-                      <a:pPr marL="87313" marR="0" lvl="0" indent="-87313" algn="l" defTabSz="914400" rtl="0" eaLnBrk="1" fontAlgn="auto" latinLnBrk="1" hangingPunct="1">
+                      <a:pPr marL="0" marR="0" lvl="0" indent="0" algn="ctr" defTabSz="914400" rtl="0" eaLnBrk="1" fontAlgn="auto" latinLnBrk="1" hangingPunct="1">
                         <a:lnSpc>
                           <a:spcPct val="100000"/>
                         </a:lnSpc>
@@ -14509,10 +13432,47 @@
                         <a:buClrTx/>
                         <a:buSzTx/>
                         <a:buFont typeface="Wingdings" pitchFamily="2" charset="2"/>
-                        <a:buChar char="§"/>
+                        <a:buNone/>
                         <a:tabLst/>
                         <a:defRPr/>
                       </a:pPr>
+                      <a:r>
+                        <a:rPr lang="ko-KR" altLang="en-US" sz="1600" b="1" dirty="0" smtClean="0">
+                          <a:latin typeface="맑은 고딕" pitchFamily="50" charset="-127"/>
+                          <a:ea typeface="맑은 고딕" pitchFamily="50" charset="-127"/>
+                        </a:rPr>
+                        <a:t>숙소만족확률</a:t>
+                      </a:r>
+                      <a:endParaRPr lang="en-US" altLang="ko-KR" sz="1600" b="1" dirty="0" smtClean="0">
+                        <a:latin typeface="맑은 고딕" pitchFamily="50" charset="-127"/>
+                        <a:ea typeface="맑은 고딕" pitchFamily="50" charset="-127"/>
+                      </a:endParaRPr>
+                    </a:p>
+                    <a:p>
+                      <a:pPr marL="0" marR="0" lvl="0" indent="0" algn="ctr" defTabSz="914400" rtl="0" eaLnBrk="1" fontAlgn="auto" latinLnBrk="1" hangingPunct="1">
+                        <a:lnSpc>
+                          <a:spcPct val="100000"/>
+                        </a:lnSpc>
+                        <a:spcBef>
+                          <a:spcPts val="0"/>
+                        </a:spcBef>
+                        <a:spcAft>
+                          <a:spcPts val="0"/>
+                        </a:spcAft>
+                        <a:buClrTx/>
+                        <a:buSzTx/>
+                        <a:buFont typeface="Wingdings" pitchFamily="2" charset="2"/>
+                        <a:buNone/>
+                        <a:tabLst/>
+                        <a:defRPr/>
+                      </a:pPr>
+                      <a:r>
+                        <a:rPr lang="ko-KR" altLang="en-US" sz="1600" b="1" dirty="0" smtClean="0">
+                          <a:latin typeface="맑은 고딕" pitchFamily="50" charset="-127"/>
+                          <a:ea typeface="맑은 고딕" pitchFamily="50" charset="-127"/>
+                        </a:rPr>
+                        <a:t>분석</a:t>
+                      </a:r>
                       <a:endParaRPr lang="ko-KR" altLang="en-US" sz="1600" b="1" dirty="0">
                         <a:latin typeface="맑은 고딕" pitchFamily="50" charset="-127"/>
                         <a:ea typeface="맑은 고딕" pitchFamily="50" charset="-127"/>
@@ -14832,13 +13792,13 @@
                   </a:tcPr>
                 </a:tc>
               </a:tr>
-              <a:tr h="1419571">
+              <a:tr h="709786">
                 <a:tc>
                   <a:txBody>
                     <a:bodyPr/>
                     <a:lstStyle/>
                     <a:p>
-                      <a:pPr marL="87313" marR="0" lvl="0" indent="-87313" algn="l" defTabSz="914400" rtl="0" eaLnBrk="1" fontAlgn="auto" latinLnBrk="1" hangingPunct="1">
+                      <a:pPr marL="0" marR="0" lvl="0" indent="0" algn="ctr" defTabSz="914400" rtl="0" eaLnBrk="1" fontAlgn="auto" latinLnBrk="1" hangingPunct="1">
                         <a:lnSpc>
                           <a:spcPct val="100000"/>
                         </a:lnSpc>
@@ -14851,10 +13811,1191 @@
                         <a:buClrTx/>
                         <a:buSzTx/>
                         <a:buFont typeface="Wingdings" pitchFamily="2" charset="2"/>
-                        <a:buChar char="§"/>
+                        <a:buNone/>
                         <a:tabLst/>
                         <a:defRPr/>
                       </a:pPr>
+                      <a:r>
+                        <a:rPr lang="ko-KR" altLang="en-US" sz="1600" b="1" dirty="0" smtClean="0">
+                          <a:latin typeface="맑은 고딕" pitchFamily="50" charset="-127"/>
+                          <a:ea typeface="맑은 고딕" pitchFamily="50" charset="-127"/>
+                        </a:rPr>
+                        <a:t>기존고객 유형별</a:t>
+                      </a:r>
+                      <a:endParaRPr lang="en-US" altLang="ko-KR" sz="1600" b="1" dirty="0" smtClean="0">
+                        <a:latin typeface="맑은 고딕" pitchFamily="50" charset="-127"/>
+                        <a:ea typeface="맑은 고딕" pitchFamily="50" charset="-127"/>
+                      </a:endParaRPr>
+                    </a:p>
+                    <a:p>
+                      <a:pPr marL="0" marR="0" lvl="0" indent="0" algn="ctr" defTabSz="914400" rtl="0" eaLnBrk="1" fontAlgn="auto" latinLnBrk="1" hangingPunct="1">
+                        <a:lnSpc>
+                          <a:spcPct val="100000"/>
+                        </a:lnSpc>
+                        <a:spcBef>
+                          <a:spcPts val="0"/>
+                        </a:spcBef>
+                        <a:spcAft>
+                          <a:spcPts val="0"/>
+                        </a:spcAft>
+                        <a:buClrTx/>
+                        <a:buSzTx/>
+                        <a:buFont typeface="Wingdings" pitchFamily="2" charset="2"/>
+                        <a:buNone/>
+                        <a:tabLst/>
+                        <a:defRPr/>
+                      </a:pPr>
+                      <a:r>
+                        <a:rPr lang="ko-KR" altLang="en-US" sz="1600" b="1" dirty="0" smtClean="0">
+                          <a:latin typeface="맑은 고딕" pitchFamily="50" charset="-127"/>
+                          <a:ea typeface="맑은 고딕" pitchFamily="50" charset="-127"/>
+                        </a:rPr>
+                        <a:t>숙소지 특성 분석</a:t>
+                      </a:r>
+                      <a:endParaRPr lang="ko-KR" altLang="en-US" sz="1600" b="1" dirty="0">
+                        <a:latin typeface="맑은 고딕" pitchFamily="50" charset="-127"/>
+                        <a:ea typeface="맑은 고딕" pitchFamily="50" charset="-127"/>
+                      </a:endParaRPr>
+                    </a:p>
+                  </a:txBody>
+                  <a:tcPr marL="36000" marR="36000" marT="36000" marB="36000" anchor="ctr">
+                    <a:lnL w="3175" cap="flat" cmpd="sng" algn="ctr">
+                      <a:solidFill>
+                        <a:schemeClr val="tx1"/>
+                      </a:solidFill>
+                      <a:prstDash val="solid"/>
+                      <a:round/>
+                      <a:headEnd type="none" w="med" len="med"/>
+                      <a:tailEnd type="none" w="med" len="med"/>
+                    </a:lnL>
+                    <a:lnR w="3175" cap="flat" cmpd="sng" algn="ctr">
+                      <a:solidFill>
+                        <a:schemeClr val="tx1"/>
+                      </a:solidFill>
+                      <a:prstDash val="solid"/>
+                      <a:round/>
+                      <a:headEnd type="none" w="med" len="med"/>
+                      <a:tailEnd type="none" w="med" len="med"/>
+                    </a:lnR>
+                    <a:lnT w="3175" cap="flat" cmpd="sng" algn="ctr">
+                      <a:solidFill>
+                        <a:schemeClr val="tx1"/>
+                      </a:solidFill>
+                      <a:prstDash val="solid"/>
+                      <a:round/>
+                      <a:headEnd type="none" w="med" len="med"/>
+                      <a:tailEnd type="none" w="med" len="med"/>
+                    </a:lnT>
+                    <a:lnB w="3175" cap="flat" cmpd="sng" algn="ctr">
+                      <a:solidFill>
+                        <a:schemeClr val="tx1"/>
+                      </a:solidFill>
+                      <a:prstDash val="solid"/>
+                      <a:round/>
+                      <a:headEnd type="none" w="med" len="med"/>
+                      <a:tailEnd type="none" w="med" len="med"/>
+                    </a:lnB>
+                    <a:solidFill>
+                      <a:schemeClr val="bg1"/>
+                    </a:solidFill>
+                  </a:tcPr>
+                </a:tc>
+                <a:tc>
+                  <a:txBody>
+                    <a:bodyPr/>
+                    <a:lstStyle/>
+                    <a:p>
+                      <a:pPr marL="0" marR="0" lvl="0" indent="0" algn="l" defTabSz="914400" rtl="0" eaLnBrk="1" fontAlgn="auto" latinLnBrk="1" hangingPunct="1">
+                        <a:lnSpc>
+                          <a:spcPct val="100000"/>
+                        </a:lnSpc>
+                        <a:spcBef>
+                          <a:spcPts val="0"/>
+                        </a:spcBef>
+                        <a:spcAft>
+                          <a:spcPts val="0"/>
+                        </a:spcAft>
+                        <a:buClrTx/>
+                        <a:buSzTx/>
+                        <a:buFontTx/>
+                        <a:buNone/>
+                        <a:tabLst/>
+                        <a:defRPr/>
+                      </a:pPr>
+                      <a:endParaRPr kumimoji="0" lang="en-US" altLang="ko-KR" sz="1600" b="1" i="0" u="none" strike="noStrike" kern="1200" cap="none" spc="0" normalizeH="0" baseline="0" noProof="0" dirty="0" smtClean="0">
+                        <a:ln>
+                          <a:noFill/>
+                        </a:ln>
+                        <a:solidFill>
+                          <a:srgbClr val="000000"/>
+                        </a:solidFill>
+                        <a:effectLst/>
+                        <a:uLnTx/>
+                        <a:uFillTx/>
+                        <a:latin typeface="맑은 고딕" pitchFamily="50" charset="-127"/>
+                        <a:ea typeface="맑은 고딕" pitchFamily="50" charset="-127"/>
+                        <a:cs typeface="+mn-cs"/>
+                      </a:endParaRPr>
+                    </a:p>
+                  </a:txBody>
+                  <a:tcPr marL="36000" marR="36000" marT="36000" marB="36000" anchor="ctr">
+                    <a:lnL w="3175" cap="flat" cmpd="sng" algn="ctr">
+                      <a:solidFill>
+                        <a:schemeClr val="tx1"/>
+                      </a:solidFill>
+                      <a:prstDash val="solid"/>
+                      <a:round/>
+                      <a:headEnd type="none" w="med" len="med"/>
+                      <a:tailEnd type="none" w="med" len="med"/>
+                    </a:lnL>
+                    <a:lnR w="3175" cap="flat" cmpd="sng" algn="ctr">
+                      <a:solidFill>
+                        <a:schemeClr val="tx1"/>
+                      </a:solidFill>
+                      <a:prstDash val="solid"/>
+                      <a:round/>
+                      <a:headEnd type="none" w="med" len="med"/>
+                      <a:tailEnd type="none" w="med" len="med"/>
+                    </a:lnR>
+                    <a:lnT w="3175" cap="flat" cmpd="sng" algn="ctr">
+                      <a:solidFill>
+                        <a:schemeClr val="tx1"/>
+                      </a:solidFill>
+                      <a:prstDash val="solid"/>
+                      <a:round/>
+                      <a:headEnd type="none" w="med" len="med"/>
+                      <a:tailEnd type="none" w="med" len="med"/>
+                    </a:lnT>
+                    <a:lnB w="3175" cap="flat" cmpd="sng" algn="ctr">
+                      <a:solidFill>
+                        <a:schemeClr val="tx1"/>
+                      </a:solidFill>
+                      <a:prstDash val="solid"/>
+                      <a:round/>
+                      <a:headEnd type="none" w="med" len="med"/>
+                      <a:tailEnd type="none" w="med" len="med"/>
+                    </a:lnB>
+                    <a:solidFill>
+                      <a:schemeClr val="bg1"/>
+                    </a:solidFill>
+                  </a:tcPr>
+                </a:tc>
+                <a:tc>
+                  <a:txBody>
+                    <a:bodyPr/>
+                    <a:lstStyle/>
+                    <a:p>
+                      <a:pPr marL="87313" marR="0" lvl="0" indent="-87313" algn="l" defTabSz="914400" rtl="0" eaLnBrk="1" fontAlgn="auto" latinLnBrk="0" hangingPunct="1">
+                        <a:lnSpc>
+                          <a:spcPts val="1400"/>
+                        </a:lnSpc>
+                        <a:spcBef>
+                          <a:spcPts val="0"/>
+                        </a:spcBef>
+                        <a:spcAft>
+                          <a:spcPts val="0"/>
+                        </a:spcAft>
+                        <a:buClrTx/>
+                        <a:buSzTx/>
+                        <a:buFont typeface="Arial" pitchFamily="34" charset="0"/>
+                        <a:buChar char="•"/>
+                        <a:tabLst/>
+                        <a:defRPr/>
+                      </a:pPr>
+                      <a:endParaRPr lang="ko-KR" altLang="en-US" sz="1600" b="1" dirty="0">
+                        <a:latin typeface="맑은 고딕" pitchFamily="50" charset="-127"/>
+                        <a:ea typeface="맑은 고딕" pitchFamily="50" charset="-127"/>
+                      </a:endParaRPr>
+                    </a:p>
+                  </a:txBody>
+                  <a:tcPr marL="36000" marR="36000" marT="36000" marB="36000" anchor="ctr">
+                    <a:lnL w="3175" cap="flat" cmpd="sng" algn="ctr">
+                      <a:solidFill>
+                        <a:schemeClr val="tx1"/>
+                      </a:solidFill>
+                      <a:prstDash val="solid"/>
+                      <a:round/>
+                      <a:headEnd type="none" w="med" len="med"/>
+                      <a:tailEnd type="none" w="med" len="med"/>
+                    </a:lnL>
+                    <a:lnR w="3175" cap="flat" cmpd="sng" algn="ctr">
+                      <a:solidFill>
+                        <a:schemeClr val="tx1"/>
+                      </a:solidFill>
+                      <a:prstDash val="solid"/>
+                      <a:round/>
+                      <a:headEnd type="none" w="med" len="med"/>
+                      <a:tailEnd type="none" w="med" len="med"/>
+                    </a:lnR>
+                    <a:lnT w="3175" cap="flat" cmpd="sng" algn="ctr">
+                      <a:solidFill>
+                        <a:schemeClr val="tx1"/>
+                      </a:solidFill>
+                      <a:prstDash val="solid"/>
+                      <a:round/>
+                      <a:headEnd type="none" w="med" len="med"/>
+                      <a:tailEnd type="none" w="med" len="med"/>
+                    </a:lnT>
+                    <a:lnB w="3175" cap="flat" cmpd="sng" algn="ctr">
+                      <a:solidFill>
+                        <a:schemeClr val="tx1"/>
+                      </a:solidFill>
+                      <a:prstDash val="solid"/>
+                      <a:round/>
+                      <a:headEnd type="none" w="med" len="med"/>
+                      <a:tailEnd type="none" w="med" len="med"/>
+                    </a:lnB>
+                    <a:solidFill>
+                      <a:schemeClr val="bg1"/>
+                    </a:solidFill>
+                  </a:tcPr>
+                </a:tc>
+                <a:tc>
+                  <a:txBody>
+                    <a:bodyPr/>
+                    <a:lstStyle/>
+                    <a:p>
+                      <a:pPr marL="87313" indent="-87313" algn="ctr" latinLnBrk="0">
+                        <a:lnSpc>
+                          <a:spcPts val="1400"/>
+                        </a:lnSpc>
+                        <a:buFont typeface="Arial" pitchFamily="34" charset="0"/>
+                        <a:buChar char="•"/>
+                      </a:pPr>
+                      <a:endParaRPr lang="ko-KR" altLang="en-US" sz="1600" b="1" dirty="0">
+                        <a:latin typeface="맑은 고딕" pitchFamily="50" charset="-127"/>
+                        <a:ea typeface="맑은 고딕" pitchFamily="50" charset="-127"/>
+                      </a:endParaRPr>
+                    </a:p>
+                  </a:txBody>
+                  <a:tcPr marL="36000" marR="36000" marT="36000" marB="36000" anchor="ctr">
+                    <a:lnL w="3175" cap="flat" cmpd="sng" algn="ctr">
+                      <a:solidFill>
+                        <a:schemeClr val="tx1"/>
+                      </a:solidFill>
+                      <a:prstDash val="solid"/>
+                      <a:round/>
+                      <a:headEnd type="none" w="med" len="med"/>
+                      <a:tailEnd type="none" w="med" len="med"/>
+                    </a:lnL>
+                    <a:lnR w="3175" cap="flat" cmpd="sng" algn="ctr">
+                      <a:solidFill>
+                        <a:schemeClr val="tx1"/>
+                      </a:solidFill>
+                      <a:prstDash val="solid"/>
+                      <a:round/>
+                      <a:headEnd type="none" w="med" len="med"/>
+                      <a:tailEnd type="none" w="med" len="med"/>
+                    </a:lnR>
+                    <a:lnT w="3175" cap="flat" cmpd="sng" algn="ctr">
+                      <a:solidFill>
+                        <a:schemeClr val="tx1"/>
+                      </a:solidFill>
+                      <a:prstDash val="solid"/>
+                      <a:round/>
+                      <a:headEnd type="none" w="med" len="med"/>
+                      <a:tailEnd type="none" w="med" len="med"/>
+                    </a:lnT>
+                    <a:lnB w="3175" cap="flat" cmpd="sng" algn="ctr">
+                      <a:solidFill>
+                        <a:schemeClr val="tx1"/>
+                      </a:solidFill>
+                      <a:prstDash val="solid"/>
+                      <a:round/>
+                      <a:headEnd type="none" w="med" len="med"/>
+                      <a:tailEnd type="none" w="med" len="med"/>
+                    </a:lnB>
+                    <a:solidFill>
+                      <a:schemeClr val="bg1"/>
+                    </a:solidFill>
+                  </a:tcPr>
+                </a:tc>
+                <a:tc>
+                  <a:txBody>
+                    <a:bodyPr/>
+                    <a:lstStyle/>
+                    <a:p>
+                      <a:pPr marL="87313" indent="-87313" algn="l" latinLnBrk="0">
+                        <a:lnSpc>
+                          <a:spcPts val="1400"/>
+                        </a:lnSpc>
+                        <a:buFontTx/>
+                        <a:buChar char="-"/>
+                      </a:pPr>
+                      <a:endParaRPr lang="ko-KR" altLang="en-US" sz="1600" b="1" dirty="0">
+                        <a:latin typeface="맑은 고딕" pitchFamily="50" charset="-127"/>
+                        <a:ea typeface="맑은 고딕" pitchFamily="50" charset="-127"/>
+                      </a:endParaRPr>
+                    </a:p>
+                  </a:txBody>
+                  <a:tcPr marL="36000" marR="36000" marT="36000" marB="36000" anchor="ctr">
+                    <a:lnL w="3175" cap="flat" cmpd="sng" algn="ctr">
+                      <a:solidFill>
+                        <a:schemeClr val="tx1"/>
+                      </a:solidFill>
+                      <a:prstDash val="solid"/>
+                      <a:round/>
+                      <a:headEnd type="none" w="med" len="med"/>
+                      <a:tailEnd type="none" w="med" len="med"/>
+                    </a:lnL>
+                    <a:lnR w="3175" cap="flat" cmpd="sng" algn="ctr">
+                      <a:solidFill>
+                        <a:schemeClr val="tx1"/>
+                      </a:solidFill>
+                      <a:prstDash val="solid"/>
+                      <a:round/>
+                      <a:headEnd type="none" w="med" len="med"/>
+                      <a:tailEnd type="none" w="med" len="med"/>
+                    </a:lnR>
+                    <a:lnT w="3175" cap="flat" cmpd="sng" algn="ctr">
+                      <a:solidFill>
+                        <a:schemeClr val="tx1"/>
+                      </a:solidFill>
+                      <a:prstDash val="solid"/>
+                      <a:round/>
+                      <a:headEnd type="none" w="med" len="med"/>
+                      <a:tailEnd type="none" w="med" len="med"/>
+                    </a:lnT>
+                    <a:lnB w="3175" cap="flat" cmpd="sng" algn="ctr">
+                      <a:solidFill>
+                        <a:schemeClr val="tx1"/>
+                      </a:solidFill>
+                      <a:prstDash val="solid"/>
+                      <a:round/>
+                      <a:headEnd type="none" w="med" len="med"/>
+                      <a:tailEnd type="none" w="med" len="med"/>
+                    </a:lnB>
+                    <a:solidFill>
+                      <a:schemeClr val="bg1"/>
+                    </a:solidFill>
+                  </a:tcPr>
+                </a:tc>
+              </a:tr>
+              <a:tr h="709786">
+                <a:tc>
+                  <a:txBody>
+                    <a:bodyPr/>
+                    <a:lstStyle/>
+                    <a:p>
+                      <a:pPr marL="0" marR="0" lvl="0" indent="0" algn="ctr" defTabSz="914400" rtl="0" eaLnBrk="1" fontAlgn="auto" latinLnBrk="1" hangingPunct="1">
+                        <a:lnSpc>
+                          <a:spcPct val="100000"/>
+                        </a:lnSpc>
+                        <a:spcBef>
+                          <a:spcPts val="0"/>
+                        </a:spcBef>
+                        <a:spcAft>
+                          <a:spcPts val="0"/>
+                        </a:spcAft>
+                        <a:buClrTx/>
+                        <a:buSzTx/>
+                        <a:buFont typeface="Wingdings" pitchFamily="2" charset="2"/>
+                        <a:buNone/>
+                        <a:tabLst/>
+                        <a:defRPr/>
+                      </a:pPr>
+                      <a:r>
+                        <a:rPr lang="ko-KR" altLang="en-US" sz="1600" b="1" dirty="0" smtClean="0">
+                          <a:latin typeface="맑은 고딕" pitchFamily="50" charset="-127"/>
+                          <a:ea typeface="맑은 고딕" pitchFamily="50" charset="-127"/>
+                        </a:rPr>
+                        <a:t>기존고객 </a:t>
+                      </a:r>
+                      <a:r>
+                        <a:rPr lang="ko-KR" altLang="en-US" sz="1600" b="1" dirty="0" err="1" smtClean="0">
+                          <a:latin typeface="맑은 고딕" pitchFamily="50" charset="-127"/>
+                          <a:ea typeface="맑은 고딕" pitchFamily="50" charset="-127"/>
+                        </a:rPr>
+                        <a:t>거리별</a:t>
+                      </a:r>
+                      <a:endParaRPr lang="en-US" altLang="ko-KR" sz="1600" b="1" dirty="0" smtClean="0">
+                        <a:latin typeface="맑은 고딕" pitchFamily="50" charset="-127"/>
+                        <a:ea typeface="맑은 고딕" pitchFamily="50" charset="-127"/>
+                      </a:endParaRPr>
+                    </a:p>
+                    <a:p>
+                      <a:pPr marL="0" marR="0" lvl="0" indent="0" algn="ctr" defTabSz="914400" rtl="0" eaLnBrk="1" fontAlgn="auto" latinLnBrk="1" hangingPunct="1">
+                        <a:lnSpc>
+                          <a:spcPct val="100000"/>
+                        </a:lnSpc>
+                        <a:spcBef>
+                          <a:spcPts val="0"/>
+                        </a:spcBef>
+                        <a:spcAft>
+                          <a:spcPts val="0"/>
+                        </a:spcAft>
+                        <a:buClrTx/>
+                        <a:buSzTx/>
+                        <a:buFont typeface="Wingdings" pitchFamily="2" charset="2"/>
+                        <a:buNone/>
+                        <a:tabLst/>
+                        <a:defRPr/>
+                      </a:pPr>
+                      <a:r>
+                        <a:rPr lang="ko-KR" altLang="en-US" sz="1600" b="1" dirty="0" smtClean="0">
+                          <a:latin typeface="맑은 고딕" pitchFamily="50" charset="-127"/>
+                          <a:ea typeface="맑은 고딕" pitchFamily="50" charset="-127"/>
+                        </a:rPr>
+                        <a:t>만족도 분석</a:t>
+                      </a:r>
+                      <a:endParaRPr lang="ko-KR" altLang="en-US" sz="1600" b="1" dirty="0">
+                        <a:latin typeface="맑은 고딕" pitchFamily="50" charset="-127"/>
+                        <a:ea typeface="맑은 고딕" pitchFamily="50" charset="-127"/>
+                      </a:endParaRPr>
+                    </a:p>
+                  </a:txBody>
+                  <a:tcPr marL="36000" marR="36000" marT="36000" marB="36000" anchor="ctr">
+                    <a:lnL w="3175" cap="flat" cmpd="sng" algn="ctr">
+                      <a:solidFill>
+                        <a:schemeClr val="tx1"/>
+                      </a:solidFill>
+                      <a:prstDash val="solid"/>
+                      <a:round/>
+                      <a:headEnd type="none" w="med" len="med"/>
+                      <a:tailEnd type="none" w="med" len="med"/>
+                    </a:lnL>
+                    <a:lnR w="3175" cap="flat" cmpd="sng" algn="ctr">
+                      <a:solidFill>
+                        <a:schemeClr val="tx1"/>
+                      </a:solidFill>
+                      <a:prstDash val="solid"/>
+                      <a:round/>
+                      <a:headEnd type="none" w="med" len="med"/>
+                      <a:tailEnd type="none" w="med" len="med"/>
+                    </a:lnR>
+                    <a:lnT w="3175" cap="flat" cmpd="sng" algn="ctr">
+                      <a:solidFill>
+                        <a:schemeClr val="tx1"/>
+                      </a:solidFill>
+                      <a:prstDash val="solid"/>
+                      <a:round/>
+                      <a:headEnd type="none" w="med" len="med"/>
+                      <a:tailEnd type="none" w="med" len="med"/>
+                    </a:lnT>
+                    <a:lnB w="3175" cap="flat" cmpd="sng" algn="ctr">
+                      <a:solidFill>
+                        <a:schemeClr val="tx1"/>
+                      </a:solidFill>
+                      <a:prstDash val="solid"/>
+                      <a:round/>
+                      <a:headEnd type="none" w="med" len="med"/>
+                      <a:tailEnd type="none" w="med" len="med"/>
+                    </a:lnB>
+                    <a:solidFill>
+                      <a:schemeClr val="bg1"/>
+                    </a:solidFill>
+                  </a:tcPr>
+                </a:tc>
+                <a:tc>
+                  <a:txBody>
+                    <a:bodyPr/>
+                    <a:lstStyle/>
+                    <a:p>
+                      <a:pPr marL="0" marR="0" lvl="0" indent="0" algn="l" defTabSz="914400" rtl="0" eaLnBrk="1" fontAlgn="auto" latinLnBrk="1" hangingPunct="1">
+                        <a:lnSpc>
+                          <a:spcPct val="100000"/>
+                        </a:lnSpc>
+                        <a:spcBef>
+                          <a:spcPts val="0"/>
+                        </a:spcBef>
+                        <a:spcAft>
+                          <a:spcPts val="0"/>
+                        </a:spcAft>
+                        <a:buClrTx/>
+                        <a:buSzTx/>
+                        <a:buFontTx/>
+                        <a:buNone/>
+                        <a:tabLst/>
+                        <a:defRPr/>
+                      </a:pPr>
+                      <a:endParaRPr kumimoji="0" lang="en-US" altLang="ko-KR" sz="1600" b="1" i="0" u="none" strike="noStrike" kern="1200" cap="none" spc="0" normalizeH="0" baseline="0" noProof="0" dirty="0" smtClean="0">
+                        <a:ln>
+                          <a:noFill/>
+                        </a:ln>
+                        <a:solidFill>
+                          <a:srgbClr val="000000"/>
+                        </a:solidFill>
+                        <a:effectLst/>
+                        <a:uLnTx/>
+                        <a:uFillTx/>
+                        <a:latin typeface="맑은 고딕" pitchFamily="50" charset="-127"/>
+                        <a:ea typeface="맑은 고딕" pitchFamily="50" charset="-127"/>
+                        <a:cs typeface="+mn-cs"/>
+                      </a:endParaRPr>
+                    </a:p>
+                  </a:txBody>
+                  <a:tcPr marL="36000" marR="36000" marT="36000" marB="36000" anchor="ctr">
+                    <a:lnL w="3175" cap="flat" cmpd="sng" algn="ctr">
+                      <a:solidFill>
+                        <a:schemeClr val="tx1"/>
+                      </a:solidFill>
+                      <a:prstDash val="solid"/>
+                      <a:round/>
+                      <a:headEnd type="none" w="med" len="med"/>
+                      <a:tailEnd type="none" w="med" len="med"/>
+                    </a:lnL>
+                    <a:lnR w="3175" cap="flat" cmpd="sng" algn="ctr">
+                      <a:solidFill>
+                        <a:schemeClr val="tx1"/>
+                      </a:solidFill>
+                      <a:prstDash val="solid"/>
+                      <a:round/>
+                      <a:headEnd type="none" w="med" len="med"/>
+                      <a:tailEnd type="none" w="med" len="med"/>
+                    </a:lnR>
+                    <a:lnT w="3175" cap="flat" cmpd="sng" algn="ctr">
+                      <a:solidFill>
+                        <a:schemeClr val="tx1"/>
+                      </a:solidFill>
+                      <a:prstDash val="solid"/>
+                      <a:round/>
+                      <a:headEnd type="none" w="med" len="med"/>
+                      <a:tailEnd type="none" w="med" len="med"/>
+                    </a:lnT>
+                    <a:lnB w="3175" cap="flat" cmpd="sng" algn="ctr">
+                      <a:solidFill>
+                        <a:schemeClr val="tx1"/>
+                      </a:solidFill>
+                      <a:prstDash val="solid"/>
+                      <a:round/>
+                      <a:headEnd type="none" w="med" len="med"/>
+                      <a:tailEnd type="none" w="med" len="med"/>
+                    </a:lnB>
+                    <a:solidFill>
+                      <a:schemeClr val="bg1"/>
+                    </a:solidFill>
+                  </a:tcPr>
+                </a:tc>
+                <a:tc>
+                  <a:txBody>
+                    <a:bodyPr/>
+                    <a:lstStyle/>
+                    <a:p>
+                      <a:pPr marL="87313" marR="0" lvl="0" indent="-87313" algn="l" defTabSz="914400" rtl="0" eaLnBrk="1" fontAlgn="auto" latinLnBrk="0" hangingPunct="1">
+                        <a:lnSpc>
+                          <a:spcPts val="1400"/>
+                        </a:lnSpc>
+                        <a:spcBef>
+                          <a:spcPts val="0"/>
+                        </a:spcBef>
+                        <a:spcAft>
+                          <a:spcPts val="0"/>
+                        </a:spcAft>
+                        <a:buClrTx/>
+                        <a:buSzTx/>
+                        <a:buFont typeface="Arial" pitchFamily="34" charset="0"/>
+                        <a:buChar char="•"/>
+                        <a:tabLst/>
+                        <a:defRPr/>
+                      </a:pPr>
+                      <a:endParaRPr lang="ko-KR" altLang="en-US" sz="1600" b="1" dirty="0">
+                        <a:latin typeface="맑은 고딕" pitchFamily="50" charset="-127"/>
+                        <a:ea typeface="맑은 고딕" pitchFamily="50" charset="-127"/>
+                      </a:endParaRPr>
+                    </a:p>
+                  </a:txBody>
+                  <a:tcPr marL="36000" marR="36000" marT="36000" marB="36000" anchor="ctr">
+                    <a:lnL w="3175" cap="flat" cmpd="sng" algn="ctr">
+                      <a:solidFill>
+                        <a:schemeClr val="tx1"/>
+                      </a:solidFill>
+                      <a:prstDash val="solid"/>
+                      <a:round/>
+                      <a:headEnd type="none" w="med" len="med"/>
+                      <a:tailEnd type="none" w="med" len="med"/>
+                    </a:lnL>
+                    <a:lnR w="3175" cap="flat" cmpd="sng" algn="ctr">
+                      <a:solidFill>
+                        <a:schemeClr val="tx1"/>
+                      </a:solidFill>
+                      <a:prstDash val="solid"/>
+                      <a:round/>
+                      <a:headEnd type="none" w="med" len="med"/>
+                      <a:tailEnd type="none" w="med" len="med"/>
+                    </a:lnR>
+                    <a:lnT w="3175" cap="flat" cmpd="sng" algn="ctr">
+                      <a:solidFill>
+                        <a:schemeClr val="tx1"/>
+                      </a:solidFill>
+                      <a:prstDash val="solid"/>
+                      <a:round/>
+                      <a:headEnd type="none" w="med" len="med"/>
+                      <a:tailEnd type="none" w="med" len="med"/>
+                    </a:lnT>
+                    <a:lnB w="3175" cap="flat" cmpd="sng" algn="ctr">
+                      <a:solidFill>
+                        <a:schemeClr val="tx1"/>
+                      </a:solidFill>
+                      <a:prstDash val="solid"/>
+                      <a:round/>
+                      <a:headEnd type="none" w="med" len="med"/>
+                      <a:tailEnd type="none" w="med" len="med"/>
+                    </a:lnB>
+                    <a:solidFill>
+                      <a:schemeClr val="bg1"/>
+                    </a:solidFill>
+                  </a:tcPr>
+                </a:tc>
+                <a:tc>
+                  <a:txBody>
+                    <a:bodyPr/>
+                    <a:lstStyle/>
+                    <a:p>
+                      <a:pPr marL="87313" indent="-87313" algn="ctr" latinLnBrk="0">
+                        <a:lnSpc>
+                          <a:spcPts val="1400"/>
+                        </a:lnSpc>
+                        <a:buFont typeface="Arial" pitchFamily="34" charset="0"/>
+                        <a:buChar char="•"/>
+                      </a:pPr>
+                      <a:endParaRPr lang="ko-KR" altLang="en-US" sz="1600" b="1" dirty="0">
+                        <a:latin typeface="맑은 고딕" pitchFamily="50" charset="-127"/>
+                        <a:ea typeface="맑은 고딕" pitchFamily="50" charset="-127"/>
+                      </a:endParaRPr>
+                    </a:p>
+                  </a:txBody>
+                  <a:tcPr marL="36000" marR="36000" marT="36000" marB="36000" anchor="ctr">
+                    <a:lnL w="3175" cap="flat" cmpd="sng" algn="ctr">
+                      <a:solidFill>
+                        <a:schemeClr val="tx1"/>
+                      </a:solidFill>
+                      <a:prstDash val="solid"/>
+                      <a:round/>
+                      <a:headEnd type="none" w="med" len="med"/>
+                      <a:tailEnd type="none" w="med" len="med"/>
+                    </a:lnL>
+                    <a:lnR w="3175" cap="flat" cmpd="sng" algn="ctr">
+                      <a:solidFill>
+                        <a:schemeClr val="tx1"/>
+                      </a:solidFill>
+                      <a:prstDash val="solid"/>
+                      <a:round/>
+                      <a:headEnd type="none" w="med" len="med"/>
+                      <a:tailEnd type="none" w="med" len="med"/>
+                    </a:lnR>
+                    <a:lnT w="3175" cap="flat" cmpd="sng" algn="ctr">
+                      <a:solidFill>
+                        <a:schemeClr val="tx1"/>
+                      </a:solidFill>
+                      <a:prstDash val="solid"/>
+                      <a:round/>
+                      <a:headEnd type="none" w="med" len="med"/>
+                      <a:tailEnd type="none" w="med" len="med"/>
+                    </a:lnT>
+                    <a:lnB w="3175" cap="flat" cmpd="sng" algn="ctr">
+                      <a:solidFill>
+                        <a:schemeClr val="tx1"/>
+                      </a:solidFill>
+                      <a:prstDash val="solid"/>
+                      <a:round/>
+                      <a:headEnd type="none" w="med" len="med"/>
+                      <a:tailEnd type="none" w="med" len="med"/>
+                    </a:lnB>
+                    <a:solidFill>
+                      <a:schemeClr val="bg1"/>
+                    </a:solidFill>
+                  </a:tcPr>
+                </a:tc>
+                <a:tc>
+                  <a:txBody>
+                    <a:bodyPr/>
+                    <a:lstStyle/>
+                    <a:p>
+                      <a:pPr marL="87313" indent="-87313" algn="l" latinLnBrk="0">
+                        <a:lnSpc>
+                          <a:spcPts val="1400"/>
+                        </a:lnSpc>
+                        <a:buFontTx/>
+                        <a:buChar char="-"/>
+                      </a:pPr>
+                      <a:endParaRPr lang="ko-KR" altLang="en-US" sz="1600" b="1" dirty="0">
+                        <a:latin typeface="맑은 고딕" pitchFamily="50" charset="-127"/>
+                        <a:ea typeface="맑은 고딕" pitchFamily="50" charset="-127"/>
+                      </a:endParaRPr>
+                    </a:p>
+                  </a:txBody>
+                  <a:tcPr marL="36000" marR="36000" marT="36000" marB="36000" anchor="ctr">
+                    <a:lnL w="3175" cap="flat" cmpd="sng" algn="ctr">
+                      <a:solidFill>
+                        <a:schemeClr val="tx1"/>
+                      </a:solidFill>
+                      <a:prstDash val="solid"/>
+                      <a:round/>
+                      <a:headEnd type="none" w="med" len="med"/>
+                      <a:tailEnd type="none" w="med" len="med"/>
+                    </a:lnL>
+                    <a:lnR w="3175" cap="flat" cmpd="sng" algn="ctr">
+                      <a:solidFill>
+                        <a:schemeClr val="tx1"/>
+                      </a:solidFill>
+                      <a:prstDash val="solid"/>
+                      <a:round/>
+                      <a:headEnd type="none" w="med" len="med"/>
+                      <a:tailEnd type="none" w="med" len="med"/>
+                    </a:lnR>
+                    <a:lnT w="3175" cap="flat" cmpd="sng" algn="ctr">
+                      <a:solidFill>
+                        <a:schemeClr val="tx1"/>
+                      </a:solidFill>
+                      <a:prstDash val="solid"/>
+                      <a:round/>
+                      <a:headEnd type="none" w="med" len="med"/>
+                      <a:tailEnd type="none" w="med" len="med"/>
+                    </a:lnT>
+                    <a:lnB w="3175" cap="flat" cmpd="sng" algn="ctr">
+                      <a:solidFill>
+                        <a:schemeClr val="tx1"/>
+                      </a:solidFill>
+                      <a:prstDash val="solid"/>
+                      <a:round/>
+                      <a:headEnd type="none" w="med" len="med"/>
+                      <a:tailEnd type="none" w="med" len="med"/>
+                    </a:lnB>
+                    <a:solidFill>
+                      <a:schemeClr val="bg1"/>
+                    </a:solidFill>
+                  </a:tcPr>
+                </a:tc>
+              </a:tr>
+              <a:tr h="709786">
+                <a:tc>
+                  <a:txBody>
+                    <a:bodyPr/>
+                    <a:lstStyle/>
+                    <a:p>
+                      <a:pPr marL="0" marR="0" lvl="0" indent="0" algn="ctr" defTabSz="914400" rtl="0" eaLnBrk="1" fontAlgn="auto" latinLnBrk="1" hangingPunct="1">
+                        <a:lnSpc>
+                          <a:spcPct val="100000"/>
+                        </a:lnSpc>
+                        <a:spcBef>
+                          <a:spcPts val="0"/>
+                        </a:spcBef>
+                        <a:spcAft>
+                          <a:spcPts val="0"/>
+                        </a:spcAft>
+                        <a:buClrTx/>
+                        <a:buSzTx/>
+                        <a:buFont typeface="Wingdings" pitchFamily="2" charset="2"/>
+                        <a:buNone/>
+                        <a:tabLst/>
+                        <a:defRPr/>
+                      </a:pPr>
+                      <a:r>
+                        <a:rPr lang="ko-KR" altLang="en-US" sz="1600" b="1" dirty="0" smtClean="0">
+                          <a:latin typeface="맑은 고딕" pitchFamily="50" charset="-127"/>
+                          <a:ea typeface="맑은 고딕" pitchFamily="50" charset="-127"/>
+                        </a:rPr>
+                        <a:t>숙소지 카테고리</a:t>
+                      </a:r>
+                      <a:endParaRPr lang="en-US" altLang="ko-KR" sz="1600" b="1" dirty="0" smtClean="0">
+                        <a:latin typeface="맑은 고딕" pitchFamily="50" charset="-127"/>
+                        <a:ea typeface="맑은 고딕" pitchFamily="50" charset="-127"/>
+                      </a:endParaRPr>
+                    </a:p>
+                    <a:p>
+                      <a:pPr marL="0" marR="0" lvl="0" indent="0" algn="ctr" defTabSz="914400" rtl="0" eaLnBrk="1" fontAlgn="auto" latinLnBrk="1" hangingPunct="1">
+                        <a:lnSpc>
+                          <a:spcPct val="100000"/>
+                        </a:lnSpc>
+                        <a:spcBef>
+                          <a:spcPts val="0"/>
+                        </a:spcBef>
+                        <a:spcAft>
+                          <a:spcPts val="0"/>
+                        </a:spcAft>
+                        <a:buClrTx/>
+                        <a:buSzTx/>
+                        <a:buFont typeface="Wingdings" pitchFamily="2" charset="2"/>
+                        <a:buNone/>
+                        <a:tabLst/>
+                        <a:defRPr/>
+                      </a:pPr>
+                      <a:r>
+                        <a:rPr lang="ko-KR" altLang="en-US" sz="1600" b="1" dirty="0" smtClean="0">
+                          <a:latin typeface="맑은 고딕" pitchFamily="50" charset="-127"/>
+                          <a:ea typeface="맑은 고딕" pitchFamily="50" charset="-127"/>
+                        </a:rPr>
+                        <a:t>분석</a:t>
+                      </a:r>
+                      <a:endParaRPr lang="ko-KR" altLang="en-US" sz="1600" b="1" dirty="0">
+                        <a:latin typeface="맑은 고딕" pitchFamily="50" charset="-127"/>
+                        <a:ea typeface="맑은 고딕" pitchFamily="50" charset="-127"/>
+                      </a:endParaRPr>
+                    </a:p>
+                  </a:txBody>
+                  <a:tcPr marL="36000" marR="36000" marT="36000" marB="36000" anchor="ctr">
+                    <a:lnL w="3175" cap="flat" cmpd="sng" algn="ctr">
+                      <a:solidFill>
+                        <a:schemeClr val="tx1"/>
+                      </a:solidFill>
+                      <a:prstDash val="solid"/>
+                      <a:round/>
+                      <a:headEnd type="none" w="med" len="med"/>
+                      <a:tailEnd type="none" w="med" len="med"/>
+                    </a:lnL>
+                    <a:lnR w="3175" cap="flat" cmpd="sng" algn="ctr">
+                      <a:solidFill>
+                        <a:schemeClr val="tx1"/>
+                      </a:solidFill>
+                      <a:prstDash val="solid"/>
+                      <a:round/>
+                      <a:headEnd type="none" w="med" len="med"/>
+                      <a:tailEnd type="none" w="med" len="med"/>
+                    </a:lnR>
+                    <a:lnT w="3175" cap="flat" cmpd="sng" algn="ctr">
+                      <a:solidFill>
+                        <a:schemeClr val="tx1"/>
+                      </a:solidFill>
+                      <a:prstDash val="solid"/>
+                      <a:round/>
+                      <a:headEnd type="none" w="med" len="med"/>
+                      <a:tailEnd type="none" w="med" len="med"/>
+                    </a:lnT>
+                    <a:lnB w="3175" cap="flat" cmpd="sng" algn="ctr">
+                      <a:solidFill>
+                        <a:schemeClr val="tx1"/>
+                      </a:solidFill>
+                      <a:prstDash val="solid"/>
+                      <a:round/>
+                      <a:headEnd type="none" w="med" len="med"/>
+                      <a:tailEnd type="none" w="med" len="med"/>
+                    </a:lnB>
+                    <a:solidFill>
+                      <a:schemeClr val="bg1"/>
+                    </a:solidFill>
+                  </a:tcPr>
+                </a:tc>
+                <a:tc>
+                  <a:txBody>
+                    <a:bodyPr/>
+                    <a:lstStyle/>
+                    <a:p>
+                      <a:pPr marL="0" marR="0" lvl="0" indent="0" algn="l" defTabSz="914400" rtl="0" eaLnBrk="1" fontAlgn="auto" latinLnBrk="1" hangingPunct="1">
+                        <a:lnSpc>
+                          <a:spcPct val="100000"/>
+                        </a:lnSpc>
+                        <a:spcBef>
+                          <a:spcPts val="0"/>
+                        </a:spcBef>
+                        <a:spcAft>
+                          <a:spcPts val="0"/>
+                        </a:spcAft>
+                        <a:buClrTx/>
+                        <a:buSzTx/>
+                        <a:buFontTx/>
+                        <a:buNone/>
+                        <a:tabLst/>
+                        <a:defRPr/>
+                      </a:pPr>
+                      <a:endParaRPr kumimoji="0" lang="en-US" altLang="ko-KR" sz="1600" b="1" i="0" u="none" strike="noStrike" kern="1200" cap="none" spc="0" normalizeH="0" baseline="0" noProof="0" dirty="0" smtClean="0">
+                        <a:ln>
+                          <a:noFill/>
+                        </a:ln>
+                        <a:solidFill>
+                          <a:srgbClr val="000000"/>
+                        </a:solidFill>
+                        <a:effectLst/>
+                        <a:uLnTx/>
+                        <a:uFillTx/>
+                        <a:latin typeface="맑은 고딕" pitchFamily="50" charset="-127"/>
+                        <a:ea typeface="맑은 고딕" pitchFamily="50" charset="-127"/>
+                        <a:cs typeface="+mn-cs"/>
+                      </a:endParaRPr>
+                    </a:p>
+                  </a:txBody>
+                  <a:tcPr marL="36000" marR="36000" marT="36000" marB="36000" anchor="ctr">
+                    <a:lnL w="3175" cap="flat" cmpd="sng" algn="ctr">
+                      <a:solidFill>
+                        <a:schemeClr val="tx1"/>
+                      </a:solidFill>
+                      <a:prstDash val="solid"/>
+                      <a:round/>
+                      <a:headEnd type="none" w="med" len="med"/>
+                      <a:tailEnd type="none" w="med" len="med"/>
+                    </a:lnL>
+                    <a:lnR w="3175" cap="flat" cmpd="sng" algn="ctr">
+                      <a:solidFill>
+                        <a:schemeClr val="tx1"/>
+                      </a:solidFill>
+                      <a:prstDash val="solid"/>
+                      <a:round/>
+                      <a:headEnd type="none" w="med" len="med"/>
+                      <a:tailEnd type="none" w="med" len="med"/>
+                    </a:lnR>
+                    <a:lnT w="3175" cap="flat" cmpd="sng" algn="ctr">
+                      <a:solidFill>
+                        <a:schemeClr val="tx1"/>
+                      </a:solidFill>
+                      <a:prstDash val="solid"/>
+                      <a:round/>
+                      <a:headEnd type="none" w="med" len="med"/>
+                      <a:tailEnd type="none" w="med" len="med"/>
+                    </a:lnT>
+                    <a:lnB w="3175" cap="flat" cmpd="sng" algn="ctr">
+                      <a:solidFill>
+                        <a:schemeClr val="tx1"/>
+                      </a:solidFill>
+                      <a:prstDash val="solid"/>
+                      <a:round/>
+                      <a:headEnd type="none" w="med" len="med"/>
+                      <a:tailEnd type="none" w="med" len="med"/>
+                    </a:lnB>
+                    <a:solidFill>
+                      <a:schemeClr val="bg1"/>
+                    </a:solidFill>
+                  </a:tcPr>
+                </a:tc>
+                <a:tc>
+                  <a:txBody>
+                    <a:bodyPr/>
+                    <a:lstStyle/>
+                    <a:p>
+                      <a:pPr marL="87313" marR="0" lvl="0" indent="-87313" algn="l" defTabSz="914400" rtl="0" eaLnBrk="1" fontAlgn="auto" latinLnBrk="0" hangingPunct="1">
+                        <a:lnSpc>
+                          <a:spcPts val="1400"/>
+                        </a:lnSpc>
+                        <a:spcBef>
+                          <a:spcPts val="0"/>
+                        </a:spcBef>
+                        <a:spcAft>
+                          <a:spcPts val="0"/>
+                        </a:spcAft>
+                        <a:buClrTx/>
+                        <a:buSzTx/>
+                        <a:buFont typeface="Arial" pitchFamily="34" charset="0"/>
+                        <a:buChar char="•"/>
+                        <a:tabLst/>
+                        <a:defRPr/>
+                      </a:pPr>
+                      <a:endParaRPr lang="ko-KR" altLang="en-US" sz="1600" b="1" dirty="0">
+                        <a:latin typeface="맑은 고딕" pitchFamily="50" charset="-127"/>
+                        <a:ea typeface="맑은 고딕" pitchFamily="50" charset="-127"/>
+                      </a:endParaRPr>
+                    </a:p>
+                  </a:txBody>
+                  <a:tcPr marL="36000" marR="36000" marT="36000" marB="36000" anchor="ctr">
+                    <a:lnL w="3175" cap="flat" cmpd="sng" algn="ctr">
+                      <a:solidFill>
+                        <a:schemeClr val="tx1"/>
+                      </a:solidFill>
+                      <a:prstDash val="solid"/>
+                      <a:round/>
+                      <a:headEnd type="none" w="med" len="med"/>
+                      <a:tailEnd type="none" w="med" len="med"/>
+                    </a:lnL>
+                    <a:lnR w="3175" cap="flat" cmpd="sng" algn="ctr">
+                      <a:solidFill>
+                        <a:schemeClr val="tx1"/>
+                      </a:solidFill>
+                      <a:prstDash val="solid"/>
+                      <a:round/>
+                      <a:headEnd type="none" w="med" len="med"/>
+                      <a:tailEnd type="none" w="med" len="med"/>
+                    </a:lnR>
+                    <a:lnT w="3175" cap="flat" cmpd="sng" algn="ctr">
+                      <a:solidFill>
+                        <a:schemeClr val="tx1"/>
+                      </a:solidFill>
+                      <a:prstDash val="solid"/>
+                      <a:round/>
+                      <a:headEnd type="none" w="med" len="med"/>
+                      <a:tailEnd type="none" w="med" len="med"/>
+                    </a:lnT>
+                    <a:lnB w="3175" cap="flat" cmpd="sng" algn="ctr">
+                      <a:solidFill>
+                        <a:schemeClr val="tx1"/>
+                      </a:solidFill>
+                      <a:prstDash val="solid"/>
+                      <a:round/>
+                      <a:headEnd type="none" w="med" len="med"/>
+                      <a:tailEnd type="none" w="med" len="med"/>
+                    </a:lnB>
+                    <a:solidFill>
+                      <a:schemeClr val="bg1"/>
+                    </a:solidFill>
+                  </a:tcPr>
+                </a:tc>
+                <a:tc>
+                  <a:txBody>
+                    <a:bodyPr/>
+                    <a:lstStyle/>
+                    <a:p>
+                      <a:pPr marL="87313" indent="-87313" algn="ctr" latinLnBrk="0">
+                        <a:lnSpc>
+                          <a:spcPts val="1400"/>
+                        </a:lnSpc>
+                        <a:buFont typeface="Arial" pitchFamily="34" charset="0"/>
+                        <a:buChar char="•"/>
+                      </a:pPr>
+                      <a:endParaRPr lang="ko-KR" altLang="en-US" sz="1600" b="1" dirty="0">
+                        <a:latin typeface="맑은 고딕" pitchFamily="50" charset="-127"/>
+                        <a:ea typeface="맑은 고딕" pitchFamily="50" charset="-127"/>
+                      </a:endParaRPr>
+                    </a:p>
+                  </a:txBody>
+                  <a:tcPr marL="36000" marR="36000" marT="36000" marB="36000" anchor="ctr">
+                    <a:lnL w="3175" cap="flat" cmpd="sng" algn="ctr">
+                      <a:solidFill>
+                        <a:schemeClr val="tx1"/>
+                      </a:solidFill>
+                      <a:prstDash val="solid"/>
+                      <a:round/>
+                      <a:headEnd type="none" w="med" len="med"/>
+                      <a:tailEnd type="none" w="med" len="med"/>
+                    </a:lnL>
+                    <a:lnR w="3175" cap="flat" cmpd="sng" algn="ctr">
+                      <a:solidFill>
+                        <a:schemeClr val="tx1"/>
+                      </a:solidFill>
+                      <a:prstDash val="solid"/>
+                      <a:round/>
+                      <a:headEnd type="none" w="med" len="med"/>
+                      <a:tailEnd type="none" w="med" len="med"/>
+                    </a:lnR>
+                    <a:lnT w="3175" cap="flat" cmpd="sng" algn="ctr">
+                      <a:solidFill>
+                        <a:schemeClr val="tx1"/>
+                      </a:solidFill>
+                      <a:prstDash val="solid"/>
+                      <a:round/>
+                      <a:headEnd type="none" w="med" len="med"/>
+                      <a:tailEnd type="none" w="med" len="med"/>
+                    </a:lnT>
+                    <a:lnB w="3175" cap="flat" cmpd="sng" algn="ctr">
+                      <a:solidFill>
+                        <a:schemeClr val="tx1"/>
+                      </a:solidFill>
+                      <a:prstDash val="solid"/>
+                      <a:round/>
+                      <a:headEnd type="none" w="med" len="med"/>
+                      <a:tailEnd type="none" w="med" len="med"/>
+                    </a:lnB>
+                    <a:solidFill>
+                      <a:schemeClr val="bg1"/>
+                    </a:solidFill>
+                  </a:tcPr>
+                </a:tc>
+                <a:tc>
+                  <a:txBody>
+                    <a:bodyPr/>
+                    <a:lstStyle/>
+                    <a:p>
+                      <a:pPr marL="87313" indent="-87313" algn="l" latinLnBrk="0">
+                        <a:lnSpc>
+                          <a:spcPts val="1400"/>
+                        </a:lnSpc>
+                        <a:buFontTx/>
+                        <a:buChar char="-"/>
+                      </a:pPr>
+                      <a:endParaRPr lang="ko-KR" altLang="en-US" sz="1600" b="1" dirty="0">
+                        <a:latin typeface="맑은 고딕" pitchFamily="50" charset="-127"/>
+                        <a:ea typeface="맑은 고딕" pitchFamily="50" charset="-127"/>
+                      </a:endParaRPr>
+                    </a:p>
+                  </a:txBody>
+                  <a:tcPr marL="36000" marR="36000" marT="36000" marB="36000" anchor="ctr">
+                    <a:lnL w="3175" cap="flat" cmpd="sng" algn="ctr">
+                      <a:solidFill>
+                        <a:schemeClr val="tx1"/>
+                      </a:solidFill>
+                      <a:prstDash val="solid"/>
+                      <a:round/>
+                      <a:headEnd type="none" w="med" len="med"/>
+                      <a:tailEnd type="none" w="med" len="med"/>
+                    </a:lnL>
+                    <a:lnR w="3175" cap="flat" cmpd="sng" algn="ctr">
+                      <a:solidFill>
+                        <a:schemeClr val="tx1"/>
+                      </a:solidFill>
+                      <a:prstDash val="solid"/>
+                      <a:round/>
+                      <a:headEnd type="none" w="med" len="med"/>
+                      <a:tailEnd type="none" w="med" len="med"/>
+                    </a:lnR>
+                    <a:lnT w="3175" cap="flat" cmpd="sng" algn="ctr">
+                      <a:solidFill>
+                        <a:schemeClr val="tx1"/>
+                      </a:solidFill>
+                      <a:prstDash val="solid"/>
+                      <a:round/>
+                      <a:headEnd type="none" w="med" len="med"/>
+                      <a:tailEnd type="none" w="med" len="med"/>
+                    </a:lnT>
+                    <a:lnB w="3175" cap="flat" cmpd="sng" algn="ctr">
+                      <a:solidFill>
+                        <a:schemeClr val="tx1"/>
+                      </a:solidFill>
+                      <a:prstDash val="solid"/>
+                      <a:round/>
+                      <a:headEnd type="none" w="med" len="med"/>
+                      <a:tailEnd type="none" w="med" len="med"/>
+                    </a:lnB>
+                    <a:solidFill>
+                      <a:schemeClr val="bg1"/>
+                    </a:solidFill>
+                  </a:tcPr>
+                </a:tc>
+              </a:tr>
+              <a:tr h="709786">
+                <a:tc>
+                  <a:txBody>
+                    <a:bodyPr/>
+                    <a:lstStyle/>
+                    <a:p>
+                      <a:pPr marL="0" marR="0" lvl="0" indent="0" algn="ctr" defTabSz="914400" rtl="0" eaLnBrk="1" fontAlgn="auto" latinLnBrk="1" hangingPunct="1">
+                        <a:lnSpc>
+                          <a:spcPct val="100000"/>
+                        </a:lnSpc>
+                        <a:spcBef>
+                          <a:spcPts val="0"/>
+                        </a:spcBef>
+                        <a:spcAft>
+                          <a:spcPts val="0"/>
+                        </a:spcAft>
+                        <a:buClrTx/>
+                        <a:buSzTx/>
+                        <a:buFont typeface="Wingdings" pitchFamily="2" charset="2"/>
+                        <a:buNone/>
+                        <a:tabLst/>
+                        <a:defRPr/>
+                      </a:pPr>
+                      <a:r>
+                        <a:rPr lang="ko-KR" altLang="en-US" sz="1600" b="1" dirty="0" smtClean="0">
+                          <a:latin typeface="맑은 고딕" pitchFamily="50" charset="-127"/>
+                          <a:ea typeface="맑은 고딕" pitchFamily="50" charset="-127"/>
+                        </a:rPr>
+                        <a:t>회원가입</a:t>
+                      </a:r>
+                      <a:endParaRPr lang="en-US" altLang="ko-KR" sz="1600" b="1" dirty="0" smtClean="0">
+                        <a:latin typeface="맑은 고딕" pitchFamily="50" charset="-127"/>
+                        <a:ea typeface="맑은 고딕" pitchFamily="50" charset="-127"/>
+                      </a:endParaRPr>
+                    </a:p>
+                    <a:p>
+                      <a:pPr marL="0" marR="0" lvl="0" indent="0" algn="ctr" defTabSz="914400" rtl="0" eaLnBrk="1" fontAlgn="auto" latinLnBrk="1" hangingPunct="1">
+                        <a:lnSpc>
+                          <a:spcPct val="100000"/>
+                        </a:lnSpc>
+                        <a:spcBef>
+                          <a:spcPts val="0"/>
+                        </a:spcBef>
+                        <a:spcAft>
+                          <a:spcPts val="0"/>
+                        </a:spcAft>
+                        <a:buClrTx/>
+                        <a:buSzTx/>
+                        <a:buFont typeface="Wingdings" pitchFamily="2" charset="2"/>
+                        <a:buNone/>
+                        <a:tabLst/>
+                        <a:defRPr/>
+                      </a:pPr>
+                      <a:r>
+                        <a:rPr lang="ko-KR" altLang="en-US" sz="1600" b="1" dirty="0" smtClean="0">
+                          <a:latin typeface="맑은 고딕" pitchFamily="50" charset="-127"/>
+                          <a:ea typeface="맑은 고딕" pitchFamily="50" charset="-127"/>
+                        </a:rPr>
+                        <a:t>카테고리 분석</a:t>
+                      </a:r>
                       <a:endParaRPr lang="ko-KR" altLang="en-US" sz="1600" b="1" dirty="0">
                         <a:latin typeface="맑은 고딕" pitchFamily="50" charset="-127"/>
                         <a:ea typeface="맑은 고딕" pitchFamily="50" charset="-127"/>
